--- a/small_project/data_project/沅淯駿營造有限公司.pptx
+++ b/small_project/data_project/沅淯駿營造有限公司.pptx
@@ -6,21 +6,23 @@
   </p:sldMasterIdLst>
   <p:sldIdLst>
     <p:sldId id="256" r:id="rId2"/>
-    <p:sldId id="257" r:id="rId3"/>
-    <p:sldId id="258" r:id="rId4"/>
-    <p:sldId id="259" r:id="rId5"/>
-    <p:sldId id="260" r:id="rId6"/>
-    <p:sldId id="261" r:id="rId7"/>
-    <p:sldId id="262" r:id="rId8"/>
-    <p:sldId id="263" r:id="rId9"/>
-    <p:sldId id="264" r:id="rId10"/>
-    <p:sldId id="265" r:id="rId11"/>
-    <p:sldId id="266" r:id="rId12"/>
-    <p:sldId id="267" r:id="rId13"/>
-    <p:sldId id="268" r:id="rId14"/>
-    <p:sldId id="269" r:id="rId15"/>
-    <p:sldId id="270" r:id="rId16"/>
+    <p:sldId id="272" r:id="rId3"/>
+    <p:sldId id="257" r:id="rId4"/>
+    <p:sldId id="258" r:id="rId5"/>
+    <p:sldId id="259" r:id="rId6"/>
+    <p:sldId id="260" r:id="rId7"/>
+    <p:sldId id="261" r:id="rId8"/>
+    <p:sldId id="262" r:id="rId9"/>
+    <p:sldId id="263" r:id="rId10"/>
+    <p:sldId id="264" r:id="rId11"/>
+    <p:sldId id="265" r:id="rId12"/>
+    <p:sldId id="266" r:id="rId13"/>
+    <p:sldId id="267" r:id="rId14"/>
+    <p:sldId id="268" r:id="rId15"/>
+    <p:sldId id="269" r:id="rId16"/>
     <p:sldId id="271" r:id="rId17"/>
+    <p:sldId id="270" r:id="rId18"/>
+    <p:sldId id="273" r:id="rId19"/>
   </p:sldIdLst>
   <p:sldSz cx="9144000" cy="6858000" type="screen4x3"/>
   <p:notesSz cx="6858000" cy="9144000"/>
@@ -397,7 +399,7 @@
           <a:p>
             <a:fld id="{5727369B-E44C-4082-BCE3-F0D9374C2D85}" type="datetimeFigureOut">
               <a:rPr lang="zh-TW" altLang="en-US" smtClean="0"/>
-              <a:t>2016/7/15</a:t>
+              <a:t>2016/7/19</a:t>
             </a:fld>
             <a:endParaRPr lang="zh-TW" altLang="en-US"/>
           </a:p>
@@ -785,7 +787,7 @@
           <a:p>
             <a:fld id="{5727369B-E44C-4082-BCE3-F0D9374C2D85}" type="datetimeFigureOut">
               <a:rPr lang="zh-TW" altLang="en-US" smtClean="0"/>
-              <a:t>2016/7/15</a:t>
+              <a:t>2016/7/19</a:t>
             </a:fld>
             <a:endParaRPr lang="zh-TW" altLang="en-US"/>
           </a:p>
@@ -1312,7 +1314,7 @@
           <a:p>
             <a:fld id="{5727369B-E44C-4082-BCE3-F0D9374C2D85}" type="datetimeFigureOut">
               <a:rPr lang="zh-TW" altLang="en-US" smtClean="0"/>
-              <a:t>2016/7/15</a:t>
+              <a:t>2016/7/19</a:t>
             </a:fld>
             <a:endParaRPr lang="zh-TW" altLang="en-US"/>
           </a:p>
@@ -1440,7 +1442,7 @@
           <a:p>
             <a:fld id="{5727369B-E44C-4082-BCE3-F0D9374C2D85}" type="datetimeFigureOut">
               <a:rPr lang="zh-TW" altLang="en-US" smtClean="0"/>
-              <a:t>2016/7/15</a:t>
+              <a:t>2016/7/19</a:t>
             </a:fld>
             <a:endParaRPr lang="zh-TW" altLang="en-US"/>
           </a:p>
@@ -1978,7 +1980,7 @@
           <a:p>
             <a:fld id="{5727369B-E44C-4082-BCE3-F0D9374C2D85}" type="datetimeFigureOut">
               <a:rPr lang="zh-TW" altLang="en-US" smtClean="0"/>
-              <a:t>2016/7/15</a:t>
+              <a:t>2016/7/19</a:t>
             </a:fld>
             <a:endParaRPr lang="zh-TW" altLang="en-US"/>
           </a:p>
@@ -2268,7 +2270,7 @@
           <a:p>
             <a:fld id="{5727369B-E44C-4082-BCE3-F0D9374C2D85}" type="datetimeFigureOut">
               <a:rPr lang="zh-TW" altLang="en-US" smtClean="0"/>
-              <a:t>2016/7/15</a:t>
+              <a:t>2016/7/19</a:t>
             </a:fld>
             <a:endParaRPr lang="zh-TW" altLang="en-US"/>
           </a:p>
@@ -2922,7 +2924,7 @@
           <a:p>
             <a:fld id="{5727369B-E44C-4082-BCE3-F0D9374C2D85}" type="datetimeFigureOut">
               <a:rPr lang="zh-TW" altLang="en-US" smtClean="0"/>
-              <a:t>2016/7/15</a:t>
+              <a:t>2016/7/19</a:t>
             </a:fld>
             <a:endParaRPr lang="zh-TW" altLang="en-US"/>
           </a:p>
@@ -3358,7 +3360,7 @@
           <a:p>
             <a:fld id="{5727369B-E44C-4082-BCE3-F0D9374C2D85}" type="datetimeFigureOut">
               <a:rPr lang="zh-TW" altLang="en-US" smtClean="0"/>
-              <a:t>2016/7/15</a:t>
+              <a:t>2016/7/19</a:t>
             </a:fld>
             <a:endParaRPr lang="zh-TW" altLang="en-US"/>
           </a:p>
@@ -3671,7 +3673,7 @@
           <a:p>
             <a:fld id="{5727369B-E44C-4082-BCE3-F0D9374C2D85}" type="datetimeFigureOut">
               <a:rPr lang="zh-TW" altLang="en-US" smtClean="0"/>
-              <a:t>2016/7/15</a:t>
+              <a:t>2016/7/19</a:t>
             </a:fld>
             <a:endParaRPr lang="zh-TW" altLang="en-US"/>
           </a:p>
@@ -4398,7 +4400,7 @@
           <a:p>
             <a:fld id="{5727369B-E44C-4082-BCE3-F0D9374C2D85}" type="datetimeFigureOut">
               <a:rPr lang="zh-TW" altLang="en-US" smtClean="0"/>
-              <a:t>2016/7/15</a:t>
+              <a:t>2016/7/19</a:t>
             </a:fld>
             <a:endParaRPr lang="zh-TW" altLang="en-US"/>
           </a:p>
@@ -5062,7 +5064,7 @@
           <a:p>
             <a:fld id="{5727369B-E44C-4082-BCE3-F0D9374C2D85}" type="datetimeFigureOut">
               <a:rPr lang="zh-TW" altLang="en-US" smtClean="0"/>
-              <a:t>2016/7/15</a:t>
+              <a:t>2016/7/19</a:t>
             </a:fld>
             <a:endParaRPr lang="zh-TW" altLang="en-US"/>
           </a:p>
@@ -5335,7 +5337,7 @@
           <a:p>
             <a:fld id="{5727369B-E44C-4082-BCE3-F0D9374C2D85}" type="datetimeFigureOut">
               <a:rPr lang="zh-TW" altLang="en-US" smtClean="0"/>
-              <a:t>2016/7/15</a:t>
+              <a:t>2016/7/19</a:t>
             </a:fld>
             <a:endParaRPr lang="zh-TW" altLang="en-US"/>
           </a:p>
@@ -6087,6 +6089,13 @@
   <p:clrMapOvr>
     <a:masterClrMapping/>
   </p:clrMapOvr>
+  <p:timing>
+    <p:tnLst>
+      <p:par>
+        <p:cTn id="1" dur="indefinite" restart="never" nodeType="tmRoot"/>
+      </p:par>
+    </p:tnLst>
+  </p:timing>
 </p:sld>
 </file>
 
@@ -6132,7 +6141,7 @@
             </a:r>
             <a:r>
               <a:rPr lang="zh-TW" altLang="en-US" b="1" dirty="0" smtClean="0"/>
-              <a:t> 公司簡介</a:t>
+              <a:t> 聯絡我們</a:t>
             </a:r>
             <a:endParaRPr lang="zh-TW" altLang="en-US" b="1" dirty="0"/>
           </a:p>
@@ -6140,7 +6149,7 @@
       </p:sp>
       <p:pic>
         <p:nvPicPr>
-          <p:cNvPr id="5" name="內容版面配置區 4"/>
+          <p:cNvPr id="6" name="內容版面配置區 5"/>
           <p:cNvPicPr>
             <a:picLocks noGrp="1" noChangeAspect="1"/>
           </p:cNvPicPr>
@@ -6162,14 +6171,14 @@
         </p:blipFill>
         <p:spPr>
           <a:xfrm>
-            <a:off x="251520" y="2564904"/>
-            <a:ext cx="4233659" cy="1754549"/>
+            <a:off x="251520" y="2636913"/>
+            <a:ext cx="4176464" cy="1728191"/>
           </a:xfrm>
         </p:spPr>
       </p:pic>
       <p:pic>
         <p:nvPicPr>
-          <p:cNvPr id="6" name="內容版面配置區 5"/>
+          <p:cNvPr id="5" name="內容版面配置區 4"/>
           <p:cNvPicPr>
             <a:picLocks noGrp="1" noChangeAspect="1"/>
           </p:cNvPicPr>
@@ -6191,51 +6200,110 @@
         </p:blipFill>
         <p:spPr>
           <a:xfrm>
-            <a:off x="4860032" y="2564904"/>
-            <a:ext cx="3248443" cy="771633"/>
+            <a:off x="4800600" y="2614104"/>
+            <a:ext cx="4038600" cy="1751000"/>
           </a:xfrm>
         </p:spPr>
       </p:pic>
-      <p:pic>
-        <p:nvPicPr>
-          <p:cNvPr id="7" name="圖片 6"/>
-          <p:cNvPicPr>
-            <a:picLocks noChangeAspect="1"/>
-          </p:cNvPicPr>
-          <p:nvPr/>
-        </p:nvPicPr>
-        <p:blipFill>
-          <a:blip r:embed="rId4">
-            <a:extLst>
-              <a:ext uri="{28A0092B-C50C-407E-A947-70E740481C1C}">
-                <a14:useLocalDpi xmlns:a14="http://schemas.microsoft.com/office/drawing/2010/main" val="0"/>
-              </a:ext>
-            </a:extLst>
-          </a:blip>
-          <a:stretch>
-            <a:fillRect/>
-          </a:stretch>
-        </p:blipFill>
-        <p:spPr>
-          <a:xfrm>
-            <a:off x="4860032" y="3428999"/>
-            <a:ext cx="3429479" cy="1009791"/>
+      <p:sp>
+        <p:nvSpPr>
+          <p:cNvPr id="10" name="矩形 9"/>
+          <p:cNvSpPr/>
+          <p:nvPr/>
+        </p:nvSpPr>
+        <p:spPr>
+          <a:xfrm>
+            <a:off x="1691680" y="1268760"/>
+            <a:ext cx="1261884" cy="461665"/>
           </a:xfrm>
           <a:prstGeom prst="rect">
             <a:avLst/>
           </a:prstGeom>
         </p:spPr>
-      </p:pic>
+        <p:txBody>
+          <a:bodyPr wrap="none">
+            <a:spAutoFit/>
+          </a:bodyPr>
+          <a:lstStyle/>
+          <a:p>
+            <a:r>
+              <a:rPr lang="en-US" altLang="zh-TW" sz="2400" b="1" dirty="0" smtClean="0">
+                <a:solidFill>
+                  <a:schemeClr val="accent2">
+                    <a:lumMod val="75000"/>
+                  </a:schemeClr>
+                </a:solidFill>
+              </a:rPr>
+              <a:t>models</a:t>
+            </a:r>
+            <a:endParaRPr lang="zh-TW" altLang="en-US" sz="2400" b="1" dirty="0">
+              <a:solidFill>
+                <a:schemeClr val="accent2">
+                  <a:lumMod val="75000"/>
+                </a:schemeClr>
+              </a:solidFill>
+            </a:endParaRPr>
+          </a:p>
+        </p:txBody>
+      </p:sp>
+      <p:sp>
+        <p:nvSpPr>
+          <p:cNvPr id="11" name="矩形 10"/>
+          <p:cNvSpPr/>
+          <p:nvPr/>
+        </p:nvSpPr>
+        <p:spPr>
+          <a:xfrm>
+            <a:off x="6084168" y="1268760"/>
+            <a:ext cx="1774845" cy="461665"/>
+          </a:xfrm>
+          <a:prstGeom prst="rect">
+            <a:avLst/>
+          </a:prstGeom>
+        </p:spPr>
+        <p:txBody>
+          <a:bodyPr wrap="none">
+            <a:spAutoFit/>
+          </a:bodyPr>
+          <a:lstStyle/>
+          <a:p>
+            <a:r>
+              <a:rPr lang="en-US" altLang="zh-TW" sz="2400" b="1" dirty="0" smtClean="0">
+                <a:solidFill>
+                  <a:schemeClr val="accent2">
+                    <a:lumMod val="75000"/>
+                  </a:schemeClr>
+                </a:solidFill>
+              </a:rPr>
+              <a:t>controllers</a:t>
+            </a:r>
+            <a:endParaRPr lang="zh-TW" altLang="en-US" sz="2400" b="1" dirty="0">
+              <a:solidFill>
+                <a:schemeClr val="accent2">
+                  <a:lumMod val="75000"/>
+                </a:schemeClr>
+              </a:solidFill>
+            </a:endParaRPr>
+          </a:p>
+        </p:txBody>
+      </p:sp>
     </p:spTree>
     <p:extLst>
       <p:ext uri="{BB962C8B-B14F-4D97-AF65-F5344CB8AC3E}">
-        <p14:creationId xmlns:p14="http://schemas.microsoft.com/office/powerpoint/2010/main" val="1902697882"/>
+        <p14:creationId xmlns:p14="http://schemas.microsoft.com/office/powerpoint/2010/main" val="263923404"/>
       </p:ext>
     </p:extLst>
   </p:cSld>
   <p:clrMapOvr>
     <a:masterClrMapping/>
   </p:clrMapOvr>
+  <p:timing>
+    <p:tnLst>
+      <p:par>
+        <p:cTn id="1" dur="indefinite" restart="never" nodeType="tmRoot"/>
+      </p:par>
+    </p:tnLst>
+  </p:timing>
 </p:sld>
 </file>
 
@@ -6273,11 +6341,7 @@
           <a:p>
             <a:r>
               <a:rPr lang="zh-TW" altLang="en-US" b="1" dirty="0" smtClean="0"/>
-              <a:t>功能</a:t>
-            </a:r>
-            <a:r>
-              <a:rPr lang="zh-TW" altLang="en-US" b="1" dirty="0"/>
-              <a:t>介紹</a:t>
+              <a:t>功能介紹 </a:t>
             </a:r>
             <a:r>
               <a:rPr lang="en-US" altLang="zh-TW" b="1" dirty="0" smtClean="0"/>
@@ -6285,19 +6349,7 @@
             </a:r>
             <a:r>
               <a:rPr lang="zh-TW" altLang="en-US" b="1" dirty="0" smtClean="0"/>
-              <a:t> 實績展示</a:t>
-            </a:r>
-            <a:r>
-              <a:rPr lang="en-US" altLang="zh-TW" b="1" dirty="0" smtClean="0"/>
-              <a:t>(</a:t>
-            </a:r>
-            <a:r>
-              <a:rPr lang="zh-TW" altLang="en-US" b="1" dirty="0" smtClean="0"/>
-              <a:t>顯示</a:t>
-            </a:r>
-            <a:r>
-              <a:rPr lang="en-US" altLang="zh-TW" b="1" dirty="0" smtClean="0"/>
-              <a:t>)</a:t>
+              <a:t> 公司簡介</a:t>
             </a:r>
             <a:endParaRPr lang="zh-TW" altLang="en-US" b="1" dirty="0"/>
           </a:p>
@@ -6305,7 +6357,7 @@
       </p:sp>
       <p:pic>
         <p:nvPicPr>
-          <p:cNvPr id="6" name="內容版面配置區 5"/>
+          <p:cNvPr id="5" name="內容版面配置區 4"/>
           <p:cNvPicPr>
             <a:picLocks noGrp="1" noChangeAspect="1"/>
           </p:cNvPicPr>
@@ -6327,14 +6379,14 @@
         </p:blipFill>
         <p:spPr>
           <a:xfrm>
-            <a:off x="251520" y="2708920"/>
-            <a:ext cx="4176464" cy="1862965"/>
+            <a:off x="251520" y="2564904"/>
+            <a:ext cx="4233659" cy="1754549"/>
           </a:xfrm>
         </p:spPr>
       </p:pic>
       <p:pic>
         <p:nvPicPr>
-          <p:cNvPr id="5" name="內容版面配置區 4"/>
+          <p:cNvPr id="6" name="內容版面配置區 5"/>
           <p:cNvPicPr>
             <a:picLocks noGrp="1" noChangeAspect="1"/>
           </p:cNvPicPr>
@@ -6356,122 +6408,117 @@
         </p:blipFill>
         <p:spPr>
           <a:xfrm>
-            <a:off x="4967029" y="1702313"/>
-            <a:ext cx="3705742" cy="4020111"/>
+            <a:off x="4860032" y="2564904"/>
+            <a:ext cx="3248443" cy="771633"/>
           </a:xfrm>
         </p:spPr>
       </p:pic>
-      <p:sp>
-        <p:nvSpPr>
-          <p:cNvPr id="7" name="標題 1"/>
-          <p:cNvSpPr txBox="1">
-            <a:spLocks/>
-          </p:cNvSpPr>
-          <p:nvPr/>
-        </p:nvSpPr>
-        <p:spPr>
-          <a:xfrm>
-            <a:off x="179512" y="5805264"/>
-            <a:ext cx="8534400" cy="758952"/>
+      <p:pic>
+        <p:nvPicPr>
+          <p:cNvPr id="7" name="圖片 6"/>
+          <p:cNvPicPr>
+            <a:picLocks noChangeAspect="1"/>
+          </p:cNvPicPr>
+          <p:nvPr/>
+        </p:nvPicPr>
+        <p:blipFill>
+          <a:blip r:embed="rId4">
+            <a:extLst>
+              <a:ext uri="{28A0092B-C50C-407E-A947-70E740481C1C}">
+                <a14:useLocalDpi xmlns:a14="http://schemas.microsoft.com/office/drawing/2010/main" val="0"/>
+              </a:ext>
+            </a:extLst>
+          </a:blip>
+          <a:stretch>
+            <a:fillRect/>
+          </a:stretch>
+        </p:blipFill>
+        <p:spPr>
+          <a:xfrm>
+            <a:off x="4860032" y="3428999"/>
+            <a:ext cx="3429479" cy="1009791"/>
           </a:xfrm>
           <a:prstGeom prst="rect">
             <a:avLst/>
           </a:prstGeom>
         </p:spPr>
-        <p:txBody>
-          <a:bodyPr vert="horz" anchor="b">
-            <a:normAutofit/>
+      </p:pic>
+      <p:sp>
+        <p:nvSpPr>
+          <p:cNvPr id="11" name="矩形 10"/>
+          <p:cNvSpPr/>
+          <p:nvPr/>
+        </p:nvSpPr>
+        <p:spPr>
+          <a:xfrm>
+            <a:off x="1691680" y="1268760"/>
+            <a:ext cx="1261884" cy="461665"/>
+          </a:xfrm>
+          <a:prstGeom prst="rect">
+            <a:avLst/>
+          </a:prstGeom>
+        </p:spPr>
+        <p:txBody>
+          <a:bodyPr wrap="none">
+            <a:spAutoFit/>
           </a:bodyPr>
-          <a:lstStyle>
-            <a:lvl1pPr algn="ctr" rtl="0" eaLnBrk="1" latinLnBrk="0" hangingPunct="1">
-              <a:spcBef>
-                <a:spcPct val="0"/>
-              </a:spcBef>
-              <a:buNone/>
-              <a:defRPr kumimoji="0" sz="3300" kern="1200">
+          <a:lstStyle/>
+          <a:p>
+            <a:r>
+              <a:rPr lang="en-US" altLang="zh-TW" sz="2400" b="1" dirty="0" smtClean="0">
                 <a:solidFill>
-                  <a:schemeClr val="accent3">
-                    <a:shade val="75000"/>
-                  </a:schemeClr>
-                </a:solidFill>
-                <a:latin typeface="+mj-lt"/>
-                <a:ea typeface="+mj-ea"/>
-                <a:cs typeface="+mj-cs"/>
-              </a:defRPr>
-            </a:lvl1pPr>
-          </a:lstStyle>
-          <a:p>
-            <a:r>
-              <a:rPr lang="zh-TW" altLang="en-US" sz="2400" b="1" dirty="0">
-                <a:solidFill>
-                  <a:schemeClr val="tx1">
+                  <a:schemeClr val="accent2">
                     <a:lumMod val="75000"/>
-                    <a:lumOff val="25000"/>
                   </a:schemeClr>
                 </a:solidFill>
               </a:rPr>
-              <a:t>實績</a:t>
-            </a:r>
-            <a:r>
-              <a:rPr lang="zh-TW" altLang="en-US" sz="2400" b="1" dirty="0" smtClean="0">
+              <a:t>models</a:t>
+            </a:r>
+            <a:endParaRPr lang="zh-TW" altLang="en-US" sz="2400" b="1" dirty="0">
+              <a:solidFill>
+                <a:schemeClr val="accent2">
+                  <a:lumMod val="75000"/>
+                </a:schemeClr>
+              </a:solidFill>
+            </a:endParaRPr>
+          </a:p>
+        </p:txBody>
+      </p:sp>
+      <p:sp>
+        <p:nvSpPr>
+          <p:cNvPr id="12" name="矩形 11"/>
+          <p:cNvSpPr/>
+          <p:nvPr/>
+        </p:nvSpPr>
+        <p:spPr>
+          <a:xfrm>
+            <a:off x="6084168" y="1268760"/>
+            <a:ext cx="1774845" cy="461665"/>
+          </a:xfrm>
+          <a:prstGeom prst="rect">
+            <a:avLst/>
+          </a:prstGeom>
+        </p:spPr>
+        <p:txBody>
+          <a:bodyPr wrap="none">
+            <a:spAutoFit/>
+          </a:bodyPr>
+          <a:lstStyle/>
+          <a:p>
+            <a:r>
+              <a:rPr lang="en-US" altLang="zh-TW" sz="2400" b="1" dirty="0" smtClean="0">
                 <a:solidFill>
-                  <a:schemeClr val="tx1">
+                  <a:schemeClr val="accent2">
                     <a:lumMod val="75000"/>
-                    <a:lumOff val="25000"/>
                   </a:schemeClr>
                 </a:solidFill>
               </a:rPr>
-              <a:t>展示</a:t>
-            </a:r>
-            <a:r>
-              <a:rPr lang="en-US" altLang="zh-TW" sz="2400" b="1" dirty="0" smtClean="0">
-                <a:solidFill>
-                  <a:schemeClr val="tx1">
-                    <a:lumMod val="75000"/>
-                    <a:lumOff val="25000"/>
-                  </a:schemeClr>
-                </a:solidFill>
-              </a:rPr>
-              <a:t>(</a:t>
-            </a:r>
-            <a:r>
-              <a:rPr lang="zh-TW" altLang="en-US" sz="2400" b="1" dirty="0" smtClean="0">
-                <a:solidFill>
-                  <a:schemeClr val="tx1">
-                    <a:lumMod val="75000"/>
-                    <a:lumOff val="25000"/>
-                  </a:schemeClr>
-                </a:solidFill>
-              </a:rPr>
-              <a:t>顯示</a:t>
-            </a:r>
-            <a:r>
-              <a:rPr lang="en-US" altLang="zh-TW" sz="2400" b="1" dirty="0" smtClean="0">
-                <a:solidFill>
-                  <a:schemeClr val="tx1">
-                    <a:lumMod val="75000"/>
-                    <a:lumOff val="25000"/>
-                  </a:schemeClr>
-                </a:solidFill>
-              </a:rPr>
-              <a:t>)</a:t>
-            </a:r>
-            <a:r>
-              <a:rPr lang="zh-TW" altLang="en-US" sz="2400" b="1" dirty="0" smtClean="0">
-                <a:solidFill>
-                  <a:schemeClr val="tx1">
-                    <a:lumMod val="75000"/>
-                    <a:lumOff val="25000"/>
-                  </a:schemeClr>
-                </a:solidFill>
-              </a:rPr>
-              <a:t>與廠商招募及加入我們的演算法雷同</a:t>
+              <a:t>controllers</a:t>
             </a:r>
             <a:endParaRPr lang="zh-TW" altLang="en-US" sz="2400" b="1" dirty="0">
               <a:solidFill>
-                <a:schemeClr val="tx1">
+                <a:schemeClr val="accent2">
                   <a:lumMod val="75000"/>
-                  <a:lumOff val="25000"/>
                 </a:schemeClr>
               </a:solidFill>
             </a:endParaRPr>
@@ -6481,7 +6528,7 @@
     </p:spTree>
     <p:extLst>
       <p:ext uri="{BB962C8B-B14F-4D97-AF65-F5344CB8AC3E}">
-        <p14:creationId xmlns:p14="http://schemas.microsoft.com/office/powerpoint/2010/main" val="1304030550"/>
+        <p14:creationId xmlns:p14="http://schemas.microsoft.com/office/powerpoint/2010/main" val="1902697882"/>
       </p:ext>
     </p:extLst>
   </p:cSld>
@@ -6544,15 +6591,7 @@
             </a:r>
             <a:r>
               <a:rPr lang="zh-TW" altLang="en-US" b="1" dirty="0" smtClean="0"/>
-              <a:t> </a:t>
-            </a:r>
-            <a:r>
-              <a:rPr lang="zh-TW" altLang="en-US" b="1" dirty="0"/>
-              <a:t>實績</a:t>
-            </a:r>
-            <a:r>
-              <a:rPr lang="zh-TW" altLang="en-US" b="1" dirty="0" smtClean="0"/>
-              <a:t>展示</a:t>
+              <a:t> 實績展示</a:t>
             </a:r>
             <a:r>
               <a:rPr lang="en-US" altLang="zh-TW" b="1" dirty="0" smtClean="0"/>
@@ -6560,13 +6599,13 @@
             </a:r>
             <a:r>
               <a:rPr lang="zh-TW" altLang="en-US" b="1" dirty="0" smtClean="0"/>
-              <a:t>新增</a:t>
+              <a:t>顯示</a:t>
             </a:r>
             <a:r>
               <a:rPr lang="en-US" altLang="zh-TW" b="1" dirty="0" smtClean="0"/>
               <a:t>)</a:t>
             </a:r>
-            <a:endParaRPr lang="zh-TW" altLang="en-US" dirty="0"/>
+            <a:endParaRPr lang="zh-TW" altLang="en-US" b="1" dirty="0"/>
           </a:p>
         </p:txBody>
       </p:sp>
@@ -6594,8 +6633,8 @@
         </p:blipFill>
         <p:spPr>
           <a:xfrm>
-            <a:off x="323528" y="1772816"/>
-            <a:ext cx="4038600" cy="2952328"/>
+            <a:off x="251520" y="2348880"/>
+            <a:ext cx="4176464" cy="1862965"/>
           </a:xfrm>
         </p:spPr>
       </p:pic>
@@ -6623,15 +6662,207 @@
         </p:blipFill>
         <p:spPr>
           <a:xfrm>
-            <a:off x="4800600" y="1772816"/>
-            <a:ext cx="4038600" cy="4464495"/>
+            <a:off x="4967029" y="1702313"/>
+            <a:ext cx="3705742" cy="4020111"/>
           </a:xfrm>
         </p:spPr>
       </p:pic>
+      <p:sp>
+        <p:nvSpPr>
+          <p:cNvPr id="7" name="標題 1"/>
+          <p:cNvSpPr txBox="1">
+            <a:spLocks/>
+          </p:cNvSpPr>
+          <p:nvPr/>
+        </p:nvSpPr>
+        <p:spPr>
+          <a:xfrm>
+            <a:off x="179512" y="5661248"/>
+            <a:ext cx="8534400" cy="758952"/>
+          </a:xfrm>
+          <a:prstGeom prst="rect">
+            <a:avLst/>
+          </a:prstGeom>
+        </p:spPr>
+        <p:txBody>
+          <a:bodyPr vert="horz" anchor="b">
+            <a:normAutofit/>
+          </a:bodyPr>
+          <a:lstStyle>
+            <a:lvl1pPr algn="ctr" rtl="0" eaLnBrk="1" latinLnBrk="0" hangingPunct="1">
+              <a:spcBef>
+                <a:spcPct val="0"/>
+              </a:spcBef>
+              <a:buNone/>
+              <a:defRPr kumimoji="0" sz="3300" kern="1200">
+                <a:solidFill>
+                  <a:schemeClr val="accent3">
+                    <a:shade val="75000"/>
+                  </a:schemeClr>
+                </a:solidFill>
+                <a:latin typeface="+mj-lt"/>
+                <a:ea typeface="+mj-ea"/>
+                <a:cs typeface="+mj-cs"/>
+              </a:defRPr>
+            </a:lvl1pPr>
+          </a:lstStyle>
+          <a:p>
+            <a:r>
+              <a:rPr lang="zh-TW" altLang="en-US" sz="2400" b="1" dirty="0">
+                <a:solidFill>
+                  <a:schemeClr val="accent6">
+                    <a:lumMod val="75000"/>
+                  </a:schemeClr>
+                </a:solidFill>
+              </a:rPr>
+              <a:t>實績</a:t>
+            </a:r>
+            <a:r>
+              <a:rPr lang="zh-TW" altLang="en-US" sz="2400" b="1" dirty="0" smtClean="0">
+                <a:solidFill>
+                  <a:schemeClr val="accent6">
+                    <a:lumMod val="75000"/>
+                  </a:schemeClr>
+                </a:solidFill>
+              </a:rPr>
+              <a:t>展示</a:t>
+            </a:r>
+            <a:r>
+              <a:rPr lang="en-US" altLang="zh-TW" sz="2400" b="1" dirty="0" smtClean="0">
+                <a:solidFill>
+                  <a:schemeClr val="accent6">
+                    <a:lumMod val="75000"/>
+                  </a:schemeClr>
+                </a:solidFill>
+              </a:rPr>
+              <a:t>(</a:t>
+            </a:r>
+            <a:r>
+              <a:rPr lang="zh-TW" altLang="en-US" sz="2400" b="1" dirty="0" smtClean="0">
+                <a:solidFill>
+                  <a:schemeClr val="accent6">
+                    <a:lumMod val="75000"/>
+                  </a:schemeClr>
+                </a:solidFill>
+              </a:rPr>
+              <a:t>顯示</a:t>
+            </a:r>
+            <a:r>
+              <a:rPr lang="en-US" altLang="zh-TW" sz="2400" b="1" dirty="0" smtClean="0">
+                <a:solidFill>
+                  <a:schemeClr val="accent6">
+                    <a:lumMod val="75000"/>
+                  </a:schemeClr>
+                </a:solidFill>
+              </a:rPr>
+              <a:t>)</a:t>
+            </a:r>
+            <a:r>
+              <a:rPr lang="zh-TW" altLang="en-US" sz="2400" b="1" dirty="0" smtClean="0">
+                <a:solidFill>
+                  <a:schemeClr val="accent6">
+                    <a:lumMod val="75000"/>
+                  </a:schemeClr>
+                </a:solidFill>
+              </a:rPr>
+              <a:t>與廠商招募及加入我們的演算法雷同</a:t>
+            </a:r>
+            <a:endParaRPr lang="zh-TW" altLang="en-US" sz="2400" b="1" dirty="0">
+              <a:solidFill>
+                <a:schemeClr val="accent6">
+                  <a:lumMod val="75000"/>
+                </a:schemeClr>
+              </a:solidFill>
+            </a:endParaRPr>
+          </a:p>
+        </p:txBody>
+      </p:sp>
+      <p:sp>
+        <p:nvSpPr>
+          <p:cNvPr id="11" name="矩形 10"/>
+          <p:cNvSpPr/>
+          <p:nvPr/>
+        </p:nvSpPr>
+        <p:spPr>
+          <a:xfrm>
+            <a:off x="1691680" y="1268760"/>
+            <a:ext cx="1261884" cy="461665"/>
+          </a:xfrm>
+          <a:prstGeom prst="rect">
+            <a:avLst/>
+          </a:prstGeom>
+        </p:spPr>
+        <p:txBody>
+          <a:bodyPr wrap="none">
+            <a:spAutoFit/>
+          </a:bodyPr>
+          <a:lstStyle/>
+          <a:p>
+            <a:r>
+              <a:rPr lang="en-US" altLang="zh-TW" sz="2400" b="1" dirty="0" smtClean="0">
+                <a:solidFill>
+                  <a:schemeClr val="accent2">
+                    <a:lumMod val="75000"/>
+                  </a:schemeClr>
+                </a:solidFill>
+              </a:rPr>
+              <a:t>models</a:t>
+            </a:r>
+            <a:endParaRPr lang="zh-TW" altLang="en-US" sz="2400" b="1" dirty="0">
+              <a:solidFill>
+                <a:schemeClr val="accent2">
+                  <a:lumMod val="75000"/>
+                </a:schemeClr>
+              </a:solidFill>
+            </a:endParaRPr>
+          </a:p>
+        </p:txBody>
+      </p:sp>
+      <p:sp>
+        <p:nvSpPr>
+          <p:cNvPr id="12" name="矩形 11"/>
+          <p:cNvSpPr/>
+          <p:nvPr/>
+        </p:nvSpPr>
+        <p:spPr>
+          <a:xfrm>
+            <a:off x="6084168" y="1268760"/>
+            <a:ext cx="1774845" cy="461665"/>
+          </a:xfrm>
+          <a:prstGeom prst="rect">
+            <a:avLst/>
+          </a:prstGeom>
+        </p:spPr>
+        <p:txBody>
+          <a:bodyPr wrap="none">
+            <a:spAutoFit/>
+          </a:bodyPr>
+          <a:lstStyle/>
+          <a:p>
+            <a:r>
+              <a:rPr lang="en-US" altLang="zh-TW" sz="2400" b="1" dirty="0" smtClean="0">
+                <a:solidFill>
+                  <a:schemeClr val="accent2">
+                    <a:lumMod val="75000"/>
+                  </a:schemeClr>
+                </a:solidFill>
+              </a:rPr>
+              <a:t>controllers</a:t>
+            </a:r>
+            <a:endParaRPr lang="zh-TW" altLang="en-US" sz="2400" b="1" dirty="0">
+              <a:solidFill>
+                <a:schemeClr val="accent2">
+                  <a:lumMod val="75000"/>
+                </a:schemeClr>
+              </a:solidFill>
+            </a:endParaRPr>
+          </a:p>
+        </p:txBody>
+      </p:sp>
     </p:spTree>
     <p:extLst>
       <p:ext uri="{BB962C8B-B14F-4D97-AF65-F5344CB8AC3E}">
-        <p14:creationId xmlns:p14="http://schemas.microsoft.com/office/powerpoint/2010/main" val="2784232937"/>
+        <p14:creationId xmlns:p14="http://schemas.microsoft.com/office/powerpoint/2010/main" val="1304030550"/>
       </p:ext>
     </p:extLst>
   </p:cSld>
@@ -6698,7 +6929,11 @@
             </a:r>
             <a:r>
               <a:rPr lang="zh-TW" altLang="en-US" b="1" dirty="0"/>
-              <a:t>實績展示</a:t>
+              <a:t>實績</a:t>
+            </a:r>
+            <a:r>
+              <a:rPr lang="zh-TW" altLang="en-US" b="1" dirty="0" smtClean="0"/>
+              <a:t>展示</a:t>
             </a:r>
             <a:r>
               <a:rPr lang="en-US" altLang="zh-TW" b="1" dirty="0" smtClean="0"/>
@@ -6706,7 +6941,7 @@
             </a:r>
             <a:r>
               <a:rPr lang="zh-TW" altLang="en-US" b="1" dirty="0" smtClean="0"/>
-              <a:t>修改</a:t>
+              <a:t>新增</a:t>
             </a:r>
             <a:r>
               <a:rPr lang="en-US" altLang="zh-TW" b="1" dirty="0" smtClean="0"/>
@@ -6740,8 +6975,8 @@
         </p:blipFill>
         <p:spPr>
           <a:xfrm>
-            <a:off x="323528" y="2909280"/>
-            <a:ext cx="4038600" cy="951768"/>
+            <a:off x="323528" y="2348880"/>
+            <a:ext cx="4038600" cy="2952328"/>
           </a:xfrm>
         </p:spPr>
       </p:pic>
@@ -6769,15 +7004,97 @@
         </p:blipFill>
         <p:spPr>
           <a:xfrm>
-            <a:off x="4716016" y="1988840"/>
-            <a:ext cx="4123184" cy="3240360"/>
+            <a:off x="4670323" y="1628800"/>
+            <a:ext cx="4168877" cy="4608511"/>
           </a:xfrm>
         </p:spPr>
       </p:pic>
+      <p:sp>
+        <p:nvSpPr>
+          <p:cNvPr id="10" name="矩形 9"/>
+          <p:cNvSpPr/>
+          <p:nvPr/>
+        </p:nvSpPr>
+        <p:spPr>
+          <a:xfrm>
+            <a:off x="1691680" y="1268760"/>
+            <a:ext cx="1261884" cy="461665"/>
+          </a:xfrm>
+          <a:prstGeom prst="rect">
+            <a:avLst/>
+          </a:prstGeom>
+        </p:spPr>
+        <p:txBody>
+          <a:bodyPr wrap="none">
+            <a:spAutoFit/>
+          </a:bodyPr>
+          <a:lstStyle/>
+          <a:p>
+            <a:r>
+              <a:rPr lang="en-US" altLang="zh-TW" sz="2400" b="1" dirty="0" smtClean="0">
+                <a:solidFill>
+                  <a:schemeClr val="accent2">
+                    <a:lumMod val="75000"/>
+                  </a:schemeClr>
+                </a:solidFill>
+              </a:rPr>
+              <a:t>models</a:t>
+            </a:r>
+            <a:endParaRPr lang="zh-TW" altLang="en-US" sz="2400" b="1" dirty="0">
+              <a:solidFill>
+                <a:schemeClr val="accent2">
+                  <a:lumMod val="75000"/>
+                </a:schemeClr>
+              </a:solidFill>
+            </a:endParaRPr>
+          </a:p>
+        </p:txBody>
+      </p:sp>
+      <p:sp>
+        <p:nvSpPr>
+          <p:cNvPr id="11" name="矩形 10"/>
+          <p:cNvSpPr/>
+          <p:nvPr/>
+        </p:nvSpPr>
+        <p:spPr>
+          <a:xfrm>
+            <a:off x="6084168" y="1268760"/>
+            <a:ext cx="1774845" cy="461665"/>
+          </a:xfrm>
+          <a:prstGeom prst="rect">
+            <a:avLst/>
+          </a:prstGeom>
+        </p:spPr>
+        <p:txBody>
+          <a:bodyPr wrap="none">
+            <a:spAutoFit/>
+          </a:bodyPr>
+          <a:lstStyle/>
+          <a:p>
+            <a:r>
+              <a:rPr lang="en-US" altLang="zh-TW" sz="2400" b="1" dirty="0" smtClean="0">
+                <a:solidFill>
+                  <a:schemeClr val="accent2">
+                    <a:lumMod val="75000"/>
+                  </a:schemeClr>
+                </a:solidFill>
+              </a:rPr>
+              <a:t>controllers</a:t>
+            </a:r>
+            <a:endParaRPr lang="zh-TW" altLang="en-US" sz="2400" b="1" dirty="0">
+              <a:solidFill>
+                <a:schemeClr val="accent2">
+                  <a:lumMod val="75000"/>
+                </a:schemeClr>
+              </a:solidFill>
+            </a:endParaRPr>
+          </a:p>
+        </p:txBody>
+      </p:sp>
     </p:spTree>
     <p:extLst>
       <p:ext uri="{BB962C8B-B14F-4D97-AF65-F5344CB8AC3E}">
-        <p14:creationId xmlns:p14="http://schemas.microsoft.com/office/powerpoint/2010/main" val="2484551168"/>
+        <p14:creationId xmlns:p14="http://schemas.microsoft.com/office/powerpoint/2010/main" val="2784232937"/>
       </p:ext>
     </p:extLst>
   </p:cSld>
@@ -6828,23 +7145,31 @@
           <a:p>
             <a:r>
               <a:rPr lang="zh-TW" altLang="en-US" b="1" dirty="0" smtClean="0"/>
-              <a:t>功能介紹 </a:t>
-            </a:r>
-            <a:r>
-              <a:rPr lang="en-US" altLang="zh-TW" b="1" dirty="0"/>
+              <a:t>功能</a:t>
+            </a:r>
+            <a:r>
+              <a:rPr lang="zh-TW" altLang="en-US" b="1" dirty="0"/>
+              <a:t>介紹</a:t>
+            </a:r>
+            <a:r>
+              <a:rPr lang="en-US" altLang="zh-TW" b="1" dirty="0" smtClean="0"/>
               <a:t>–</a:t>
             </a:r>
             <a:r>
+              <a:rPr lang="zh-TW" altLang="en-US" b="1" dirty="0" smtClean="0"/>
+              <a:t> </a:t>
+            </a:r>
+            <a:r>
               <a:rPr lang="zh-TW" altLang="en-US" b="1" dirty="0"/>
-              <a:t> 實績展示</a:t>
+              <a:t>實績展示</a:t>
             </a:r>
             <a:r>
               <a:rPr lang="en-US" altLang="zh-TW" b="1" dirty="0" smtClean="0"/>
               <a:t>(</a:t>
             </a:r>
             <a:r>
-              <a:rPr lang="zh-TW" altLang="en-US" b="1" dirty="0"/>
-              <a:t>刪除</a:t>
+              <a:rPr lang="zh-TW" altLang="en-US" b="1" dirty="0" smtClean="0"/>
+              <a:t>修改</a:t>
             </a:r>
             <a:r>
               <a:rPr lang="en-US" altLang="zh-TW" b="1" dirty="0" smtClean="0"/>
@@ -6878,8 +7203,8 @@
         </p:blipFill>
         <p:spPr>
           <a:xfrm>
-            <a:off x="323528" y="2996952"/>
-            <a:ext cx="4038600" cy="792088"/>
+            <a:off x="323528" y="2909280"/>
+            <a:ext cx="4038600" cy="951768"/>
           </a:xfrm>
         </p:spPr>
       </p:pic>
@@ -6907,15 +7232,97 @@
         </p:blipFill>
         <p:spPr>
           <a:xfrm>
-            <a:off x="4860032" y="2996952"/>
-            <a:ext cx="3752853" cy="1272707"/>
+            <a:off x="4716016" y="1988840"/>
+            <a:ext cx="4123184" cy="3240360"/>
           </a:xfrm>
         </p:spPr>
       </p:pic>
+      <p:sp>
+        <p:nvSpPr>
+          <p:cNvPr id="10" name="矩形 9"/>
+          <p:cNvSpPr/>
+          <p:nvPr/>
+        </p:nvSpPr>
+        <p:spPr>
+          <a:xfrm>
+            <a:off x="1691680" y="1268760"/>
+            <a:ext cx="1261884" cy="461665"/>
+          </a:xfrm>
+          <a:prstGeom prst="rect">
+            <a:avLst/>
+          </a:prstGeom>
+        </p:spPr>
+        <p:txBody>
+          <a:bodyPr wrap="none">
+            <a:spAutoFit/>
+          </a:bodyPr>
+          <a:lstStyle/>
+          <a:p>
+            <a:r>
+              <a:rPr lang="en-US" altLang="zh-TW" sz="2400" b="1" dirty="0" smtClean="0">
+                <a:solidFill>
+                  <a:schemeClr val="accent2">
+                    <a:lumMod val="75000"/>
+                  </a:schemeClr>
+                </a:solidFill>
+              </a:rPr>
+              <a:t>models</a:t>
+            </a:r>
+            <a:endParaRPr lang="zh-TW" altLang="en-US" sz="2400" b="1" dirty="0">
+              <a:solidFill>
+                <a:schemeClr val="accent2">
+                  <a:lumMod val="75000"/>
+                </a:schemeClr>
+              </a:solidFill>
+            </a:endParaRPr>
+          </a:p>
+        </p:txBody>
+      </p:sp>
+      <p:sp>
+        <p:nvSpPr>
+          <p:cNvPr id="11" name="矩形 10"/>
+          <p:cNvSpPr/>
+          <p:nvPr/>
+        </p:nvSpPr>
+        <p:spPr>
+          <a:xfrm>
+            <a:off x="6084168" y="1268760"/>
+            <a:ext cx="1774845" cy="461665"/>
+          </a:xfrm>
+          <a:prstGeom prst="rect">
+            <a:avLst/>
+          </a:prstGeom>
+        </p:spPr>
+        <p:txBody>
+          <a:bodyPr wrap="none">
+            <a:spAutoFit/>
+          </a:bodyPr>
+          <a:lstStyle/>
+          <a:p>
+            <a:r>
+              <a:rPr lang="en-US" altLang="zh-TW" sz="2400" b="1" dirty="0" smtClean="0">
+                <a:solidFill>
+                  <a:schemeClr val="accent2">
+                    <a:lumMod val="75000"/>
+                  </a:schemeClr>
+                </a:solidFill>
+              </a:rPr>
+              <a:t>controllers</a:t>
+            </a:r>
+            <a:endParaRPr lang="zh-TW" altLang="en-US" sz="2400" b="1" dirty="0">
+              <a:solidFill>
+                <a:schemeClr val="accent2">
+                  <a:lumMod val="75000"/>
+                </a:schemeClr>
+              </a:solidFill>
+            </a:endParaRPr>
+          </a:p>
+        </p:txBody>
+      </p:sp>
     </p:spTree>
     <p:extLst>
       <p:ext uri="{BB962C8B-B14F-4D97-AF65-F5344CB8AC3E}">
-        <p14:creationId xmlns:p14="http://schemas.microsoft.com/office/powerpoint/2010/main" val="1809708346"/>
+        <p14:creationId xmlns:p14="http://schemas.microsoft.com/office/powerpoint/2010/main" val="2484551168"/>
       </p:ext>
     </p:extLst>
   </p:cSld>
@@ -6969,32 +7376,32 @@
               <a:t>功能介紹 </a:t>
             </a:r>
             <a:r>
-              <a:rPr lang="en-US" altLang="zh-TW" b="1" dirty="0" smtClean="0"/>
+              <a:rPr lang="en-US" altLang="zh-TW" b="1" dirty="0"/>
               <a:t>–</a:t>
             </a:r>
             <a:r>
-              <a:rPr lang="zh-TW" altLang="en-US" b="1" dirty="0" smtClean="0"/>
-              <a:t> 廠商招募</a:t>
+              <a:rPr lang="zh-TW" altLang="en-US" b="1" dirty="0"/>
+              <a:t> 實績展示</a:t>
             </a:r>
             <a:r>
               <a:rPr lang="en-US" altLang="zh-TW" b="1" dirty="0" smtClean="0"/>
               <a:t>(</a:t>
             </a:r>
             <a:r>
-              <a:rPr lang="zh-TW" altLang="en-US" b="1" dirty="0" smtClean="0"/>
-              <a:t>新增</a:t>
+              <a:rPr lang="zh-TW" altLang="en-US" b="1" dirty="0"/>
+              <a:t>刪除</a:t>
             </a:r>
             <a:r>
               <a:rPr lang="en-US" altLang="zh-TW" b="1" dirty="0" smtClean="0"/>
               <a:t>)</a:t>
             </a:r>
-            <a:endParaRPr lang="zh-TW" altLang="en-US" b="1" dirty="0"/>
+            <a:endParaRPr lang="zh-TW" altLang="en-US" dirty="0"/>
           </a:p>
         </p:txBody>
       </p:sp>
       <p:pic>
         <p:nvPicPr>
-          <p:cNvPr id="8" name="內容版面配置區 7"/>
+          <p:cNvPr id="6" name="內容版面配置區 5"/>
           <p:cNvPicPr>
             <a:picLocks noGrp="1" noChangeAspect="1"/>
           </p:cNvPicPr>
@@ -7016,14 +7423,14 @@
         </p:blipFill>
         <p:spPr>
           <a:xfrm>
-            <a:off x="4644008" y="3140968"/>
-            <a:ext cx="4038600" cy="2211971"/>
+            <a:off x="323528" y="2996952"/>
+            <a:ext cx="4038600" cy="792088"/>
           </a:xfrm>
         </p:spPr>
       </p:pic>
       <p:pic>
         <p:nvPicPr>
-          <p:cNvPr id="7" name="內容版面配置區 6"/>
+          <p:cNvPr id="5" name="內容版面配置區 4"/>
           <p:cNvPicPr>
             <a:picLocks noGrp="1" noChangeAspect="1"/>
           </p:cNvPicPr>
@@ -7045,7 +7452,385 @@
         </p:blipFill>
         <p:spPr>
           <a:xfrm>
-            <a:off x="5220072" y="1556792"/>
+            <a:off x="4860032" y="2996952"/>
+            <a:ext cx="3752853" cy="1272707"/>
+          </a:xfrm>
+        </p:spPr>
+      </p:pic>
+      <p:sp>
+        <p:nvSpPr>
+          <p:cNvPr id="9" name="矩形 8"/>
+          <p:cNvSpPr/>
+          <p:nvPr/>
+        </p:nvSpPr>
+        <p:spPr>
+          <a:xfrm>
+            <a:off x="1691680" y="1268760"/>
+            <a:ext cx="1261884" cy="461665"/>
+          </a:xfrm>
+          <a:prstGeom prst="rect">
+            <a:avLst/>
+          </a:prstGeom>
+        </p:spPr>
+        <p:txBody>
+          <a:bodyPr wrap="none">
+            <a:spAutoFit/>
+          </a:bodyPr>
+          <a:lstStyle/>
+          <a:p>
+            <a:r>
+              <a:rPr lang="en-US" altLang="zh-TW" sz="2400" b="1" dirty="0" smtClean="0">
+                <a:solidFill>
+                  <a:schemeClr val="accent2">
+                    <a:lumMod val="75000"/>
+                  </a:schemeClr>
+                </a:solidFill>
+              </a:rPr>
+              <a:t>models</a:t>
+            </a:r>
+            <a:endParaRPr lang="zh-TW" altLang="en-US" b="1" dirty="0">
+              <a:solidFill>
+                <a:schemeClr val="accent2">
+                  <a:lumMod val="75000"/>
+                </a:schemeClr>
+              </a:solidFill>
+            </a:endParaRPr>
+          </a:p>
+        </p:txBody>
+      </p:sp>
+      <p:sp>
+        <p:nvSpPr>
+          <p:cNvPr id="10" name="矩形 9"/>
+          <p:cNvSpPr/>
+          <p:nvPr/>
+        </p:nvSpPr>
+        <p:spPr>
+          <a:xfrm>
+            <a:off x="6084168" y="1268760"/>
+            <a:ext cx="1774845" cy="461665"/>
+          </a:xfrm>
+          <a:prstGeom prst="rect">
+            <a:avLst/>
+          </a:prstGeom>
+        </p:spPr>
+        <p:txBody>
+          <a:bodyPr wrap="none">
+            <a:spAutoFit/>
+          </a:bodyPr>
+          <a:lstStyle/>
+          <a:p>
+            <a:r>
+              <a:rPr lang="en-US" altLang="zh-TW" sz="2400" b="1" dirty="0" smtClean="0">
+                <a:solidFill>
+                  <a:schemeClr val="accent2">
+                    <a:lumMod val="75000"/>
+                  </a:schemeClr>
+                </a:solidFill>
+              </a:rPr>
+              <a:t>controllers</a:t>
+            </a:r>
+            <a:endParaRPr lang="zh-TW" altLang="en-US" b="1" dirty="0">
+              <a:solidFill>
+                <a:schemeClr val="accent2">
+                  <a:lumMod val="75000"/>
+                </a:schemeClr>
+              </a:solidFill>
+            </a:endParaRPr>
+          </a:p>
+        </p:txBody>
+      </p:sp>
+    </p:spTree>
+    <p:extLst>
+      <p:ext uri="{BB962C8B-B14F-4D97-AF65-F5344CB8AC3E}">
+        <p14:creationId xmlns:p14="http://schemas.microsoft.com/office/powerpoint/2010/main" val="1809708346"/>
+      </p:ext>
+    </p:extLst>
+  </p:cSld>
+  <p:clrMapOvr>
+    <a:masterClrMapping/>
+  </p:clrMapOvr>
+  <p:timing>
+    <p:tnLst>
+      <p:par>
+        <p:cTn id="1" dur="indefinite" restart="never" nodeType="tmRoot"/>
+      </p:par>
+    </p:tnLst>
+  </p:timing>
+</p:sld>
+</file>
+
+<file path=ppt/slides/slide16.xml><?xml version="1.0" encoding="utf-8"?>
+<p:sld xmlns:a="http://schemas.openxmlformats.org/drawingml/2006/main" xmlns:r="http://schemas.openxmlformats.org/officeDocument/2006/relationships" xmlns:p="http://schemas.openxmlformats.org/presentationml/2006/main">
+  <p:cSld>
+    <p:spTree>
+      <p:nvGrpSpPr>
+        <p:cNvPr id="1" name=""/>
+        <p:cNvGrpSpPr/>
+        <p:nvPr/>
+      </p:nvGrpSpPr>
+      <p:grpSpPr>
+        <a:xfrm>
+          <a:off x="0" y="0"/>
+          <a:ext cx="0" cy="0"/>
+          <a:chOff x="0" y="0"/>
+          <a:chExt cx="0" cy="0"/>
+        </a:xfrm>
+      </p:grpSpPr>
+      <p:sp>
+        <p:nvSpPr>
+          <p:cNvPr id="2" name="標題 1"/>
+          <p:cNvSpPr>
+            <a:spLocks noGrp="1"/>
+          </p:cNvSpPr>
+          <p:nvPr>
+            <p:ph type="title"/>
+          </p:nvPr>
+        </p:nvSpPr>
+        <p:spPr/>
+        <p:txBody>
+          <a:bodyPr/>
+          <a:lstStyle/>
+          <a:p>
+            <a:r>
+              <a:rPr lang="zh-TW" altLang="en-US" b="1" dirty="0"/>
+              <a:t>功能介紹 </a:t>
+            </a:r>
+            <a:r>
+              <a:rPr lang="en-US" altLang="zh-TW" b="1" dirty="0"/>
+              <a:t>–</a:t>
+            </a:r>
+            <a:r>
+              <a:rPr lang="zh-TW" altLang="en-US" b="1" dirty="0"/>
+              <a:t> 實績</a:t>
+            </a:r>
+            <a:r>
+              <a:rPr lang="zh-TW" altLang="en-US" b="1" dirty="0" smtClean="0"/>
+              <a:t>展示</a:t>
+            </a:r>
+            <a:r>
+              <a:rPr lang="en-US" altLang="zh-TW" b="1" dirty="0" smtClean="0"/>
+              <a:t>(</a:t>
+            </a:r>
+            <a:r>
+              <a:rPr lang="zh-TW" altLang="en-US" b="1" dirty="0" smtClean="0"/>
+              <a:t>裁</a:t>
+            </a:r>
+            <a:r>
+              <a:rPr lang="zh-TW" altLang="en-US" b="1" dirty="0" smtClean="0"/>
+              <a:t>切圖片</a:t>
+            </a:r>
+            <a:r>
+              <a:rPr lang="en-US" altLang="zh-TW" b="1" dirty="0" smtClean="0"/>
+              <a:t>)</a:t>
+            </a:r>
+            <a:endParaRPr lang="zh-TW" altLang="en-US" b="1" dirty="0"/>
+          </a:p>
+        </p:txBody>
+      </p:sp>
+      <p:pic>
+        <p:nvPicPr>
+          <p:cNvPr id="5" name="內容版面配置區 4"/>
+          <p:cNvPicPr>
+            <a:picLocks noGrp="1" noChangeAspect="1"/>
+          </p:cNvPicPr>
+          <p:nvPr>
+            <p:ph sz="quarter" idx="1"/>
+          </p:nvPr>
+        </p:nvPicPr>
+        <p:blipFill>
+          <a:blip r:embed="rId2">
+            <a:extLst>
+              <a:ext uri="{28A0092B-C50C-407E-A947-70E740481C1C}">
+                <a14:useLocalDpi xmlns:a14="http://schemas.microsoft.com/office/drawing/2010/main" val="0"/>
+              </a:ext>
+            </a:extLst>
+          </a:blip>
+          <a:stretch>
+            <a:fillRect/>
+          </a:stretch>
+        </p:blipFill>
+        <p:spPr>
+          <a:xfrm>
+            <a:off x="611560" y="2420888"/>
+            <a:ext cx="7868749" cy="2457793"/>
+          </a:xfrm>
+        </p:spPr>
+      </p:pic>
+      <p:sp>
+        <p:nvSpPr>
+          <p:cNvPr id="6" name="矩形 5"/>
+          <p:cNvSpPr/>
+          <p:nvPr/>
+        </p:nvSpPr>
+        <p:spPr>
+          <a:xfrm>
+            <a:off x="3923928" y="1453426"/>
+            <a:ext cx="1774845" cy="461665"/>
+          </a:xfrm>
+          <a:prstGeom prst="rect">
+            <a:avLst/>
+          </a:prstGeom>
+        </p:spPr>
+        <p:txBody>
+          <a:bodyPr wrap="none">
+            <a:spAutoFit/>
+          </a:bodyPr>
+          <a:lstStyle/>
+          <a:p>
+            <a:r>
+              <a:rPr lang="en-US" altLang="zh-TW" sz="2400" b="1" dirty="0" smtClean="0">
+                <a:solidFill>
+                  <a:schemeClr val="accent2">
+                    <a:lumMod val="75000"/>
+                  </a:schemeClr>
+                </a:solidFill>
+              </a:rPr>
+              <a:t>controllers</a:t>
+            </a:r>
+            <a:endParaRPr lang="zh-TW" altLang="en-US" b="1" dirty="0">
+              <a:solidFill>
+                <a:schemeClr val="accent2">
+                  <a:lumMod val="75000"/>
+                </a:schemeClr>
+              </a:solidFill>
+            </a:endParaRPr>
+          </a:p>
+        </p:txBody>
+      </p:sp>
+    </p:spTree>
+    <p:extLst>
+      <p:ext uri="{BB962C8B-B14F-4D97-AF65-F5344CB8AC3E}">
+        <p14:creationId xmlns:p14="http://schemas.microsoft.com/office/powerpoint/2010/main" val="1486489825"/>
+      </p:ext>
+    </p:extLst>
+  </p:cSld>
+  <p:clrMapOvr>
+    <a:masterClrMapping/>
+  </p:clrMapOvr>
+  <p:timing>
+    <p:tnLst>
+      <p:par>
+        <p:cTn id="1" dur="indefinite" restart="never" nodeType="tmRoot"/>
+      </p:par>
+    </p:tnLst>
+  </p:timing>
+</p:sld>
+</file>
+
+<file path=ppt/slides/slide17.xml><?xml version="1.0" encoding="utf-8"?>
+<p:sld xmlns:a="http://schemas.openxmlformats.org/drawingml/2006/main" xmlns:r="http://schemas.openxmlformats.org/officeDocument/2006/relationships" xmlns:p="http://schemas.openxmlformats.org/presentationml/2006/main">
+  <p:cSld>
+    <p:spTree>
+      <p:nvGrpSpPr>
+        <p:cNvPr id="1" name=""/>
+        <p:cNvGrpSpPr/>
+        <p:nvPr/>
+      </p:nvGrpSpPr>
+      <p:grpSpPr>
+        <a:xfrm>
+          <a:off x="0" y="0"/>
+          <a:ext cx="0" cy="0"/>
+          <a:chOff x="0" y="0"/>
+          <a:chExt cx="0" cy="0"/>
+        </a:xfrm>
+      </p:grpSpPr>
+      <p:sp>
+        <p:nvSpPr>
+          <p:cNvPr id="2" name="標題 1"/>
+          <p:cNvSpPr>
+            <a:spLocks noGrp="1"/>
+          </p:cNvSpPr>
+          <p:nvPr>
+            <p:ph type="title"/>
+          </p:nvPr>
+        </p:nvSpPr>
+        <p:spPr/>
+        <p:txBody>
+          <a:bodyPr/>
+          <a:lstStyle/>
+          <a:p>
+            <a:r>
+              <a:rPr lang="zh-TW" altLang="en-US" b="1" dirty="0" smtClean="0"/>
+              <a:t>功能介紹 </a:t>
+            </a:r>
+            <a:r>
+              <a:rPr lang="en-US" altLang="zh-TW" b="1" dirty="0" smtClean="0"/>
+              <a:t>–</a:t>
+            </a:r>
+            <a:r>
+              <a:rPr lang="zh-TW" altLang="en-US" b="1" dirty="0" smtClean="0"/>
+              <a:t> 廠商招募</a:t>
+            </a:r>
+            <a:r>
+              <a:rPr lang="en-US" altLang="zh-TW" b="1" dirty="0" smtClean="0"/>
+              <a:t>(</a:t>
+            </a:r>
+            <a:r>
+              <a:rPr lang="zh-TW" altLang="en-US" b="1" dirty="0" smtClean="0"/>
+              <a:t>新增</a:t>
+            </a:r>
+            <a:r>
+              <a:rPr lang="en-US" altLang="zh-TW" b="1" dirty="0" smtClean="0"/>
+              <a:t>)</a:t>
+            </a:r>
+            <a:endParaRPr lang="zh-TW" altLang="en-US" b="1" dirty="0"/>
+          </a:p>
+        </p:txBody>
+      </p:sp>
+      <p:pic>
+        <p:nvPicPr>
+          <p:cNvPr id="8" name="內容版面配置區 7"/>
+          <p:cNvPicPr>
+            <a:picLocks noGrp="1" noChangeAspect="1"/>
+          </p:cNvPicPr>
+          <p:nvPr>
+            <p:ph sz="half" idx="1"/>
+          </p:nvPr>
+        </p:nvPicPr>
+        <p:blipFill>
+          <a:blip r:embed="rId2">
+            <a:extLst>
+              <a:ext uri="{28A0092B-C50C-407E-A947-70E740481C1C}">
+                <a14:useLocalDpi xmlns:a14="http://schemas.microsoft.com/office/drawing/2010/main" val="0"/>
+              </a:ext>
+            </a:extLst>
+          </a:blip>
+          <a:stretch>
+            <a:fillRect/>
+          </a:stretch>
+        </p:blipFill>
+        <p:spPr>
+          <a:xfrm>
+            <a:off x="4644008" y="3140968"/>
+            <a:ext cx="4038600" cy="2211971"/>
+          </a:xfrm>
+        </p:spPr>
+      </p:pic>
+      <p:pic>
+        <p:nvPicPr>
+          <p:cNvPr id="7" name="內容版面配置區 6"/>
+          <p:cNvPicPr>
+            <a:picLocks noGrp="1" noChangeAspect="1"/>
+          </p:cNvPicPr>
+          <p:nvPr>
+            <p:ph sz="half" idx="2"/>
+          </p:nvPr>
+        </p:nvPicPr>
+        <p:blipFill>
+          <a:blip r:embed="rId3">
+            <a:extLst>
+              <a:ext uri="{28A0092B-C50C-407E-A947-70E740481C1C}">
+                <a14:useLocalDpi xmlns:a14="http://schemas.microsoft.com/office/drawing/2010/main" val="0"/>
+              </a:ext>
+            </a:extLst>
+          </a:blip>
+          <a:stretch>
+            <a:fillRect/>
+          </a:stretch>
+        </p:blipFill>
+        <p:spPr>
+          <a:xfrm>
+            <a:off x="5220072" y="1700808"/>
             <a:ext cx="2848373" cy="4344007"/>
           </a:xfrm>
         </p:spPr>
@@ -7290,7 +8075,7 @@
         </p:nvSpPr>
         <p:spPr>
           <a:xfrm>
-            <a:off x="179512" y="5805264"/>
+            <a:off x="179512" y="5661248"/>
             <a:ext cx="8534400" cy="758952"/>
           </a:xfrm>
           <a:prstGeom prst="rect">
@@ -7323,9 +8108,8 @@
             <a:r>
               <a:rPr lang="zh-TW" altLang="en-US" sz="2400" b="1" dirty="0" smtClean="0">
                 <a:solidFill>
-                  <a:schemeClr val="tx1">
+                  <a:schemeClr val="accent6">
                     <a:lumMod val="75000"/>
-                    <a:lumOff val="25000"/>
                   </a:schemeClr>
                 </a:solidFill>
               </a:rPr>
@@ -7334,9 +8118,8 @@
             <a:r>
               <a:rPr lang="en-US" altLang="zh-TW" sz="2400" b="1" dirty="0" smtClean="0">
                 <a:solidFill>
-                  <a:schemeClr val="tx1">
+                  <a:schemeClr val="accent6">
                     <a:lumMod val="75000"/>
-                    <a:lumOff val="25000"/>
                   </a:schemeClr>
                 </a:solidFill>
               </a:rPr>
@@ -7345,9 +8128,8 @@
             <a:r>
               <a:rPr lang="zh-TW" altLang="en-US" sz="2400" b="1" dirty="0" smtClean="0">
                 <a:solidFill>
-                  <a:schemeClr val="tx1">
+                  <a:schemeClr val="accent6">
                     <a:lumMod val="75000"/>
-                    <a:lumOff val="25000"/>
                   </a:schemeClr>
                 </a:solidFill>
               </a:rPr>
@@ -7356,9 +8138,8 @@
             <a:r>
               <a:rPr lang="en-US" altLang="zh-TW" sz="2400" b="1" dirty="0" smtClean="0">
                 <a:solidFill>
-                  <a:schemeClr val="tx1">
+                  <a:schemeClr val="accent6">
                     <a:lumMod val="75000"/>
-                    <a:lumOff val="25000"/>
                   </a:schemeClr>
                 </a:solidFill>
               </a:rPr>
@@ -7367,9 +8148,8 @@
             <a:r>
               <a:rPr lang="zh-TW" altLang="en-US" sz="2400" b="1" dirty="0" smtClean="0">
                 <a:solidFill>
-                  <a:schemeClr val="tx1">
+                  <a:schemeClr val="accent6">
                     <a:lumMod val="75000"/>
-                    <a:lumOff val="25000"/>
                   </a:schemeClr>
                 </a:solidFill>
               </a:rPr>
@@ -7377,9 +8157,90 @@
             </a:r>
             <a:endParaRPr lang="zh-TW" altLang="en-US" sz="2400" b="1" dirty="0">
               <a:solidFill>
-                <a:schemeClr val="tx1">
+                <a:schemeClr val="accent6">
                   <a:lumMod val="75000"/>
-                  <a:lumOff val="25000"/>
+                </a:schemeClr>
+              </a:solidFill>
+            </a:endParaRPr>
+          </a:p>
+        </p:txBody>
+      </p:sp>
+      <p:sp>
+        <p:nvSpPr>
+          <p:cNvPr id="14" name="矩形 13"/>
+          <p:cNvSpPr/>
+          <p:nvPr/>
+        </p:nvSpPr>
+        <p:spPr>
+          <a:xfrm>
+            <a:off x="1691680" y="1268760"/>
+            <a:ext cx="1261884" cy="461665"/>
+          </a:xfrm>
+          <a:prstGeom prst="rect">
+            <a:avLst/>
+          </a:prstGeom>
+        </p:spPr>
+        <p:txBody>
+          <a:bodyPr wrap="none">
+            <a:spAutoFit/>
+          </a:bodyPr>
+          <a:lstStyle/>
+          <a:p>
+            <a:r>
+              <a:rPr lang="en-US" altLang="zh-TW" sz="2400" b="1" dirty="0" smtClean="0">
+                <a:solidFill>
+                  <a:schemeClr val="accent2">
+                    <a:lumMod val="75000"/>
+                  </a:schemeClr>
+                </a:solidFill>
+              </a:rPr>
+              <a:t>models</a:t>
+            </a:r>
+            <a:endParaRPr lang="zh-TW" altLang="en-US" b="1" dirty="0">
+              <a:solidFill>
+                <a:schemeClr val="accent2">
+                  <a:lumMod val="75000"/>
+                </a:schemeClr>
+              </a:solidFill>
+            </a:endParaRPr>
+          </a:p>
+        </p:txBody>
+      </p:sp>
+      <p:sp>
+        <p:nvSpPr>
+          <p:cNvPr id="15" name="矩形 14"/>
+          <p:cNvSpPr/>
+          <p:nvPr/>
+        </p:nvSpPr>
+        <p:spPr>
+          <a:xfrm>
+            <a:off x="6084168" y="1268760"/>
+            <a:ext cx="1774845" cy="461665"/>
+          </a:xfrm>
+          <a:prstGeom prst="rect">
+            <a:avLst/>
+          </a:prstGeom>
+        </p:spPr>
+        <p:txBody>
+          <a:bodyPr wrap="none">
+            <a:spAutoFit/>
+          </a:bodyPr>
+          <a:lstStyle/>
+          <a:p>
+            <a:r>
+              <a:rPr lang="en-US" altLang="zh-TW" sz="2400" b="1" dirty="0" smtClean="0">
+                <a:solidFill>
+                  <a:schemeClr val="accent2">
+                    <a:lumMod val="75000"/>
+                  </a:schemeClr>
+                </a:solidFill>
+              </a:rPr>
+              <a:t>controllers</a:t>
+            </a:r>
+            <a:endParaRPr lang="zh-TW" altLang="en-US" b="1" dirty="0">
+              <a:solidFill>
+                <a:schemeClr val="accent2">
+                  <a:lumMod val="75000"/>
                 </a:schemeClr>
               </a:solidFill>
             </a:endParaRPr>
@@ -7527,7 +8388,7 @@
 </p:sld>
 </file>
 
-<file path=ppt/slides/slide16.xml><?xml version="1.0" encoding="utf-8"?>
+<file path=ppt/slides/slide18.xml><?xml version="1.0" encoding="utf-8"?>
 <p:sld xmlns:a="http://schemas.openxmlformats.org/drawingml/2006/main" xmlns:r="http://schemas.openxmlformats.org/officeDocument/2006/relationships" xmlns:p="http://schemas.openxmlformats.org/presentationml/2006/main">
   <p:cSld>
     <p:spTree>
@@ -7546,65 +8407,58 @@
       </p:grpSpPr>
       <p:sp>
         <p:nvSpPr>
-          <p:cNvPr id="2" name="標題 1"/>
+          <p:cNvPr id="6" name="副標題 5"/>
           <p:cNvSpPr>
             <a:spLocks noGrp="1"/>
           </p:cNvSpPr>
           <p:nvPr>
-            <p:ph type="title"/>
+            <p:ph type="subTitle" idx="1"/>
           </p:nvPr>
         </p:nvSpPr>
         <p:spPr/>
         <p:txBody>
+          <a:bodyPr>
+            <a:normAutofit/>
+          </a:bodyPr>
+          <a:lstStyle/>
+          <a:p>
+            <a:r>
+              <a:rPr lang="zh-TW" altLang="en-US" sz="2800" dirty="0" smtClean="0">
+                <a:hlinkClick r:id="rId2"/>
+              </a:rPr>
+              <a:t>沅淯駿營造有限公司</a:t>
+            </a:r>
+            <a:endParaRPr lang="zh-TW" altLang="en-US" sz="2800" dirty="0"/>
+          </a:p>
+        </p:txBody>
+      </p:sp>
+      <p:sp>
+        <p:nvSpPr>
+          <p:cNvPr id="5" name="標題 4"/>
+          <p:cNvSpPr>
+            <a:spLocks noGrp="1"/>
+          </p:cNvSpPr>
+          <p:nvPr>
+            <p:ph type="ctrTitle"/>
+          </p:nvPr>
+        </p:nvSpPr>
+        <p:spPr/>
+        <p:txBody>
           <a:bodyPr/>
           <a:lstStyle/>
           <a:p>
-            <a:endParaRPr lang="zh-TW" altLang="en-US"/>
-          </a:p>
-        </p:txBody>
-      </p:sp>
-      <p:sp>
-        <p:nvSpPr>
-          <p:cNvPr id="3" name="內容版面配置區 2"/>
-          <p:cNvSpPr>
-            <a:spLocks noGrp="1"/>
-          </p:cNvSpPr>
-          <p:nvPr>
-            <p:ph sz="half" idx="1"/>
-          </p:nvPr>
-        </p:nvSpPr>
-        <p:spPr/>
-        <p:txBody>
-          <a:bodyPr/>
-          <a:lstStyle/>
-          <a:p>
-            <a:endParaRPr lang="zh-TW" altLang="en-US"/>
-          </a:p>
-        </p:txBody>
-      </p:sp>
-      <p:sp>
-        <p:nvSpPr>
-          <p:cNvPr id="4" name="內容版面配置區 3"/>
-          <p:cNvSpPr>
-            <a:spLocks noGrp="1"/>
-          </p:cNvSpPr>
-          <p:nvPr>
-            <p:ph sz="half" idx="2"/>
-          </p:nvPr>
-        </p:nvSpPr>
-        <p:spPr/>
-        <p:txBody>
-          <a:bodyPr/>
-          <a:lstStyle/>
-          <a:p>
-            <a:endParaRPr lang="zh-TW" altLang="en-US"/>
+            <a:r>
+              <a:rPr lang="en-US" altLang="zh-TW" dirty="0" smtClean="0"/>
+              <a:t>DEMO</a:t>
+            </a:r>
+            <a:endParaRPr lang="zh-TW" altLang="en-US" dirty="0"/>
           </a:p>
         </p:txBody>
       </p:sp>
     </p:spTree>
     <p:extLst>
       <p:ext uri="{BB962C8B-B14F-4D97-AF65-F5344CB8AC3E}">
-        <p14:creationId xmlns:p14="http://schemas.microsoft.com/office/powerpoint/2010/main" val="1486489825"/>
+        <p14:creationId xmlns:p14="http://schemas.microsoft.com/office/powerpoint/2010/main" val="3333159354"/>
       </p:ext>
     </p:extLst>
   </p:cSld>
@@ -7654,16 +8508,12 @@
           <a:lstStyle/>
           <a:p>
             <a:r>
+              <a:rPr lang="zh-TW" altLang="en-US" b="1" dirty="0"/>
+              <a:t>使用到</a:t>
+            </a:r>
+            <a:r>
               <a:rPr lang="zh-TW" altLang="en-US" b="1" dirty="0" smtClean="0"/>
-              <a:t>流程圖介紹 </a:t>
-            </a:r>
-            <a:r>
-              <a:rPr lang="en-US" altLang="zh-TW" b="1" dirty="0" smtClean="0"/>
-              <a:t>–</a:t>
-            </a:r>
-            <a:r>
-              <a:rPr lang="zh-TW" altLang="en-US" b="1" dirty="0" smtClean="0"/>
-              <a:t> 首頁</a:t>
+              <a:t>的語言與技術</a:t>
             </a:r>
             <a:endParaRPr lang="zh-TW" altLang="en-US" b="1" dirty="0"/>
           </a:p>
@@ -7671,13 +8521,11 @@
       </p:sp>
       <p:pic>
         <p:nvPicPr>
-          <p:cNvPr id="6" name="內容版面配置區 5"/>
+          <p:cNvPr id="1026" name="Picture 2" descr="C:\Users\leona_tsou\Downloads\架構圖.jpg"/>
           <p:cNvPicPr>
-            <a:picLocks noGrp="1" noChangeAspect="1"/>
+            <a:picLocks noChangeAspect="1" noChangeArrowheads="1"/>
           </p:cNvPicPr>
-          <p:nvPr>
-            <p:ph sz="half" idx="1"/>
-          </p:nvPr>
+          <p:nvPr/>
         </p:nvPicPr>
         <p:blipFill>
           <a:blip r:embed="rId2">
@@ -7687,134 +8535,48 @@
               </a:ext>
             </a:extLst>
           </a:blip>
+          <a:srcRect/>
           <a:stretch>
             <a:fillRect/>
           </a:stretch>
         </p:blipFill>
-        <p:spPr>
-          <a:xfrm>
-            <a:off x="179513" y="2132856"/>
-            <a:ext cx="4392488" cy="4032448"/>
-          </a:xfrm>
+        <p:spPr bwMode="auto">
+          <a:xfrm>
+            <a:off x="395536" y="2492896"/>
+            <a:ext cx="8197324" cy="2401441"/>
+          </a:xfrm>
+          <a:prstGeom prst="rect">
+            <a:avLst/>
+          </a:prstGeom>
+          <a:noFill/>
+          <a:extLst>
+            <a:ext uri="{909E8E84-426E-40DD-AFC4-6F175D3DCCD1}">
+              <a14:hiddenFill xmlns:a14="http://schemas.microsoft.com/office/drawing/2010/main">
+                <a:solidFill>
+                  <a:srgbClr val="FFFFFF"/>
+                </a:solidFill>
+              </a14:hiddenFill>
+            </a:ext>
+          </a:extLst>
         </p:spPr>
       </p:pic>
-      <p:sp>
-        <p:nvSpPr>
-          <p:cNvPr id="8" name="內容版面配置區 7"/>
-          <p:cNvSpPr>
-            <a:spLocks noGrp="1"/>
-          </p:cNvSpPr>
-          <p:nvPr>
-            <p:ph sz="half" idx="2"/>
-          </p:nvPr>
-        </p:nvSpPr>
-        <p:spPr/>
-        <p:txBody>
-          <a:bodyPr/>
-          <a:lstStyle/>
-          <a:p>
-            <a:r>
-              <a:rPr lang="zh-TW" altLang="en-US" b="1" dirty="0">
-                <a:solidFill>
-                  <a:srgbClr val="00B0F0"/>
-                </a:solidFill>
-              </a:rPr>
-              <a:t>一般</a:t>
-            </a:r>
-            <a:r>
-              <a:rPr lang="zh-TW" altLang="en-US" b="1" dirty="0" smtClean="0">
-                <a:solidFill>
-                  <a:srgbClr val="00B0F0"/>
-                </a:solidFill>
-              </a:rPr>
-              <a:t>訪客</a:t>
-            </a:r>
-            <a:r>
-              <a:rPr lang="en-US" altLang="zh-TW" dirty="0" smtClean="0"/>
-              <a:t>:</a:t>
-            </a:r>
-          </a:p>
-          <a:p>
-            <a:r>
-              <a:rPr lang="zh-TW" altLang="en-US" dirty="0" smtClean="0"/>
-              <a:t>瀏覽網頁</a:t>
-            </a:r>
-            <a:endParaRPr lang="en-US" altLang="zh-TW" dirty="0" smtClean="0"/>
-          </a:p>
-          <a:p>
-            <a:r>
-              <a:rPr lang="zh-TW" altLang="en-US" b="1" dirty="0" smtClean="0">
-                <a:solidFill>
-                  <a:srgbClr val="7030A0"/>
-                </a:solidFill>
-              </a:rPr>
-              <a:t>管理員</a:t>
-            </a:r>
-            <a:r>
-              <a:rPr lang="en-US" altLang="zh-TW" dirty="0" smtClean="0"/>
-              <a:t>:</a:t>
-            </a:r>
-          </a:p>
-          <a:p>
-            <a:r>
-              <a:rPr lang="zh-TW" altLang="en-US" dirty="0"/>
-              <a:t>瀏覽</a:t>
-            </a:r>
-            <a:r>
-              <a:rPr lang="zh-TW" altLang="en-US" dirty="0" smtClean="0"/>
-              <a:t>網頁</a:t>
-            </a:r>
-            <a:endParaRPr lang="en-US" altLang="zh-TW" dirty="0" smtClean="0"/>
-          </a:p>
-          <a:p>
-            <a:r>
-              <a:rPr lang="zh-TW" altLang="en-US" b="1" u="sng" dirty="0" smtClean="0">
-                <a:solidFill>
-                  <a:srgbClr val="FFC000"/>
-                </a:solidFill>
-              </a:rPr>
-              <a:t>編輯</a:t>
-            </a:r>
-            <a:r>
-              <a:rPr lang="zh-TW" altLang="en-US" dirty="0" smtClean="0"/>
-              <a:t>公司簡介的內容</a:t>
-            </a:r>
-            <a:endParaRPr lang="en-US" altLang="zh-TW" dirty="0" smtClean="0"/>
-          </a:p>
-          <a:p>
-            <a:r>
-              <a:rPr lang="zh-TW" altLang="en-US" b="1" u="sng" dirty="0">
-                <a:solidFill>
-                  <a:srgbClr val="FFC000"/>
-                </a:solidFill>
-              </a:rPr>
-              <a:t>編輯</a:t>
-            </a:r>
-            <a:r>
-              <a:rPr lang="zh-TW" altLang="en-US" dirty="0"/>
-              <a:t>聯絡</a:t>
-            </a:r>
-            <a:r>
-              <a:rPr lang="zh-TW" altLang="en-US" dirty="0" smtClean="0"/>
-              <a:t>我們的內容</a:t>
-            </a:r>
-            <a:endParaRPr lang="en-US" altLang="zh-TW" dirty="0" smtClean="0"/>
-          </a:p>
-          <a:p>
-            <a:endParaRPr lang="zh-TW" altLang="en-US" dirty="0"/>
-          </a:p>
-        </p:txBody>
-      </p:sp>
     </p:spTree>
     <p:extLst>
       <p:ext uri="{BB962C8B-B14F-4D97-AF65-F5344CB8AC3E}">
-        <p14:creationId xmlns:p14="http://schemas.microsoft.com/office/powerpoint/2010/main" val="1733248928"/>
+        <p14:creationId xmlns:p14="http://schemas.microsoft.com/office/powerpoint/2010/main" val="1640040243"/>
       </p:ext>
     </p:extLst>
   </p:cSld>
   <p:clrMapOvr>
     <a:masterClrMapping/>
   </p:clrMapOvr>
+  <p:timing>
+    <p:tnLst>
+      <p:par>
+        <p:cTn id="1" dur="indefinite" restart="never" nodeType="tmRoot"/>
+      </p:par>
+    </p:tnLst>
+  </p:timing>
 </p:sld>
 </file>
 
@@ -7860,7 +8622,7 @@
             </a:r>
             <a:r>
               <a:rPr lang="zh-TW" altLang="en-US" b="1" dirty="0" smtClean="0"/>
-              <a:t> 實績展示</a:t>
+              <a:t> 首頁</a:t>
             </a:r>
             <a:endParaRPr lang="zh-TW" altLang="en-US" b="1" dirty="0"/>
           </a:p>
@@ -7868,7 +8630,7 @@
       </p:sp>
       <p:pic>
         <p:nvPicPr>
-          <p:cNvPr id="5" name="內容版面配置區 4"/>
+          <p:cNvPr id="6" name="內容版面配置區 5"/>
           <p:cNvPicPr>
             <a:picLocks noGrp="1" noChangeAspect="1"/>
           </p:cNvPicPr>
@@ -7897,7 +8659,7 @@
       </p:pic>
       <p:sp>
         <p:nvSpPr>
-          <p:cNvPr id="4" name="內容版面配置區 3"/>
+          <p:cNvPr id="8" name="內容版面配置區 7"/>
           <p:cNvSpPr>
             <a:spLocks noGrp="1"/>
           </p:cNvSpPr>
@@ -7910,13 +8672,21 @@
           <a:bodyPr/>
           <a:lstStyle/>
           <a:p>
+            <a:r>
+              <a:rPr lang="zh-TW" altLang="en-US" b="1" dirty="0">
+                <a:solidFill>
+                  <a:srgbClr val="00B0F0"/>
+                </a:solidFill>
+              </a:rPr>
+              <a:t>一般</a:t>
+            </a:r>
             <a:r>
               <a:rPr lang="zh-TW" altLang="en-US" b="1" dirty="0" smtClean="0">
                 <a:solidFill>
                   <a:srgbClr val="00B0F0"/>
                 </a:solidFill>
               </a:rPr>
-              <a:t>一般訪客</a:t>
+              <a:t>訪客</a:t>
             </a:r>
             <a:r>
               <a:rPr lang="en-US" altLang="zh-TW" dirty="0" smtClean="0"/>
@@ -7925,14 +8695,10 @@
           </a:p>
           <a:p>
             <a:r>
-              <a:rPr lang="zh-TW" altLang="en-US" dirty="0"/>
-              <a:t>瀏覽</a:t>
-            </a:r>
-            <a:r>
               <a:rPr lang="zh-TW" altLang="en-US" dirty="0" smtClean="0"/>
-              <a:t>網頁</a:t>
-            </a:r>
-            <a:endParaRPr lang="en-US" altLang="zh-TW" dirty="0"/>
+              <a:t>瀏覽網頁</a:t>
+            </a:r>
+            <a:endParaRPr lang="en-US" altLang="zh-TW" dirty="0" smtClean="0"/>
           </a:p>
           <a:p>
             <a:r>
@@ -7950,16 +8716,12 @@
           </a:p>
           <a:p>
             <a:r>
-              <a:rPr lang="zh-TW" altLang="en-US" b="1" u="sng" dirty="0" smtClean="0">
-                <a:solidFill>
-                  <a:srgbClr val="FFC000"/>
-                </a:solidFill>
-              </a:rPr>
-              <a:t>新增、刪除或修改</a:t>
+              <a:rPr lang="zh-TW" altLang="en-US" dirty="0"/>
+              <a:t>瀏覽</a:t>
             </a:r>
             <a:r>
               <a:rPr lang="zh-TW" altLang="en-US" dirty="0" smtClean="0"/>
-              <a:t>圖片及專案內容</a:t>
+              <a:t>網頁</a:t>
             </a:r>
             <a:endParaRPr lang="en-US" altLang="zh-TW" dirty="0" smtClean="0"/>
           </a:p>
@@ -7974,7 +8736,26 @@
             </a:r>
             <a:r>
               <a:rPr lang="zh-TW" altLang="en-US" dirty="0" smtClean="0"/>
-              <a:t>聯絡我們的內容</a:t>
+              <a:t>公司簡介的內容</a:t>
+            </a:r>
+            <a:endParaRPr lang="en-US" altLang="zh-TW" dirty="0" smtClean="0"/>
+          </a:p>
+          <a:p>
+            <a:r>
+              <a:rPr lang="zh-TW" altLang="en-US" b="1" u="sng" dirty="0">
+                <a:solidFill>
+                  <a:srgbClr val="FFC000"/>
+                </a:solidFill>
+              </a:rPr>
+              <a:t>編輯</a:t>
+            </a:r>
+            <a:r>
+              <a:rPr lang="zh-TW" altLang="en-US" dirty="0"/>
+              <a:t>聯絡</a:t>
+            </a:r>
+            <a:r>
+              <a:rPr lang="zh-TW" altLang="en-US" dirty="0" smtClean="0"/>
+              <a:t>我們的內容</a:t>
             </a:r>
             <a:endParaRPr lang="en-US" altLang="zh-TW" dirty="0" smtClean="0"/>
           </a:p>
@@ -7986,13 +8767,20 @@
     </p:spTree>
     <p:extLst>
       <p:ext uri="{BB962C8B-B14F-4D97-AF65-F5344CB8AC3E}">
-        <p14:creationId xmlns:p14="http://schemas.microsoft.com/office/powerpoint/2010/main" val="2592586096"/>
+        <p14:creationId xmlns:p14="http://schemas.microsoft.com/office/powerpoint/2010/main" val="1733248928"/>
       </p:ext>
     </p:extLst>
   </p:cSld>
   <p:clrMapOvr>
     <a:masterClrMapping/>
   </p:clrMapOvr>
+  <p:timing>
+    <p:tnLst>
+      <p:par>
+        <p:cTn id="1" dur="indefinite" restart="never" nodeType="tmRoot"/>
+      </p:par>
+    </p:tnLst>
+  </p:timing>
 </p:sld>
 </file>
 
@@ -8038,7 +8826,7 @@
             </a:r>
             <a:r>
               <a:rPr lang="zh-TW" altLang="en-US" b="1" dirty="0" smtClean="0"/>
-              <a:t> 廠商招募</a:t>
+              <a:t> 實績展示</a:t>
             </a:r>
             <a:endParaRPr lang="zh-TW" altLang="en-US" b="1" dirty="0"/>
           </a:p>
@@ -8068,8 +8856,8 @@
         </p:blipFill>
         <p:spPr>
           <a:xfrm>
-            <a:off x="179511" y="2132856"/>
-            <a:ext cx="4392489" cy="4032448"/>
+            <a:off x="179513" y="2132856"/>
+            <a:ext cx="4392488" cy="4032448"/>
           </a:xfrm>
         </p:spPr>
       </p:pic>
@@ -8083,16 +8871,9 @@
             <p:ph sz="half" idx="2"/>
           </p:nvPr>
         </p:nvSpPr>
-        <p:spPr>
-          <a:xfrm>
-            <a:off x="4648200" y="1673352"/>
-            <a:ext cx="4038600" cy="4131912"/>
-          </a:xfrm>
-        </p:spPr>
-        <p:txBody>
-          <a:bodyPr>
-            <a:normAutofit/>
-          </a:bodyPr>
+        <p:spPr/>
+        <p:txBody>
+          <a:bodyPr/>
           <a:lstStyle/>
           <a:p>
             <a:r>
@@ -8110,20 +8891,12 @@
           </a:p>
           <a:p>
             <a:r>
+              <a:rPr lang="zh-TW" altLang="en-US" dirty="0"/>
+              <a:t>瀏覽</a:t>
+            </a:r>
+            <a:r>
               <a:rPr lang="zh-TW" altLang="en-US" dirty="0" smtClean="0"/>
-              <a:t>如果要包攬工程，可以</a:t>
-            </a:r>
-            <a:r>
-              <a:rPr lang="zh-TW" altLang="en-US" b="1" u="sng" dirty="0" smtClean="0">
-                <a:solidFill>
-                  <a:srgbClr val="FFC000"/>
-                </a:solidFill>
-              </a:rPr>
-              <a:t>留下資料</a:t>
-            </a:r>
-            <a:r>
-              <a:rPr lang="zh-TW" altLang="en-US" dirty="0" smtClean="0"/>
-              <a:t>方便連絡</a:t>
+              <a:t>網頁</a:t>
             </a:r>
             <a:endParaRPr lang="en-US" altLang="zh-TW" dirty="0"/>
           </a:p>
@@ -8143,20 +8916,16 @@
           </a:p>
           <a:p>
             <a:r>
-              <a:rPr lang="zh-TW" altLang="en-US" dirty="0" smtClean="0"/>
-              <a:t>查看相關資料，看過後不需要的話可以</a:t>
-            </a:r>
-            <a:r>
               <a:rPr lang="zh-TW" altLang="en-US" b="1" u="sng" dirty="0" smtClean="0">
                 <a:solidFill>
                   <a:srgbClr val="FFC000"/>
                 </a:solidFill>
               </a:rPr>
-              <a:t>刪除</a:t>
+              <a:t>新增、刪除或修改</a:t>
             </a:r>
             <a:r>
               <a:rPr lang="zh-TW" altLang="en-US" dirty="0" smtClean="0"/>
-              <a:t>資料</a:t>
+              <a:t>圖片及專案內容</a:t>
             </a:r>
             <a:endParaRPr lang="en-US" altLang="zh-TW" dirty="0" smtClean="0"/>
           </a:p>
@@ -8173,6 +8942,9 @@
               <a:rPr lang="zh-TW" altLang="en-US" dirty="0" smtClean="0"/>
               <a:t>聯絡我們的內容</a:t>
             </a:r>
+            <a:endParaRPr lang="en-US" altLang="zh-TW" dirty="0" smtClean="0"/>
+          </a:p>
+          <a:p>
             <a:endParaRPr lang="zh-TW" altLang="en-US" dirty="0"/>
           </a:p>
         </p:txBody>
@@ -8180,13 +8952,20 @@
     </p:spTree>
     <p:extLst>
       <p:ext uri="{BB962C8B-B14F-4D97-AF65-F5344CB8AC3E}">
-        <p14:creationId xmlns:p14="http://schemas.microsoft.com/office/powerpoint/2010/main" val="4041476322"/>
+        <p14:creationId xmlns:p14="http://schemas.microsoft.com/office/powerpoint/2010/main" val="2592586096"/>
       </p:ext>
     </p:extLst>
   </p:cSld>
   <p:clrMapOvr>
     <a:masterClrMapping/>
   </p:clrMapOvr>
+  <p:timing>
+    <p:tnLst>
+      <p:par>
+        <p:cTn id="1" dur="indefinite" restart="never" nodeType="tmRoot"/>
+      </p:par>
+    </p:tnLst>
+  </p:timing>
 </p:sld>
 </file>
 
@@ -8232,7 +9011,7 @@
             </a:r>
             <a:r>
               <a:rPr lang="zh-TW" altLang="en-US" b="1" dirty="0" smtClean="0"/>
-              <a:t> 加入我們</a:t>
+              <a:t> 廠商招募</a:t>
             </a:r>
             <a:endParaRPr lang="zh-TW" altLang="en-US" b="1" dirty="0"/>
           </a:p>
@@ -8262,8 +9041,8 @@
         </p:blipFill>
         <p:spPr>
           <a:xfrm>
-            <a:off x="179512" y="2132856"/>
-            <a:ext cx="4392488" cy="4032448"/>
+            <a:off x="179511" y="2132856"/>
+            <a:ext cx="4392489" cy="4032448"/>
           </a:xfrm>
         </p:spPr>
       </p:pic>
@@ -8277,9 +9056,16 @@
             <p:ph sz="half" idx="2"/>
           </p:nvPr>
         </p:nvSpPr>
-        <p:spPr/>
-        <p:txBody>
-          <a:bodyPr/>
+        <p:spPr>
+          <a:xfrm>
+            <a:off x="4648200" y="1673352"/>
+            <a:ext cx="4038600" cy="4131912"/>
+          </a:xfrm>
+        </p:spPr>
+        <p:txBody>
+          <a:bodyPr>
+            <a:normAutofit/>
+          </a:bodyPr>
           <a:lstStyle/>
           <a:p>
             <a:r>
@@ -8298,7 +9084,7 @@
           <a:p>
             <a:r>
               <a:rPr lang="zh-TW" altLang="en-US" dirty="0" smtClean="0"/>
-              <a:t>如果要加入公司可以</a:t>
+              <a:t>如果要包攬工程，可以</a:t>
             </a:r>
             <a:r>
               <a:rPr lang="zh-TW" altLang="en-US" b="1" u="sng" dirty="0" smtClean="0">
@@ -8306,13 +9092,13 @@
                   <a:srgbClr val="FFC000"/>
                 </a:solidFill>
               </a:rPr>
-              <a:t>留下聯絡資訊</a:t>
-            </a:r>
-            <a:endParaRPr lang="en-US" altLang="zh-TW" b="1" u="sng" dirty="0" smtClean="0">
-              <a:solidFill>
-                <a:srgbClr val="FFC000"/>
-              </a:solidFill>
-            </a:endParaRPr>
+              <a:t>留下資料</a:t>
+            </a:r>
+            <a:r>
+              <a:rPr lang="zh-TW" altLang="en-US" dirty="0" smtClean="0"/>
+              <a:t>方便連絡</a:t>
+            </a:r>
+            <a:endParaRPr lang="en-US" altLang="zh-TW" dirty="0"/>
           </a:p>
           <a:p>
             <a:r>
@@ -8330,12 +9116,8 @@
           </a:p>
           <a:p>
             <a:r>
-              <a:rPr lang="zh-TW" altLang="en-US" dirty="0"/>
-              <a:t>查看相關</a:t>
-            </a:r>
-            <a:r>
               <a:rPr lang="zh-TW" altLang="en-US" dirty="0" smtClean="0"/>
-              <a:t>資料，看過後不需要的話可以</a:t>
+              <a:t>查看相關資料，看過後不需要的話可以</a:t>
             </a:r>
             <a:r>
               <a:rPr lang="zh-TW" altLang="en-US" b="1" u="sng" dirty="0" smtClean="0">
@@ -8345,24 +9127,46 @@
               </a:rPr>
               <a:t>刪除</a:t>
             </a:r>
-            <a:endParaRPr lang="zh-TW" altLang="en-US" b="1" u="sng" dirty="0">
-              <a:solidFill>
-                <a:srgbClr val="FFC000"/>
-              </a:solidFill>
-            </a:endParaRPr>
+            <a:r>
+              <a:rPr lang="zh-TW" altLang="en-US" dirty="0" smtClean="0"/>
+              <a:t>資料</a:t>
+            </a:r>
+            <a:endParaRPr lang="en-US" altLang="zh-TW" dirty="0" smtClean="0"/>
+          </a:p>
+          <a:p>
+            <a:r>
+              <a:rPr lang="zh-TW" altLang="en-US" b="1" u="sng" dirty="0" smtClean="0">
+                <a:solidFill>
+                  <a:srgbClr val="FFC000"/>
+                </a:solidFill>
+              </a:rPr>
+              <a:t>編輯</a:t>
+            </a:r>
+            <a:r>
+              <a:rPr lang="zh-TW" altLang="en-US" dirty="0" smtClean="0"/>
+              <a:t>聯絡我們的內容</a:t>
+            </a:r>
+            <a:endParaRPr lang="zh-TW" altLang="en-US" dirty="0"/>
           </a:p>
         </p:txBody>
       </p:sp>
     </p:spTree>
     <p:extLst>
       <p:ext uri="{BB962C8B-B14F-4D97-AF65-F5344CB8AC3E}">
-        <p14:creationId xmlns:p14="http://schemas.microsoft.com/office/powerpoint/2010/main" val="963927445"/>
+        <p14:creationId xmlns:p14="http://schemas.microsoft.com/office/powerpoint/2010/main" val="4041476322"/>
       </p:ext>
     </p:extLst>
   </p:cSld>
   <p:clrMapOvr>
     <a:masterClrMapping/>
   </p:clrMapOvr>
+  <p:timing>
+    <p:tnLst>
+      <p:par>
+        <p:cTn id="1" dur="indefinite" restart="never" nodeType="tmRoot"/>
+      </p:par>
+    </p:tnLst>
+  </p:timing>
 </p:sld>
 </file>
 
@@ -8385,7 +9189,7 @@
       </p:grpSpPr>
       <p:sp>
         <p:nvSpPr>
-          <p:cNvPr id="5" name="標題 4"/>
+          <p:cNvPr id="2" name="標題 1"/>
           <p:cNvSpPr>
             <a:spLocks noGrp="1"/>
           </p:cNvSpPr>
@@ -8400,7 +9204,15 @@
           <a:p>
             <a:r>
               <a:rPr lang="zh-TW" altLang="en-US" b="1" dirty="0" smtClean="0"/>
-              <a:t>資料庫介紹</a:t>
+              <a:t>流程圖介紹 </a:t>
+            </a:r>
+            <a:r>
+              <a:rPr lang="en-US" altLang="zh-TW" b="1" dirty="0" smtClean="0"/>
+              <a:t>–</a:t>
+            </a:r>
+            <a:r>
+              <a:rPr lang="zh-TW" altLang="en-US" b="1" dirty="0" smtClean="0"/>
+              <a:t> 加入我們</a:t>
             </a:r>
             <a:endParaRPr lang="zh-TW" altLang="en-US" b="1" dirty="0"/>
           </a:p>
@@ -8408,12 +9220,12 @@
       </p:sp>
       <p:pic>
         <p:nvPicPr>
-          <p:cNvPr id="10" name="內容版面配置區 9"/>
+          <p:cNvPr id="5" name="內容版面配置區 4"/>
           <p:cNvPicPr>
             <a:picLocks noGrp="1" noChangeAspect="1"/>
           </p:cNvPicPr>
           <p:nvPr>
-            <p:ph sz="quarter" idx="1"/>
+            <p:ph sz="half" idx="1"/>
           </p:nvPr>
         </p:nvPicPr>
         <p:blipFill>
@@ -8430,21 +9242,114 @@
         </p:blipFill>
         <p:spPr>
           <a:xfrm>
-            <a:off x="179512" y="2300348"/>
-            <a:ext cx="8784976" cy="3038282"/>
+            <a:off x="179512" y="2132856"/>
+            <a:ext cx="4392488" cy="4032448"/>
           </a:xfrm>
         </p:spPr>
       </p:pic>
+      <p:sp>
+        <p:nvSpPr>
+          <p:cNvPr id="4" name="內容版面配置區 3"/>
+          <p:cNvSpPr>
+            <a:spLocks noGrp="1"/>
+          </p:cNvSpPr>
+          <p:nvPr>
+            <p:ph sz="half" idx="2"/>
+          </p:nvPr>
+        </p:nvSpPr>
+        <p:spPr/>
+        <p:txBody>
+          <a:bodyPr/>
+          <a:lstStyle/>
+          <a:p>
+            <a:r>
+              <a:rPr lang="zh-TW" altLang="en-US" b="1" dirty="0" smtClean="0">
+                <a:solidFill>
+                  <a:srgbClr val="00B0F0"/>
+                </a:solidFill>
+              </a:rPr>
+              <a:t>一般訪客</a:t>
+            </a:r>
+            <a:r>
+              <a:rPr lang="en-US" altLang="zh-TW" dirty="0" smtClean="0"/>
+              <a:t>:</a:t>
+            </a:r>
+          </a:p>
+          <a:p>
+            <a:r>
+              <a:rPr lang="zh-TW" altLang="en-US" dirty="0" smtClean="0"/>
+              <a:t>如果要加入公司可以</a:t>
+            </a:r>
+            <a:r>
+              <a:rPr lang="zh-TW" altLang="en-US" b="1" u="sng" dirty="0" smtClean="0">
+                <a:solidFill>
+                  <a:srgbClr val="FFC000"/>
+                </a:solidFill>
+              </a:rPr>
+              <a:t>留下聯絡資訊</a:t>
+            </a:r>
+            <a:endParaRPr lang="en-US" altLang="zh-TW" b="1" u="sng" dirty="0" smtClean="0">
+              <a:solidFill>
+                <a:srgbClr val="FFC000"/>
+              </a:solidFill>
+            </a:endParaRPr>
+          </a:p>
+          <a:p>
+            <a:r>
+              <a:rPr lang="zh-TW" altLang="en-US" b="1" dirty="0" smtClean="0">
+                <a:solidFill>
+                  <a:srgbClr val="7030A0"/>
+                </a:solidFill>
+              </a:rPr>
+              <a:t>管理員</a:t>
+            </a:r>
+            <a:r>
+              <a:rPr lang="en-US" altLang="zh-TW" dirty="0" smtClean="0"/>
+              <a:t>:</a:t>
+            </a:r>
+          </a:p>
+          <a:p>
+            <a:r>
+              <a:rPr lang="zh-TW" altLang="en-US" dirty="0"/>
+              <a:t>查看相關</a:t>
+            </a:r>
+            <a:r>
+              <a:rPr lang="zh-TW" altLang="en-US" dirty="0" smtClean="0"/>
+              <a:t>資料，看過後不需要的話可以</a:t>
+            </a:r>
+            <a:r>
+              <a:rPr lang="zh-TW" altLang="en-US" b="1" u="sng" dirty="0" smtClean="0">
+                <a:solidFill>
+                  <a:srgbClr val="FFC000"/>
+                </a:solidFill>
+              </a:rPr>
+              <a:t>刪除</a:t>
+            </a:r>
+            <a:endParaRPr lang="zh-TW" altLang="en-US" b="1" u="sng" dirty="0">
+              <a:solidFill>
+                <a:srgbClr val="FFC000"/>
+              </a:solidFill>
+            </a:endParaRPr>
+          </a:p>
+        </p:txBody>
+      </p:sp>
     </p:spTree>
     <p:extLst>
       <p:ext uri="{BB962C8B-B14F-4D97-AF65-F5344CB8AC3E}">
-        <p14:creationId xmlns:p14="http://schemas.microsoft.com/office/powerpoint/2010/main" val="3636004679"/>
+        <p14:creationId xmlns:p14="http://schemas.microsoft.com/office/powerpoint/2010/main" val="963927445"/>
       </p:ext>
     </p:extLst>
   </p:cSld>
   <p:clrMapOvr>
     <a:masterClrMapping/>
   </p:clrMapOvr>
+  <p:timing>
+    <p:tnLst>
+      <p:par>
+        <p:cTn id="1" dur="indefinite" restart="never" nodeType="tmRoot"/>
+      </p:par>
+    </p:tnLst>
+  </p:timing>
 </p:sld>
 </file>
 
@@ -8467,7 +9372,7 @@
       </p:grpSpPr>
       <p:sp>
         <p:nvSpPr>
-          <p:cNvPr id="2" name="標題 1"/>
+          <p:cNvPr id="5" name="標題 4"/>
           <p:cNvSpPr>
             <a:spLocks noGrp="1"/>
           </p:cNvSpPr>
@@ -8481,12 +9386,8 @@
           <a:lstStyle/>
           <a:p>
             <a:r>
-              <a:rPr lang="en-US" altLang="zh-TW" b="1" dirty="0" smtClean="0"/>
-              <a:t>MVC</a:t>
-            </a:r>
-            <a:r>
               <a:rPr lang="zh-TW" altLang="en-US" b="1" dirty="0" smtClean="0"/>
-              <a:t>架構</a:t>
+              <a:t>資料庫介紹</a:t>
             </a:r>
             <a:endParaRPr lang="zh-TW" altLang="en-US" b="1" dirty="0"/>
           </a:p>
@@ -8494,12 +9395,12 @@
       </p:sp>
       <p:pic>
         <p:nvPicPr>
-          <p:cNvPr id="4" name="內容版面配置區 3"/>
+          <p:cNvPr id="10" name="內容版面配置區 9"/>
           <p:cNvPicPr>
             <a:picLocks noGrp="1" noChangeAspect="1"/>
           </p:cNvPicPr>
           <p:nvPr>
-            <p:ph sz="half" idx="1"/>
+            <p:ph sz="quarter" idx="1"/>
           </p:nvPr>
         </p:nvPicPr>
         <p:blipFill>
@@ -8516,64 +9417,15 @@
         </p:blipFill>
         <p:spPr>
           <a:xfrm>
-            <a:off x="1691680" y="1324415"/>
-            <a:ext cx="1367678" cy="5056913"/>
+            <a:off x="179512" y="2300348"/>
+            <a:ext cx="8784976" cy="3038282"/>
           </a:xfrm>
         </p:spPr>
       </p:pic>
-      <p:sp>
-        <p:nvSpPr>
-          <p:cNvPr id="5" name="內容版面配置區 4"/>
-          <p:cNvSpPr>
-            <a:spLocks noGrp="1"/>
-          </p:cNvSpPr>
-          <p:nvPr>
-            <p:ph sz="half" idx="2"/>
-          </p:nvPr>
-        </p:nvSpPr>
-        <p:spPr/>
-        <p:txBody>
-          <a:bodyPr/>
-          <a:lstStyle/>
-          <a:p>
-            <a:r>
-              <a:rPr lang="en-US" altLang="zh-TW" dirty="0" smtClean="0"/>
-              <a:t>Controllers:</a:t>
-            </a:r>
-            <a:r>
-              <a:rPr lang="zh-TW" altLang="en-US" dirty="0" smtClean="0"/>
-              <a:t>放置功能相關的程式碼</a:t>
-            </a:r>
-            <a:endParaRPr lang="en-US" altLang="zh-TW" dirty="0" smtClean="0"/>
-          </a:p>
-          <a:p>
-            <a:r>
-              <a:rPr lang="en-US" altLang="zh-TW" dirty="0" smtClean="0"/>
-              <a:t>Models:</a:t>
-            </a:r>
-            <a:r>
-              <a:rPr lang="zh-TW" altLang="en-US" dirty="0" smtClean="0"/>
-              <a:t>放置資料庫相關的程式碼</a:t>
-            </a:r>
-            <a:endParaRPr lang="en-US" altLang="zh-TW" dirty="0" smtClean="0"/>
-          </a:p>
-          <a:p>
-            <a:r>
-              <a:rPr lang="en-US" altLang="zh-TW" dirty="0" smtClean="0"/>
-              <a:t>Views:</a:t>
-            </a:r>
-            <a:r>
-              <a:rPr lang="zh-TW" altLang="en-US" dirty="0" smtClean="0"/>
-              <a:t>放置介面相關的程式碼</a:t>
-            </a:r>
-            <a:endParaRPr lang="zh-TW" altLang="en-US" dirty="0"/>
-          </a:p>
-        </p:txBody>
-      </p:sp>
     </p:spTree>
     <p:extLst>
       <p:ext uri="{BB962C8B-B14F-4D97-AF65-F5344CB8AC3E}">
-        <p14:creationId xmlns:p14="http://schemas.microsoft.com/office/powerpoint/2010/main" val="3412768333"/>
+        <p14:creationId xmlns:p14="http://schemas.microsoft.com/office/powerpoint/2010/main" val="3636004679"/>
       </p:ext>
     </p:extLst>
   </p:cSld>
@@ -8623,20 +9475,12 @@
           <a:lstStyle/>
           <a:p>
             <a:r>
-              <a:rPr lang="zh-TW" altLang="en-US" b="1" dirty="0"/>
-              <a:t>功能介紹</a:t>
+              <a:rPr lang="en-US" altLang="zh-TW" b="1" dirty="0" smtClean="0"/>
+              <a:t>MVC</a:t>
             </a:r>
             <a:r>
               <a:rPr lang="zh-TW" altLang="en-US" b="1" dirty="0" smtClean="0"/>
-              <a:t> </a:t>
-            </a:r>
-            <a:r>
-              <a:rPr lang="en-US" altLang="zh-TW" b="1" dirty="0" smtClean="0"/>
-              <a:t>–</a:t>
-            </a:r>
-            <a:r>
-              <a:rPr lang="zh-TW" altLang="en-US" b="1" dirty="0" smtClean="0"/>
-              <a:t> 登入及登出帳號</a:t>
+              <a:t>架構</a:t>
             </a:r>
             <a:endParaRPr lang="zh-TW" altLang="en-US" b="1" dirty="0"/>
           </a:p>
@@ -8644,7 +9488,7 @@
       </p:sp>
       <p:pic>
         <p:nvPicPr>
-          <p:cNvPr id="10" name="內容版面配置區 9"/>
+          <p:cNvPr id="4" name="內容版面配置區 3"/>
           <p:cNvPicPr>
             <a:picLocks noGrp="1" noChangeAspect="1"/>
           </p:cNvPicPr>
@@ -8666,104 +9510,64 @@
         </p:blipFill>
         <p:spPr>
           <a:xfrm>
-            <a:off x="179511" y="1844824"/>
-            <a:ext cx="4356809" cy="3312368"/>
+            <a:off x="1691680" y="1324415"/>
+            <a:ext cx="1367678" cy="5056913"/>
           </a:xfrm>
         </p:spPr>
       </p:pic>
-      <p:pic>
-        <p:nvPicPr>
-          <p:cNvPr id="11" name="內容版面配置區 10"/>
-          <p:cNvPicPr>
-            <a:picLocks noGrp="1" noChangeAspect="1"/>
-          </p:cNvPicPr>
+      <p:sp>
+        <p:nvSpPr>
+          <p:cNvPr id="5" name="內容版面配置區 4"/>
+          <p:cNvSpPr>
+            <a:spLocks noGrp="1"/>
+          </p:cNvSpPr>
           <p:nvPr>
             <p:ph sz="half" idx="2"/>
           </p:nvPr>
-        </p:nvPicPr>
-        <p:blipFill>
-          <a:blip r:embed="rId3">
-            <a:extLst>
-              <a:ext uri="{28A0092B-C50C-407E-A947-70E740481C1C}">
-                <a14:useLocalDpi xmlns:a14="http://schemas.microsoft.com/office/drawing/2010/main" val="0"/>
-              </a:ext>
-            </a:extLst>
-          </a:blip>
-          <a:stretch>
-            <a:fillRect/>
-          </a:stretch>
-        </p:blipFill>
-        <p:spPr>
-          <a:xfrm>
-            <a:off x="4644008" y="1844824"/>
-            <a:ext cx="4320480" cy="2016224"/>
-          </a:xfrm>
-        </p:spPr>
-      </p:pic>
-      <p:pic>
-        <p:nvPicPr>
-          <p:cNvPr id="12" name="圖片 11"/>
-          <p:cNvPicPr>
-            <a:picLocks noChangeAspect="1"/>
-          </p:cNvPicPr>
-          <p:nvPr/>
-        </p:nvPicPr>
-        <p:blipFill>
-          <a:blip r:embed="rId4">
-            <a:extLst>
-              <a:ext uri="{28A0092B-C50C-407E-A947-70E740481C1C}">
-                <a14:useLocalDpi xmlns:a14="http://schemas.microsoft.com/office/drawing/2010/main" val="0"/>
-              </a:ext>
-            </a:extLst>
-          </a:blip>
-          <a:stretch>
-            <a:fillRect/>
-          </a:stretch>
-        </p:blipFill>
-        <p:spPr>
-          <a:xfrm>
-            <a:off x="4644008" y="3901682"/>
-            <a:ext cx="4320480" cy="823462"/>
-          </a:xfrm>
-          <a:prstGeom prst="rect">
-            <a:avLst/>
-          </a:prstGeom>
-        </p:spPr>
-      </p:pic>
-      <p:pic>
-        <p:nvPicPr>
-          <p:cNvPr id="13" name="圖片 12"/>
-          <p:cNvPicPr>
-            <a:picLocks noChangeAspect="1"/>
-          </p:cNvPicPr>
-          <p:nvPr/>
-        </p:nvPicPr>
-        <p:blipFill>
-          <a:blip r:embed="rId5">
-            <a:extLst>
-              <a:ext uri="{28A0092B-C50C-407E-A947-70E740481C1C}">
-                <a14:useLocalDpi xmlns:a14="http://schemas.microsoft.com/office/drawing/2010/main" val="0"/>
-              </a:ext>
-            </a:extLst>
-          </a:blip>
-          <a:stretch>
-            <a:fillRect/>
-          </a:stretch>
-        </p:blipFill>
-        <p:spPr>
-          <a:xfrm>
-            <a:off x="4644008" y="4797152"/>
-            <a:ext cx="2648320" cy="720080"/>
-          </a:xfrm>
-          <a:prstGeom prst="rect">
-            <a:avLst/>
-          </a:prstGeom>
-        </p:spPr>
-      </p:pic>
+        </p:nvSpPr>
+        <p:spPr/>
+        <p:txBody>
+          <a:bodyPr/>
+          <a:lstStyle/>
+          <a:p>
+            <a:r>
+              <a:rPr lang="en-US" altLang="zh-TW" dirty="0" smtClean="0"/>
+              <a:t>Controllers:</a:t>
+            </a:r>
+            <a:r>
+              <a:rPr lang="zh-TW" altLang="en-US" dirty="0" smtClean="0"/>
+              <a:t>放置功能相關的程式碼</a:t>
+            </a:r>
+            <a:endParaRPr lang="en-US" altLang="zh-TW" dirty="0" smtClean="0"/>
+          </a:p>
+          <a:p>
+            <a:r>
+              <a:rPr lang="en-US" altLang="zh-TW" dirty="0" smtClean="0"/>
+              <a:t>Models:</a:t>
+            </a:r>
+            <a:r>
+              <a:rPr lang="zh-TW" altLang="en-US" dirty="0" smtClean="0"/>
+              <a:t>放置資料庫相關的程式碼</a:t>
+            </a:r>
+            <a:endParaRPr lang="en-US" altLang="zh-TW" dirty="0" smtClean="0"/>
+          </a:p>
+          <a:p>
+            <a:r>
+              <a:rPr lang="en-US" altLang="zh-TW" dirty="0" smtClean="0"/>
+              <a:t>Views:</a:t>
+            </a:r>
+            <a:r>
+              <a:rPr lang="zh-TW" altLang="en-US" dirty="0" smtClean="0"/>
+              <a:t>放置介面相關的程式碼</a:t>
+            </a:r>
+            <a:endParaRPr lang="zh-TW" altLang="en-US" dirty="0"/>
+          </a:p>
+        </p:txBody>
+      </p:sp>
     </p:spTree>
     <p:extLst>
       <p:ext uri="{BB962C8B-B14F-4D97-AF65-F5344CB8AC3E}">
-        <p14:creationId xmlns:p14="http://schemas.microsoft.com/office/powerpoint/2010/main" val="1373299378"/>
+        <p14:creationId xmlns:p14="http://schemas.microsoft.com/office/powerpoint/2010/main" val="3412768333"/>
       </p:ext>
     </p:extLst>
   </p:cSld>
@@ -8813,8 +9617,12 @@
           <a:lstStyle/>
           <a:p>
             <a:r>
+              <a:rPr lang="zh-TW" altLang="en-US" b="1" dirty="0"/>
+              <a:t>功能介紹</a:t>
+            </a:r>
+            <a:r>
               <a:rPr lang="zh-TW" altLang="en-US" b="1" dirty="0" smtClean="0"/>
-              <a:t>功能介紹 </a:t>
+              <a:t> </a:t>
             </a:r>
             <a:r>
               <a:rPr lang="en-US" altLang="zh-TW" b="1" dirty="0" smtClean="0"/>
@@ -8822,7 +9630,7 @@
             </a:r>
             <a:r>
               <a:rPr lang="zh-TW" altLang="en-US" b="1" dirty="0" smtClean="0"/>
-              <a:t> 聯絡我們</a:t>
+              <a:t> 登入及登出帳號</a:t>
             </a:r>
             <a:endParaRPr lang="zh-TW" altLang="en-US" b="1" dirty="0"/>
           </a:p>
@@ -8830,12 +9638,12 @@
       </p:sp>
       <p:pic>
         <p:nvPicPr>
-          <p:cNvPr id="6" name="內容版面配置區 5"/>
+          <p:cNvPr id="11" name="內容版面配置區 10"/>
           <p:cNvPicPr>
             <a:picLocks noGrp="1" noChangeAspect="1"/>
           </p:cNvPicPr>
           <p:nvPr>
-            <p:ph sz="half" idx="1"/>
+            <p:ph sz="half" idx="2"/>
           </p:nvPr>
         </p:nvPicPr>
         <p:blipFill>
@@ -8852,20 +9660,18 @@
         </p:blipFill>
         <p:spPr>
           <a:xfrm>
-            <a:off x="251520" y="2636913"/>
-            <a:ext cx="4176464" cy="1728191"/>
+            <a:off x="4644008" y="1844824"/>
+            <a:ext cx="4320480" cy="2016224"/>
           </a:xfrm>
         </p:spPr>
       </p:pic>
       <p:pic>
         <p:nvPicPr>
-          <p:cNvPr id="5" name="內容版面配置區 4"/>
+          <p:cNvPr id="12" name="圖片 11"/>
           <p:cNvPicPr>
-            <a:picLocks noGrp="1" noChangeAspect="1"/>
+            <a:picLocks noChangeAspect="1"/>
           </p:cNvPicPr>
-          <p:nvPr>
-            <p:ph sz="half" idx="2"/>
-          </p:nvPr>
+          <p:nvPr/>
         </p:nvPicPr>
         <p:blipFill>
           <a:blip r:embed="rId3">
@@ -8881,21 +9687,172 @@
         </p:blipFill>
         <p:spPr>
           <a:xfrm>
-            <a:off x="4800600" y="2614104"/>
-            <a:ext cx="4038600" cy="1751000"/>
+            <a:off x="4644008" y="3933056"/>
+            <a:ext cx="4320480" cy="823462"/>
+          </a:xfrm>
+          <a:prstGeom prst="rect">
+            <a:avLst/>
+          </a:prstGeom>
+        </p:spPr>
+      </p:pic>
+      <p:pic>
+        <p:nvPicPr>
+          <p:cNvPr id="13" name="圖片 12"/>
+          <p:cNvPicPr>
+            <a:picLocks noChangeAspect="1"/>
+          </p:cNvPicPr>
+          <p:nvPr/>
+        </p:nvPicPr>
+        <p:blipFill>
+          <a:blip r:embed="rId4">
+            <a:extLst>
+              <a:ext uri="{28A0092B-C50C-407E-A947-70E740481C1C}">
+                <a14:useLocalDpi xmlns:a14="http://schemas.microsoft.com/office/drawing/2010/main" val="0"/>
+              </a:ext>
+            </a:extLst>
+          </a:blip>
+          <a:stretch>
+            <a:fillRect/>
+          </a:stretch>
+        </p:blipFill>
+        <p:spPr>
+          <a:xfrm>
+            <a:off x="4644008" y="4797152"/>
+            <a:ext cx="2648320" cy="720080"/>
+          </a:xfrm>
+          <a:prstGeom prst="rect">
+            <a:avLst/>
+          </a:prstGeom>
+        </p:spPr>
+      </p:pic>
+      <p:sp>
+        <p:nvSpPr>
+          <p:cNvPr id="8" name="矩形 7"/>
+          <p:cNvSpPr/>
+          <p:nvPr/>
+        </p:nvSpPr>
+        <p:spPr>
+          <a:xfrm>
+            <a:off x="1691680" y="1268760"/>
+            <a:ext cx="1261884" cy="461665"/>
+          </a:xfrm>
+          <a:prstGeom prst="rect">
+            <a:avLst/>
+          </a:prstGeom>
+        </p:spPr>
+        <p:txBody>
+          <a:bodyPr wrap="none">
+            <a:spAutoFit/>
+          </a:bodyPr>
+          <a:lstStyle/>
+          <a:p>
+            <a:r>
+              <a:rPr lang="en-US" altLang="zh-TW" sz="2400" b="1" dirty="0" smtClean="0">
+                <a:solidFill>
+                  <a:schemeClr val="accent2">
+                    <a:lumMod val="75000"/>
+                  </a:schemeClr>
+                </a:solidFill>
+              </a:rPr>
+              <a:t>models</a:t>
+            </a:r>
+            <a:endParaRPr lang="zh-TW" altLang="en-US" sz="2400" b="1" dirty="0">
+              <a:solidFill>
+                <a:schemeClr val="accent2">
+                  <a:lumMod val="75000"/>
+                </a:schemeClr>
+              </a:solidFill>
+            </a:endParaRPr>
+          </a:p>
+        </p:txBody>
+      </p:sp>
+      <p:sp>
+        <p:nvSpPr>
+          <p:cNvPr id="9" name="矩形 8"/>
+          <p:cNvSpPr/>
+          <p:nvPr/>
+        </p:nvSpPr>
+        <p:spPr>
+          <a:xfrm>
+            <a:off x="6084168" y="1268760"/>
+            <a:ext cx="1774845" cy="461665"/>
+          </a:xfrm>
+          <a:prstGeom prst="rect">
+            <a:avLst/>
+          </a:prstGeom>
+        </p:spPr>
+        <p:txBody>
+          <a:bodyPr wrap="none">
+            <a:spAutoFit/>
+          </a:bodyPr>
+          <a:lstStyle/>
+          <a:p>
+            <a:r>
+              <a:rPr lang="en-US" altLang="zh-TW" sz="2400" b="1" dirty="0" smtClean="0">
+                <a:solidFill>
+                  <a:schemeClr val="accent2">
+                    <a:lumMod val="75000"/>
+                  </a:schemeClr>
+                </a:solidFill>
+              </a:rPr>
+              <a:t>controllers</a:t>
+            </a:r>
+            <a:endParaRPr lang="zh-TW" altLang="en-US" sz="2400" b="1" dirty="0">
+              <a:solidFill>
+                <a:schemeClr val="accent2">
+                  <a:lumMod val="75000"/>
+                </a:schemeClr>
+              </a:solidFill>
+            </a:endParaRPr>
+          </a:p>
+        </p:txBody>
+      </p:sp>
+      <p:pic>
+        <p:nvPicPr>
+          <p:cNvPr id="4" name="內容版面配置區 3"/>
+          <p:cNvPicPr>
+            <a:picLocks noGrp="1" noChangeAspect="1"/>
+          </p:cNvPicPr>
+          <p:nvPr>
+            <p:ph sz="half" idx="1"/>
+          </p:nvPr>
+        </p:nvPicPr>
+        <p:blipFill>
+          <a:blip r:embed="rId5">
+            <a:extLst>
+              <a:ext uri="{28A0092B-C50C-407E-A947-70E740481C1C}">
+                <a14:useLocalDpi xmlns:a14="http://schemas.microsoft.com/office/drawing/2010/main" val="0"/>
+              </a:ext>
+            </a:extLst>
+          </a:blip>
+          <a:stretch>
+            <a:fillRect/>
+          </a:stretch>
+        </p:blipFill>
+        <p:spPr>
+          <a:xfrm>
+            <a:off x="301625" y="2067785"/>
+            <a:ext cx="4038600" cy="3289168"/>
           </a:xfrm>
         </p:spPr>
       </p:pic>
     </p:spTree>
     <p:extLst>
       <p:ext uri="{BB962C8B-B14F-4D97-AF65-F5344CB8AC3E}">
-        <p14:creationId xmlns:p14="http://schemas.microsoft.com/office/powerpoint/2010/main" val="263923404"/>
+        <p14:creationId xmlns:p14="http://schemas.microsoft.com/office/powerpoint/2010/main" val="1373299378"/>
       </p:ext>
     </p:extLst>
   </p:cSld>
   <p:clrMapOvr>
     <a:masterClrMapping/>
   </p:clrMapOvr>
+  <p:timing>
+    <p:tnLst>
+      <p:par>
+        <p:cTn id="1" dur="indefinite" restart="never" nodeType="tmRoot"/>
+      </p:par>
+    </p:tnLst>
+  </p:timing>
 </p:sld>
 </file>
 

--- a/small_project/data_project/沅淯駿營造有限公司.pptx
+++ b/small_project/data_project/沅淯駿營造有限公司.pptx
@@ -399,7 +399,7 @@
           <a:p>
             <a:fld id="{5727369B-E44C-4082-BCE3-F0D9374C2D85}" type="datetimeFigureOut">
               <a:rPr lang="zh-TW" altLang="en-US" smtClean="0"/>
-              <a:t>2016/7/19</a:t>
+              <a:t>2016/7/20</a:t>
             </a:fld>
             <a:endParaRPr lang="zh-TW" altLang="en-US"/>
           </a:p>
@@ -787,7 +787,7 @@
           <a:p>
             <a:fld id="{5727369B-E44C-4082-BCE3-F0D9374C2D85}" type="datetimeFigureOut">
               <a:rPr lang="zh-TW" altLang="en-US" smtClean="0"/>
-              <a:t>2016/7/19</a:t>
+              <a:t>2016/7/20</a:t>
             </a:fld>
             <a:endParaRPr lang="zh-TW" altLang="en-US"/>
           </a:p>
@@ -1314,7 +1314,7 @@
           <a:p>
             <a:fld id="{5727369B-E44C-4082-BCE3-F0D9374C2D85}" type="datetimeFigureOut">
               <a:rPr lang="zh-TW" altLang="en-US" smtClean="0"/>
-              <a:t>2016/7/19</a:t>
+              <a:t>2016/7/20</a:t>
             </a:fld>
             <a:endParaRPr lang="zh-TW" altLang="en-US"/>
           </a:p>
@@ -1442,7 +1442,7 @@
           <a:p>
             <a:fld id="{5727369B-E44C-4082-BCE3-F0D9374C2D85}" type="datetimeFigureOut">
               <a:rPr lang="zh-TW" altLang="en-US" smtClean="0"/>
-              <a:t>2016/7/19</a:t>
+              <a:t>2016/7/20</a:t>
             </a:fld>
             <a:endParaRPr lang="zh-TW" altLang="en-US"/>
           </a:p>
@@ -1980,7 +1980,7 @@
           <a:p>
             <a:fld id="{5727369B-E44C-4082-BCE3-F0D9374C2D85}" type="datetimeFigureOut">
               <a:rPr lang="zh-TW" altLang="en-US" smtClean="0"/>
-              <a:t>2016/7/19</a:t>
+              <a:t>2016/7/20</a:t>
             </a:fld>
             <a:endParaRPr lang="zh-TW" altLang="en-US"/>
           </a:p>
@@ -2270,7 +2270,7 @@
           <a:p>
             <a:fld id="{5727369B-E44C-4082-BCE3-F0D9374C2D85}" type="datetimeFigureOut">
               <a:rPr lang="zh-TW" altLang="en-US" smtClean="0"/>
-              <a:t>2016/7/19</a:t>
+              <a:t>2016/7/20</a:t>
             </a:fld>
             <a:endParaRPr lang="zh-TW" altLang="en-US"/>
           </a:p>
@@ -2924,7 +2924,7 @@
           <a:p>
             <a:fld id="{5727369B-E44C-4082-BCE3-F0D9374C2D85}" type="datetimeFigureOut">
               <a:rPr lang="zh-TW" altLang="en-US" smtClean="0"/>
-              <a:t>2016/7/19</a:t>
+              <a:t>2016/7/20</a:t>
             </a:fld>
             <a:endParaRPr lang="zh-TW" altLang="en-US"/>
           </a:p>
@@ -3360,7 +3360,7 @@
           <a:p>
             <a:fld id="{5727369B-E44C-4082-BCE3-F0D9374C2D85}" type="datetimeFigureOut">
               <a:rPr lang="zh-TW" altLang="en-US" smtClean="0"/>
-              <a:t>2016/7/19</a:t>
+              <a:t>2016/7/20</a:t>
             </a:fld>
             <a:endParaRPr lang="zh-TW" altLang="en-US"/>
           </a:p>
@@ -3673,7 +3673,7 @@
           <a:p>
             <a:fld id="{5727369B-E44C-4082-BCE3-F0D9374C2D85}" type="datetimeFigureOut">
               <a:rPr lang="zh-TW" altLang="en-US" smtClean="0"/>
-              <a:t>2016/7/19</a:t>
+              <a:t>2016/7/20</a:t>
             </a:fld>
             <a:endParaRPr lang="zh-TW" altLang="en-US"/>
           </a:p>
@@ -4400,7 +4400,7 @@
           <a:p>
             <a:fld id="{5727369B-E44C-4082-BCE3-F0D9374C2D85}" type="datetimeFigureOut">
               <a:rPr lang="zh-TW" altLang="en-US" smtClean="0"/>
-              <a:t>2016/7/19</a:t>
+              <a:t>2016/7/20</a:t>
             </a:fld>
             <a:endParaRPr lang="zh-TW" altLang="en-US"/>
           </a:p>
@@ -5064,7 +5064,7 @@
           <a:p>
             <a:fld id="{5727369B-E44C-4082-BCE3-F0D9374C2D85}" type="datetimeFigureOut">
               <a:rPr lang="zh-TW" altLang="en-US" smtClean="0"/>
-              <a:t>2016/7/19</a:t>
+              <a:t>2016/7/20</a:t>
             </a:fld>
             <a:endParaRPr lang="zh-TW" altLang="en-US"/>
           </a:p>
@@ -5337,7 +5337,7 @@
           <a:p>
             <a:fld id="{5727369B-E44C-4082-BCE3-F0D9374C2D85}" type="datetimeFigureOut">
               <a:rPr lang="zh-TW" altLang="en-US" smtClean="0"/>
-              <a:t>2016/7/19</a:t>
+              <a:t>2016/7/20</a:t>
             </a:fld>
             <a:endParaRPr lang="zh-TW" altLang="en-US"/>
           </a:p>
@@ -6176,9 +6176,91 @@
           </a:xfrm>
         </p:spPr>
       </p:pic>
+      <p:sp>
+        <p:nvSpPr>
+          <p:cNvPr id="10" name="矩形 9"/>
+          <p:cNvSpPr/>
+          <p:nvPr/>
+        </p:nvSpPr>
+        <p:spPr>
+          <a:xfrm>
+            <a:off x="1691680" y="1268760"/>
+            <a:ext cx="1261884" cy="461665"/>
+          </a:xfrm>
+          <a:prstGeom prst="rect">
+            <a:avLst/>
+          </a:prstGeom>
+        </p:spPr>
+        <p:txBody>
+          <a:bodyPr wrap="none">
+            <a:spAutoFit/>
+          </a:bodyPr>
+          <a:lstStyle/>
+          <a:p>
+            <a:r>
+              <a:rPr lang="en-US" altLang="zh-TW" sz="2400" b="1" dirty="0" smtClean="0">
+                <a:solidFill>
+                  <a:schemeClr val="accent2">
+                    <a:lumMod val="75000"/>
+                  </a:schemeClr>
+                </a:solidFill>
+              </a:rPr>
+              <a:t>models</a:t>
+            </a:r>
+            <a:endParaRPr lang="zh-TW" altLang="en-US" sz="2400" b="1" dirty="0">
+              <a:solidFill>
+                <a:schemeClr val="accent2">
+                  <a:lumMod val="75000"/>
+                </a:schemeClr>
+              </a:solidFill>
+            </a:endParaRPr>
+          </a:p>
+        </p:txBody>
+      </p:sp>
+      <p:sp>
+        <p:nvSpPr>
+          <p:cNvPr id="11" name="矩形 10"/>
+          <p:cNvSpPr/>
+          <p:nvPr/>
+        </p:nvSpPr>
+        <p:spPr>
+          <a:xfrm>
+            <a:off x="6084168" y="1268760"/>
+            <a:ext cx="1774845" cy="461665"/>
+          </a:xfrm>
+          <a:prstGeom prst="rect">
+            <a:avLst/>
+          </a:prstGeom>
+        </p:spPr>
+        <p:txBody>
+          <a:bodyPr wrap="none">
+            <a:spAutoFit/>
+          </a:bodyPr>
+          <a:lstStyle/>
+          <a:p>
+            <a:r>
+              <a:rPr lang="en-US" altLang="zh-TW" sz="2400" b="1" dirty="0" smtClean="0">
+                <a:solidFill>
+                  <a:schemeClr val="accent2">
+                    <a:lumMod val="75000"/>
+                  </a:schemeClr>
+                </a:solidFill>
+              </a:rPr>
+              <a:t>controllers</a:t>
+            </a:r>
+            <a:endParaRPr lang="zh-TW" altLang="en-US" sz="2400" b="1" dirty="0">
+              <a:solidFill>
+                <a:schemeClr val="accent2">
+                  <a:lumMod val="75000"/>
+                </a:schemeClr>
+              </a:solidFill>
+            </a:endParaRPr>
+          </a:p>
+        </p:txBody>
+      </p:sp>
       <p:pic>
         <p:nvPicPr>
-          <p:cNvPr id="5" name="內容版面配置區 4"/>
+          <p:cNvPr id="4" name="內容版面配置區 3"/>
           <p:cNvPicPr>
             <a:picLocks noGrp="1" noChangeAspect="1"/>
           </p:cNvPicPr>
@@ -6200,93 +6282,41 @@
         </p:blipFill>
         <p:spPr>
           <a:xfrm>
-            <a:off x="4800600" y="2614104"/>
-            <a:ext cx="4038600" cy="1751000"/>
+            <a:off x="4800600" y="3201683"/>
+            <a:ext cx="4038600" cy="2891613"/>
           </a:xfrm>
         </p:spPr>
       </p:pic>
-      <p:sp>
-        <p:nvSpPr>
-          <p:cNvPr id="10" name="矩形 9"/>
-          <p:cNvSpPr/>
+      <p:pic>
+        <p:nvPicPr>
+          <p:cNvPr id="7" name="圖片 6"/>
+          <p:cNvPicPr>
+            <a:picLocks noChangeAspect="1"/>
+          </p:cNvPicPr>
           <p:nvPr/>
-        </p:nvSpPr>
+        </p:nvPicPr>
+        <p:blipFill>
+          <a:blip r:embed="rId4">
+            <a:extLst>
+              <a:ext uri="{28A0092B-C50C-407E-A947-70E740481C1C}">
+                <a14:useLocalDpi xmlns:a14="http://schemas.microsoft.com/office/drawing/2010/main" val="0"/>
+              </a:ext>
+            </a:extLst>
+          </a:blip>
+          <a:stretch>
+            <a:fillRect/>
+          </a:stretch>
+        </p:blipFill>
         <p:spPr>
           <a:xfrm>
-            <a:off x="1691680" y="1268760"/>
-            <a:ext cx="1261884" cy="461665"/>
+            <a:off x="4788024" y="2287825"/>
+            <a:ext cx="2353004" cy="838317"/>
           </a:xfrm>
           <a:prstGeom prst="rect">
             <a:avLst/>
           </a:prstGeom>
         </p:spPr>
-        <p:txBody>
-          <a:bodyPr wrap="none">
-            <a:spAutoFit/>
-          </a:bodyPr>
-          <a:lstStyle/>
-          <a:p>
-            <a:r>
-              <a:rPr lang="en-US" altLang="zh-TW" sz="2400" b="1" dirty="0" smtClean="0">
-                <a:solidFill>
-                  <a:schemeClr val="accent2">
-                    <a:lumMod val="75000"/>
-                  </a:schemeClr>
-                </a:solidFill>
-              </a:rPr>
-              <a:t>models</a:t>
-            </a:r>
-            <a:endParaRPr lang="zh-TW" altLang="en-US" sz="2400" b="1" dirty="0">
-              <a:solidFill>
-                <a:schemeClr val="accent2">
-                  <a:lumMod val="75000"/>
-                </a:schemeClr>
-              </a:solidFill>
-            </a:endParaRPr>
-          </a:p>
-        </p:txBody>
-      </p:sp>
-      <p:sp>
-        <p:nvSpPr>
-          <p:cNvPr id="11" name="矩形 10"/>
-          <p:cNvSpPr/>
-          <p:nvPr/>
-        </p:nvSpPr>
-        <p:spPr>
-          <a:xfrm>
-            <a:off x="6084168" y="1268760"/>
-            <a:ext cx="1774845" cy="461665"/>
-          </a:xfrm>
-          <a:prstGeom prst="rect">
-            <a:avLst/>
-          </a:prstGeom>
-        </p:spPr>
-        <p:txBody>
-          <a:bodyPr wrap="none">
-            <a:spAutoFit/>
-          </a:bodyPr>
-          <a:lstStyle/>
-          <a:p>
-            <a:r>
-              <a:rPr lang="en-US" altLang="zh-TW" sz="2400" b="1" dirty="0" smtClean="0">
-                <a:solidFill>
-                  <a:schemeClr val="accent2">
-                    <a:lumMod val="75000"/>
-                  </a:schemeClr>
-                </a:solidFill>
-              </a:rPr>
-              <a:t>controllers</a:t>
-            </a:r>
-            <a:endParaRPr lang="zh-TW" altLang="en-US" sz="2400" b="1" dirty="0">
-              <a:solidFill>
-                <a:schemeClr val="accent2">
-                  <a:lumMod val="75000"/>
-                </a:schemeClr>
-              </a:solidFill>
-            </a:endParaRPr>
-          </a:p>
-        </p:txBody>
-      </p:sp>
+      </p:pic>
     </p:spTree>
     <p:extLst>
       <p:ext uri="{BB962C8B-B14F-4D97-AF65-F5344CB8AC3E}">
@@ -6980,9 +7010,91 @@
           </a:xfrm>
         </p:spPr>
       </p:pic>
+      <p:sp>
+        <p:nvSpPr>
+          <p:cNvPr id="10" name="矩形 9"/>
+          <p:cNvSpPr/>
+          <p:nvPr/>
+        </p:nvSpPr>
+        <p:spPr>
+          <a:xfrm>
+            <a:off x="1691680" y="1268760"/>
+            <a:ext cx="1261884" cy="461665"/>
+          </a:xfrm>
+          <a:prstGeom prst="rect">
+            <a:avLst/>
+          </a:prstGeom>
+        </p:spPr>
+        <p:txBody>
+          <a:bodyPr wrap="none">
+            <a:spAutoFit/>
+          </a:bodyPr>
+          <a:lstStyle/>
+          <a:p>
+            <a:r>
+              <a:rPr lang="en-US" altLang="zh-TW" sz="2400" b="1" dirty="0" smtClean="0">
+                <a:solidFill>
+                  <a:schemeClr val="accent2">
+                    <a:lumMod val="75000"/>
+                  </a:schemeClr>
+                </a:solidFill>
+              </a:rPr>
+              <a:t>models</a:t>
+            </a:r>
+            <a:endParaRPr lang="zh-TW" altLang="en-US" sz="2400" b="1" dirty="0">
+              <a:solidFill>
+                <a:schemeClr val="accent2">
+                  <a:lumMod val="75000"/>
+                </a:schemeClr>
+              </a:solidFill>
+            </a:endParaRPr>
+          </a:p>
+        </p:txBody>
+      </p:sp>
+      <p:sp>
+        <p:nvSpPr>
+          <p:cNvPr id="11" name="矩形 10"/>
+          <p:cNvSpPr/>
+          <p:nvPr/>
+        </p:nvSpPr>
+        <p:spPr>
+          <a:xfrm>
+            <a:off x="6084168" y="1268760"/>
+            <a:ext cx="1774845" cy="461665"/>
+          </a:xfrm>
+          <a:prstGeom prst="rect">
+            <a:avLst/>
+          </a:prstGeom>
+        </p:spPr>
+        <p:txBody>
+          <a:bodyPr wrap="none">
+            <a:spAutoFit/>
+          </a:bodyPr>
+          <a:lstStyle/>
+          <a:p>
+            <a:r>
+              <a:rPr lang="en-US" altLang="zh-TW" sz="2400" b="1" dirty="0" smtClean="0">
+                <a:solidFill>
+                  <a:schemeClr val="accent2">
+                    <a:lumMod val="75000"/>
+                  </a:schemeClr>
+                </a:solidFill>
+              </a:rPr>
+              <a:t>controllers</a:t>
+            </a:r>
+            <a:endParaRPr lang="zh-TW" altLang="en-US" sz="2400" b="1" dirty="0">
+              <a:solidFill>
+                <a:schemeClr val="accent2">
+                  <a:lumMod val="75000"/>
+                </a:schemeClr>
+              </a:solidFill>
+            </a:endParaRPr>
+          </a:p>
+        </p:txBody>
+      </p:sp>
       <p:pic>
         <p:nvPicPr>
-          <p:cNvPr id="5" name="內容版面配置區 4"/>
+          <p:cNvPr id="4" name="內容版面配置區 3"/>
           <p:cNvPicPr>
             <a:picLocks noGrp="1" noChangeAspect="1"/>
           </p:cNvPicPr>
@@ -7004,93 +7116,41 @@
         </p:blipFill>
         <p:spPr>
           <a:xfrm>
-            <a:off x="4670323" y="1628800"/>
-            <a:ext cx="4168877" cy="4608511"/>
+            <a:off x="4800600" y="1837754"/>
+            <a:ext cx="4038600" cy="3749230"/>
           </a:xfrm>
         </p:spPr>
       </p:pic>
-      <p:sp>
-        <p:nvSpPr>
-          <p:cNvPr id="10" name="矩形 9"/>
-          <p:cNvSpPr/>
+      <p:pic>
+        <p:nvPicPr>
+          <p:cNvPr id="7" name="圖片 6"/>
+          <p:cNvPicPr>
+            <a:picLocks noChangeAspect="1"/>
+          </p:cNvPicPr>
           <p:nvPr/>
-        </p:nvSpPr>
+        </p:nvPicPr>
+        <p:blipFill>
+          <a:blip r:embed="rId4">
+            <a:extLst>
+              <a:ext uri="{28A0092B-C50C-407E-A947-70E740481C1C}">
+                <a14:useLocalDpi xmlns:a14="http://schemas.microsoft.com/office/drawing/2010/main" val="0"/>
+              </a:ext>
+            </a:extLst>
+          </a:blip>
+          <a:stretch>
+            <a:fillRect/>
+          </a:stretch>
+        </p:blipFill>
         <p:spPr>
           <a:xfrm>
-            <a:off x="1691680" y="1268760"/>
-            <a:ext cx="1261884" cy="461665"/>
+            <a:off x="4644008" y="3140968"/>
+            <a:ext cx="4316804" cy="2732656"/>
           </a:xfrm>
           <a:prstGeom prst="rect">
             <a:avLst/>
           </a:prstGeom>
         </p:spPr>
-        <p:txBody>
-          <a:bodyPr wrap="none">
-            <a:spAutoFit/>
-          </a:bodyPr>
-          <a:lstStyle/>
-          <a:p>
-            <a:r>
-              <a:rPr lang="en-US" altLang="zh-TW" sz="2400" b="1" dirty="0" smtClean="0">
-                <a:solidFill>
-                  <a:schemeClr val="accent2">
-                    <a:lumMod val="75000"/>
-                  </a:schemeClr>
-                </a:solidFill>
-              </a:rPr>
-              <a:t>models</a:t>
-            </a:r>
-            <a:endParaRPr lang="zh-TW" altLang="en-US" sz="2400" b="1" dirty="0">
-              <a:solidFill>
-                <a:schemeClr val="accent2">
-                  <a:lumMod val="75000"/>
-                </a:schemeClr>
-              </a:solidFill>
-            </a:endParaRPr>
-          </a:p>
-        </p:txBody>
-      </p:sp>
-      <p:sp>
-        <p:nvSpPr>
-          <p:cNvPr id="11" name="矩形 10"/>
-          <p:cNvSpPr/>
-          <p:nvPr/>
-        </p:nvSpPr>
-        <p:spPr>
-          <a:xfrm>
-            <a:off x="6084168" y="1268760"/>
-            <a:ext cx="1774845" cy="461665"/>
-          </a:xfrm>
-          <a:prstGeom prst="rect">
-            <a:avLst/>
-          </a:prstGeom>
-        </p:spPr>
-        <p:txBody>
-          <a:bodyPr wrap="none">
-            <a:spAutoFit/>
-          </a:bodyPr>
-          <a:lstStyle/>
-          <a:p>
-            <a:r>
-              <a:rPr lang="en-US" altLang="zh-TW" sz="2400" b="1" dirty="0" smtClean="0">
-                <a:solidFill>
-                  <a:schemeClr val="accent2">
-                    <a:lumMod val="75000"/>
-                  </a:schemeClr>
-                </a:solidFill>
-              </a:rPr>
-              <a:t>controllers</a:t>
-            </a:r>
-            <a:endParaRPr lang="zh-TW" altLang="en-US" sz="2400" b="1" dirty="0">
-              <a:solidFill>
-                <a:schemeClr val="accent2">
-                  <a:lumMod val="75000"/>
-                </a:schemeClr>
-              </a:solidFill>
-            </a:endParaRPr>
-          </a:p>
-        </p:txBody>
-      </p:sp>
+      </p:pic>
     </p:spTree>
     <p:extLst>
       <p:ext uri="{BB962C8B-B14F-4D97-AF65-F5344CB8AC3E}">
@@ -7104,7 +7164,189 @@
   <p:timing>
     <p:tnLst>
       <p:par>
-        <p:cTn id="1" dur="indefinite" restart="never" nodeType="tmRoot"/>
+        <p:cTn id="1" dur="indefinite" restart="never" nodeType="tmRoot">
+          <p:childTnLst>
+            <p:seq concurrent="1" nextAc="seek">
+              <p:cTn id="2" dur="indefinite" nodeType="mainSeq">
+                <p:childTnLst>
+                  <p:par>
+                    <p:cTn id="3" fill="hold">
+                      <p:stCondLst>
+                        <p:cond delay="indefinite"/>
+                      </p:stCondLst>
+                      <p:childTnLst>
+                        <p:par>
+                          <p:cTn id="4" fill="hold">
+                            <p:stCondLst>
+                              <p:cond delay="0"/>
+                            </p:stCondLst>
+                            <p:childTnLst>
+                              <p:par>
+                                <p:cTn id="5" presetID="10" presetClass="entr" presetSubtype="0" fill="hold" nodeType="clickEffect">
+                                  <p:stCondLst>
+                                    <p:cond delay="0"/>
+                                  </p:stCondLst>
+                                  <p:childTnLst>
+                                    <p:set>
+                                      <p:cBhvr>
+                                        <p:cTn id="6" dur="1" fill="hold">
+                                          <p:stCondLst>
+                                            <p:cond delay="0"/>
+                                          </p:stCondLst>
+                                        </p:cTn>
+                                        <p:tgtEl>
+                                          <p:spTgt spid="4"/>
+                                        </p:tgtEl>
+                                        <p:attrNameLst>
+                                          <p:attrName>style.visibility</p:attrName>
+                                        </p:attrNameLst>
+                                      </p:cBhvr>
+                                      <p:to>
+                                        <p:strVal val="visible"/>
+                                      </p:to>
+                                    </p:set>
+                                    <p:animEffect transition="in" filter="fade">
+                                      <p:cBhvr>
+                                        <p:cTn id="7" dur="500"/>
+                                        <p:tgtEl>
+                                          <p:spTgt spid="4"/>
+                                        </p:tgtEl>
+                                      </p:cBhvr>
+                                    </p:animEffect>
+                                  </p:childTnLst>
+                                </p:cTn>
+                              </p:par>
+                            </p:childTnLst>
+                          </p:cTn>
+                        </p:par>
+                      </p:childTnLst>
+                    </p:cTn>
+                  </p:par>
+                  <p:par>
+                    <p:cTn id="8" fill="hold">
+                      <p:stCondLst>
+                        <p:cond delay="indefinite"/>
+                      </p:stCondLst>
+                      <p:childTnLst>
+                        <p:par>
+                          <p:cTn id="9" fill="hold">
+                            <p:stCondLst>
+                              <p:cond delay="0"/>
+                            </p:stCondLst>
+                            <p:childTnLst>
+                              <p:par>
+                                <p:cTn id="10" presetID="10" presetClass="exit" presetSubtype="0" fill="hold" nodeType="clickEffect">
+                                  <p:stCondLst>
+                                    <p:cond delay="0"/>
+                                  </p:stCondLst>
+                                  <p:childTnLst>
+                                    <p:animEffect transition="out" filter="fade">
+                                      <p:cBhvr>
+                                        <p:cTn id="11" dur="500"/>
+                                        <p:tgtEl>
+                                          <p:spTgt spid="4"/>
+                                        </p:tgtEl>
+                                      </p:cBhvr>
+                                    </p:animEffect>
+                                    <p:set>
+                                      <p:cBhvr>
+                                        <p:cTn id="12" dur="1" fill="hold">
+                                          <p:stCondLst>
+                                            <p:cond delay="499"/>
+                                          </p:stCondLst>
+                                        </p:cTn>
+                                        <p:tgtEl>
+                                          <p:spTgt spid="4"/>
+                                        </p:tgtEl>
+                                        <p:attrNameLst>
+                                          <p:attrName>style.visibility</p:attrName>
+                                        </p:attrNameLst>
+                                      </p:cBhvr>
+                                      <p:to>
+                                        <p:strVal val="hidden"/>
+                                      </p:to>
+                                    </p:set>
+                                  </p:childTnLst>
+                                </p:cTn>
+                              </p:par>
+                            </p:childTnLst>
+                          </p:cTn>
+                        </p:par>
+                      </p:childTnLst>
+                    </p:cTn>
+                  </p:par>
+                  <p:par>
+                    <p:cTn id="13" fill="hold">
+                      <p:stCondLst>
+                        <p:cond delay="indefinite"/>
+                      </p:stCondLst>
+                      <p:childTnLst>
+                        <p:par>
+                          <p:cTn id="14" fill="hold">
+                            <p:stCondLst>
+                              <p:cond delay="0"/>
+                            </p:stCondLst>
+                            <p:childTnLst>
+                              <p:par>
+                                <p:cTn id="15" presetID="10" presetClass="exit" presetSubtype="0" fill="hold" nodeType="clickEffect">
+                                  <p:stCondLst>
+                                    <p:cond delay="0"/>
+                                  </p:stCondLst>
+                                  <p:childTnLst>
+                                    <p:animEffect transition="out" filter="fade">
+                                      <p:cBhvr>
+                                        <p:cTn id="16" dur="500"/>
+                                        <p:tgtEl>
+                                          <p:spTgt spid="7"/>
+                                        </p:tgtEl>
+                                      </p:cBhvr>
+                                    </p:animEffect>
+                                    <p:set>
+                                      <p:cBhvr>
+                                        <p:cTn id="17" dur="1" fill="hold">
+                                          <p:stCondLst>
+                                            <p:cond delay="499"/>
+                                          </p:stCondLst>
+                                        </p:cTn>
+                                        <p:tgtEl>
+                                          <p:spTgt spid="7"/>
+                                        </p:tgtEl>
+                                        <p:attrNameLst>
+                                          <p:attrName>style.visibility</p:attrName>
+                                        </p:attrNameLst>
+                                      </p:cBhvr>
+                                      <p:to>
+                                        <p:strVal val="hidden"/>
+                                      </p:to>
+                                    </p:set>
+                                  </p:childTnLst>
+                                </p:cTn>
+                              </p:par>
+                            </p:childTnLst>
+                          </p:cTn>
+                        </p:par>
+                      </p:childTnLst>
+                    </p:cTn>
+                  </p:par>
+                </p:childTnLst>
+              </p:cTn>
+              <p:prevCondLst>
+                <p:cond evt="onPrev" delay="0">
+                  <p:tgtEl>
+                    <p:sldTgt/>
+                  </p:tgtEl>
+                </p:cond>
+              </p:prevCondLst>
+              <p:nextCondLst>
+                <p:cond evt="onNext" delay="0">
+                  <p:tgtEl>
+                    <p:sldTgt/>
+                  </p:tgtEl>
+                </p:cond>
+              </p:nextCondLst>
+            </p:seq>
+          </p:childTnLst>
+        </p:cTn>
       </p:par>
     </p:tnLst>
   </p:timing>
@@ -7205,6 +7447,438 @@
           <a:xfrm>
             <a:off x="323528" y="2909280"/>
             <a:ext cx="4038600" cy="951768"/>
+          </a:xfrm>
+        </p:spPr>
+      </p:pic>
+      <p:sp>
+        <p:nvSpPr>
+          <p:cNvPr id="10" name="矩形 9"/>
+          <p:cNvSpPr/>
+          <p:nvPr/>
+        </p:nvSpPr>
+        <p:spPr>
+          <a:xfrm>
+            <a:off x="1691680" y="1268760"/>
+            <a:ext cx="1261884" cy="461665"/>
+          </a:xfrm>
+          <a:prstGeom prst="rect">
+            <a:avLst/>
+          </a:prstGeom>
+        </p:spPr>
+        <p:txBody>
+          <a:bodyPr wrap="none">
+            <a:spAutoFit/>
+          </a:bodyPr>
+          <a:lstStyle/>
+          <a:p>
+            <a:r>
+              <a:rPr lang="en-US" altLang="zh-TW" sz="2400" b="1" dirty="0" smtClean="0">
+                <a:solidFill>
+                  <a:schemeClr val="accent2">
+                    <a:lumMod val="75000"/>
+                  </a:schemeClr>
+                </a:solidFill>
+              </a:rPr>
+              <a:t>models</a:t>
+            </a:r>
+            <a:endParaRPr lang="zh-TW" altLang="en-US" sz="2400" b="1" dirty="0">
+              <a:solidFill>
+                <a:schemeClr val="accent2">
+                  <a:lumMod val="75000"/>
+                </a:schemeClr>
+              </a:solidFill>
+            </a:endParaRPr>
+          </a:p>
+        </p:txBody>
+      </p:sp>
+      <p:sp>
+        <p:nvSpPr>
+          <p:cNvPr id="11" name="矩形 10"/>
+          <p:cNvSpPr/>
+          <p:nvPr/>
+        </p:nvSpPr>
+        <p:spPr>
+          <a:xfrm>
+            <a:off x="6084168" y="1268760"/>
+            <a:ext cx="1774845" cy="461665"/>
+          </a:xfrm>
+          <a:prstGeom prst="rect">
+            <a:avLst/>
+          </a:prstGeom>
+        </p:spPr>
+        <p:txBody>
+          <a:bodyPr wrap="none">
+            <a:spAutoFit/>
+          </a:bodyPr>
+          <a:lstStyle/>
+          <a:p>
+            <a:r>
+              <a:rPr lang="en-US" altLang="zh-TW" sz="2400" b="1" dirty="0" smtClean="0">
+                <a:solidFill>
+                  <a:schemeClr val="accent2">
+                    <a:lumMod val="75000"/>
+                  </a:schemeClr>
+                </a:solidFill>
+              </a:rPr>
+              <a:t>controllers</a:t>
+            </a:r>
+            <a:endParaRPr lang="zh-TW" altLang="en-US" sz="2400" b="1" dirty="0">
+              <a:solidFill>
+                <a:schemeClr val="accent2">
+                  <a:lumMod val="75000"/>
+                </a:schemeClr>
+              </a:solidFill>
+            </a:endParaRPr>
+          </a:p>
+        </p:txBody>
+      </p:sp>
+      <p:pic>
+        <p:nvPicPr>
+          <p:cNvPr id="4" name="內容版面配置區 3"/>
+          <p:cNvPicPr>
+            <a:picLocks noGrp="1" noChangeAspect="1"/>
+          </p:cNvPicPr>
+          <p:nvPr>
+            <p:ph sz="half" idx="2"/>
+          </p:nvPr>
+        </p:nvPicPr>
+        <p:blipFill>
+          <a:blip r:embed="rId3">
+            <a:extLst>
+              <a:ext uri="{28A0092B-C50C-407E-A947-70E740481C1C}">
+                <a14:useLocalDpi xmlns:a14="http://schemas.microsoft.com/office/drawing/2010/main" val="0"/>
+              </a:ext>
+            </a:extLst>
+          </a:blip>
+          <a:stretch>
+            <a:fillRect/>
+          </a:stretch>
+        </p:blipFill>
+        <p:spPr>
+          <a:xfrm>
+            <a:off x="4716016" y="1844824"/>
+            <a:ext cx="4185268" cy="3608630"/>
+          </a:xfrm>
+        </p:spPr>
+      </p:pic>
+      <p:pic>
+        <p:nvPicPr>
+          <p:cNvPr id="7" name="圖片 6"/>
+          <p:cNvPicPr>
+            <a:picLocks noChangeAspect="1"/>
+          </p:cNvPicPr>
+          <p:nvPr/>
+        </p:nvPicPr>
+        <p:blipFill>
+          <a:blip r:embed="rId4">
+            <a:extLst>
+              <a:ext uri="{28A0092B-C50C-407E-A947-70E740481C1C}">
+                <a14:useLocalDpi xmlns:a14="http://schemas.microsoft.com/office/drawing/2010/main" val="0"/>
+              </a:ext>
+            </a:extLst>
+          </a:blip>
+          <a:stretch>
+            <a:fillRect/>
+          </a:stretch>
+        </p:blipFill>
+        <p:spPr>
+          <a:xfrm>
+            <a:off x="4696139" y="3212976"/>
+            <a:ext cx="4176464" cy="914114"/>
+          </a:xfrm>
+          <a:prstGeom prst="rect">
+            <a:avLst/>
+          </a:prstGeom>
+        </p:spPr>
+      </p:pic>
+    </p:spTree>
+    <p:extLst>
+      <p:ext uri="{BB962C8B-B14F-4D97-AF65-F5344CB8AC3E}">
+        <p14:creationId xmlns:p14="http://schemas.microsoft.com/office/powerpoint/2010/main" val="2484551168"/>
+      </p:ext>
+    </p:extLst>
+  </p:cSld>
+  <p:clrMapOvr>
+    <a:masterClrMapping/>
+  </p:clrMapOvr>
+  <p:timing>
+    <p:tnLst>
+      <p:par>
+        <p:cTn id="1" dur="indefinite" restart="never" nodeType="tmRoot">
+          <p:childTnLst>
+            <p:seq concurrent="1" nextAc="seek">
+              <p:cTn id="2" dur="indefinite" nodeType="mainSeq">
+                <p:childTnLst>
+                  <p:par>
+                    <p:cTn id="3" fill="hold">
+                      <p:stCondLst>
+                        <p:cond delay="indefinite"/>
+                      </p:stCondLst>
+                      <p:childTnLst>
+                        <p:par>
+                          <p:cTn id="4" fill="hold">
+                            <p:stCondLst>
+                              <p:cond delay="0"/>
+                            </p:stCondLst>
+                            <p:childTnLst>
+                              <p:par>
+                                <p:cTn id="5" presetID="10" presetClass="entr" presetSubtype="0" fill="hold" nodeType="clickEffect">
+                                  <p:stCondLst>
+                                    <p:cond delay="0"/>
+                                  </p:stCondLst>
+                                  <p:childTnLst>
+                                    <p:set>
+                                      <p:cBhvr>
+                                        <p:cTn id="6" dur="1" fill="hold">
+                                          <p:stCondLst>
+                                            <p:cond delay="0"/>
+                                          </p:stCondLst>
+                                        </p:cTn>
+                                        <p:tgtEl>
+                                          <p:spTgt spid="4"/>
+                                        </p:tgtEl>
+                                        <p:attrNameLst>
+                                          <p:attrName>style.visibility</p:attrName>
+                                        </p:attrNameLst>
+                                      </p:cBhvr>
+                                      <p:to>
+                                        <p:strVal val="visible"/>
+                                      </p:to>
+                                    </p:set>
+                                    <p:animEffect transition="in" filter="fade">
+                                      <p:cBhvr>
+                                        <p:cTn id="7" dur="500"/>
+                                        <p:tgtEl>
+                                          <p:spTgt spid="4"/>
+                                        </p:tgtEl>
+                                      </p:cBhvr>
+                                    </p:animEffect>
+                                  </p:childTnLst>
+                                </p:cTn>
+                              </p:par>
+                            </p:childTnLst>
+                          </p:cTn>
+                        </p:par>
+                      </p:childTnLst>
+                    </p:cTn>
+                  </p:par>
+                  <p:par>
+                    <p:cTn id="8" fill="hold">
+                      <p:stCondLst>
+                        <p:cond delay="indefinite"/>
+                      </p:stCondLst>
+                      <p:childTnLst>
+                        <p:par>
+                          <p:cTn id="9" fill="hold">
+                            <p:stCondLst>
+                              <p:cond delay="0"/>
+                            </p:stCondLst>
+                            <p:childTnLst>
+                              <p:par>
+                                <p:cTn id="10" presetID="10" presetClass="exit" presetSubtype="0" fill="hold" nodeType="clickEffect">
+                                  <p:stCondLst>
+                                    <p:cond delay="0"/>
+                                  </p:stCondLst>
+                                  <p:childTnLst>
+                                    <p:animEffect transition="out" filter="fade">
+                                      <p:cBhvr>
+                                        <p:cTn id="11" dur="500"/>
+                                        <p:tgtEl>
+                                          <p:spTgt spid="4"/>
+                                        </p:tgtEl>
+                                      </p:cBhvr>
+                                    </p:animEffect>
+                                    <p:set>
+                                      <p:cBhvr>
+                                        <p:cTn id="12" dur="1" fill="hold">
+                                          <p:stCondLst>
+                                            <p:cond delay="499"/>
+                                          </p:stCondLst>
+                                        </p:cTn>
+                                        <p:tgtEl>
+                                          <p:spTgt spid="4"/>
+                                        </p:tgtEl>
+                                        <p:attrNameLst>
+                                          <p:attrName>style.visibility</p:attrName>
+                                        </p:attrNameLst>
+                                      </p:cBhvr>
+                                      <p:to>
+                                        <p:strVal val="hidden"/>
+                                      </p:to>
+                                    </p:set>
+                                  </p:childTnLst>
+                                </p:cTn>
+                              </p:par>
+                            </p:childTnLst>
+                          </p:cTn>
+                        </p:par>
+                      </p:childTnLst>
+                    </p:cTn>
+                  </p:par>
+                  <p:par>
+                    <p:cTn id="13" fill="hold">
+                      <p:stCondLst>
+                        <p:cond delay="indefinite"/>
+                      </p:stCondLst>
+                      <p:childTnLst>
+                        <p:par>
+                          <p:cTn id="14" fill="hold">
+                            <p:stCondLst>
+                              <p:cond delay="0"/>
+                            </p:stCondLst>
+                            <p:childTnLst>
+                              <p:par>
+                                <p:cTn id="15" presetID="10" presetClass="entr" presetSubtype="0" fill="hold" nodeType="clickEffect">
+                                  <p:stCondLst>
+                                    <p:cond delay="0"/>
+                                  </p:stCondLst>
+                                  <p:childTnLst>
+                                    <p:set>
+                                      <p:cBhvr>
+                                        <p:cTn id="16" dur="1" fill="hold">
+                                          <p:stCondLst>
+                                            <p:cond delay="0"/>
+                                          </p:stCondLst>
+                                        </p:cTn>
+                                        <p:tgtEl>
+                                          <p:spTgt spid="7"/>
+                                        </p:tgtEl>
+                                        <p:attrNameLst>
+                                          <p:attrName>style.visibility</p:attrName>
+                                        </p:attrNameLst>
+                                      </p:cBhvr>
+                                      <p:to>
+                                        <p:strVal val="visible"/>
+                                      </p:to>
+                                    </p:set>
+                                    <p:animEffect transition="in" filter="fade">
+                                      <p:cBhvr>
+                                        <p:cTn id="17" dur="500"/>
+                                        <p:tgtEl>
+                                          <p:spTgt spid="7"/>
+                                        </p:tgtEl>
+                                      </p:cBhvr>
+                                    </p:animEffect>
+                                  </p:childTnLst>
+                                </p:cTn>
+                              </p:par>
+                            </p:childTnLst>
+                          </p:cTn>
+                        </p:par>
+                      </p:childTnLst>
+                    </p:cTn>
+                  </p:par>
+                </p:childTnLst>
+              </p:cTn>
+              <p:prevCondLst>
+                <p:cond evt="onPrev" delay="0">
+                  <p:tgtEl>
+                    <p:sldTgt/>
+                  </p:tgtEl>
+                </p:cond>
+              </p:prevCondLst>
+              <p:nextCondLst>
+                <p:cond evt="onNext" delay="0">
+                  <p:tgtEl>
+                    <p:sldTgt/>
+                  </p:tgtEl>
+                </p:cond>
+              </p:nextCondLst>
+            </p:seq>
+          </p:childTnLst>
+        </p:cTn>
+      </p:par>
+    </p:tnLst>
+  </p:timing>
+</p:sld>
+</file>
+
+<file path=ppt/slides/slide15.xml><?xml version="1.0" encoding="utf-8"?>
+<p:sld xmlns:a="http://schemas.openxmlformats.org/drawingml/2006/main" xmlns:r="http://schemas.openxmlformats.org/officeDocument/2006/relationships" xmlns:p="http://schemas.openxmlformats.org/presentationml/2006/main">
+  <p:cSld>
+    <p:spTree>
+      <p:nvGrpSpPr>
+        <p:cNvPr id="1" name=""/>
+        <p:cNvGrpSpPr/>
+        <p:nvPr/>
+      </p:nvGrpSpPr>
+      <p:grpSpPr>
+        <a:xfrm>
+          <a:off x="0" y="0"/>
+          <a:ext cx="0" cy="0"/>
+          <a:chOff x="0" y="0"/>
+          <a:chExt cx="0" cy="0"/>
+        </a:xfrm>
+      </p:grpSpPr>
+      <p:sp>
+        <p:nvSpPr>
+          <p:cNvPr id="2" name="標題 1"/>
+          <p:cNvSpPr>
+            <a:spLocks noGrp="1"/>
+          </p:cNvSpPr>
+          <p:nvPr>
+            <p:ph type="title"/>
+          </p:nvPr>
+        </p:nvSpPr>
+        <p:spPr/>
+        <p:txBody>
+          <a:bodyPr/>
+          <a:lstStyle/>
+          <a:p>
+            <a:r>
+              <a:rPr lang="zh-TW" altLang="en-US" b="1" dirty="0" smtClean="0"/>
+              <a:t>功能介紹 </a:t>
+            </a:r>
+            <a:r>
+              <a:rPr lang="en-US" altLang="zh-TW" b="1" dirty="0"/>
+              <a:t>–</a:t>
+            </a:r>
+            <a:r>
+              <a:rPr lang="zh-TW" altLang="en-US" b="1" dirty="0"/>
+              <a:t> 實績展示</a:t>
+            </a:r>
+            <a:r>
+              <a:rPr lang="en-US" altLang="zh-TW" b="1" dirty="0" smtClean="0"/>
+              <a:t>(</a:t>
+            </a:r>
+            <a:r>
+              <a:rPr lang="zh-TW" altLang="en-US" b="1" dirty="0"/>
+              <a:t>刪除</a:t>
+            </a:r>
+            <a:r>
+              <a:rPr lang="en-US" altLang="zh-TW" b="1" dirty="0" smtClean="0"/>
+              <a:t>)</a:t>
+            </a:r>
+            <a:endParaRPr lang="zh-TW" altLang="en-US" dirty="0"/>
+          </a:p>
+        </p:txBody>
+      </p:sp>
+      <p:pic>
+        <p:nvPicPr>
+          <p:cNvPr id="6" name="內容版面配置區 5"/>
+          <p:cNvPicPr>
+            <a:picLocks noGrp="1" noChangeAspect="1"/>
+          </p:cNvPicPr>
+          <p:nvPr>
+            <p:ph sz="half" idx="1"/>
+          </p:nvPr>
+        </p:nvPicPr>
+        <p:blipFill>
+          <a:blip r:embed="rId2">
+            <a:extLst>
+              <a:ext uri="{28A0092B-C50C-407E-A947-70E740481C1C}">
+                <a14:useLocalDpi xmlns:a14="http://schemas.microsoft.com/office/drawing/2010/main" val="0"/>
+              </a:ext>
+            </a:extLst>
+          </a:blip>
+          <a:stretch>
+            <a:fillRect/>
+          </a:stretch>
+        </p:blipFill>
+        <p:spPr>
+          <a:xfrm>
+            <a:off x="323528" y="2996952"/>
+            <a:ext cx="4038600" cy="792088"/>
           </a:xfrm>
         </p:spPr>
       </p:pic>
@@ -7232,14 +7906,14 @@
         </p:blipFill>
         <p:spPr>
           <a:xfrm>
-            <a:off x="4716016" y="1988840"/>
-            <a:ext cx="4123184" cy="3240360"/>
+            <a:off x="4860032" y="2996952"/>
+            <a:ext cx="3752853" cy="1272707"/>
           </a:xfrm>
         </p:spPr>
       </p:pic>
       <p:sp>
         <p:nvSpPr>
-          <p:cNvPr id="10" name="矩形 9"/>
+          <p:cNvPr id="9" name="矩形 8"/>
           <p:cNvSpPr/>
           <p:nvPr/>
         </p:nvSpPr>
@@ -7268,7 +7942,7 @@
               </a:rPr>
               <a:t>models</a:t>
             </a:r>
-            <a:endParaRPr lang="zh-TW" altLang="en-US" sz="2400" b="1" dirty="0">
+            <a:endParaRPr lang="zh-TW" altLang="en-US" b="1" dirty="0">
               <a:solidFill>
                 <a:schemeClr val="accent2">
                   <a:lumMod val="75000"/>
@@ -7280,7 +7954,7 @@
       </p:sp>
       <p:sp>
         <p:nvSpPr>
-          <p:cNvPr id="11" name="矩形 10"/>
+          <p:cNvPr id="10" name="矩形 9"/>
           <p:cNvSpPr/>
           <p:nvPr/>
         </p:nvSpPr>
@@ -7309,185 +7983,6 @@
               </a:rPr>
               <a:t>controllers</a:t>
             </a:r>
-            <a:endParaRPr lang="zh-TW" altLang="en-US" sz="2400" b="1" dirty="0">
-              <a:solidFill>
-                <a:schemeClr val="accent2">
-                  <a:lumMod val="75000"/>
-                </a:schemeClr>
-              </a:solidFill>
-            </a:endParaRPr>
-          </a:p>
-        </p:txBody>
-      </p:sp>
-    </p:spTree>
-    <p:extLst>
-      <p:ext uri="{BB962C8B-B14F-4D97-AF65-F5344CB8AC3E}">
-        <p14:creationId xmlns:p14="http://schemas.microsoft.com/office/powerpoint/2010/main" val="2484551168"/>
-      </p:ext>
-    </p:extLst>
-  </p:cSld>
-  <p:clrMapOvr>
-    <a:masterClrMapping/>
-  </p:clrMapOvr>
-  <p:timing>
-    <p:tnLst>
-      <p:par>
-        <p:cTn id="1" dur="indefinite" restart="never" nodeType="tmRoot"/>
-      </p:par>
-    </p:tnLst>
-  </p:timing>
-</p:sld>
-</file>
-
-<file path=ppt/slides/slide15.xml><?xml version="1.0" encoding="utf-8"?>
-<p:sld xmlns:a="http://schemas.openxmlformats.org/drawingml/2006/main" xmlns:r="http://schemas.openxmlformats.org/officeDocument/2006/relationships" xmlns:p="http://schemas.openxmlformats.org/presentationml/2006/main">
-  <p:cSld>
-    <p:spTree>
-      <p:nvGrpSpPr>
-        <p:cNvPr id="1" name=""/>
-        <p:cNvGrpSpPr/>
-        <p:nvPr/>
-      </p:nvGrpSpPr>
-      <p:grpSpPr>
-        <a:xfrm>
-          <a:off x="0" y="0"/>
-          <a:ext cx="0" cy="0"/>
-          <a:chOff x="0" y="0"/>
-          <a:chExt cx="0" cy="0"/>
-        </a:xfrm>
-      </p:grpSpPr>
-      <p:sp>
-        <p:nvSpPr>
-          <p:cNvPr id="2" name="標題 1"/>
-          <p:cNvSpPr>
-            <a:spLocks noGrp="1"/>
-          </p:cNvSpPr>
-          <p:nvPr>
-            <p:ph type="title"/>
-          </p:nvPr>
-        </p:nvSpPr>
-        <p:spPr/>
-        <p:txBody>
-          <a:bodyPr/>
-          <a:lstStyle/>
-          <a:p>
-            <a:r>
-              <a:rPr lang="zh-TW" altLang="en-US" b="1" dirty="0" smtClean="0"/>
-              <a:t>功能介紹 </a:t>
-            </a:r>
-            <a:r>
-              <a:rPr lang="en-US" altLang="zh-TW" b="1" dirty="0"/>
-              <a:t>–</a:t>
-            </a:r>
-            <a:r>
-              <a:rPr lang="zh-TW" altLang="en-US" b="1" dirty="0"/>
-              <a:t> 實績展示</a:t>
-            </a:r>
-            <a:r>
-              <a:rPr lang="en-US" altLang="zh-TW" b="1" dirty="0" smtClean="0"/>
-              <a:t>(</a:t>
-            </a:r>
-            <a:r>
-              <a:rPr lang="zh-TW" altLang="en-US" b="1" dirty="0"/>
-              <a:t>刪除</a:t>
-            </a:r>
-            <a:r>
-              <a:rPr lang="en-US" altLang="zh-TW" b="1" dirty="0" smtClean="0"/>
-              <a:t>)</a:t>
-            </a:r>
-            <a:endParaRPr lang="zh-TW" altLang="en-US" dirty="0"/>
-          </a:p>
-        </p:txBody>
-      </p:sp>
-      <p:pic>
-        <p:nvPicPr>
-          <p:cNvPr id="6" name="內容版面配置區 5"/>
-          <p:cNvPicPr>
-            <a:picLocks noGrp="1" noChangeAspect="1"/>
-          </p:cNvPicPr>
-          <p:nvPr>
-            <p:ph sz="half" idx="1"/>
-          </p:nvPr>
-        </p:nvPicPr>
-        <p:blipFill>
-          <a:blip r:embed="rId2">
-            <a:extLst>
-              <a:ext uri="{28A0092B-C50C-407E-A947-70E740481C1C}">
-                <a14:useLocalDpi xmlns:a14="http://schemas.microsoft.com/office/drawing/2010/main" val="0"/>
-              </a:ext>
-            </a:extLst>
-          </a:blip>
-          <a:stretch>
-            <a:fillRect/>
-          </a:stretch>
-        </p:blipFill>
-        <p:spPr>
-          <a:xfrm>
-            <a:off x="323528" y="2996952"/>
-            <a:ext cx="4038600" cy="792088"/>
-          </a:xfrm>
-        </p:spPr>
-      </p:pic>
-      <p:pic>
-        <p:nvPicPr>
-          <p:cNvPr id="5" name="內容版面配置區 4"/>
-          <p:cNvPicPr>
-            <a:picLocks noGrp="1" noChangeAspect="1"/>
-          </p:cNvPicPr>
-          <p:nvPr>
-            <p:ph sz="half" idx="2"/>
-          </p:nvPr>
-        </p:nvPicPr>
-        <p:blipFill>
-          <a:blip r:embed="rId3">
-            <a:extLst>
-              <a:ext uri="{28A0092B-C50C-407E-A947-70E740481C1C}">
-                <a14:useLocalDpi xmlns:a14="http://schemas.microsoft.com/office/drawing/2010/main" val="0"/>
-              </a:ext>
-            </a:extLst>
-          </a:blip>
-          <a:stretch>
-            <a:fillRect/>
-          </a:stretch>
-        </p:blipFill>
-        <p:spPr>
-          <a:xfrm>
-            <a:off x="4860032" y="2996952"/>
-            <a:ext cx="3752853" cy="1272707"/>
-          </a:xfrm>
-        </p:spPr>
-      </p:pic>
-      <p:sp>
-        <p:nvSpPr>
-          <p:cNvPr id="9" name="矩形 8"/>
-          <p:cNvSpPr/>
-          <p:nvPr/>
-        </p:nvSpPr>
-        <p:spPr>
-          <a:xfrm>
-            <a:off x="1691680" y="1268760"/>
-            <a:ext cx="1261884" cy="461665"/>
-          </a:xfrm>
-          <a:prstGeom prst="rect">
-            <a:avLst/>
-          </a:prstGeom>
-        </p:spPr>
-        <p:txBody>
-          <a:bodyPr wrap="none">
-            <a:spAutoFit/>
-          </a:bodyPr>
-          <a:lstStyle/>
-          <a:p>
-            <a:r>
-              <a:rPr lang="en-US" altLang="zh-TW" sz="2400" b="1" dirty="0" smtClean="0">
-                <a:solidFill>
-                  <a:schemeClr val="accent2">
-                    <a:lumMod val="75000"/>
-                  </a:schemeClr>
-                </a:solidFill>
-              </a:rPr>
-              <a:t>models</a:t>
-            </a:r>
             <a:endParaRPr lang="zh-TW" altLang="en-US" b="1" dirty="0">
               <a:solidFill>
                 <a:schemeClr val="accent2">
@@ -7500,38 +7995,127 @@
       </p:sp>
       <p:sp>
         <p:nvSpPr>
-          <p:cNvPr id="10" name="矩形 9"/>
-          <p:cNvSpPr/>
+          <p:cNvPr id="7" name="標題 1"/>
+          <p:cNvSpPr txBox="1">
+            <a:spLocks/>
+          </p:cNvSpPr>
           <p:nvPr/>
         </p:nvSpPr>
         <p:spPr>
           <a:xfrm>
-            <a:off x="6084168" y="1268760"/>
-            <a:ext cx="1774845" cy="461665"/>
+            <a:off x="179512" y="5661248"/>
+            <a:ext cx="8534400" cy="758952"/>
           </a:xfrm>
           <a:prstGeom prst="rect">
             <a:avLst/>
           </a:prstGeom>
         </p:spPr>
         <p:txBody>
-          <a:bodyPr wrap="none">
-            <a:spAutoFit/>
+          <a:bodyPr vert="horz" anchor="b">
+            <a:normAutofit/>
           </a:bodyPr>
-          <a:lstStyle/>
-          <a:p>
-            <a:r>
-              <a:rPr lang="en-US" altLang="zh-TW" sz="2400" b="1" dirty="0" smtClean="0">
+          <a:lstStyle>
+            <a:lvl1pPr algn="ctr" rtl="0" eaLnBrk="1" latinLnBrk="0" hangingPunct="1">
+              <a:spcBef>
+                <a:spcPct val="0"/>
+              </a:spcBef>
+              <a:buNone/>
+              <a:defRPr kumimoji="0" sz="3300" kern="1200">
                 <a:solidFill>
-                  <a:schemeClr val="accent2">
+                  <a:schemeClr val="accent3">
+                    <a:shade val="75000"/>
+                  </a:schemeClr>
+                </a:solidFill>
+                <a:latin typeface="+mj-lt"/>
+                <a:ea typeface="+mj-ea"/>
+                <a:cs typeface="+mj-cs"/>
+              </a:defRPr>
+            </a:lvl1pPr>
+          </a:lstStyle>
+          <a:p>
+            <a:r>
+              <a:rPr lang="zh-TW" altLang="en-US" sz="2400" b="1" dirty="0" smtClean="0">
+                <a:solidFill>
+                  <a:schemeClr val="accent6">
                     <a:lumMod val="75000"/>
                   </a:schemeClr>
                 </a:solidFill>
               </a:rPr>
-              <a:t>controllers</a:t>
-            </a:r>
-            <a:endParaRPr lang="zh-TW" altLang="en-US" b="1" dirty="0">
+              <a:t>廠商</a:t>
+            </a:r>
+            <a:r>
+              <a:rPr lang="zh-TW" altLang="en-US" sz="2400" b="1" dirty="0" smtClean="0">
+                <a:solidFill>
+                  <a:schemeClr val="accent6">
+                    <a:lumMod val="75000"/>
+                  </a:schemeClr>
+                </a:solidFill>
+              </a:rPr>
+              <a:t>招募與</a:t>
+            </a:r>
+            <a:r>
+              <a:rPr lang="zh-TW" altLang="en-US" sz="2400" b="1" dirty="0" smtClean="0">
+                <a:solidFill>
+                  <a:schemeClr val="accent6">
+                    <a:lumMod val="75000"/>
+                  </a:schemeClr>
+                </a:solidFill>
+              </a:rPr>
+              <a:t>加入我們</a:t>
+            </a:r>
+            <a:r>
+              <a:rPr lang="zh-TW" altLang="en-US" sz="2400" b="1" dirty="0" smtClean="0">
+                <a:solidFill>
+                  <a:schemeClr val="accent6">
+                    <a:lumMod val="75000"/>
+                  </a:schemeClr>
+                </a:solidFill>
+              </a:rPr>
+              <a:t>的</a:t>
+            </a:r>
+            <a:r>
+              <a:rPr lang="zh-TW" altLang="en-US" sz="2400" b="1" dirty="0" smtClean="0">
+                <a:solidFill>
+                  <a:schemeClr val="accent6">
+                    <a:lumMod val="75000"/>
+                  </a:schemeClr>
+                </a:solidFill>
+              </a:rPr>
+              <a:t>方</a:t>
+            </a:r>
+            <a:r>
+              <a:rPr lang="zh-TW" altLang="en-US" sz="2400" b="1" dirty="0" smtClean="0">
+                <a:solidFill>
+                  <a:schemeClr val="accent6">
+                    <a:lumMod val="75000"/>
+                  </a:schemeClr>
+                </a:solidFill>
+              </a:rPr>
+              <a:t>法</a:t>
+            </a:r>
+            <a:r>
+              <a:rPr lang="zh-TW" altLang="en-US" sz="2400" b="1" dirty="0">
+                <a:solidFill>
+                  <a:schemeClr val="accent6">
+                    <a:lumMod val="75000"/>
+                  </a:schemeClr>
+                </a:solidFill>
+              </a:rPr>
+              <a:t>相</a:t>
+            </a:r>
+            <a:r>
+              <a:rPr lang="zh-TW" altLang="en-US" sz="2400" b="1" dirty="0" smtClean="0">
+                <a:solidFill>
+                  <a:schemeClr val="accent6">
+                    <a:lumMod val="75000"/>
+                  </a:schemeClr>
+                </a:solidFill>
+              </a:rPr>
+              <a:t>同</a:t>
+            </a:r>
+            <a:endParaRPr lang="zh-TW" altLang="en-US" sz="2400" b="1" dirty="0">
               <a:solidFill>
-                <a:schemeClr val="accent2">
+                <a:schemeClr val="accent6">
                   <a:lumMod val="75000"/>
                 </a:schemeClr>
               </a:solidFill>
@@ -7613,11 +8197,7 @@
             </a:r>
             <a:r>
               <a:rPr lang="zh-TW" altLang="en-US" b="1" dirty="0" smtClean="0"/>
-              <a:t>裁</a:t>
-            </a:r>
-            <a:r>
-              <a:rPr lang="zh-TW" altLang="en-US" b="1" dirty="0" smtClean="0"/>
-              <a:t>切圖片</a:t>
+              <a:t>裁切圖片</a:t>
             </a:r>
             <a:r>
               <a:rPr lang="en-US" altLang="zh-TW" b="1" dirty="0" smtClean="0"/>
@@ -7777,64 +8357,6 @@
           </a:p>
         </p:txBody>
       </p:sp>
-      <p:pic>
-        <p:nvPicPr>
-          <p:cNvPr id="8" name="內容版面配置區 7"/>
-          <p:cNvPicPr>
-            <a:picLocks noGrp="1" noChangeAspect="1"/>
-          </p:cNvPicPr>
-          <p:nvPr>
-            <p:ph sz="half" idx="1"/>
-          </p:nvPr>
-        </p:nvPicPr>
-        <p:blipFill>
-          <a:blip r:embed="rId2">
-            <a:extLst>
-              <a:ext uri="{28A0092B-C50C-407E-A947-70E740481C1C}">
-                <a14:useLocalDpi xmlns:a14="http://schemas.microsoft.com/office/drawing/2010/main" val="0"/>
-              </a:ext>
-            </a:extLst>
-          </a:blip>
-          <a:stretch>
-            <a:fillRect/>
-          </a:stretch>
-        </p:blipFill>
-        <p:spPr>
-          <a:xfrm>
-            <a:off x="4644008" y="3140968"/>
-            <a:ext cx="4038600" cy="2211971"/>
-          </a:xfrm>
-        </p:spPr>
-      </p:pic>
-      <p:pic>
-        <p:nvPicPr>
-          <p:cNvPr id="7" name="內容版面配置區 6"/>
-          <p:cNvPicPr>
-            <a:picLocks noGrp="1" noChangeAspect="1"/>
-          </p:cNvPicPr>
-          <p:nvPr>
-            <p:ph sz="half" idx="2"/>
-          </p:nvPr>
-        </p:nvPicPr>
-        <p:blipFill>
-          <a:blip r:embed="rId3">
-            <a:extLst>
-              <a:ext uri="{28A0092B-C50C-407E-A947-70E740481C1C}">
-                <a14:useLocalDpi xmlns:a14="http://schemas.microsoft.com/office/drawing/2010/main" val="0"/>
-              </a:ext>
-            </a:extLst>
-          </a:blip>
-          <a:stretch>
-            <a:fillRect/>
-          </a:stretch>
-        </p:blipFill>
-        <p:spPr>
-          <a:xfrm>
-            <a:off x="5220072" y="1700808"/>
-            <a:ext cx="2848373" cy="4344007"/>
-          </a:xfrm>
-        </p:spPr>
-      </p:pic>
       <p:sp>
         <p:nvSpPr>
           <p:cNvPr id="9" name="內容版面配置區 4"/>
@@ -8044,7 +8566,7 @@
           <p:nvPr/>
         </p:nvPicPr>
         <p:blipFill>
-          <a:blip r:embed="rId4">
+          <a:blip r:embed="rId2">
             <a:extLst>
               <a:ext uri="{28A0092B-C50C-407E-A947-70E740481C1C}">
                 <a14:useLocalDpi xmlns:a14="http://schemas.microsoft.com/office/drawing/2010/main" val="0"/>
@@ -8113,17 +8635,7 @@
                   </a:schemeClr>
                 </a:solidFill>
               </a:rPr>
-              <a:t>廠商招募</a:t>
-            </a:r>
-            <a:r>
-              <a:rPr lang="en-US" altLang="zh-TW" sz="2400" b="1" dirty="0" smtClean="0">
-                <a:solidFill>
-                  <a:schemeClr val="accent6">
-                    <a:lumMod val="75000"/>
-                  </a:schemeClr>
-                </a:solidFill>
-              </a:rPr>
-              <a:t>(</a:t>
+              <a:t>廠商</a:t>
             </a:r>
             <a:r>
               <a:rPr lang="zh-TW" altLang="en-US" sz="2400" b="1" dirty="0" smtClean="0">
@@ -8133,17 +8645,7 @@
                   </a:schemeClr>
                 </a:solidFill>
               </a:rPr>
-              <a:t>新增</a:t>
-            </a:r>
-            <a:r>
-              <a:rPr lang="en-US" altLang="zh-TW" sz="2400" b="1" dirty="0" smtClean="0">
-                <a:solidFill>
-                  <a:schemeClr val="accent6">
-                    <a:lumMod val="75000"/>
-                  </a:schemeClr>
-                </a:solidFill>
-              </a:rPr>
-              <a:t>)</a:t>
+              <a:t>招募與</a:t>
             </a:r>
             <a:r>
               <a:rPr lang="zh-TW" altLang="en-US" sz="2400" b="1" dirty="0" smtClean="0">
@@ -8153,7 +8655,7 @@
                   </a:schemeClr>
                 </a:solidFill>
               </a:rPr>
-              <a:t>與加入我們的演算法雷同</a:t>
+              <a:t>加入我們的演算法雷同</a:t>
             </a:r>
             <a:endParaRPr lang="zh-TW" altLang="en-US" sz="2400" b="1" dirty="0">
               <a:solidFill>
@@ -8247,6 +8749,95 @@
           </a:p>
         </p:txBody>
       </p:sp>
+      <p:pic>
+        <p:nvPicPr>
+          <p:cNvPr id="5" name="內容版面配置區 4"/>
+          <p:cNvPicPr>
+            <a:picLocks noGrp="1" noChangeAspect="1"/>
+          </p:cNvPicPr>
+          <p:nvPr>
+            <p:ph sz="half" idx="2"/>
+          </p:nvPr>
+        </p:nvPicPr>
+        <p:blipFill>
+          <a:blip r:embed="rId3">
+            <a:extLst>
+              <a:ext uri="{28A0092B-C50C-407E-A947-70E740481C1C}">
+                <a14:useLocalDpi xmlns:a14="http://schemas.microsoft.com/office/drawing/2010/main" val="0"/>
+              </a:ext>
+            </a:extLst>
+          </a:blip>
+          <a:stretch>
+            <a:fillRect/>
+          </a:stretch>
+        </p:blipFill>
+        <p:spPr>
+          <a:xfrm>
+            <a:off x="4800600" y="2214280"/>
+            <a:ext cx="4038600" cy="2996178"/>
+          </a:xfrm>
+        </p:spPr>
+      </p:pic>
+      <p:pic>
+        <p:nvPicPr>
+          <p:cNvPr id="6" name="圖片 5"/>
+          <p:cNvPicPr>
+            <a:picLocks noChangeAspect="1"/>
+          </p:cNvPicPr>
+          <p:nvPr/>
+        </p:nvPicPr>
+        <p:blipFill>
+          <a:blip r:embed="rId4">
+            <a:extLst>
+              <a:ext uri="{28A0092B-C50C-407E-A947-70E740481C1C}">
+                <a14:useLocalDpi xmlns:a14="http://schemas.microsoft.com/office/drawing/2010/main" val="0"/>
+              </a:ext>
+            </a:extLst>
+          </a:blip>
+          <a:stretch>
+            <a:fillRect/>
+          </a:stretch>
+        </p:blipFill>
+        <p:spPr>
+          <a:xfrm>
+            <a:off x="5292080" y="1730425"/>
+            <a:ext cx="3133687" cy="4101648"/>
+          </a:xfrm>
+          <a:prstGeom prst="rect">
+            <a:avLst/>
+          </a:prstGeom>
+        </p:spPr>
+      </p:pic>
+      <p:pic>
+        <p:nvPicPr>
+          <p:cNvPr id="12" name="圖片 11"/>
+          <p:cNvPicPr>
+            <a:picLocks noChangeAspect="1"/>
+          </p:cNvPicPr>
+          <p:nvPr/>
+        </p:nvPicPr>
+        <p:blipFill>
+          <a:blip r:embed="rId5">
+            <a:extLst>
+              <a:ext uri="{28A0092B-C50C-407E-A947-70E740481C1C}">
+                <a14:useLocalDpi xmlns:a14="http://schemas.microsoft.com/office/drawing/2010/main" val="0"/>
+              </a:ext>
+            </a:extLst>
+          </a:blip>
+          <a:stretch>
+            <a:fillRect/>
+          </a:stretch>
+        </p:blipFill>
+        <p:spPr>
+          <a:xfrm>
+            <a:off x="4644008" y="3781249"/>
+            <a:ext cx="4240619" cy="583639"/>
+          </a:xfrm>
+          <a:prstGeom prst="rect">
+            <a:avLst/>
+          </a:prstGeom>
+        </p:spPr>
+      </p:pic>
     </p:spTree>
     <p:extLst>
       <p:ext uri="{BB962C8B-B14F-4D97-AF65-F5344CB8AC3E}">
@@ -8278,37 +8869,37 @@
                             </p:stCondLst>
                             <p:childTnLst>
                               <p:par>
-                                <p:cTn id="5" presetID="10" presetClass="exit" presetSubtype="0" fill="hold" nodeType="clickEffect">
+                                <p:cTn id="5" presetID="10" presetClass="entr" presetSubtype="0" fill="hold" nodeType="clickEffect">
                                   <p:stCondLst>
                                     <p:cond delay="0"/>
                                   </p:stCondLst>
                                   <p:childTnLst>
-                                    <p:animEffect transition="out" filter="fade">
-                                      <p:cBhvr>
-                                        <p:cTn id="6" dur="500"/>
-                                        <p:tgtEl>
-                                          <p:spTgt spid="7"/>
-                                        </p:tgtEl>
-                                      </p:cBhvr>
-                                    </p:animEffect>
                                     <p:set>
                                       <p:cBhvr>
-                                        <p:cTn id="7" dur="1" fill="hold">
+                                        <p:cTn id="6" dur="1" fill="hold">
                                           <p:stCondLst>
-                                            <p:cond delay="499"/>
+                                            <p:cond delay="0"/>
                                           </p:stCondLst>
                                         </p:cTn>
                                         <p:tgtEl>
-                                          <p:spTgt spid="7"/>
+                                          <p:spTgt spid="5"/>
                                         </p:tgtEl>
                                         <p:attrNameLst>
                                           <p:attrName>style.visibility</p:attrName>
                                         </p:attrNameLst>
                                       </p:cBhvr>
                                       <p:to>
-                                        <p:strVal val="hidden"/>
+                                        <p:strVal val="visible"/>
                                       </p:to>
                                     </p:set>
+                                    <p:animEffect transition="in" filter="fade">
+                                      <p:cBhvr>
+                                        <p:cTn id="7" dur="500"/>
+                                        <p:tgtEl>
+                                          <p:spTgt spid="5"/>
+                                        </p:tgtEl>
+                                      </p:cBhvr>
+                                    </p:animEffect>
                                   </p:childTnLst>
                                 </p:cTn>
                               </p:par>
@@ -8331,20 +8922,73 @@
                             </p:stCondLst>
                             <p:childTnLst>
                               <p:par>
-                                <p:cTn id="10" presetID="1" presetClass="entr" presetSubtype="0" fill="hold" nodeType="clickEffect">
+                                <p:cTn id="10" presetID="10" presetClass="exit" presetSubtype="0" fill="hold" nodeType="clickEffect">
+                                  <p:stCondLst>
+                                    <p:cond delay="0"/>
+                                  </p:stCondLst>
+                                  <p:childTnLst>
+                                    <p:animEffect transition="out" filter="fade">
+                                      <p:cBhvr>
+                                        <p:cTn id="11" dur="500"/>
+                                        <p:tgtEl>
+                                          <p:spTgt spid="5"/>
+                                        </p:tgtEl>
+                                      </p:cBhvr>
+                                    </p:animEffect>
+                                    <p:set>
+                                      <p:cBhvr>
+                                        <p:cTn id="12" dur="1" fill="hold">
+                                          <p:stCondLst>
+                                            <p:cond delay="499"/>
+                                          </p:stCondLst>
+                                        </p:cTn>
+                                        <p:tgtEl>
+                                          <p:spTgt spid="5"/>
+                                        </p:tgtEl>
+                                        <p:attrNameLst>
+                                          <p:attrName>style.visibility</p:attrName>
+                                        </p:attrNameLst>
+                                      </p:cBhvr>
+                                      <p:to>
+                                        <p:strVal val="hidden"/>
+                                      </p:to>
+                                    </p:set>
+                                  </p:childTnLst>
+                                </p:cTn>
+                              </p:par>
+                            </p:childTnLst>
+                          </p:cTn>
+                        </p:par>
+                      </p:childTnLst>
+                    </p:cTn>
+                  </p:par>
+                  <p:par>
+                    <p:cTn id="13" fill="hold">
+                      <p:stCondLst>
+                        <p:cond delay="indefinite"/>
+                      </p:stCondLst>
+                      <p:childTnLst>
+                        <p:par>
+                          <p:cTn id="14" fill="hold">
+                            <p:stCondLst>
+                              <p:cond delay="0"/>
+                            </p:stCondLst>
+                            <p:childTnLst>
+                              <p:par>
+                                <p:cTn id="15" presetID="10" presetClass="entr" presetSubtype="0" fill="hold" nodeType="clickEffect">
                                   <p:stCondLst>
                                     <p:cond delay="0"/>
                                   </p:stCondLst>
                                   <p:childTnLst>
                                     <p:set>
                                       <p:cBhvr>
-                                        <p:cTn id="11" dur="1" fill="hold">
+                                        <p:cTn id="16" dur="1" fill="hold">
                                           <p:stCondLst>
                                             <p:cond delay="0"/>
                                           </p:stCondLst>
                                         </p:cTn>
                                         <p:tgtEl>
-                                          <p:spTgt spid="8"/>
+                                          <p:spTgt spid="6"/>
                                         </p:tgtEl>
                                         <p:attrNameLst>
                                           <p:attrName>style.visibility</p:attrName>
@@ -8354,6 +8998,120 @@
                                         <p:strVal val="visible"/>
                                       </p:to>
                                     </p:set>
+                                    <p:animEffect transition="in" filter="fade">
+                                      <p:cBhvr>
+                                        <p:cTn id="17" dur="500"/>
+                                        <p:tgtEl>
+                                          <p:spTgt spid="6"/>
+                                        </p:tgtEl>
+                                      </p:cBhvr>
+                                    </p:animEffect>
+                                  </p:childTnLst>
+                                </p:cTn>
+                              </p:par>
+                            </p:childTnLst>
+                          </p:cTn>
+                        </p:par>
+                      </p:childTnLst>
+                    </p:cTn>
+                  </p:par>
+                  <p:par>
+                    <p:cTn id="18" fill="hold">
+                      <p:stCondLst>
+                        <p:cond delay="indefinite"/>
+                      </p:stCondLst>
+                      <p:childTnLst>
+                        <p:par>
+                          <p:cTn id="19" fill="hold">
+                            <p:stCondLst>
+                              <p:cond delay="0"/>
+                            </p:stCondLst>
+                            <p:childTnLst>
+                              <p:par>
+                                <p:cTn id="20" presetID="10" presetClass="exit" presetSubtype="0" fill="hold" nodeType="clickEffect">
+                                  <p:stCondLst>
+                                    <p:cond delay="0"/>
+                                  </p:stCondLst>
+                                  <p:childTnLst>
+                                    <p:animEffect transition="out" filter="fade">
+                                      <p:cBhvr>
+                                        <p:cTn id="21" dur="500"/>
+                                        <p:tgtEl>
+                                          <p:spTgt spid="6"/>
+                                        </p:tgtEl>
+                                      </p:cBhvr>
+                                    </p:animEffect>
+                                    <p:set>
+                                      <p:cBhvr>
+                                        <p:cTn id="22" dur="1" fill="hold">
+                                          <p:stCondLst>
+                                            <p:cond delay="499"/>
+                                          </p:stCondLst>
+                                        </p:cTn>
+                                        <p:tgtEl>
+                                          <p:spTgt spid="6"/>
+                                        </p:tgtEl>
+                                        <p:attrNameLst>
+                                          <p:attrName>style.visibility</p:attrName>
+                                        </p:attrNameLst>
+                                      </p:cBhvr>
+                                      <p:to>
+                                        <p:strVal val="hidden"/>
+                                      </p:to>
+                                    </p:set>
+                                  </p:childTnLst>
+                                </p:cTn>
+                              </p:par>
+                            </p:childTnLst>
+                          </p:cTn>
+                        </p:par>
+                      </p:childTnLst>
+                    </p:cTn>
+                  </p:par>
+                  <p:par>
+                    <p:cTn id="23" fill="hold">
+                      <p:stCondLst>
+                        <p:cond delay="indefinite"/>
+                      </p:stCondLst>
+                      <p:childTnLst>
+                        <p:par>
+                          <p:cTn id="24" fill="hold">
+                            <p:stCondLst>
+                              <p:cond delay="0"/>
+                            </p:stCondLst>
+                            <p:childTnLst>
+                              <p:par>
+                                <p:cTn id="25" presetID="10" presetClass="entr" presetSubtype="0" fill="hold" nodeType="clickEffect">
+                                  <p:stCondLst>
+                                    <p:cond delay="0"/>
+                                  </p:stCondLst>
+                                  <p:childTnLst>
+                                    <p:set>
+                                      <p:cBhvr>
+                                        <p:cTn id="26" dur="1" fill="hold">
+                                          <p:stCondLst>
+                                            <p:cond delay="0"/>
+                                          </p:stCondLst>
+                                        </p:cTn>
+                                        <p:tgtEl>
+                                          <p:spTgt spid="12"/>
+                                        </p:tgtEl>
+                                        <p:attrNameLst>
+                                          <p:attrName>style.visibility</p:attrName>
+                                        </p:attrNameLst>
+                                      </p:cBhvr>
+                                      <p:to>
+                                        <p:strVal val="visible"/>
+                                      </p:to>
+                                    </p:set>
+                                    <p:animEffect transition="in" filter="fade">
+                                      <p:cBhvr>
+                                        <p:cTn id="27" dur="500"/>
+                                        <p:tgtEl>
+                                          <p:spTgt spid="12"/>
+                                        </p:tgtEl>
+                                      </p:cBhvr>
+                                    </p:animEffect>
                                   </p:childTnLst>
                                 </p:cTn>
                               </p:par>
@@ -9638,13 +10396,11 @@
       </p:sp>
       <p:pic>
         <p:nvPicPr>
-          <p:cNvPr id="11" name="內容版面配置區 10"/>
+          <p:cNvPr id="12" name="圖片 11"/>
           <p:cNvPicPr>
-            <a:picLocks noGrp="1" noChangeAspect="1"/>
+            <a:picLocks noChangeAspect="1"/>
           </p:cNvPicPr>
-          <p:nvPr>
-            <p:ph sz="half" idx="2"/>
-          </p:nvPr>
+          <p:nvPr/>
         </p:nvPicPr>
         <p:blipFill>
           <a:blip r:embed="rId2">
@@ -9660,14 +10416,17 @@
         </p:blipFill>
         <p:spPr>
           <a:xfrm>
-            <a:off x="4644008" y="1844824"/>
-            <a:ext cx="4320480" cy="2016224"/>
-          </a:xfrm>
+            <a:off x="4637517" y="3284984"/>
+            <a:ext cx="4320480" cy="823462"/>
+          </a:xfrm>
+          <a:prstGeom prst="rect">
+            <a:avLst/>
+          </a:prstGeom>
         </p:spPr>
       </p:pic>
       <p:pic>
         <p:nvPicPr>
-          <p:cNvPr id="12" name="圖片 11"/>
+          <p:cNvPr id="13" name="圖片 12"/>
           <p:cNvPicPr>
             <a:picLocks noChangeAspect="1"/>
           </p:cNvPicPr>
@@ -9687,21 +10446,105 @@
         </p:blipFill>
         <p:spPr>
           <a:xfrm>
-            <a:off x="4644008" y="3933056"/>
-            <a:ext cx="4320480" cy="823462"/>
+            <a:off x="5292080" y="3370314"/>
+            <a:ext cx="2648320" cy="720080"/>
           </a:xfrm>
           <a:prstGeom prst="rect">
             <a:avLst/>
           </a:prstGeom>
         </p:spPr>
       </p:pic>
+      <p:sp>
+        <p:nvSpPr>
+          <p:cNvPr id="8" name="矩形 7"/>
+          <p:cNvSpPr/>
+          <p:nvPr/>
+        </p:nvSpPr>
+        <p:spPr>
+          <a:xfrm>
+            <a:off x="1691680" y="1268760"/>
+            <a:ext cx="1261884" cy="461665"/>
+          </a:xfrm>
+          <a:prstGeom prst="rect">
+            <a:avLst/>
+          </a:prstGeom>
+        </p:spPr>
+        <p:txBody>
+          <a:bodyPr wrap="none">
+            <a:spAutoFit/>
+          </a:bodyPr>
+          <a:lstStyle/>
+          <a:p>
+            <a:r>
+              <a:rPr lang="en-US" altLang="zh-TW" sz="2400" b="1" dirty="0" smtClean="0">
+                <a:solidFill>
+                  <a:schemeClr val="accent2">
+                    <a:lumMod val="75000"/>
+                  </a:schemeClr>
+                </a:solidFill>
+              </a:rPr>
+              <a:t>models</a:t>
+            </a:r>
+            <a:endParaRPr lang="zh-TW" altLang="en-US" sz="2400" b="1" dirty="0">
+              <a:solidFill>
+                <a:schemeClr val="accent2">
+                  <a:lumMod val="75000"/>
+                </a:schemeClr>
+              </a:solidFill>
+            </a:endParaRPr>
+          </a:p>
+        </p:txBody>
+      </p:sp>
+      <p:sp>
+        <p:nvSpPr>
+          <p:cNvPr id="9" name="矩形 8"/>
+          <p:cNvSpPr/>
+          <p:nvPr/>
+        </p:nvSpPr>
+        <p:spPr>
+          <a:xfrm>
+            <a:off x="6084168" y="1268760"/>
+            <a:ext cx="1774845" cy="461665"/>
+          </a:xfrm>
+          <a:prstGeom prst="rect">
+            <a:avLst/>
+          </a:prstGeom>
+        </p:spPr>
+        <p:txBody>
+          <a:bodyPr wrap="none">
+            <a:spAutoFit/>
+          </a:bodyPr>
+          <a:lstStyle/>
+          <a:p>
+            <a:r>
+              <a:rPr lang="en-US" altLang="zh-TW" sz="2400" b="1" dirty="0" smtClean="0">
+                <a:solidFill>
+                  <a:schemeClr val="accent2">
+                    <a:lumMod val="75000"/>
+                  </a:schemeClr>
+                </a:solidFill>
+              </a:rPr>
+              <a:t>controllers</a:t>
+            </a:r>
+            <a:endParaRPr lang="zh-TW" altLang="en-US" sz="2400" b="1" dirty="0">
+              <a:solidFill>
+                <a:schemeClr val="accent2">
+                  <a:lumMod val="75000"/>
+                </a:schemeClr>
+              </a:solidFill>
+            </a:endParaRPr>
+          </a:p>
+        </p:txBody>
+      </p:sp>
       <p:pic>
         <p:nvPicPr>
-          <p:cNvPr id="13" name="圖片 12"/>
+          <p:cNvPr id="4" name="內容版面配置區 3"/>
           <p:cNvPicPr>
-            <a:picLocks noChangeAspect="1"/>
+            <a:picLocks noGrp="1" noChangeAspect="1"/>
           </p:cNvPicPr>
-          <p:nvPr/>
+          <p:nvPr>
+            <p:ph sz="half" idx="1"/>
+          </p:nvPr>
         </p:nvPicPr>
         <p:blipFill>
           <a:blip r:embed="rId4">
@@ -9717,104 +10560,19 @@
         </p:blipFill>
         <p:spPr>
           <a:xfrm>
-            <a:off x="4644008" y="4797152"/>
-            <a:ext cx="2648320" cy="720080"/>
-          </a:xfrm>
-          <a:prstGeom prst="rect">
-            <a:avLst/>
-          </a:prstGeom>
+            <a:off x="301625" y="2067785"/>
+            <a:ext cx="4038600" cy="3289168"/>
+          </a:xfrm>
         </p:spPr>
       </p:pic>
-      <p:sp>
-        <p:nvSpPr>
-          <p:cNvPr id="8" name="矩形 7"/>
-          <p:cNvSpPr/>
-          <p:nvPr/>
-        </p:nvSpPr>
-        <p:spPr>
-          <a:xfrm>
-            <a:off x="1691680" y="1268760"/>
-            <a:ext cx="1261884" cy="461665"/>
-          </a:xfrm>
-          <a:prstGeom prst="rect">
-            <a:avLst/>
-          </a:prstGeom>
-        </p:spPr>
-        <p:txBody>
-          <a:bodyPr wrap="none">
-            <a:spAutoFit/>
-          </a:bodyPr>
-          <a:lstStyle/>
-          <a:p>
-            <a:r>
-              <a:rPr lang="en-US" altLang="zh-TW" sz="2400" b="1" dirty="0" smtClean="0">
-                <a:solidFill>
-                  <a:schemeClr val="accent2">
-                    <a:lumMod val="75000"/>
-                  </a:schemeClr>
-                </a:solidFill>
-              </a:rPr>
-              <a:t>models</a:t>
-            </a:r>
-            <a:endParaRPr lang="zh-TW" altLang="en-US" sz="2400" b="1" dirty="0">
-              <a:solidFill>
-                <a:schemeClr val="accent2">
-                  <a:lumMod val="75000"/>
-                </a:schemeClr>
-              </a:solidFill>
-            </a:endParaRPr>
-          </a:p>
-        </p:txBody>
-      </p:sp>
-      <p:sp>
-        <p:nvSpPr>
-          <p:cNvPr id="9" name="矩形 8"/>
-          <p:cNvSpPr/>
-          <p:nvPr/>
-        </p:nvSpPr>
-        <p:spPr>
-          <a:xfrm>
-            <a:off x="6084168" y="1268760"/>
-            <a:ext cx="1774845" cy="461665"/>
-          </a:xfrm>
-          <a:prstGeom prst="rect">
-            <a:avLst/>
-          </a:prstGeom>
-        </p:spPr>
-        <p:txBody>
-          <a:bodyPr wrap="none">
-            <a:spAutoFit/>
-          </a:bodyPr>
-          <a:lstStyle/>
-          <a:p>
-            <a:r>
-              <a:rPr lang="en-US" altLang="zh-TW" sz="2400" b="1" dirty="0" smtClean="0">
-                <a:solidFill>
-                  <a:schemeClr val="accent2">
-                    <a:lumMod val="75000"/>
-                  </a:schemeClr>
-                </a:solidFill>
-              </a:rPr>
-              <a:t>controllers</a:t>
-            </a:r>
-            <a:endParaRPr lang="zh-TW" altLang="en-US" sz="2400" b="1" dirty="0">
-              <a:solidFill>
-                <a:schemeClr val="accent2">
-                  <a:lumMod val="75000"/>
-                </a:schemeClr>
-              </a:solidFill>
-            </a:endParaRPr>
-          </a:p>
-        </p:txBody>
-      </p:sp>
       <p:pic>
         <p:nvPicPr>
-          <p:cNvPr id="4" name="內容版面配置區 3"/>
+          <p:cNvPr id="5" name="內容版面配置區 4"/>
           <p:cNvPicPr>
             <a:picLocks noGrp="1" noChangeAspect="1"/>
           </p:cNvPicPr>
           <p:nvPr>
-            <p:ph sz="half" idx="1"/>
+            <p:ph sz="half" idx="2"/>
           </p:nvPr>
         </p:nvPicPr>
         <p:blipFill>
@@ -9831,8 +10589,8 @@
         </p:blipFill>
         <p:spPr>
           <a:xfrm>
-            <a:off x="301625" y="2067785"/>
-            <a:ext cx="4038600" cy="3289168"/>
+            <a:off x="4789005" y="1704330"/>
+            <a:ext cx="4038600" cy="3596878"/>
           </a:xfrm>
         </p:spPr>
       </p:pic>
@@ -9849,7 +10607,279 @@
   <p:timing>
     <p:tnLst>
       <p:par>
-        <p:cTn id="1" dur="indefinite" restart="never" nodeType="tmRoot"/>
+        <p:cTn id="1" dur="indefinite" restart="never" nodeType="tmRoot">
+          <p:childTnLst>
+            <p:seq concurrent="1" nextAc="seek">
+              <p:cTn id="2" dur="indefinite" nodeType="mainSeq">
+                <p:childTnLst>
+                  <p:par>
+                    <p:cTn id="3" fill="hold">
+                      <p:stCondLst>
+                        <p:cond delay="indefinite"/>
+                      </p:stCondLst>
+                      <p:childTnLst>
+                        <p:par>
+                          <p:cTn id="4" fill="hold">
+                            <p:stCondLst>
+                              <p:cond delay="0"/>
+                            </p:stCondLst>
+                            <p:childTnLst>
+                              <p:par>
+                                <p:cTn id="5" presetID="1" presetClass="entr" presetSubtype="0" fill="hold" nodeType="clickEffect">
+                                  <p:stCondLst>
+                                    <p:cond delay="0"/>
+                                  </p:stCondLst>
+                                  <p:childTnLst>
+                                    <p:set>
+                                      <p:cBhvr>
+                                        <p:cTn id="6" dur="1" fill="hold">
+                                          <p:stCondLst>
+                                            <p:cond delay="0"/>
+                                          </p:stCondLst>
+                                        </p:cTn>
+                                        <p:tgtEl>
+                                          <p:spTgt spid="5"/>
+                                        </p:tgtEl>
+                                        <p:attrNameLst>
+                                          <p:attrName>style.visibility</p:attrName>
+                                        </p:attrNameLst>
+                                      </p:cBhvr>
+                                      <p:to>
+                                        <p:strVal val="visible"/>
+                                      </p:to>
+                                    </p:set>
+                                  </p:childTnLst>
+                                </p:cTn>
+                              </p:par>
+                            </p:childTnLst>
+                          </p:cTn>
+                        </p:par>
+                      </p:childTnLst>
+                    </p:cTn>
+                  </p:par>
+                  <p:par>
+                    <p:cTn id="7" fill="hold">
+                      <p:stCondLst>
+                        <p:cond delay="indefinite"/>
+                      </p:stCondLst>
+                      <p:childTnLst>
+                        <p:par>
+                          <p:cTn id="8" fill="hold">
+                            <p:stCondLst>
+                              <p:cond delay="0"/>
+                            </p:stCondLst>
+                            <p:childTnLst>
+                              <p:par>
+                                <p:cTn id="9" presetID="1" presetClass="exit" presetSubtype="0" fill="hold" nodeType="clickEffect">
+                                  <p:stCondLst>
+                                    <p:cond delay="0"/>
+                                  </p:stCondLst>
+                                  <p:childTnLst>
+                                    <p:set>
+                                      <p:cBhvr>
+                                        <p:cTn id="10" dur="1" fill="hold">
+                                          <p:stCondLst>
+                                            <p:cond delay="0"/>
+                                          </p:stCondLst>
+                                        </p:cTn>
+                                        <p:tgtEl>
+                                          <p:spTgt spid="5"/>
+                                        </p:tgtEl>
+                                        <p:attrNameLst>
+                                          <p:attrName>style.visibility</p:attrName>
+                                        </p:attrNameLst>
+                                      </p:cBhvr>
+                                      <p:to>
+                                        <p:strVal val="hidden"/>
+                                      </p:to>
+                                    </p:set>
+                                  </p:childTnLst>
+                                </p:cTn>
+                              </p:par>
+                            </p:childTnLst>
+                          </p:cTn>
+                        </p:par>
+                      </p:childTnLst>
+                    </p:cTn>
+                  </p:par>
+                  <p:par>
+                    <p:cTn id="11" fill="hold">
+                      <p:stCondLst>
+                        <p:cond delay="indefinite"/>
+                      </p:stCondLst>
+                      <p:childTnLst>
+                        <p:par>
+                          <p:cTn id="12" fill="hold">
+                            <p:stCondLst>
+                              <p:cond delay="0"/>
+                            </p:stCondLst>
+                            <p:childTnLst>
+                              <p:par>
+                                <p:cTn id="13" presetID="10" presetClass="entr" presetSubtype="0" fill="hold" nodeType="clickEffect">
+                                  <p:stCondLst>
+                                    <p:cond delay="0"/>
+                                  </p:stCondLst>
+                                  <p:childTnLst>
+                                    <p:set>
+                                      <p:cBhvr>
+                                        <p:cTn id="14" dur="1" fill="hold">
+                                          <p:stCondLst>
+                                            <p:cond delay="0"/>
+                                          </p:stCondLst>
+                                        </p:cTn>
+                                        <p:tgtEl>
+                                          <p:spTgt spid="12"/>
+                                        </p:tgtEl>
+                                        <p:attrNameLst>
+                                          <p:attrName>style.visibility</p:attrName>
+                                        </p:attrNameLst>
+                                      </p:cBhvr>
+                                      <p:to>
+                                        <p:strVal val="visible"/>
+                                      </p:to>
+                                    </p:set>
+                                    <p:animEffect transition="in" filter="fade">
+                                      <p:cBhvr>
+                                        <p:cTn id="15" dur="500"/>
+                                        <p:tgtEl>
+                                          <p:spTgt spid="12"/>
+                                        </p:tgtEl>
+                                      </p:cBhvr>
+                                    </p:animEffect>
+                                  </p:childTnLst>
+                                </p:cTn>
+                              </p:par>
+                            </p:childTnLst>
+                          </p:cTn>
+                        </p:par>
+                      </p:childTnLst>
+                    </p:cTn>
+                  </p:par>
+                  <p:par>
+                    <p:cTn id="16" fill="hold">
+                      <p:stCondLst>
+                        <p:cond delay="indefinite"/>
+                      </p:stCondLst>
+                      <p:childTnLst>
+                        <p:par>
+                          <p:cTn id="17" fill="hold">
+                            <p:stCondLst>
+                              <p:cond delay="0"/>
+                            </p:stCondLst>
+                            <p:childTnLst>
+                              <p:par>
+                                <p:cTn id="18" presetID="10" presetClass="exit" presetSubtype="0" fill="hold" nodeType="clickEffect">
+                                  <p:stCondLst>
+                                    <p:cond delay="0"/>
+                                  </p:stCondLst>
+                                  <p:childTnLst>
+                                    <p:animEffect transition="out" filter="fade">
+                                      <p:cBhvr>
+                                        <p:cTn id="19" dur="500"/>
+                                        <p:tgtEl>
+                                          <p:spTgt spid="12"/>
+                                        </p:tgtEl>
+                                      </p:cBhvr>
+                                    </p:animEffect>
+                                    <p:set>
+                                      <p:cBhvr>
+                                        <p:cTn id="20" dur="1" fill="hold">
+                                          <p:stCondLst>
+                                            <p:cond delay="499"/>
+                                          </p:stCondLst>
+                                        </p:cTn>
+                                        <p:tgtEl>
+                                          <p:spTgt spid="12"/>
+                                        </p:tgtEl>
+                                        <p:attrNameLst>
+                                          <p:attrName>style.visibility</p:attrName>
+                                        </p:attrNameLst>
+                                      </p:cBhvr>
+                                      <p:to>
+                                        <p:strVal val="hidden"/>
+                                      </p:to>
+                                    </p:set>
+                                  </p:childTnLst>
+                                </p:cTn>
+                              </p:par>
+                            </p:childTnLst>
+                          </p:cTn>
+                        </p:par>
+                      </p:childTnLst>
+                    </p:cTn>
+                  </p:par>
+                  <p:par>
+                    <p:cTn id="21" fill="hold">
+                      <p:stCondLst>
+                        <p:cond delay="indefinite"/>
+                      </p:stCondLst>
+                      <p:childTnLst>
+                        <p:par>
+                          <p:cTn id="22" fill="hold">
+                            <p:stCondLst>
+                              <p:cond delay="0"/>
+                            </p:stCondLst>
+                            <p:childTnLst>
+                              <p:par>
+                                <p:cTn id="23" presetID="10" presetClass="entr" presetSubtype="0" fill="hold" nodeType="clickEffect">
+                                  <p:stCondLst>
+                                    <p:cond delay="0"/>
+                                  </p:stCondLst>
+                                  <p:childTnLst>
+                                    <p:set>
+                                      <p:cBhvr>
+                                        <p:cTn id="24" dur="1" fill="hold">
+                                          <p:stCondLst>
+                                            <p:cond delay="0"/>
+                                          </p:stCondLst>
+                                        </p:cTn>
+                                        <p:tgtEl>
+                                          <p:spTgt spid="13"/>
+                                        </p:tgtEl>
+                                        <p:attrNameLst>
+                                          <p:attrName>style.visibility</p:attrName>
+                                        </p:attrNameLst>
+                                      </p:cBhvr>
+                                      <p:to>
+                                        <p:strVal val="visible"/>
+                                      </p:to>
+                                    </p:set>
+                                    <p:animEffect transition="in" filter="fade">
+                                      <p:cBhvr>
+                                        <p:cTn id="25" dur="500"/>
+                                        <p:tgtEl>
+                                          <p:spTgt spid="13"/>
+                                        </p:tgtEl>
+                                      </p:cBhvr>
+                                    </p:animEffect>
+                                  </p:childTnLst>
+                                </p:cTn>
+                              </p:par>
+                            </p:childTnLst>
+                          </p:cTn>
+                        </p:par>
+                      </p:childTnLst>
+                    </p:cTn>
+                  </p:par>
+                </p:childTnLst>
+              </p:cTn>
+              <p:prevCondLst>
+                <p:cond evt="onPrev" delay="0">
+                  <p:tgtEl>
+                    <p:sldTgt/>
+                  </p:tgtEl>
+                </p:cond>
+              </p:prevCondLst>
+              <p:nextCondLst>
+                <p:cond evt="onNext" delay="0">
+                  <p:tgtEl>
+                    <p:sldTgt/>
+                  </p:tgtEl>
+                </p:cond>
+              </p:nextCondLst>
+            </p:seq>
+          </p:childTnLst>
+        </p:cTn>
       </p:par>
     </p:tnLst>
   </p:timing>

--- a/small_project/data_project/沅淯駿營造有限公司.pptx
+++ b/small_project/data_project/沅淯駿營造有限公司.pptx
@@ -7143,7 +7143,7 @@
         </p:blipFill>
         <p:spPr>
           <a:xfrm>
-            <a:off x="4644008" y="3140968"/>
+            <a:off x="4644008" y="2420888"/>
             <a:ext cx="4316804" cy="2732656"/>
           </a:xfrm>
           <a:prstGeom prst="rect">
@@ -7182,67 +7182,14 @@
                             </p:stCondLst>
                             <p:childTnLst>
                               <p:par>
-                                <p:cTn id="5" presetID="10" presetClass="entr" presetSubtype="0" fill="hold" nodeType="clickEffect">
-                                  <p:stCondLst>
-                                    <p:cond delay="0"/>
-                                  </p:stCondLst>
-                                  <p:childTnLst>
-                                    <p:set>
-                                      <p:cBhvr>
-                                        <p:cTn id="6" dur="1" fill="hold">
-                                          <p:stCondLst>
-                                            <p:cond delay="0"/>
-                                          </p:stCondLst>
-                                        </p:cTn>
-                                        <p:tgtEl>
-                                          <p:spTgt spid="4"/>
-                                        </p:tgtEl>
-                                        <p:attrNameLst>
-                                          <p:attrName>style.visibility</p:attrName>
-                                        </p:attrNameLst>
-                                      </p:cBhvr>
-                                      <p:to>
-                                        <p:strVal val="visible"/>
-                                      </p:to>
-                                    </p:set>
-                                    <p:animEffect transition="in" filter="fade">
-                                      <p:cBhvr>
-                                        <p:cTn id="7" dur="500"/>
-                                        <p:tgtEl>
-                                          <p:spTgt spid="4"/>
-                                        </p:tgtEl>
-                                      </p:cBhvr>
-                                    </p:animEffect>
-                                  </p:childTnLst>
-                                </p:cTn>
-                              </p:par>
-                            </p:childTnLst>
-                          </p:cTn>
-                        </p:par>
-                      </p:childTnLst>
-                    </p:cTn>
-                  </p:par>
-                  <p:par>
-                    <p:cTn id="8" fill="hold">
-                      <p:stCondLst>
-                        <p:cond delay="indefinite"/>
-                      </p:stCondLst>
-                      <p:childTnLst>
-                        <p:par>
-                          <p:cTn id="9" fill="hold">
-                            <p:stCondLst>
-                              <p:cond delay="0"/>
-                            </p:stCondLst>
-                            <p:childTnLst>
-                              <p:par>
-                                <p:cTn id="10" presetID="10" presetClass="exit" presetSubtype="0" fill="hold" nodeType="clickEffect">
+                                <p:cTn id="5" presetID="10" presetClass="exit" presetSubtype="0" fill="hold" nodeType="clickEffect">
                                   <p:stCondLst>
                                     <p:cond delay="0"/>
                                   </p:stCondLst>
                                   <p:childTnLst>
                                     <p:animEffect transition="out" filter="fade">
                                       <p:cBhvr>
-                                        <p:cTn id="11" dur="500"/>
+                                        <p:cTn id="6" dur="500"/>
                                         <p:tgtEl>
                                           <p:spTgt spid="4"/>
                                         </p:tgtEl>
@@ -7250,7 +7197,7 @@
                                     </p:animEffect>
                                     <p:set>
                                       <p:cBhvr>
-                                        <p:cTn id="12" dur="1" fill="hold">
+                                        <p:cTn id="7" dur="1" fill="hold">
                                           <p:stCondLst>
                                             <p:cond delay="499"/>
                                           </p:stCondLst>
@@ -7276,36 +7223,28 @@
                     </p:cTn>
                   </p:par>
                   <p:par>
-                    <p:cTn id="13" fill="hold">
+                    <p:cTn id="8" fill="hold">
                       <p:stCondLst>
                         <p:cond delay="indefinite"/>
                       </p:stCondLst>
                       <p:childTnLst>
                         <p:par>
-                          <p:cTn id="14" fill="hold">
+                          <p:cTn id="9" fill="hold">
                             <p:stCondLst>
                               <p:cond delay="0"/>
                             </p:stCondLst>
                             <p:childTnLst>
                               <p:par>
-                                <p:cTn id="15" presetID="10" presetClass="exit" presetSubtype="0" fill="hold" nodeType="clickEffect">
+                                <p:cTn id="10" presetID="10" presetClass="entr" presetSubtype="0" fill="hold" nodeType="clickEffect">
                                   <p:stCondLst>
                                     <p:cond delay="0"/>
                                   </p:stCondLst>
                                   <p:childTnLst>
-                                    <p:animEffect transition="out" filter="fade">
-                                      <p:cBhvr>
-                                        <p:cTn id="16" dur="500"/>
-                                        <p:tgtEl>
-                                          <p:spTgt spid="7"/>
-                                        </p:tgtEl>
-                                      </p:cBhvr>
-                                    </p:animEffect>
                                     <p:set>
                                       <p:cBhvr>
-                                        <p:cTn id="17" dur="1" fill="hold">
+                                        <p:cTn id="11" dur="1" fill="hold">
                                           <p:stCondLst>
-                                            <p:cond delay="499"/>
+                                            <p:cond delay="0"/>
                                           </p:stCondLst>
                                         </p:cTn>
                                         <p:tgtEl>
@@ -7316,9 +7255,17 @@
                                         </p:attrNameLst>
                                       </p:cBhvr>
                                       <p:to>
-                                        <p:strVal val="hidden"/>
+                                        <p:strVal val="visible"/>
                                       </p:to>
                                     </p:set>
+                                    <p:animEffect transition="in" filter="fade">
+                                      <p:cBhvr>
+                                        <p:cTn id="12" dur="500"/>
+                                        <p:tgtEl>
+                                          <p:spTgt spid="7"/>
+                                        </p:tgtEl>
+                                      </p:cBhvr>
+                                    </p:animEffect>
                                   </p:childTnLst>
                                 </p:cTn>
                               </p:par>
@@ -8041,57 +7988,7 @@
                   </a:schemeClr>
                 </a:solidFill>
               </a:rPr>
-              <a:t>廠商</a:t>
-            </a:r>
-            <a:r>
-              <a:rPr lang="zh-TW" altLang="en-US" sz="2400" b="1" dirty="0" smtClean="0">
-                <a:solidFill>
-                  <a:schemeClr val="accent6">
-                    <a:lumMod val="75000"/>
-                  </a:schemeClr>
-                </a:solidFill>
-              </a:rPr>
-              <a:t>招募與</a:t>
-            </a:r>
-            <a:r>
-              <a:rPr lang="zh-TW" altLang="en-US" sz="2400" b="1" dirty="0" smtClean="0">
-                <a:solidFill>
-                  <a:schemeClr val="accent6">
-                    <a:lumMod val="75000"/>
-                  </a:schemeClr>
-                </a:solidFill>
-              </a:rPr>
-              <a:t>加入我們</a:t>
-            </a:r>
-            <a:r>
-              <a:rPr lang="zh-TW" altLang="en-US" sz="2400" b="1" dirty="0" smtClean="0">
-                <a:solidFill>
-                  <a:schemeClr val="accent6">
-                    <a:lumMod val="75000"/>
-                  </a:schemeClr>
-                </a:solidFill>
-              </a:rPr>
-              <a:t>的</a:t>
-            </a:r>
-            <a:r>
-              <a:rPr lang="zh-TW" altLang="en-US" sz="2400" b="1" dirty="0" smtClean="0">
-                <a:solidFill>
-                  <a:schemeClr val="accent6">
-                    <a:lumMod val="75000"/>
-                  </a:schemeClr>
-                </a:solidFill>
-              </a:rPr>
-              <a:t>方</a:t>
-            </a:r>
-            <a:r>
-              <a:rPr lang="zh-TW" altLang="en-US" sz="2400" b="1" dirty="0" smtClean="0">
-                <a:solidFill>
-                  <a:schemeClr val="accent6">
-                    <a:lumMod val="75000"/>
-                  </a:schemeClr>
-                </a:solidFill>
-              </a:rPr>
-              <a:t>法</a:t>
+              <a:t>廠商招募與加入我們的方法</a:t>
             </a:r>
             <a:r>
               <a:rPr lang="zh-TW" altLang="en-US" sz="2400" b="1" dirty="0">
@@ -8635,27 +8532,7 @@
                   </a:schemeClr>
                 </a:solidFill>
               </a:rPr>
-              <a:t>廠商</a:t>
-            </a:r>
-            <a:r>
-              <a:rPr lang="zh-TW" altLang="en-US" sz="2400" b="1" dirty="0" smtClean="0">
-                <a:solidFill>
-                  <a:schemeClr val="accent6">
-                    <a:lumMod val="75000"/>
-                  </a:schemeClr>
-                </a:solidFill>
-              </a:rPr>
-              <a:t>招募與</a:t>
-            </a:r>
-            <a:r>
-              <a:rPr lang="zh-TW" altLang="en-US" sz="2400" b="1" dirty="0" smtClean="0">
-                <a:solidFill>
-                  <a:schemeClr val="accent6">
-                    <a:lumMod val="75000"/>
-                  </a:schemeClr>
-                </a:solidFill>
-              </a:rPr>
-              <a:t>加入我們的演算法雷同</a:t>
+              <a:t>廠商招募與加入我們的演算法雷同</a:t>
             </a:r>
             <a:endParaRPr lang="zh-TW" altLang="en-US" sz="2400" b="1" dirty="0">
               <a:solidFill>

--- a/small_project/data_project/沅淯駿營造有限公司.pptx
+++ b/small_project/data_project/沅淯駿營造有限公司.pptx
@@ -13,16 +13,7 @@
     <p:sldId id="260" r:id="rId7"/>
     <p:sldId id="261" r:id="rId8"/>
     <p:sldId id="262" r:id="rId9"/>
-    <p:sldId id="263" r:id="rId10"/>
-    <p:sldId id="264" r:id="rId11"/>
-    <p:sldId id="265" r:id="rId12"/>
-    <p:sldId id="266" r:id="rId13"/>
-    <p:sldId id="267" r:id="rId14"/>
-    <p:sldId id="268" r:id="rId15"/>
-    <p:sldId id="269" r:id="rId16"/>
-    <p:sldId id="271" r:id="rId17"/>
-    <p:sldId id="270" r:id="rId18"/>
-    <p:sldId id="273" r:id="rId19"/>
+    <p:sldId id="273" r:id="rId10"/>
   </p:sldIdLst>
   <p:sldSz cx="9144000" cy="6858000" type="screen4x3"/>
   <p:notesSz cx="6858000" cy="9144000"/>
@@ -6099,3017 +6090,6 @@
 </p:sld>
 </file>
 
-<file path=ppt/slides/slide10.xml><?xml version="1.0" encoding="utf-8"?>
-<p:sld xmlns:a="http://schemas.openxmlformats.org/drawingml/2006/main" xmlns:r="http://schemas.openxmlformats.org/officeDocument/2006/relationships" xmlns:p="http://schemas.openxmlformats.org/presentationml/2006/main">
-  <p:cSld>
-    <p:spTree>
-      <p:nvGrpSpPr>
-        <p:cNvPr id="1" name=""/>
-        <p:cNvGrpSpPr/>
-        <p:nvPr/>
-      </p:nvGrpSpPr>
-      <p:grpSpPr>
-        <a:xfrm>
-          <a:off x="0" y="0"/>
-          <a:ext cx="0" cy="0"/>
-          <a:chOff x="0" y="0"/>
-          <a:chExt cx="0" cy="0"/>
-        </a:xfrm>
-      </p:grpSpPr>
-      <p:sp>
-        <p:nvSpPr>
-          <p:cNvPr id="2" name="標題 1"/>
-          <p:cNvSpPr>
-            <a:spLocks noGrp="1"/>
-          </p:cNvSpPr>
-          <p:nvPr>
-            <p:ph type="title"/>
-          </p:nvPr>
-        </p:nvSpPr>
-        <p:spPr/>
-        <p:txBody>
-          <a:bodyPr/>
-          <a:lstStyle/>
-          <a:p>
-            <a:r>
-              <a:rPr lang="zh-TW" altLang="en-US" b="1" dirty="0" smtClean="0"/>
-              <a:t>功能介紹 </a:t>
-            </a:r>
-            <a:r>
-              <a:rPr lang="en-US" altLang="zh-TW" b="1" dirty="0" smtClean="0"/>
-              <a:t>–</a:t>
-            </a:r>
-            <a:r>
-              <a:rPr lang="zh-TW" altLang="en-US" b="1" dirty="0" smtClean="0"/>
-              <a:t> 聯絡我們</a:t>
-            </a:r>
-            <a:endParaRPr lang="zh-TW" altLang="en-US" b="1" dirty="0"/>
-          </a:p>
-        </p:txBody>
-      </p:sp>
-      <p:pic>
-        <p:nvPicPr>
-          <p:cNvPr id="6" name="內容版面配置區 5"/>
-          <p:cNvPicPr>
-            <a:picLocks noGrp="1" noChangeAspect="1"/>
-          </p:cNvPicPr>
-          <p:nvPr>
-            <p:ph sz="half" idx="1"/>
-          </p:nvPr>
-        </p:nvPicPr>
-        <p:blipFill>
-          <a:blip r:embed="rId2">
-            <a:extLst>
-              <a:ext uri="{28A0092B-C50C-407E-A947-70E740481C1C}">
-                <a14:useLocalDpi xmlns:a14="http://schemas.microsoft.com/office/drawing/2010/main" val="0"/>
-              </a:ext>
-            </a:extLst>
-          </a:blip>
-          <a:stretch>
-            <a:fillRect/>
-          </a:stretch>
-        </p:blipFill>
-        <p:spPr>
-          <a:xfrm>
-            <a:off x="251520" y="2636913"/>
-            <a:ext cx="4176464" cy="1728191"/>
-          </a:xfrm>
-        </p:spPr>
-      </p:pic>
-      <p:sp>
-        <p:nvSpPr>
-          <p:cNvPr id="10" name="矩形 9"/>
-          <p:cNvSpPr/>
-          <p:nvPr/>
-        </p:nvSpPr>
-        <p:spPr>
-          <a:xfrm>
-            <a:off x="1691680" y="1268760"/>
-            <a:ext cx="1261884" cy="461665"/>
-          </a:xfrm>
-          <a:prstGeom prst="rect">
-            <a:avLst/>
-          </a:prstGeom>
-        </p:spPr>
-        <p:txBody>
-          <a:bodyPr wrap="none">
-            <a:spAutoFit/>
-          </a:bodyPr>
-          <a:lstStyle/>
-          <a:p>
-            <a:r>
-              <a:rPr lang="en-US" altLang="zh-TW" sz="2400" b="1" dirty="0" smtClean="0">
-                <a:solidFill>
-                  <a:schemeClr val="accent2">
-                    <a:lumMod val="75000"/>
-                  </a:schemeClr>
-                </a:solidFill>
-              </a:rPr>
-              <a:t>models</a:t>
-            </a:r>
-            <a:endParaRPr lang="zh-TW" altLang="en-US" sz="2400" b="1" dirty="0">
-              <a:solidFill>
-                <a:schemeClr val="accent2">
-                  <a:lumMod val="75000"/>
-                </a:schemeClr>
-              </a:solidFill>
-            </a:endParaRPr>
-          </a:p>
-        </p:txBody>
-      </p:sp>
-      <p:sp>
-        <p:nvSpPr>
-          <p:cNvPr id="11" name="矩形 10"/>
-          <p:cNvSpPr/>
-          <p:nvPr/>
-        </p:nvSpPr>
-        <p:spPr>
-          <a:xfrm>
-            <a:off x="6084168" y="1268760"/>
-            <a:ext cx="1774845" cy="461665"/>
-          </a:xfrm>
-          <a:prstGeom prst="rect">
-            <a:avLst/>
-          </a:prstGeom>
-        </p:spPr>
-        <p:txBody>
-          <a:bodyPr wrap="none">
-            <a:spAutoFit/>
-          </a:bodyPr>
-          <a:lstStyle/>
-          <a:p>
-            <a:r>
-              <a:rPr lang="en-US" altLang="zh-TW" sz="2400" b="1" dirty="0" smtClean="0">
-                <a:solidFill>
-                  <a:schemeClr val="accent2">
-                    <a:lumMod val="75000"/>
-                  </a:schemeClr>
-                </a:solidFill>
-              </a:rPr>
-              <a:t>controllers</a:t>
-            </a:r>
-            <a:endParaRPr lang="zh-TW" altLang="en-US" sz="2400" b="1" dirty="0">
-              <a:solidFill>
-                <a:schemeClr val="accent2">
-                  <a:lumMod val="75000"/>
-                </a:schemeClr>
-              </a:solidFill>
-            </a:endParaRPr>
-          </a:p>
-        </p:txBody>
-      </p:sp>
-      <p:pic>
-        <p:nvPicPr>
-          <p:cNvPr id="4" name="內容版面配置區 3"/>
-          <p:cNvPicPr>
-            <a:picLocks noGrp="1" noChangeAspect="1"/>
-          </p:cNvPicPr>
-          <p:nvPr>
-            <p:ph sz="half" idx="2"/>
-          </p:nvPr>
-        </p:nvPicPr>
-        <p:blipFill>
-          <a:blip r:embed="rId3">
-            <a:extLst>
-              <a:ext uri="{28A0092B-C50C-407E-A947-70E740481C1C}">
-                <a14:useLocalDpi xmlns:a14="http://schemas.microsoft.com/office/drawing/2010/main" val="0"/>
-              </a:ext>
-            </a:extLst>
-          </a:blip>
-          <a:stretch>
-            <a:fillRect/>
-          </a:stretch>
-        </p:blipFill>
-        <p:spPr>
-          <a:xfrm>
-            <a:off x="4800600" y="3201683"/>
-            <a:ext cx="4038600" cy="2891613"/>
-          </a:xfrm>
-        </p:spPr>
-      </p:pic>
-      <p:pic>
-        <p:nvPicPr>
-          <p:cNvPr id="7" name="圖片 6"/>
-          <p:cNvPicPr>
-            <a:picLocks noChangeAspect="1"/>
-          </p:cNvPicPr>
-          <p:nvPr/>
-        </p:nvPicPr>
-        <p:blipFill>
-          <a:blip r:embed="rId4">
-            <a:extLst>
-              <a:ext uri="{28A0092B-C50C-407E-A947-70E740481C1C}">
-                <a14:useLocalDpi xmlns:a14="http://schemas.microsoft.com/office/drawing/2010/main" val="0"/>
-              </a:ext>
-            </a:extLst>
-          </a:blip>
-          <a:stretch>
-            <a:fillRect/>
-          </a:stretch>
-        </p:blipFill>
-        <p:spPr>
-          <a:xfrm>
-            <a:off x="4788024" y="2287825"/>
-            <a:ext cx="2353004" cy="838317"/>
-          </a:xfrm>
-          <a:prstGeom prst="rect">
-            <a:avLst/>
-          </a:prstGeom>
-        </p:spPr>
-      </p:pic>
-    </p:spTree>
-    <p:extLst>
-      <p:ext uri="{BB962C8B-B14F-4D97-AF65-F5344CB8AC3E}">
-        <p14:creationId xmlns:p14="http://schemas.microsoft.com/office/powerpoint/2010/main" val="263923404"/>
-      </p:ext>
-    </p:extLst>
-  </p:cSld>
-  <p:clrMapOvr>
-    <a:masterClrMapping/>
-  </p:clrMapOvr>
-  <p:timing>
-    <p:tnLst>
-      <p:par>
-        <p:cTn id="1" dur="indefinite" restart="never" nodeType="tmRoot"/>
-      </p:par>
-    </p:tnLst>
-  </p:timing>
-</p:sld>
-</file>
-
-<file path=ppt/slides/slide11.xml><?xml version="1.0" encoding="utf-8"?>
-<p:sld xmlns:a="http://schemas.openxmlformats.org/drawingml/2006/main" xmlns:r="http://schemas.openxmlformats.org/officeDocument/2006/relationships" xmlns:p="http://schemas.openxmlformats.org/presentationml/2006/main">
-  <p:cSld>
-    <p:spTree>
-      <p:nvGrpSpPr>
-        <p:cNvPr id="1" name=""/>
-        <p:cNvGrpSpPr/>
-        <p:nvPr/>
-      </p:nvGrpSpPr>
-      <p:grpSpPr>
-        <a:xfrm>
-          <a:off x="0" y="0"/>
-          <a:ext cx="0" cy="0"/>
-          <a:chOff x="0" y="0"/>
-          <a:chExt cx="0" cy="0"/>
-        </a:xfrm>
-      </p:grpSpPr>
-      <p:sp>
-        <p:nvSpPr>
-          <p:cNvPr id="2" name="標題 1"/>
-          <p:cNvSpPr>
-            <a:spLocks noGrp="1"/>
-          </p:cNvSpPr>
-          <p:nvPr>
-            <p:ph type="title"/>
-          </p:nvPr>
-        </p:nvSpPr>
-        <p:spPr/>
-        <p:txBody>
-          <a:bodyPr/>
-          <a:lstStyle/>
-          <a:p>
-            <a:r>
-              <a:rPr lang="zh-TW" altLang="en-US" b="1" dirty="0" smtClean="0"/>
-              <a:t>功能介紹 </a:t>
-            </a:r>
-            <a:r>
-              <a:rPr lang="en-US" altLang="zh-TW" b="1" dirty="0" smtClean="0"/>
-              <a:t>–</a:t>
-            </a:r>
-            <a:r>
-              <a:rPr lang="zh-TW" altLang="en-US" b="1" dirty="0" smtClean="0"/>
-              <a:t> 公司簡介</a:t>
-            </a:r>
-            <a:endParaRPr lang="zh-TW" altLang="en-US" b="1" dirty="0"/>
-          </a:p>
-        </p:txBody>
-      </p:sp>
-      <p:pic>
-        <p:nvPicPr>
-          <p:cNvPr id="5" name="內容版面配置區 4"/>
-          <p:cNvPicPr>
-            <a:picLocks noGrp="1" noChangeAspect="1"/>
-          </p:cNvPicPr>
-          <p:nvPr>
-            <p:ph sz="half" idx="1"/>
-          </p:nvPr>
-        </p:nvPicPr>
-        <p:blipFill>
-          <a:blip r:embed="rId2">
-            <a:extLst>
-              <a:ext uri="{28A0092B-C50C-407E-A947-70E740481C1C}">
-                <a14:useLocalDpi xmlns:a14="http://schemas.microsoft.com/office/drawing/2010/main" val="0"/>
-              </a:ext>
-            </a:extLst>
-          </a:blip>
-          <a:stretch>
-            <a:fillRect/>
-          </a:stretch>
-        </p:blipFill>
-        <p:spPr>
-          <a:xfrm>
-            <a:off x="251520" y="2564904"/>
-            <a:ext cx="4233659" cy="1754549"/>
-          </a:xfrm>
-        </p:spPr>
-      </p:pic>
-      <p:pic>
-        <p:nvPicPr>
-          <p:cNvPr id="6" name="內容版面配置區 5"/>
-          <p:cNvPicPr>
-            <a:picLocks noGrp="1" noChangeAspect="1"/>
-          </p:cNvPicPr>
-          <p:nvPr>
-            <p:ph sz="half" idx="2"/>
-          </p:nvPr>
-        </p:nvPicPr>
-        <p:blipFill>
-          <a:blip r:embed="rId3">
-            <a:extLst>
-              <a:ext uri="{28A0092B-C50C-407E-A947-70E740481C1C}">
-                <a14:useLocalDpi xmlns:a14="http://schemas.microsoft.com/office/drawing/2010/main" val="0"/>
-              </a:ext>
-            </a:extLst>
-          </a:blip>
-          <a:stretch>
-            <a:fillRect/>
-          </a:stretch>
-        </p:blipFill>
-        <p:spPr>
-          <a:xfrm>
-            <a:off x="4860032" y="2564904"/>
-            <a:ext cx="3248443" cy="771633"/>
-          </a:xfrm>
-        </p:spPr>
-      </p:pic>
-      <p:pic>
-        <p:nvPicPr>
-          <p:cNvPr id="7" name="圖片 6"/>
-          <p:cNvPicPr>
-            <a:picLocks noChangeAspect="1"/>
-          </p:cNvPicPr>
-          <p:nvPr/>
-        </p:nvPicPr>
-        <p:blipFill>
-          <a:blip r:embed="rId4">
-            <a:extLst>
-              <a:ext uri="{28A0092B-C50C-407E-A947-70E740481C1C}">
-                <a14:useLocalDpi xmlns:a14="http://schemas.microsoft.com/office/drawing/2010/main" val="0"/>
-              </a:ext>
-            </a:extLst>
-          </a:blip>
-          <a:stretch>
-            <a:fillRect/>
-          </a:stretch>
-        </p:blipFill>
-        <p:spPr>
-          <a:xfrm>
-            <a:off x="4860032" y="3428999"/>
-            <a:ext cx="3429479" cy="1009791"/>
-          </a:xfrm>
-          <a:prstGeom prst="rect">
-            <a:avLst/>
-          </a:prstGeom>
-        </p:spPr>
-      </p:pic>
-      <p:sp>
-        <p:nvSpPr>
-          <p:cNvPr id="11" name="矩形 10"/>
-          <p:cNvSpPr/>
-          <p:nvPr/>
-        </p:nvSpPr>
-        <p:spPr>
-          <a:xfrm>
-            <a:off x="1691680" y="1268760"/>
-            <a:ext cx="1261884" cy="461665"/>
-          </a:xfrm>
-          <a:prstGeom prst="rect">
-            <a:avLst/>
-          </a:prstGeom>
-        </p:spPr>
-        <p:txBody>
-          <a:bodyPr wrap="none">
-            <a:spAutoFit/>
-          </a:bodyPr>
-          <a:lstStyle/>
-          <a:p>
-            <a:r>
-              <a:rPr lang="en-US" altLang="zh-TW" sz="2400" b="1" dirty="0" smtClean="0">
-                <a:solidFill>
-                  <a:schemeClr val="accent2">
-                    <a:lumMod val="75000"/>
-                  </a:schemeClr>
-                </a:solidFill>
-              </a:rPr>
-              <a:t>models</a:t>
-            </a:r>
-            <a:endParaRPr lang="zh-TW" altLang="en-US" sz="2400" b="1" dirty="0">
-              <a:solidFill>
-                <a:schemeClr val="accent2">
-                  <a:lumMod val="75000"/>
-                </a:schemeClr>
-              </a:solidFill>
-            </a:endParaRPr>
-          </a:p>
-        </p:txBody>
-      </p:sp>
-      <p:sp>
-        <p:nvSpPr>
-          <p:cNvPr id="12" name="矩形 11"/>
-          <p:cNvSpPr/>
-          <p:nvPr/>
-        </p:nvSpPr>
-        <p:spPr>
-          <a:xfrm>
-            <a:off x="6084168" y="1268760"/>
-            <a:ext cx="1774845" cy="461665"/>
-          </a:xfrm>
-          <a:prstGeom prst="rect">
-            <a:avLst/>
-          </a:prstGeom>
-        </p:spPr>
-        <p:txBody>
-          <a:bodyPr wrap="none">
-            <a:spAutoFit/>
-          </a:bodyPr>
-          <a:lstStyle/>
-          <a:p>
-            <a:r>
-              <a:rPr lang="en-US" altLang="zh-TW" sz="2400" b="1" dirty="0" smtClean="0">
-                <a:solidFill>
-                  <a:schemeClr val="accent2">
-                    <a:lumMod val="75000"/>
-                  </a:schemeClr>
-                </a:solidFill>
-              </a:rPr>
-              <a:t>controllers</a:t>
-            </a:r>
-            <a:endParaRPr lang="zh-TW" altLang="en-US" sz="2400" b="1" dirty="0">
-              <a:solidFill>
-                <a:schemeClr val="accent2">
-                  <a:lumMod val="75000"/>
-                </a:schemeClr>
-              </a:solidFill>
-            </a:endParaRPr>
-          </a:p>
-        </p:txBody>
-      </p:sp>
-    </p:spTree>
-    <p:extLst>
-      <p:ext uri="{BB962C8B-B14F-4D97-AF65-F5344CB8AC3E}">
-        <p14:creationId xmlns:p14="http://schemas.microsoft.com/office/powerpoint/2010/main" val="1902697882"/>
-      </p:ext>
-    </p:extLst>
-  </p:cSld>
-  <p:clrMapOvr>
-    <a:masterClrMapping/>
-  </p:clrMapOvr>
-  <p:timing>
-    <p:tnLst>
-      <p:par>
-        <p:cTn id="1" dur="indefinite" restart="never" nodeType="tmRoot"/>
-      </p:par>
-    </p:tnLst>
-  </p:timing>
-</p:sld>
-</file>
-
-<file path=ppt/slides/slide12.xml><?xml version="1.0" encoding="utf-8"?>
-<p:sld xmlns:a="http://schemas.openxmlformats.org/drawingml/2006/main" xmlns:r="http://schemas.openxmlformats.org/officeDocument/2006/relationships" xmlns:p="http://schemas.openxmlformats.org/presentationml/2006/main">
-  <p:cSld>
-    <p:spTree>
-      <p:nvGrpSpPr>
-        <p:cNvPr id="1" name=""/>
-        <p:cNvGrpSpPr/>
-        <p:nvPr/>
-      </p:nvGrpSpPr>
-      <p:grpSpPr>
-        <a:xfrm>
-          <a:off x="0" y="0"/>
-          <a:ext cx="0" cy="0"/>
-          <a:chOff x="0" y="0"/>
-          <a:chExt cx="0" cy="0"/>
-        </a:xfrm>
-      </p:grpSpPr>
-      <p:sp>
-        <p:nvSpPr>
-          <p:cNvPr id="2" name="標題 1"/>
-          <p:cNvSpPr>
-            <a:spLocks noGrp="1"/>
-          </p:cNvSpPr>
-          <p:nvPr>
-            <p:ph type="title"/>
-          </p:nvPr>
-        </p:nvSpPr>
-        <p:spPr/>
-        <p:txBody>
-          <a:bodyPr/>
-          <a:lstStyle/>
-          <a:p>
-            <a:r>
-              <a:rPr lang="zh-TW" altLang="en-US" b="1" dirty="0" smtClean="0"/>
-              <a:t>功能</a:t>
-            </a:r>
-            <a:r>
-              <a:rPr lang="zh-TW" altLang="en-US" b="1" dirty="0"/>
-              <a:t>介紹</a:t>
-            </a:r>
-            <a:r>
-              <a:rPr lang="en-US" altLang="zh-TW" b="1" dirty="0" smtClean="0"/>
-              <a:t>–</a:t>
-            </a:r>
-            <a:r>
-              <a:rPr lang="zh-TW" altLang="en-US" b="1" dirty="0" smtClean="0"/>
-              <a:t> 實績展示</a:t>
-            </a:r>
-            <a:r>
-              <a:rPr lang="en-US" altLang="zh-TW" b="1" dirty="0" smtClean="0"/>
-              <a:t>(</a:t>
-            </a:r>
-            <a:r>
-              <a:rPr lang="zh-TW" altLang="en-US" b="1" dirty="0" smtClean="0"/>
-              <a:t>顯示</a:t>
-            </a:r>
-            <a:r>
-              <a:rPr lang="en-US" altLang="zh-TW" b="1" dirty="0" smtClean="0"/>
-              <a:t>)</a:t>
-            </a:r>
-            <a:endParaRPr lang="zh-TW" altLang="en-US" b="1" dirty="0"/>
-          </a:p>
-        </p:txBody>
-      </p:sp>
-      <p:pic>
-        <p:nvPicPr>
-          <p:cNvPr id="6" name="內容版面配置區 5"/>
-          <p:cNvPicPr>
-            <a:picLocks noGrp="1" noChangeAspect="1"/>
-          </p:cNvPicPr>
-          <p:nvPr>
-            <p:ph sz="half" idx="1"/>
-          </p:nvPr>
-        </p:nvPicPr>
-        <p:blipFill>
-          <a:blip r:embed="rId2">
-            <a:extLst>
-              <a:ext uri="{28A0092B-C50C-407E-A947-70E740481C1C}">
-                <a14:useLocalDpi xmlns:a14="http://schemas.microsoft.com/office/drawing/2010/main" val="0"/>
-              </a:ext>
-            </a:extLst>
-          </a:blip>
-          <a:stretch>
-            <a:fillRect/>
-          </a:stretch>
-        </p:blipFill>
-        <p:spPr>
-          <a:xfrm>
-            <a:off x="251520" y="2348880"/>
-            <a:ext cx="4176464" cy="1862965"/>
-          </a:xfrm>
-        </p:spPr>
-      </p:pic>
-      <p:pic>
-        <p:nvPicPr>
-          <p:cNvPr id="5" name="內容版面配置區 4"/>
-          <p:cNvPicPr>
-            <a:picLocks noGrp="1" noChangeAspect="1"/>
-          </p:cNvPicPr>
-          <p:nvPr>
-            <p:ph sz="half" idx="2"/>
-          </p:nvPr>
-        </p:nvPicPr>
-        <p:blipFill>
-          <a:blip r:embed="rId3">
-            <a:extLst>
-              <a:ext uri="{28A0092B-C50C-407E-A947-70E740481C1C}">
-                <a14:useLocalDpi xmlns:a14="http://schemas.microsoft.com/office/drawing/2010/main" val="0"/>
-              </a:ext>
-            </a:extLst>
-          </a:blip>
-          <a:stretch>
-            <a:fillRect/>
-          </a:stretch>
-        </p:blipFill>
-        <p:spPr>
-          <a:xfrm>
-            <a:off x="4967029" y="1702313"/>
-            <a:ext cx="3705742" cy="4020111"/>
-          </a:xfrm>
-        </p:spPr>
-      </p:pic>
-      <p:sp>
-        <p:nvSpPr>
-          <p:cNvPr id="7" name="標題 1"/>
-          <p:cNvSpPr txBox="1">
-            <a:spLocks/>
-          </p:cNvSpPr>
-          <p:nvPr/>
-        </p:nvSpPr>
-        <p:spPr>
-          <a:xfrm>
-            <a:off x="179512" y="5661248"/>
-            <a:ext cx="8534400" cy="758952"/>
-          </a:xfrm>
-          <a:prstGeom prst="rect">
-            <a:avLst/>
-          </a:prstGeom>
-        </p:spPr>
-        <p:txBody>
-          <a:bodyPr vert="horz" anchor="b">
-            <a:normAutofit/>
-          </a:bodyPr>
-          <a:lstStyle>
-            <a:lvl1pPr algn="ctr" rtl="0" eaLnBrk="1" latinLnBrk="0" hangingPunct="1">
-              <a:spcBef>
-                <a:spcPct val="0"/>
-              </a:spcBef>
-              <a:buNone/>
-              <a:defRPr kumimoji="0" sz="3300" kern="1200">
-                <a:solidFill>
-                  <a:schemeClr val="accent3">
-                    <a:shade val="75000"/>
-                  </a:schemeClr>
-                </a:solidFill>
-                <a:latin typeface="+mj-lt"/>
-                <a:ea typeface="+mj-ea"/>
-                <a:cs typeface="+mj-cs"/>
-              </a:defRPr>
-            </a:lvl1pPr>
-          </a:lstStyle>
-          <a:p>
-            <a:r>
-              <a:rPr lang="zh-TW" altLang="en-US" sz="2400" b="1" dirty="0">
-                <a:solidFill>
-                  <a:schemeClr val="accent6">
-                    <a:lumMod val="75000"/>
-                  </a:schemeClr>
-                </a:solidFill>
-              </a:rPr>
-              <a:t>實績</a:t>
-            </a:r>
-            <a:r>
-              <a:rPr lang="zh-TW" altLang="en-US" sz="2400" b="1" dirty="0" smtClean="0">
-                <a:solidFill>
-                  <a:schemeClr val="accent6">
-                    <a:lumMod val="75000"/>
-                  </a:schemeClr>
-                </a:solidFill>
-              </a:rPr>
-              <a:t>展示</a:t>
-            </a:r>
-            <a:r>
-              <a:rPr lang="en-US" altLang="zh-TW" sz="2400" b="1" dirty="0" smtClean="0">
-                <a:solidFill>
-                  <a:schemeClr val="accent6">
-                    <a:lumMod val="75000"/>
-                  </a:schemeClr>
-                </a:solidFill>
-              </a:rPr>
-              <a:t>(</a:t>
-            </a:r>
-            <a:r>
-              <a:rPr lang="zh-TW" altLang="en-US" sz="2400" b="1" dirty="0" smtClean="0">
-                <a:solidFill>
-                  <a:schemeClr val="accent6">
-                    <a:lumMod val="75000"/>
-                  </a:schemeClr>
-                </a:solidFill>
-              </a:rPr>
-              <a:t>顯示</a:t>
-            </a:r>
-            <a:r>
-              <a:rPr lang="en-US" altLang="zh-TW" sz="2400" b="1" dirty="0" smtClean="0">
-                <a:solidFill>
-                  <a:schemeClr val="accent6">
-                    <a:lumMod val="75000"/>
-                  </a:schemeClr>
-                </a:solidFill>
-              </a:rPr>
-              <a:t>)</a:t>
-            </a:r>
-            <a:r>
-              <a:rPr lang="zh-TW" altLang="en-US" sz="2400" b="1" dirty="0" smtClean="0">
-                <a:solidFill>
-                  <a:schemeClr val="accent6">
-                    <a:lumMod val="75000"/>
-                  </a:schemeClr>
-                </a:solidFill>
-              </a:rPr>
-              <a:t>與廠商招募及加入我們的演算法雷同</a:t>
-            </a:r>
-            <a:endParaRPr lang="zh-TW" altLang="en-US" sz="2400" b="1" dirty="0">
-              <a:solidFill>
-                <a:schemeClr val="accent6">
-                  <a:lumMod val="75000"/>
-                </a:schemeClr>
-              </a:solidFill>
-            </a:endParaRPr>
-          </a:p>
-        </p:txBody>
-      </p:sp>
-      <p:sp>
-        <p:nvSpPr>
-          <p:cNvPr id="11" name="矩形 10"/>
-          <p:cNvSpPr/>
-          <p:nvPr/>
-        </p:nvSpPr>
-        <p:spPr>
-          <a:xfrm>
-            <a:off x="1691680" y="1268760"/>
-            <a:ext cx="1261884" cy="461665"/>
-          </a:xfrm>
-          <a:prstGeom prst="rect">
-            <a:avLst/>
-          </a:prstGeom>
-        </p:spPr>
-        <p:txBody>
-          <a:bodyPr wrap="none">
-            <a:spAutoFit/>
-          </a:bodyPr>
-          <a:lstStyle/>
-          <a:p>
-            <a:r>
-              <a:rPr lang="en-US" altLang="zh-TW" sz="2400" b="1" dirty="0" smtClean="0">
-                <a:solidFill>
-                  <a:schemeClr val="accent2">
-                    <a:lumMod val="75000"/>
-                  </a:schemeClr>
-                </a:solidFill>
-              </a:rPr>
-              <a:t>models</a:t>
-            </a:r>
-            <a:endParaRPr lang="zh-TW" altLang="en-US" sz="2400" b="1" dirty="0">
-              <a:solidFill>
-                <a:schemeClr val="accent2">
-                  <a:lumMod val="75000"/>
-                </a:schemeClr>
-              </a:solidFill>
-            </a:endParaRPr>
-          </a:p>
-        </p:txBody>
-      </p:sp>
-      <p:sp>
-        <p:nvSpPr>
-          <p:cNvPr id="12" name="矩形 11"/>
-          <p:cNvSpPr/>
-          <p:nvPr/>
-        </p:nvSpPr>
-        <p:spPr>
-          <a:xfrm>
-            <a:off x="6084168" y="1268760"/>
-            <a:ext cx="1774845" cy="461665"/>
-          </a:xfrm>
-          <a:prstGeom prst="rect">
-            <a:avLst/>
-          </a:prstGeom>
-        </p:spPr>
-        <p:txBody>
-          <a:bodyPr wrap="none">
-            <a:spAutoFit/>
-          </a:bodyPr>
-          <a:lstStyle/>
-          <a:p>
-            <a:r>
-              <a:rPr lang="en-US" altLang="zh-TW" sz="2400" b="1" dirty="0" smtClean="0">
-                <a:solidFill>
-                  <a:schemeClr val="accent2">
-                    <a:lumMod val="75000"/>
-                  </a:schemeClr>
-                </a:solidFill>
-              </a:rPr>
-              <a:t>controllers</a:t>
-            </a:r>
-            <a:endParaRPr lang="zh-TW" altLang="en-US" sz="2400" b="1" dirty="0">
-              <a:solidFill>
-                <a:schemeClr val="accent2">
-                  <a:lumMod val="75000"/>
-                </a:schemeClr>
-              </a:solidFill>
-            </a:endParaRPr>
-          </a:p>
-        </p:txBody>
-      </p:sp>
-    </p:spTree>
-    <p:extLst>
-      <p:ext uri="{BB962C8B-B14F-4D97-AF65-F5344CB8AC3E}">
-        <p14:creationId xmlns:p14="http://schemas.microsoft.com/office/powerpoint/2010/main" val="1304030550"/>
-      </p:ext>
-    </p:extLst>
-  </p:cSld>
-  <p:clrMapOvr>
-    <a:masterClrMapping/>
-  </p:clrMapOvr>
-  <p:timing>
-    <p:tnLst>
-      <p:par>
-        <p:cTn id="1" dur="indefinite" restart="never" nodeType="tmRoot"/>
-      </p:par>
-    </p:tnLst>
-  </p:timing>
-</p:sld>
-</file>
-
-<file path=ppt/slides/slide13.xml><?xml version="1.0" encoding="utf-8"?>
-<p:sld xmlns:a="http://schemas.openxmlformats.org/drawingml/2006/main" xmlns:r="http://schemas.openxmlformats.org/officeDocument/2006/relationships" xmlns:p="http://schemas.openxmlformats.org/presentationml/2006/main">
-  <p:cSld>
-    <p:spTree>
-      <p:nvGrpSpPr>
-        <p:cNvPr id="1" name=""/>
-        <p:cNvGrpSpPr/>
-        <p:nvPr/>
-      </p:nvGrpSpPr>
-      <p:grpSpPr>
-        <a:xfrm>
-          <a:off x="0" y="0"/>
-          <a:ext cx="0" cy="0"/>
-          <a:chOff x="0" y="0"/>
-          <a:chExt cx="0" cy="0"/>
-        </a:xfrm>
-      </p:grpSpPr>
-      <p:sp>
-        <p:nvSpPr>
-          <p:cNvPr id="2" name="標題 1"/>
-          <p:cNvSpPr>
-            <a:spLocks noGrp="1"/>
-          </p:cNvSpPr>
-          <p:nvPr>
-            <p:ph type="title"/>
-          </p:nvPr>
-        </p:nvSpPr>
-        <p:spPr/>
-        <p:txBody>
-          <a:bodyPr/>
-          <a:lstStyle/>
-          <a:p>
-            <a:r>
-              <a:rPr lang="zh-TW" altLang="en-US" b="1" dirty="0" smtClean="0"/>
-              <a:t>功能</a:t>
-            </a:r>
-            <a:r>
-              <a:rPr lang="zh-TW" altLang="en-US" b="1" dirty="0"/>
-              <a:t>介紹</a:t>
-            </a:r>
-            <a:r>
-              <a:rPr lang="en-US" altLang="zh-TW" b="1" dirty="0" smtClean="0"/>
-              <a:t>–</a:t>
-            </a:r>
-            <a:r>
-              <a:rPr lang="zh-TW" altLang="en-US" b="1" dirty="0" smtClean="0"/>
-              <a:t> </a:t>
-            </a:r>
-            <a:r>
-              <a:rPr lang="zh-TW" altLang="en-US" b="1" dirty="0"/>
-              <a:t>實績</a:t>
-            </a:r>
-            <a:r>
-              <a:rPr lang="zh-TW" altLang="en-US" b="1" dirty="0" smtClean="0"/>
-              <a:t>展示</a:t>
-            </a:r>
-            <a:r>
-              <a:rPr lang="en-US" altLang="zh-TW" b="1" dirty="0" smtClean="0"/>
-              <a:t>(</a:t>
-            </a:r>
-            <a:r>
-              <a:rPr lang="zh-TW" altLang="en-US" b="1" dirty="0" smtClean="0"/>
-              <a:t>新增</a:t>
-            </a:r>
-            <a:r>
-              <a:rPr lang="en-US" altLang="zh-TW" b="1" dirty="0" smtClean="0"/>
-              <a:t>)</a:t>
-            </a:r>
-            <a:endParaRPr lang="zh-TW" altLang="en-US" dirty="0"/>
-          </a:p>
-        </p:txBody>
-      </p:sp>
-      <p:pic>
-        <p:nvPicPr>
-          <p:cNvPr id="6" name="內容版面配置區 5"/>
-          <p:cNvPicPr>
-            <a:picLocks noGrp="1" noChangeAspect="1"/>
-          </p:cNvPicPr>
-          <p:nvPr>
-            <p:ph sz="half" idx="1"/>
-          </p:nvPr>
-        </p:nvPicPr>
-        <p:blipFill>
-          <a:blip r:embed="rId2">
-            <a:extLst>
-              <a:ext uri="{28A0092B-C50C-407E-A947-70E740481C1C}">
-                <a14:useLocalDpi xmlns:a14="http://schemas.microsoft.com/office/drawing/2010/main" val="0"/>
-              </a:ext>
-            </a:extLst>
-          </a:blip>
-          <a:stretch>
-            <a:fillRect/>
-          </a:stretch>
-        </p:blipFill>
-        <p:spPr>
-          <a:xfrm>
-            <a:off x="323528" y="2348880"/>
-            <a:ext cx="4038600" cy="2952328"/>
-          </a:xfrm>
-        </p:spPr>
-      </p:pic>
-      <p:sp>
-        <p:nvSpPr>
-          <p:cNvPr id="10" name="矩形 9"/>
-          <p:cNvSpPr/>
-          <p:nvPr/>
-        </p:nvSpPr>
-        <p:spPr>
-          <a:xfrm>
-            <a:off x="1691680" y="1268760"/>
-            <a:ext cx="1261884" cy="461665"/>
-          </a:xfrm>
-          <a:prstGeom prst="rect">
-            <a:avLst/>
-          </a:prstGeom>
-        </p:spPr>
-        <p:txBody>
-          <a:bodyPr wrap="none">
-            <a:spAutoFit/>
-          </a:bodyPr>
-          <a:lstStyle/>
-          <a:p>
-            <a:r>
-              <a:rPr lang="en-US" altLang="zh-TW" sz="2400" b="1" dirty="0" smtClean="0">
-                <a:solidFill>
-                  <a:schemeClr val="accent2">
-                    <a:lumMod val="75000"/>
-                  </a:schemeClr>
-                </a:solidFill>
-              </a:rPr>
-              <a:t>models</a:t>
-            </a:r>
-            <a:endParaRPr lang="zh-TW" altLang="en-US" sz="2400" b="1" dirty="0">
-              <a:solidFill>
-                <a:schemeClr val="accent2">
-                  <a:lumMod val="75000"/>
-                </a:schemeClr>
-              </a:solidFill>
-            </a:endParaRPr>
-          </a:p>
-        </p:txBody>
-      </p:sp>
-      <p:sp>
-        <p:nvSpPr>
-          <p:cNvPr id="11" name="矩形 10"/>
-          <p:cNvSpPr/>
-          <p:nvPr/>
-        </p:nvSpPr>
-        <p:spPr>
-          <a:xfrm>
-            <a:off x="6084168" y="1268760"/>
-            <a:ext cx="1774845" cy="461665"/>
-          </a:xfrm>
-          <a:prstGeom prst="rect">
-            <a:avLst/>
-          </a:prstGeom>
-        </p:spPr>
-        <p:txBody>
-          <a:bodyPr wrap="none">
-            <a:spAutoFit/>
-          </a:bodyPr>
-          <a:lstStyle/>
-          <a:p>
-            <a:r>
-              <a:rPr lang="en-US" altLang="zh-TW" sz="2400" b="1" dirty="0" smtClean="0">
-                <a:solidFill>
-                  <a:schemeClr val="accent2">
-                    <a:lumMod val="75000"/>
-                  </a:schemeClr>
-                </a:solidFill>
-              </a:rPr>
-              <a:t>controllers</a:t>
-            </a:r>
-            <a:endParaRPr lang="zh-TW" altLang="en-US" sz="2400" b="1" dirty="0">
-              <a:solidFill>
-                <a:schemeClr val="accent2">
-                  <a:lumMod val="75000"/>
-                </a:schemeClr>
-              </a:solidFill>
-            </a:endParaRPr>
-          </a:p>
-        </p:txBody>
-      </p:sp>
-      <p:pic>
-        <p:nvPicPr>
-          <p:cNvPr id="4" name="內容版面配置區 3"/>
-          <p:cNvPicPr>
-            <a:picLocks noGrp="1" noChangeAspect="1"/>
-          </p:cNvPicPr>
-          <p:nvPr>
-            <p:ph sz="half" idx="2"/>
-          </p:nvPr>
-        </p:nvPicPr>
-        <p:blipFill>
-          <a:blip r:embed="rId3">
-            <a:extLst>
-              <a:ext uri="{28A0092B-C50C-407E-A947-70E740481C1C}">
-                <a14:useLocalDpi xmlns:a14="http://schemas.microsoft.com/office/drawing/2010/main" val="0"/>
-              </a:ext>
-            </a:extLst>
-          </a:blip>
-          <a:stretch>
-            <a:fillRect/>
-          </a:stretch>
-        </p:blipFill>
-        <p:spPr>
-          <a:xfrm>
-            <a:off x="4800600" y="1837754"/>
-            <a:ext cx="4038600" cy="3749230"/>
-          </a:xfrm>
-        </p:spPr>
-      </p:pic>
-      <p:pic>
-        <p:nvPicPr>
-          <p:cNvPr id="7" name="圖片 6"/>
-          <p:cNvPicPr>
-            <a:picLocks noChangeAspect="1"/>
-          </p:cNvPicPr>
-          <p:nvPr/>
-        </p:nvPicPr>
-        <p:blipFill>
-          <a:blip r:embed="rId4">
-            <a:extLst>
-              <a:ext uri="{28A0092B-C50C-407E-A947-70E740481C1C}">
-                <a14:useLocalDpi xmlns:a14="http://schemas.microsoft.com/office/drawing/2010/main" val="0"/>
-              </a:ext>
-            </a:extLst>
-          </a:blip>
-          <a:stretch>
-            <a:fillRect/>
-          </a:stretch>
-        </p:blipFill>
-        <p:spPr>
-          <a:xfrm>
-            <a:off x="4644008" y="2420888"/>
-            <a:ext cx="4316804" cy="2732656"/>
-          </a:xfrm>
-          <a:prstGeom prst="rect">
-            <a:avLst/>
-          </a:prstGeom>
-        </p:spPr>
-      </p:pic>
-    </p:spTree>
-    <p:extLst>
-      <p:ext uri="{BB962C8B-B14F-4D97-AF65-F5344CB8AC3E}">
-        <p14:creationId xmlns:p14="http://schemas.microsoft.com/office/powerpoint/2010/main" val="2784232937"/>
-      </p:ext>
-    </p:extLst>
-  </p:cSld>
-  <p:clrMapOvr>
-    <a:masterClrMapping/>
-  </p:clrMapOvr>
-  <p:timing>
-    <p:tnLst>
-      <p:par>
-        <p:cTn id="1" dur="indefinite" restart="never" nodeType="tmRoot">
-          <p:childTnLst>
-            <p:seq concurrent="1" nextAc="seek">
-              <p:cTn id="2" dur="indefinite" nodeType="mainSeq">
-                <p:childTnLst>
-                  <p:par>
-                    <p:cTn id="3" fill="hold">
-                      <p:stCondLst>
-                        <p:cond delay="indefinite"/>
-                      </p:stCondLst>
-                      <p:childTnLst>
-                        <p:par>
-                          <p:cTn id="4" fill="hold">
-                            <p:stCondLst>
-                              <p:cond delay="0"/>
-                            </p:stCondLst>
-                            <p:childTnLst>
-                              <p:par>
-                                <p:cTn id="5" presetID="10" presetClass="exit" presetSubtype="0" fill="hold" nodeType="clickEffect">
-                                  <p:stCondLst>
-                                    <p:cond delay="0"/>
-                                  </p:stCondLst>
-                                  <p:childTnLst>
-                                    <p:animEffect transition="out" filter="fade">
-                                      <p:cBhvr>
-                                        <p:cTn id="6" dur="500"/>
-                                        <p:tgtEl>
-                                          <p:spTgt spid="4"/>
-                                        </p:tgtEl>
-                                      </p:cBhvr>
-                                    </p:animEffect>
-                                    <p:set>
-                                      <p:cBhvr>
-                                        <p:cTn id="7" dur="1" fill="hold">
-                                          <p:stCondLst>
-                                            <p:cond delay="499"/>
-                                          </p:stCondLst>
-                                        </p:cTn>
-                                        <p:tgtEl>
-                                          <p:spTgt spid="4"/>
-                                        </p:tgtEl>
-                                        <p:attrNameLst>
-                                          <p:attrName>style.visibility</p:attrName>
-                                        </p:attrNameLst>
-                                      </p:cBhvr>
-                                      <p:to>
-                                        <p:strVal val="hidden"/>
-                                      </p:to>
-                                    </p:set>
-                                  </p:childTnLst>
-                                </p:cTn>
-                              </p:par>
-                            </p:childTnLst>
-                          </p:cTn>
-                        </p:par>
-                      </p:childTnLst>
-                    </p:cTn>
-                  </p:par>
-                  <p:par>
-                    <p:cTn id="8" fill="hold">
-                      <p:stCondLst>
-                        <p:cond delay="indefinite"/>
-                      </p:stCondLst>
-                      <p:childTnLst>
-                        <p:par>
-                          <p:cTn id="9" fill="hold">
-                            <p:stCondLst>
-                              <p:cond delay="0"/>
-                            </p:stCondLst>
-                            <p:childTnLst>
-                              <p:par>
-                                <p:cTn id="10" presetID="10" presetClass="entr" presetSubtype="0" fill="hold" nodeType="clickEffect">
-                                  <p:stCondLst>
-                                    <p:cond delay="0"/>
-                                  </p:stCondLst>
-                                  <p:childTnLst>
-                                    <p:set>
-                                      <p:cBhvr>
-                                        <p:cTn id="11" dur="1" fill="hold">
-                                          <p:stCondLst>
-                                            <p:cond delay="0"/>
-                                          </p:stCondLst>
-                                        </p:cTn>
-                                        <p:tgtEl>
-                                          <p:spTgt spid="7"/>
-                                        </p:tgtEl>
-                                        <p:attrNameLst>
-                                          <p:attrName>style.visibility</p:attrName>
-                                        </p:attrNameLst>
-                                      </p:cBhvr>
-                                      <p:to>
-                                        <p:strVal val="visible"/>
-                                      </p:to>
-                                    </p:set>
-                                    <p:animEffect transition="in" filter="fade">
-                                      <p:cBhvr>
-                                        <p:cTn id="12" dur="500"/>
-                                        <p:tgtEl>
-                                          <p:spTgt spid="7"/>
-                                        </p:tgtEl>
-                                      </p:cBhvr>
-                                    </p:animEffect>
-                                  </p:childTnLst>
-                                </p:cTn>
-                              </p:par>
-                            </p:childTnLst>
-                          </p:cTn>
-                        </p:par>
-                      </p:childTnLst>
-                    </p:cTn>
-                  </p:par>
-                </p:childTnLst>
-              </p:cTn>
-              <p:prevCondLst>
-                <p:cond evt="onPrev" delay="0">
-                  <p:tgtEl>
-                    <p:sldTgt/>
-                  </p:tgtEl>
-                </p:cond>
-              </p:prevCondLst>
-              <p:nextCondLst>
-                <p:cond evt="onNext" delay="0">
-                  <p:tgtEl>
-                    <p:sldTgt/>
-                  </p:tgtEl>
-                </p:cond>
-              </p:nextCondLst>
-            </p:seq>
-          </p:childTnLst>
-        </p:cTn>
-      </p:par>
-    </p:tnLst>
-  </p:timing>
-</p:sld>
-</file>
-
-<file path=ppt/slides/slide14.xml><?xml version="1.0" encoding="utf-8"?>
-<p:sld xmlns:a="http://schemas.openxmlformats.org/drawingml/2006/main" xmlns:r="http://schemas.openxmlformats.org/officeDocument/2006/relationships" xmlns:p="http://schemas.openxmlformats.org/presentationml/2006/main">
-  <p:cSld>
-    <p:spTree>
-      <p:nvGrpSpPr>
-        <p:cNvPr id="1" name=""/>
-        <p:cNvGrpSpPr/>
-        <p:nvPr/>
-      </p:nvGrpSpPr>
-      <p:grpSpPr>
-        <a:xfrm>
-          <a:off x="0" y="0"/>
-          <a:ext cx="0" cy="0"/>
-          <a:chOff x="0" y="0"/>
-          <a:chExt cx="0" cy="0"/>
-        </a:xfrm>
-      </p:grpSpPr>
-      <p:sp>
-        <p:nvSpPr>
-          <p:cNvPr id="2" name="標題 1"/>
-          <p:cNvSpPr>
-            <a:spLocks noGrp="1"/>
-          </p:cNvSpPr>
-          <p:nvPr>
-            <p:ph type="title"/>
-          </p:nvPr>
-        </p:nvSpPr>
-        <p:spPr/>
-        <p:txBody>
-          <a:bodyPr/>
-          <a:lstStyle/>
-          <a:p>
-            <a:r>
-              <a:rPr lang="zh-TW" altLang="en-US" b="1" dirty="0" smtClean="0"/>
-              <a:t>功能</a:t>
-            </a:r>
-            <a:r>
-              <a:rPr lang="zh-TW" altLang="en-US" b="1" dirty="0"/>
-              <a:t>介紹</a:t>
-            </a:r>
-            <a:r>
-              <a:rPr lang="en-US" altLang="zh-TW" b="1" dirty="0" smtClean="0"/>
-              <a:t>–</a:t>
-            </a:r>
-            <a:r>
-              <a:rPr lang="zh-TW" altLang="en-US" b="1" dirty="0" smtClean="0"/>
-              <a:t> </a:t>
-            </a:r>
-            <a:r>
-              <a:rPr lang="zh-TW" altLang="en-US" b="1" dirty="0"/>
-              <a:t>實績展示</a:t>
-            </a:r>
-            <a:r>
-              <a:rPr lang="en-US" altLang="zh-TW" b="1" dirty="0" smtClean="0"/>
-              <a:t>(</a:t>
-            </a:r>
-            <a:r>
-              <a:rPr lang="zh-TW" altLang="en-US" b="1" dirty="0" smtClean="0"/>
-              <a:t>修改</a:t>
-            </a:r>
-            <a:r>
-              <a:rPr lang="en-US" altLang="zh-TW" b="1" dirty="0" smtClean="0"/>
-              <a:t>)</a:t>
-            </a:r>
-            <a:endParaRPr lang="zh-TW" altLang="en-US" dirty="0"/>
-          </a:p>
-        </p:txBody>
-      </p:sp>
-      <p:pic>
-        <p:nvPicPr>
-          <p:cNvPr id="6" name="內容版面配置區 5"/>
-          <p:cNvPicPr>
-            <a:picLocks noGrp="1" noChangeAspect="1"/>
-          </p:cNvPicPr>
-          <p:nvPr>
-            <p:ph sz="half" idx="1"/>
-          </p:nvPr>
-        </p:nvPicPr>
-        <p:blipFill>
-          <a:blip r:embed="rId2">
-            <a:extLst>
-              <a:ext uri="{28A0092B-C50C-407E-A947-70E740481C1C}">
-                <a14:useLocalDpi xmlns:a14="http://schemas.microsoft.com/office/drawing/2010/main" val="0"/>
-              </a:ext>
-            </a:extLst>
-          </a:blip>
-          <a:stretch>
-            <a:fillRect/>
-          </a:stretch>
-        </p:blipFill>
-        <p:spPr>
-          <a:xfrm>
-            <a:off x="323528" y="2909280"/>
-            <a:ext cx="4038600" cy="951768"/>
-          </a:xfrm>
-        </p:spPr>
-      </p:pic>
-      <p:sp>
-        <p:nvSpPr>
-          <p:cNvPr id="10" name="矩形 9"/>
-          <p:cNvSpPr/>
-          <p:nvPr/>
-        </p:nvSpPr>
-        <p:spPr>
-          <a:xfrm>
-            <a:off x="1691680" y="1268760"/>
-            <a:ext cx="1261884" cy="461665"/>
-          </a:xfrm>
-          <a:prstGeom prst="rect">
-            <a:avLst/>
-          </a:prstGeom>
-        </p:spPr>
-        <p:txBody>
-          <a:bodyPr wrap="none">
-            <a:spAutoFit/>
-          </a:bodyPr>
-          <a:lstStyle/>
-          <a:p>
-            <a:r>
-              <a:rPr lang="en-US" altLang="zh-TW" sz="2400" b="1" dirty="0" smtClean="0">
-                <a:solidFill>
-                  <a:schemeClr val="accent2">
-                    <a:lumMod val="75000"/>
-                  </a:schemeClr>
-                </a:solidFill>
-              </a:rPr>
-              <a:t>models</a:t>
-            </a:r>
-            <a:endParaRPr lang="zh-TW" altLang="en-US" sz="2400" b="1" dirty="0">
-              <a:solidFill>
-                <a:schemeClr val="accent2">
-                  <a:lumMod val="75000"/>
-                </a:schemeClr>
-              </a:solidFill>
-            </a:endParaRPr>
-          </a:p>
-        </p:txBody>
-      </p:sp>
-      <p:sp>
-        <p:nvSpPr>
-          <p:cNvPr id="11" name="矩形 10"/>
-          <p:cNvSpPr/>
-          <p:nvPr/>
-        </p:nvSpPr>
-        <p:spPr>
-          <a:xfrm>
-            <a:off x="6084168" y="1268760"/>
-            <a:ext cx="1774845" cy="461665"/>
-          </a:xfrm>
-          <a:prstGeom prst="rect">
-            <a:avLst/>
-          </a:prstGeom>
-        </p:spPr>
-        <p:txBody>
-          <a:bodyPr wrap="none">
-            <a:spAutoFit/>
-          </a:bodyPr>
-          <a:lstStyle/>
-          <a:p>
-            <a:r>
-              <a:rPr lang="en-US" altLang="zh-TW" sz="2400" b="1" dirty="0" smtClean="0">
-                <a:solidFill>
-                  <a:schemeClr val="accent2">
-                    <a:lumMod val="75000"/>
-                  </a:schemeClr>
-                </a:solidFill>
-              </a:rPr>
-              <a:t>controllers</a:t>
-            </a:r>
-            <a:endParaRPr lang="zh-TW" altLang="en-US" sz="2400" b="1" dirty="0">
-              <a:solidFill>
-                <a:schemeClr val="accent2">
-                  <a:lumMod val="75000"/>
-                </a:schemeClr>
-              </a:solidFill>
-            </a:endParaRPr>
-          </a:p>
-        </p:txBody>
-      </p:sp>
-      <p:pic>
-        <p:nvPicPr>
-          <p:cNvPr id="4" name="內容版面配置區 3"/>
-          <p:cNvPicPr>
-            <a:picLocks noGrp="1" noChangeAspect="1"/>
-          </p:cNvPicPr>
-          <p:nvPr>
-            <p:ph sz="half" idx="2"/>
-          </p:nvPr>
-        </p:nvPicPr>
-        <p:blipFill>
-          <a:blip r:embed="rId3">
-            <a:extLst>
-              <a:ext uri="{28A0092B-C50C-407E-A947-70E740481C1C}">
-                <a14:useLocalDpi xmlns:a14="http://schemas.microsoft.com/office/drawing/2010/main" val="0"/>
-              </a:ext>
-            </a:extLst>
-          </a:blip>
-          <a:stretch>
-            <a:fillRect/>
-          </a:stretch>
-        </p:blipFill>
-        <p:spPr>
-          <a:xfrm>
-            <a:off x="4716016" y="1844824"/>
-            <a:ext cx="4185268" cy="3608630"/>
-          </a:xfrm>
-        </p:spPr>
-      </p:pic>
-      <p:pic>
-        <p:nvPicPr>
-          <p:cNvPr id="7" name="圖片 6"/>
-          <p:cNvPicPr>
-            <a:picLocks noChangeAspect="1"/>
-          </p:cNvPicPr>
-          <p:nvPr/>
-        </p:nvPicPr>
-        <p:blipFill>
-          <a:blip r:embed="rId4">
-            <a:extLst>
-              <a:ext uri="{28A0092B-C50C-407E-A947-70E740481C1C}">
-                <a14:useLocalDpi xmlns:a14="http://schemas.microsoft.com/office/drawing/2010/main" val="0"/>
-              </a:ext>
-            </a:extLst>
-          </a:blip>
-          <a:stretch>
-            <a:fillRect/>
-          </a:stretch>
-        </p:blipFill>
-        <p:spPr>
-          <a:xfrm>
-            <a:off x="4696139" y="3212976"/>
-            <a:ext cx="4176464" cy="914114"/>
-          </a:xfrm>
-          <a:prstGeom prst="rect">
-            <a:avLst/>
-          </a:prstGeom>
-        </p:spPr>
-      </p:pic>
-    </p:spTree>
-    <p:extLst>
-      <p:ext uri="{BB962C8B-B14F-4D97-AF65-F5344CB8AC3E}">
-        <p14:creationId xmlns:p14="http://schemas.microsoft.com/office/powerpoint/2010/main" val="2484551168"/>
-      </p:ext>
-    </p:extLst>
-  </p:cSld>
-  <p:clrMapOvr>
-    <a:masterClrMapping/>
-  </p:clrMapOvr>
-  <p:timing>
-    <p:tnLst>
-      <p:par>
-        <p:cTn id="1" dur="indefinite" restart="never" nodeType="tmRoot">
-          <p:childTnLst>
-            <p:seq concurrent="1" nextAc="seek">
-              <p:cTn id="2" dur="indefinite" nodeType="mainSeq">
-                <p:childTnLst>
-                  <p:par>
-                    <p:cTn id="3" fill="hold">
-                      <p:stCondLst>
-                        <p:cond delay="indefinite"/>
-                      </p:stCondLst>
-                      <p:childTnLst>
-                        <p:par>
-                          <p:cTn id="4" fill="hold">
-                            <p:stCondLst>
-                              <p:cond delay="0"/>
-                            </p:stCondLst>
-                            <p:childTnLst>
-                              <p:par>
-                                <p:cTn id="5" presetID="10" presetClass="entr" presetSubtype="0" fill="hold" nodeType="clickEffect">
-                                  <p:stCondLst>
-                                    <p:cond delay="0"/>
-                                  </p:stCondLst>
-                                  <p:childTnLst>
-                                    <p:set>
-                                      <p:cBhvr>
-                                        <p:cTn id="6" dur="1" fill="hold">
-                                          <p:stCondLst>
-                                            <p:cond delay="0"/>
-                                          </p:stCondLst>
-                                        </p:cTn>
-                                        <p:tgtEl>
-                                          <p:spTgt spid="4"/>
-                                        </p:tgtEl>
-                                        <p:attrNameLst>
-                                          <p:attrName>style.visibility</p:attrName>
-                                        </p:attrNameLst>
-                                      </p:cBhvr>
-                                      <p:to>
-                                        <p:strVal val="visible"/>
-                                      </p:to>
-                                    </p:set>
-                                    <p:animEffect transition="in" filter="fade">
-                                      <p:cBhvr>
-                                        <p:cTn id="7" dur="500"/>
-                                        <p:tgtEl>
-                                          <p:spTgt spid="4"/>
-                                        </p:tgtEl>
-                                      </p:cBhvr>
-                                    </p:animEffect>
-                                  </p:childTnLst>
-                                </p:cTn>
-                              </p:par>
-                            </p:childTnLst>
-                          </p:cTn>
-                        </p:par>
-                      </p:childTnLst>
-                    </p:cTn>
-                  </p:par>
-                  <p:par>
-                    <p:cTn id="8" fill="hold">
-                      <p:stCondLst>
-                        <p:cond delay="indefinite"/>
-                      </p:stCondLst>
-                      <p:childTnLst>
-                        <p:par>
-                          <p:cTn id="9" fill="hold">
-                            <p:stCondLst>
-                              <p:cond delay="0"/>
-                            </p:stCondLst>
-                            <p:childTnLst>
-                              <p:par>
-                                <p:cTn id="10" presetID="10" presetClass="exit" presetSubtype="0" fill="hold" nodeType="clickEffect">
-                                  <p:stCondLst>
-                                    <p:cond delay="0"/>
-                                  </p:stCondLst>
-                                  <p:childTnLst>
-                                    <p:animEffect transition="out" filter="fade">
-                                      <p:cBhvr>
-                                        <p:cTn id="11" dur="500"/>
-                                        <p:tgtEl>
-                                          <p:spTgt spid="4"/>
-                                        </p:tgtEl>
-                                      </p:cBhvr>
-                                    </p:animEffect>
-                                    <p:set>
-                                      <p:cBhvr>
-                                        <p:cTn id="12" dur="1" fill="hold">
-                                          <p:stCondLst>
-                                            <p:cond delay="499"/>
-                                          </p:stCondLst>
-                                        </p:cTn>
-                                        <p:tgtEl>
-                                          <p:spTgt spid="4"/>
-                                        </p:tgtEl>
-                                        <p:attrNameLst>
-                                          <p:attrName>style.visibility</p:attrName>
-                                        </p:attrNameLst>
-                                      </p:cBhvr>
-                                      <p:to>
-                                        <p:strVal val="hidden"/>
-                                      </p:to>
-                                    </p:set>
-                                  </p:childTnLst>
-                                </p:cTn>
-                              </p:par>
-                            </p:childTnLst>
-                          </p:cTn>
-                        </p:par>
-                      </p:childTnLst>
-                    </p:cTn>
-                  </p:par>
-                  <p:par>
-                    <p:cTn id="13" fill="hold">
-                      <p:stCondLst>
-                        <p:cond delay="indefinite"/>
-                      </p:stCondLst>
-                      <p:childTnLst>
-                        <p:par>
-                          <p:cTn id="14" fill="hold">
-                            <p:stCondLst>
-                              <p:cond delay="0"/>
-                            </p:stCondLst>
-                            <p:childTnLst>
-                              <p:par>
-                                <p:cTn id="15" presetID="10" presetClass="entr" presetSubtype="0" fill="hold" nodeType="clickEffect">
-                                  <p:stCondLst>
-                                    <p:cond delay="0"/>
-                                  </p:stCondLst>
-                                  <p:childTnLst>
-                                    <p:set>
-                                      <p:cBhvr>
-                                        <p:cTn id="16" dur="1" fill="hold">
-                                          <p:stCondLst>
-                                            <p:cond delay="0"/>
-                                          </p:stCondLst>
-                                        </p:cTn>
-                                        <p:tgtEl>
-                                          <p:spTgt spid="7"/>
-                                        </p:tgtEl>
-                                        <p:attrNameLst>
-                                          <p:attrName>style.visibility</p:attrName>
-                                        </p:attrNameLst>
-                                      </p:cBhvr>
-                                      <p:to>
-                                        <p:strVal val="visible"/>
-                                      </p:to>
-                                    </p:set>
-                                    <p:animEffect transition="in" filter="fade">
-                                      <p:cBhvr>
-                                        <p:cTn id="17" dur="500"/>
-                                        <p:tgtEl>
-                                          <p:spTgt spid="7"/>
-                                        </p:tgtEl>
-                                      </p:cBhvr>
-                                    </p:animEffect>
-                                  </p:childTnLst>
-                                </p:cTn>
-                              </p:par>
-                            </p:childTnLst>
-                          </p:cTn>
-                        </p:par>
-                      </p:childTnLst>
-                    </p:cTn>
-                  </p:par>
-                </p:childTnLst>
-              </p:cTn>
-              <p:prevCondLst>
-                <p:cond evt="onPrev" delay="0">
-                  <p:tgtEl>
-                    <p:sldTgt/>
-                  </p:tgtEl>
-                </p:cond>
-              </p:prevCondLst>
-              <p:nextCondLst>
-                <p:cond evt="onNext" delay="0">
-                  <p:tgtEl>
-                    <p:sldTgt/>
-                  </p:tgtEl>
-                </p:cond>
-              </p:nextCondLst>
-            </p:seq>
-          </p:childTnLst>
-        </p:cTn>
-      </p:par>
-    </p:tnLst>
-  </p:timing>
-</p:sld>
-</file>
-
-<file path=ppt/slides/slide15.xml><?xml version="1.0" encoding="utf-8"?>
-<p:sld xmlns:a="http://schemas.openxmlformats.org/drawingml/2006/main" xmlns:r="http://schemas.openxmlformats.org/officeDocument/2006/relationships" xmlns:p="http://schemas.openxmlformats.org/presentationml/2006/main">
-  <p:cSld>
-    <p:spTree>
-      <p:nvGrpSpPr>
-        <p:cNvPr id="1" name=""/>
-        <p:cNvGrpSpPr/>
-        <p:nvPr/>
-      </p:nvGrpSpPr>
-      <p:grpSpPr>
-        <a:xfrm>
-          <a:off x="0" y="0"/>
-          <a:ext cx="0" cy="0"/>
-          <a:chOff x="0" y="0"/>
-          <a:chExt cx="0" cy="0"/>
-        </a:xfrm>
-      </p:grpSpPr>
-      <p:sp>
-        <p:nvSpPr>
-          <p:cNvPr id="2" name="標題 1"/>
-          <p:cNvSpPr>
-            <a:spLocks noGrp="1"/>
-          </p:cNvSpPr>
-          <p:nvPr>
-            <p:ph type="title"/>
-          </p:nvPr>
-        </p:nvSpPr>
-        <p:spPr/>
-        <p:txBody>
-          <a:bodyPr/>
-          <a:lstStyle/>
-          <a:p>
-            <a:r>
-              <a:rPr lang="zh-TW" altLang="en-US" b="1" dirty="0" smtClean="0"/>
-              <a:t>功能介紹 </a:t>
-            </a:r>
-            <a:r>
-              <a:rPr lang="en-US" altLang="zh-TW" b="1" dirty="0"/>
-              <a:t>–</a:t>
-            </a:r>
-            <a:r>
-              <a:rPr lang="zh-TW" altLang="en-US" b="1" dirty="0"/>
-              <a:t> 實績展示</a:t>
-            </a:r>
-            <a:r>
-              <a:rPr lang="en-US" altLang="zh-TW" b="1" dirty="0" smtClean="0"/>
-              <a:t>(</a:t>
-            </a:r>
-            <a:r>
-              <a:rPr lang="zh-TW" altLang="en-US" b="1" dirty="0"/>
-              <a:t>刪除</a:t>
-            </a:r>
-            <a:r>
-              <a:rPr lang="en-US" altLang="zh-TW" b="1" dirty="0" smtClean="0"/>
-              <a:t>)</a:t>
-            </a:r>
-            <a:endParaRPr lang="zh-TW" altLang="en-US" dirty="0"/>
-          </a:p>
-        </p:txBody>
-      </p:sp>
-      <p:pic>
-        <p:nvPicPr>
-          <p:cNvPr id="6" name="內容版面配置區 5"/>
-          <p:cNvPicPr>
-            <a:picLocks noGrp="1" noChangeAspect="1"/>
-          </p:cNvPicPr>
-          <p:nvPr>
-            <p:ph sz="half" idx="1"/>
-          </p:nvPr>
-        </p:nvPicPr>
-        <p:blipFill>
-          <a:blip r:embed="rId2">
-            <a:extLst>
-              <a:ext uri="{28A0092B-C50C-407E-A947-70E740481C1C}">
-                <a14:useLocalDpi xmlns:a14="http://schemas.microsoft.com/office/drawing/2010/main" val="0"/>
-              </a:ext>
-            </a:extLst>
-          </a:blip>
-          <a:stretch>
-            <a:fillRect/>
-          </a:stretch>
-        </p:blipFill>
-        <p:spPr>
-          <a:xfrm>
-            <a:off x="323528" y="2996952"/>
-            <a:ext cx="4038600" cy="792088"/>
-          </a:xfrm>
-        </p:spPr>
-      </p:pic>
-      <p:pic>
-        <p:nvPicPr>
-          <p:cNvPr id="5" name="內容版面配置區 4"/>
-          <p:cNvPicPr>
-            <a:picLocks noGrp="1" noChangeAspect="1"/>
-          </p:cNvPicPr>
-          <p:nvPr>
-            <p:ph sz="half" idx="2"/>
-          </p:nvPr>
-        </p:nvPicPr>
-        <p:blipFill>
-          <a:blip r:embed="rId3">
-            <a:extLst>
-              <a:ext uri="{28A0092B-C50C-407E-A947-70E740481C1C}">
-                <a14:useLocalDpi xmlns:a14="http://schemas.microsoft.com/office/drawing/2010/main" val="0"/>
-              </a:ext>
-            </a:extLst>
-          </a:blip>
-          <a:stretch>
-            <a:fillRect/>
-          </a:stretch>
-        </p:blipFill>
-        <p:spPr>
-          <a:xfrm>
-            <a:off x="4860032" y="2996952"/>
-            <a:ext cx="3752853" cy="1272707"/>
-          </a:xfrm>
-        </p:spPr>
-      </p:pic>
-      <p:sp>
-        <p:nvSpPr>
-          <p:cNvPr id="9" name="矩形 8"/>
-          <p:cNvSpPr/>
-          <p:nvPr/>
-        </p:nvSpPr>
-        <p:spPr>
-          <a:xfrm>
-            <a:off x="1691680" y="1268760"/>
-            <a:ext cx="1261884" cy="461665"/>
-          </a:xfrm>
-          <a:prstGeom prst="rect">
-            <a:avLst/>
-          </a:prstGeom>
-        </p:spPr>
-        <p:txBody>
-          <a:bodyPr wrap="none">
-            <a:spAutoFit/>
-          </a:bodyPr>
-          <a:lstStyle/>
-          <a:p>
-            <a:r>
-              <a:rPr lang="en-US" altLang="zh-TW" sz="2400" b="1" dirty="0" smtClean="0">
-                <a:solidFill>
-                  <a:schemeClr val="accent2">
-                    <a:lumMod val="75000"/>
-                  </a:schemeClr>
-                </a:solidFill>
-              </a:rPr>
-              <a:t>models</a:t>
-            </a:r>
-            <a:endParaRPr lang="zh-TW" altLang="en-US" b="1" dirty="0">
-              <a:solidFill>
-                <a:schemeClr val="accent2">
-                  <a:lumMod val="75000"/>
-                </a:schemeClr>
-              </a:solidFill>
-            </a:endParaRPr>
-          </a:p>
-        </p:txBody>
-      </p:sp>
-      <p:sp>
-        <p:nvSpPr>
-          <p:cNvPr id="10" name="矩形 9"/>
-          <p:cNvSpPr/>
-          <p:nvPr/>
-        </p:nvSpPr>
-        <p:spPr>
-          <a:xfrm>
-            <a:off x="6084168" y="1268760"/>
-            <a:ext cx="1774845" cy="461665"/>
-          </a:xfrm>
-          <a:prstGeom prst="rect">
-            <a:avLst/>
-          </a:prstGeom>
-        </p:spPr>
-        <p:txBody>
-          <a:bodyPr wrap="none">
-            <a:spAutoFit/>
-          </a:bodyPr>
-          <a:lstStyle/>
-          <a:p>
-            <a:r>
-              <a:rPr lang="en-US" altLang="zh-TW" sz="2400" b="1" dirty="0" smtClean="0">
-                <a:solidFill>
-                  <a:schemeClr val="accent2">
-                    <a:lumMod val="75000"/>
-                  </a:schemeClr>
-                </a:solidFill>
-              </a:rPr>
-              <a:t>controllers</a:t>
-            </a:r>
-            <a:endParaRPr lang="zh-TW" altLang="en-US" b="1" dirty="0">
-              <a:solidFill>
-                <a:schemeClr val="accent2">
-                  <a:lumMod val="75000"/>
-                </a:schemeClr>
-              </a:solidFill>
-            </a:endParaRPr>
-          </a:p>
-        </p:txBody>
-      </p:sp>
-      <p:sp>
-        <p:nvSpPr>
-          <p:cNvPr id="7" name="標題 1"/>
-          <p:cNvSpPr txBox="1">
-            <a:spLocks/>
-          </p:cNvSpPr>
-          <p:nvPr/>
-        </p:nvSpPr>
-        <p:spPr>
-          <a:xfrm>
-            <a:off x="179512" y="5661248"/>
-            <a:ext cx="8534400" cy="758952"/>
-          </a:xfrm>
-          <a:prstGeom prst="rect">
-            <a:avLst/>
-          </a:prstGeom>
-        </p:spPr>
-        <p:txBody>
-          <a:bodyPr vert="horz" anchor="b">
-            <a:normAutofit/>
-          </a:bodyPr>
-          <a:lstStyle>
-            <a:lvl1pPr algn="ctr" rtl="0" eaLnBrk="1" latinLnBrk="0" hangingPunct="1">
-              <a:spcBef>
-                <a:spcPct val="0"/>
-              </a:spcBef>
-              <a:buNone/>
-              <a:defRPr kumimoji="0" sz="3300" kern="1200">
-                <a:solidFill>
-                  <a:schemeClr val="accent3">
-                    <a:shade val="75000"/>
-                  </a:schemeClr>
-                </a:solidFill>
-                <a:latin typeface="+mj-lt"/>
-                <a:ea typeface="+mj-ea"/>
-                <a:cs typeface="+mj-cs"/>
-              </a:defRPr>
-            </a:lvl1pPr>
-          </a:lstStyle>
-          <a:p>
-            <a:r>
-              <a:rPr lang="zh-TW" altLang="en-US" sz="2400" b="1" dirty="0" smtClean="0">
-                <a:solidFill>
-                  <a:schemeClr val="accent6">
-                    <a:lumMod val="75000"/>
-                  </a:schemeClr>
-                </a:solidFill>
-              </a:rPr>
-              <a:t>廠商招募與加入我們的方法</a:t>
-            </a:r>
-            <a:r>
-              <a:rPr lang="zh-TW" altLang="en-US" sz="2400" b="1" dirty="0">
-                <a:solidFill>
-                  <a:schemeClr val="accent6">
-                    <a:lumMod val="75000"/>
-                  </a:schemeClr>
-                </a:solidFill>
-              </a:rPr>
-              <a:t>相</a:t>
-            </a:r>
-            <a:r>
-              <a:rPr lang="zh-TW" altLang="en-US" sz="2400" b="1" dirty="0" smtClean="0">
-                <a:solidFill>
-                  <a:schemeClr val="accent6">
-                    <a:lumMod val="75000"/>
-                  </a:schemeClr>
-                </a:solidFill>
-              </a:rPr>
-              <a:t>同</a:t>
-            </a:r>
-            <a:endParaRPr lang="zh-TW" altLang="en-US" sz="2400" b="1" dirty="0">
-              <a:solidFill>
-                <a:schemeClr val="accent6">
-                  <a:lumMod val="75000"/>
-                </a:schemeClr>
-              </a:solidFill>
-            </a:endParaRPr>
-          </a:p>
-        </p:txBody>
-      </p:sp>
-    </p:spTree>
-    <p:extLst>
-      <p:ext uri="{BB962C8B-B14F-4D97-AF65-F5344CB8AC3E}">
-        <p14:creationId xmlns:p14="http://schemas.microsoft.com/office/powerpoint/2010/main" val="1809708346"/>
-      </p:ext>
-    </p:extLst>
-  </p:cSld>
-  <p:clrMapOvr>
-    <a:masterClrMapping/>
-  </p:clrMapOvr>
-  <p:timing>
-    <p:tnLst>
-      <p:par>
-        <p:cTn id="1" dur="indefinite" restart="never" nodeType="tmRoot"/>
-      </p:par>
-    </p:tnLst>
-  </p:timing>
-</p:sld>
-</file>
-
-<file path=ppt/slides/slide16.xml><?xml version="1.0" encoding="utf-8"?>
-<p:sld xmlns:a="http://schemas.openxmlformats.org/drawingml/2006/main" xmlns:r="http://schemas.openxmlformats.org/officeDocument/2006/relationships" xmlns:p="http://schemas.openxmlformats.org/presentationml/2006/main">
-  <p:cSld>
-    <p:spTree>
-      <p:nvGrpSpPr>
-        <p:cNvPr id="1" name=""/>
-        <p:cNvGrpSpPr/>
-        <p:nvPr/>
-      </p:nvGrpSpPr>
-      <p:grpSpPr>
-        <a:xfrm>
-          <a:off x="0" y="0"/>
-          <a:ext cx="0" cy="0"/>
-          <a:chOff x="0" y="0"/>
-          <a:chExt cx="0" cy="0"/>
-        </a:xfrm>
-      </p:grpSpPr>
-      <p:sp>
-        <p:nvSpPr>
-          <p:cNvPr id="2" name="標題 1"/>
-          <p:cNvSpPr>
-            <a:spLocks noGrp="1"/>
-          </p:cNvSpPr>
-          <p:nvPr>
-            <p:ph type="title"/>
-          </p:nvPr>
-        </p:nvSpPr>
-        <p:spPr/>
-        <p:txBody>
-          <a:bodyPr/>
-          <a:lstStyle/>
-          <a:p>
-            <a:r>
-              <a:rPr lang="zh-TW" altLang="en-US" b="1" dirty="0"/>
-              <a:t>功能介紹 </a:t>
-            </a:r>
-            <a:r>
-              <a:rPr lang="en-US" altLang="zh-TW" b="1" dirty="0"/>
-              <a:t>–</a:t>
-            </a:r>
-            <a:r>
-              <a:rPr lang="zh-TW" altLang="en-US" b="1" dirty="0"/>
-              <a:t> 實績</a:t>
-            </a:r>
-            <a:r>
-              <a:rPr lang="zh-TW" altLang="en-US" b="1" dirty="0" smtClean="0"/>
-              <a:t>展示</a:t>
-            </a:r>
-            <a:r>
-              <a:rPr lang="en-US" altLang="zh-TW" b="1" dirty="0" smtClean="0"/>
-              <a:t>(</a:t>
-            </a:r>
-            <a:r>
-              <a:rPr lang="zh-TW" altLang="en-US" b="1" dirty="0" smtClean="0"/>
-              <a:t>裁切圖片</a:t>
-            </a:r>
-            <a:r>
-              <a:rPr lang="en-US" altLang="zh-TW" b="1" dirty="0" smtClean="0"/>
-              <a:t>)</a:t>
-            </a:r>
-            <a:endParaRPr lang="zh-TW" altLang="en-US" b="1" dirty="0"/>
-          </a:p>
-        </p:txBody>
-      </p:sp>
-      <p:pic>
-        <p:nvPicPr>
-          <p:cNvPr id="5" name="內容版面配置區 4"/>
-          <p:cNvPicPr>
-            <a:picLocks noGrp="1" noChangeAspect="1"/>
-          </p:cNvPicPr>
-          <p:nvPr>
-            <p:ph sz="quarter" idx="1"/>
-          </p:nvPr>
-        </p:nvPicPr>
-        <p:blipFill>
-          <a:blip r:embed="rId2">
-            <a:extLst>
-              <a:ext uri="{28A0092B-C50C-407E-A947-70E740481C1C}">
-                <a14:useLocalDpi xmlns:a14="http://schemas.microsoft.com/office/drawing/2010/main" val="0"/>
-              </a:ext>
-            </a:extLst>
-          </a:blip>
-          <a:stretch>
-            <a:fillRect/>
-          </a:stretch>
-        </p:blipFill>
-        <p:spPr>
-          <a:xfrm>
-            <a:off x="611560" y="2420888"/>
-            <a:ext cx="7868749" cy="2457793"/>
-          </a:xfrm>
-        </p:spPr>
-      </p:pic>
-      <p:sp>
-        <p:nvSpPr>
-          <p:cNvPr id="6" name="矩形 5"/>
-          <p:cNvSpPr/>
-          <p:nvPr/>
-        </p:nvSpPr>
-        <p:spPr>
-          <a:xfrm>
-            <a:off x="3923928" y="1453426"/>
-            <a:ext cx="1774845" cy="461665"/>
-          </a:xfrm>
-          <a:prstGeom prst="rect">
-            <a:avLst/>
-          </a:prstGeom>
-        </p:spPr>
-        <p:txBody>
-          <a:bodyPr wrap="none">
-            <a:spAutoFit/>
-          </a:bodyPr>
-          <a:lstStyle/>
-          <a:p>
-            <a:r>
-              <a:rPr lang="en-US" altLang="zh-TW" sz="2400" b="1" dirty="0" smtClean="0">
-                <a:solidFill>
-                  <a:schemeClr val="accent2">
-                    <a:lumMod val="75000"/>
-                  </a:schemeClr>
-                </a:solidFill>
-              </a:rPr>
-              <a:t>controllers</a:t>
-            </a:r>
-            <a:endParaRPr lang="zh-TW" altLang="en-US" b="1" dirty="0">
-              <a:solidFill>
-                <a:schemeClr val="accent2">
-                  <a:lumMod val="75000"/>
-                </a:schemeClr>
-              </a:solidFill>
-            </a:endParaRPr>
-          </a:p>
-        </p:txBody>
-      </p:sp>
-    </p:spTree>
-    <p:extLst>
-      <p:ext uri="{BB962C8B-B14F-4D97-AF65-F5344CB8AC3E}">
-        <p14:creationId xmlns:p14="http://schemas.microsoft.com/office/powerpoint/2010/main" val="1486489825"/>
-      </p:ext>
-    </p:extLst>
-  </p:cSld>
-  <p:clrMapOvr>
-    <a:masterClrMapping/>
-  </p:clrMapOvr>
-  <p:timing>
-    <p:tnLst>
-      <p:par>
-        <p:cTn id="1" dur="indefinite" restart="never" nodeType="tmRoot"/>
-      </p:par>
-    </p:tnLst>
-  </p:timing>
-</p:sld>
-</file>
-
-<file path=ppt/slides/slide17.xml><?xml version="1.0" encoding="utf-8"?>
-<p:sld xmlns:a="http://schemas.openxmlformats.org/drawingml/2006/main" xmlns:r="http://schemas.openxmlformats.org/officeDocument/2006/relationships" xmlns:p="http://schemas.openxmlformats.org/presentationml/2006/main">
-  <p:cSld>
-    <p:spTree>
-      <p:nvGrpSpPr>
-        <p:cNvPr id="1" name=""/>
-        <p:cNvGrpSpPr/>
-        <p:nvPr/>
-      </p:nvGrpSpPr>
-      <p:grpSpPr>
-        <a:xfrm>
-          <a:off x="0" y="0"/>
-          <a:ext cx="0" cy="0"/>
-          <a:chOff x="0" y="0"/>
-          <a:chExt cx="0" cy="0"/>
-        </a:xfrm>
-      </p:grpSpPr>
-      <p:sp>
-        <p:nvSpPr>
-          <p:cNvPr id="2" name="標題 1"/>
-          <p:cNvSpPr>
-            <a:spLocks noGrp="1"/>
-          </p:cNvSpPr>
-          <p:nvPr>
-            <p:ph type="title"/>
-          </p:nvPr>
-        </p:nvSpPr>
-        <p:spPr/>
-        <p:txBody>
-          <a:bodyPr/>
-          <a:lstStyle/>
-          <a:p>
-            <a:r>
-              <a:rPr lang="zh-TW" altLang="en-US" b="1" dirty="0" smtClean="0"/>
-              <a:t>功能介紹 </a:t>
-            </a:r>
-            <a:r>
-              <a:rPr lang="en-US" altLang="zh-TW" b="1" dirty="0" smtClean="0"/>
-              <a:t>–</a:t>
-            </a:r>
-            <a:r>
-              <a:rPr lang="zh-TW" altLang="en-US" b="1" dirty="0" smtClean="0"/>
-              <a:t> 廠商招募</a:t>
-            </a:r>
-            <a:r>
-              <a:rPr lang="en-US" altLang="zh-TW" b="1" dirty="0" smtClean="0"/>
-              <a:t>(</a:t>
-            </a:r>
-            <a:r>
-              <a:rPr lang="zh-TW" altLang="en-US" b="1" dirty="0" smtClean="0"/>
-              <a:t>新增</a:t>
-            </a:r>
-            <a:r>
-              <a:rPr lang="en-US" altLang="zh-TW" b="1" dirty="0" smtClean="0"/>
-              <a:t>)</a:t>
-            </a:r>
-            <a:endParaRPr lang="zh-TW" altLang="en-US" b="1" dirty="0"/>
-          </a:p>
-        </p:txBody>
-      </p:sp>
-      <p:sp>
-        <p:nvSpPr>
-          <p:cNvPr id="9" name="內容版面配置區 4"/>
-          <p:cNvSpPr txBox="1">
-            <a:spLocks/>
-          </p:cNvSpPr>
-          <p:nvPr/>
-        </p:nvSpPr>
-        <p:spPr>
-          <a:xfrm>
-            <a:off x="317376" y="1371600"/>
-            <a:ext cx="4038600" cy="4681728"/>
-          </a:xfrm>
-          <a:prstGeom prst="rect">
-            <a:avLst/>
-          </a:prstGeom>
-        </p:spPr>
-        <p:txBody>
-          <a:bodyPr vert="horz">
-            <a:normAutofit/>
-          </a:bodyPr>
-          <a:lstStyle>
-            <a:lvl1pPr marL="274320" indent="-274320" algn="l" rtl="0" eaLnBrk="1" latinLnBrk="0" hangingPunct="1">
-              <a:spcBef>
-                <a:spcPct val="20000"/>
-              </a:spcBef>
-              <a:buClr>
-                <a:schemeClr val="accent1"/>
-              </a:buClr>
-              <a:buSzPct val="85000"/>
-              <a:buFont typeface="Wingdings 2"/>
-              <a:buChar char=""/>
-              <a:defRPr kumimoji="0" sz="2500" kern="1200">
-                <a:solidFill>
-                  <a:schemeClr val="tx1"/>
-                </a:solidFill>
-                <a:latin typeface="+mn-lt"/>
-                <a:ea typeface="+mn-ea"/>
-                <a:cs typeface="+mn-cs"/>
-              </a:defRPr>
-            </a:lvl1pPr>
-            <a:lvl2pPr marL="548640" indent="-274320" algn="l" rtl="0" eaLnBrk="1" latinLnBrk="0" hangingPunct="1">
-              <a:spcBef>
-                <a:spcPct val="20000"/>
-              </a:spcBef>
-              <a:buClr>
-                <a:schemeClr val="accent2"/>
-              </a:buClr>
-              <a:buSzPct val="70000"/>
-              <a:buFont typeface="Wingdings"/>
-              <a:buChar char=""/>
-              <a:defRPr kumimoji="0" sz="2200" kern="1200">
-                <a:solidFill>
-                  <a:schemeClr val="tx2"/>
-                </a:solidFill>
-                <a:latin typeface="+mn-lt"/>
-                <a:ea typeface="+mn-ea"/>
-                <a:cs typeface="+mn-cs"/>
-              </a:defRPr>
-            </a:lvl2pPr>
-            <a:lvl3pPr marL="822960" indent="-228600" algn="l" rtl="0" eaLnBrk="1" latinLnBrk="0" hangingPunct="1">
-              <a:spcBef>
-                <a:spcPct val="20000"/>
-              </a:spcBef>
-              <a:buClr>
-                <a:schemeClr val="accent3"/>
-              </a:buClr>
-              <a:buSzPct val="75000"/>
-              <a:buFont typeface="Wingdings 2"/>
-              <a:buChar char=""/>
-              <a:defRPr kumimoji="0" sz="2000" kern="1200">
-                <a:solidFill>
-                  <a:schemeClr val="tx1"/>
-                </a:solidFill>
-                <a:latin typeface="+mn-lt"/>
-                <a:ea typeface="+mn-ea"/>
-                <a:cs typeface="+mn-cs"/>
-              </a:defRPr>
-            </a:lvl3pPr>
-            <a:lvl4pPr marL="1097280" indent="-228600" algn="l" rtl="0" eaLnBrk="1" latinLnBrk="0" hangingPunct="1">
-              <a:spcBef>
-                <a:spcPct val="20000"/>
-              </a:spcBef>
-              <a:buClr>
-                <a:schemeClr val="accent4"/>
-              </a:buClr>
-              <a:buSzPct val="70000"/>
-              <a:buFont typeface="Wingdings"/>
-              <a:buChar char=""/>
-              <a:defRPr kumimoji="0" sz="2000" kern="1200">
-                <a:solidFill>
-                  <a:schemeClr val="tx2"/>
-                </a:solidFill>
-                <a:latin typeface="+mn-lt"/>
-                <a:ea typeface="+mn-ea"/>
-                <a:cs typeface="+mn-cs"/>
-              </a:defRPr>
-            </a:lvl4pPr>
-            <a:lvl5pPr marL="1371600" indent="-228600" algn="l" rtl="0" eaLnBrk="1" latinLnBrk="0" hangingPunct="1">
-              <a:spcBef>
-                <a:spcPct val="20000"/>
-              </a:spcBef>
-              <a:buClr>
-                <a:schemeClr val="accent5"/>
-              </a:buClr>
-              <a:buFontTx/>
-              <a:buChar char="•"/>
-              <a:defRPr kumimoji="0" sz="1800" kern="1200">
-                <a:solidFill>
-                  <a:schemeClr val="tx1"/>
-                </a:solidFill>
-                <a:latin typeface="+mn-lt"/>
-                <a:ea typeface="+mn-ea"/>
-                <a:cs typeface="+mn-cs"/>
-              </a:defRPr>
-            </a:lvl5pPr>
-            <a:lvl6pPr marL="1645920" indent="-182880" algn="l" rtl="0" eaLnBrk="1" latinLnBrk="0" hangingPunct="1">
-              <a:spcBef>
-                <a:spcPct val="20000"/>
-              </a:spcBef>
-              <a:buClr>
-                <a:schemeClr val="accent6"/>
-              </a:buClr>
-              <a:buSzPct val="80000"/>
-              <a:buFont typeface="Wingdings 2"/>
-              <a:buChar char=""/>
-              <a:defRPr kumimoji="0" sz="1800" kern="1200">
-                <a:solidFill>
-                  <a:schemeClr val="tx1"/>
-                </a:solidFill>
-                <a:latin typeface="+mn-lt"/>
-                <a:ea typeface="+mn-ea"/>
-                <a:cs typeface="+mn-cs"/>
-              </a:defRPr>
-            </a:lvl6pPr>
-            <a:lvl7pPr marL="1920240" indent="-182880" algn="l" rtl="0" eaLnBrk="1" latinLnBrk="0" hangingPunct="1">
-              <a:spcBef>
-                <a:spcPct val="20000"/>
-              </a:spcBef>
-              <a:buClr>
-                <a:schemeClr val="accent1">
-                  <a:shade val="75000"/>
-                </a:schemeClr>
-              </a:buClr>
-              <a:buSzPct val="90000"/>
-              <a:buChar char="•"/>
-              <a:defRPr kumimoji="0" sz="1600" kern="1200" baseline="0">
-                <a:solidFill>
-                  <a:schemeClr val="tx1"/>
-                </a:solidFill>
-                <a:latin typeface="+mn-lt"/>
-                <a:ea typeface="+mn-ea"/>
-                <a:cs typeface="+mn-cs"/>
-              </a:defRPr>
-            </a:lvl7pPr>
-            <a:lvl8pPr marL="2103120" indent="-182880" algn="l" rtl="0" eaLnBrk="1" latinLnBrk="0" hangingPunct="1">
-              <a:spcBef>
-                <a:spcPct val="20000"/>
-              </a:spcBef>
-              <a:buClr>
-                <a:schemeClr val="accent4">
-                  <a:shade val="75000"/>
-                </a:schemeClr>
-              </a:buClr>
-              <a:buChar char="•"/>
-              <a:defRPr kumimoji="0" sz="1600" kern="1200">
-                <a:solidFill>
-                  <a:schemeClr val="tx1"/>
-                </a:solidFill>
-                <a:latin typeface="+mn-lt"/>
-                <a:ea typeface="+mn-ea"/>
-                <a:cs typeface="+mn-cs"/>
-              </a:defRPr>
-            </a:lvl8pPr>
-            <a:lvl9pPr marL="2377440" indent="-182880" algn="l" rtl="0" eaLnBrk="1" latinLnBrk="0" hangingPunct="1">
-              <a:spcBef>
-                <a:spcPct val="20000"/>
-              </a:spcBef>
-              <a:buClr>
-                <a:schemeClr val="accent2">
-                  <a:shade val="75000"/>
-                </a:schemeClr>
-              </a:buClr>
-              <a:buSzPct val="90000"/>
-              <a:buChar char="•"/>
-              <a:defRPr kumimoji="0" sz="1400" kern="1200" cap="all" baseline="0">
-                <a:solidFill>
-                  <a:schemeClr val="tx1"/>
-                </a:solidFill>
-                <a:latin typeface="+mn-lt"/>
-                <a:ea typeface="+mn-ea"/>
-                <a:cs typeface="+mn-cs"/>
-              </a:defRPr>
-            </a:lvl9pPr>
-          </a:lstStyle>
-          <a:p>
-            <a:endParaRPr lang="zh-TW" altLang="en-US" dirty="0"/>
-          </a:p>
-        </p:txBody>
-      </p:sp>
-      <p:pic>
-        <p:nvPicPr>
-          <p:cNvPr id="10" name="圖片 9"/>
-          <p:cNvPicPr>
-            <a:picLocks noChangeAspect="1"/>
-          </p:cNvPicPr>
-          <p:nvPr/>
-        </p:nvPicPr>
-        <p:blipFill>
-          <a:blip r:embed="rId2">
-            <a:extLst>
-              <a:ext uri="{28A0092B-C50C-407E-A947-70E740481C1C}">
-                <a14:useLocalDpi xmlns:a14="http://schemas.microsoft.com/office/drawing/2010/main" val="0"/>
-              </a:ext>
-            </a:extLst>
-          </a:blip>
-          <a:stretch>
-            <a:fillRect/>
-          </a:stretch>
-        </p:blipFill>
-        <p:spPr>
-          <a:xfrm>
-            <a:off x="179512" y="1700808"/>
-            <a:ext cx="4320480" cy="3917848"/>
-          </a:xfrm>
-          <a:prstGeom prst="rect">
-            <a:avLst/>
-          </a:prstGeom>
-        </p:spPr>
-      </p:pic>
-      <p:sp>
-        <p:nvSpPr>
-          <p:cNvPr id="11" name="標題 1"/>
-          <p:cNvSpPr txBox="1">
-            <a:spLocks/>
-          </p:cNvSpPr>
-          <p:nvPr/>
-        </p:nvSpPr>
-        <p:spPr>
-          <a:xfrm>
-            <a:off x="179512" y="5661248"/>
-            <a:ext cx="8534400" cy="758952"/>
-          </a:xfrm>
-          <a:prstGeom prst="rect">
-            <a:avLst/>
-          </a:prstGeom>
-        </p:spPr>
-        <p:txBody>
-          <a:bodyPr vert="horz" anchor="b">
-            <a:normAutofit/>
-          </a:bodyPr>
-          <a:lstStyle>
-            <a:lvl1pPr algn="ctr" rtl="0" eaLnBrk="1" latinLnBrk="0" hangingPunct="1">
-              <a:spcBef>
-                <a:spcPct val="0"/>
-              </a:spcBef>
-              <a:buNone/>
-              <a:defRPr kumimoji="0" sz="3300" kern="1200">
-                <a:solidFill>
-                  <a:schemeClr val="accent3">
-                    <a:shade val="75000"/>
-                  </a:schemeClr>
-                </a:solidFill>
-                <a:latin typeface="+mj-lt"/>
-                <a:ea typeface="+mj-ea"/>
-                <a:cs typeface="+mj-cs"/>
-              </a:defRPr>
-            </a:lvl1pPr>
-          </a:lstStyle>
-          <a:p>
-            <a:r>
-              <a:rPr lang="zh-TW" altLang="en-US" sz="2400" b="1" dirty="0" smtClean="0">
-                <a:solidFill>
-                  <a:schemeClr val="accent6">
-                    <a:lumMod val="75000"/>
-                  </a:schemeClr>
-                </a:solidFill>
-              </a:rPr>
-              <a:t>廠商招募與加入我們的演算法雷同</a:t>
-            </a:r>
-            <a:endParaRPr lang="zh-TW" altLang="en-US" sz="2400" b="1" dirty="0">
-              <a:solidFill>
-                <a:schemeClr val="accent6">
-                  <a:lumMod val="75000"/>
-                </a:schemeClr>
-              </a:solidFill>
-            </a:endParaRPr>
-          </a:p>
-        </p:txBody>
-      </p:sp>
-      <p:sp>
-        <p:nvSpPr>
-          <p:cNvPr id="14" name="矩形 13"/>
-          <p:cNvSpPr/>
-          <p:nvPr/>
-        </p:nvSpPr>
-        <p:spPr>
-          <a:xfrm>
-            <a:off x="1691680" y="1268760"/>
-            <a:ext cx="1261884" cy="461665"/>
-          </a:xfrm>
-          <a:prstGeom prst="rect">
-            <a:avLst/>
-          </a:prstGeom>
-        </p:spPr>
-        <p:txBody>
-          <a:bodyPr wrap="none">
-            <a:spAutoFit/>
-          </a:bodyPr>
-          <a:lstStyle/>
-          <a:p>
-            <a:r>
-              <a:rPr lang="en-US" altLang="zh-TW" sz="2400" b="1" dirty="0" smtClean="0">
-                <a:solidFill>
-                  <a:schemeClr val="accent2">
-                    <a:lumMod val="75000"/>
-                  </a:schemeClr>
-                </a:solidFill>
-              </a:rPr>
-              <a:t>models</a:t>
-            </a:r>
-            <a:endParaRPr lang="zh-TW" altLang="en-US" b="1" dirty="0">
-              <a:solidFill>
-                <a:schemeClr val="accent2">
-                  <a:lumMod val="75000"/>
-                </a:schemeClr>
-              </a:solidFill>
-            </a:endParaRPr>
-          </a:p>
-        </p:txBody>
-      </p:sp>
-      <p:sp>
-        <p:nvSpPr>
-          <p:cNvPr id="15" name="矩形 14"/>
-          <p:cNvSpPr/>
-          <p:nvPr/>
-        </p:nvSpPr>
-        <p:spPr>
-          <a:xfrm>
-            <a:off x="6084168" y="1268760"/>
-            <a:ext cx="1774845" cy="461665"/>
-          </a:xfrm>
-          <a:prstGeom prst="rect">
-            <a:avLst/>
-          </a:prstGeom>
-        </p:spPr>
-        <p:txBody>
-          <a:bodyPr wrap="none">
-            <a:spAutoFit/>
-          </a:bodyPr>
-          <a:lstStyle/>
-          <a:p>
-            <a:r>
-              <a:rPr lang="en-US" altLang="zh-TW" sz="2400" b="1" dirty="0" smtClean="0">
-                <a:solidFill>
-                  <a:schemeClr val="accent2">
-                    <a:lumMod val="75000"/>
-                  </a:schemeClr>
-                </a:solidFill>
-              </a:rPr>
-              <a:t>controllers</a:t>
-            </a:r>
-            <a:endParaRPr lang="zh-TW" altLang="en-US" b="1" dirty="0">
-              <a:solidFill>
-                <a:schemeClr val="accent2">
-                  <a:lumMod val="75000"/>
-                </a:schemeClr>
-              </a:solidFill>
-            </a:endParaRPr>
-          </a:p>
-        </p:txBody>
-      </p:sp>
-      <p:pic>
-        <p:nvPicPr>
-          <p:cNvPr id="5" name="內容版面配置區 4"/>
-          <p:cNvPicPr>
-            <a:picLocks noGrp="1" noChangeAspect="1"/>
-          </p:cNvPicPr>
-          <p:nvPr>
-            <p:ph sz="half" idx="2"/>
-          </p:nvPr>
-        </p:nvPicPr>
-        <p:blipFill>
-          <a:blip r:embed="rId3">
-            <a:extLst>
-              <a:ext uri="{28A0092B-C50C-407E-A947-70E740481C1C}">
-                <a14:useLocalDpi xmlns:a14="http://schemas.microsoft.com/office/drawing/2010/main" val="0"/>
-              </a:ext>
-            </a:extLst>
-          </a:blip>
-          <a:stretch>
-            <a:fillRect/>
-          </a:stretch>
-        </p:blipFill>
-        <p:spPr>
-          <a:xfrm>
-            <a:off x="4800600" y="2214280"/>
-            <a:ext cx="4038600" cy="2996178"/>
-          </a:xfrm>
-        </p:spPr>
-      </p:pic>
-      <p:pic>
-        <p:nvPicPr>
-          <p:cNvPr id="6" name="圖片 5"/>
-          <p:cNvPicPr>
-            <a:picLocks noChangeAspect="1"/>
-          </p:cNvPicPr>
-          <p:nvPr/>
-        </p:nvPicPr>
-        <p:blipFill>
-          <a:blip r:embed="rId4">
-            <a:extLst>
-              <a:ext uri="{28A0092B-C50C-407E-A947-70E740481C1C}">
-                <a14:useLocalDpi xmlns:a14="http://schemas.microsoft.com/office/drawing/2010/main" val="0"/>
-              </a:ext>
-            </a:extLst>
-          </a:blip>
-          <a:stretch>
-            <a:fillRect/>
-          </a:stretch>
-        </p:blipFill>
-        <p:spPr>
-          <a:xfrm>
-            <a:off x="5292080" y="1730425"/>
-            <a:ext cx="3133687" cy="4101648"/>
-          </a:xfrm>
-          <a:prstGeom prst="rect">
-            <a:avLst/>
-          </a:prstGeom>
-        </p:spPr>
-      </p:pic>
-      <p:pic>
-        <p:nvPicPr>
-          <p:cNvPr id="12" name="圖片 11"/>
-          <p:cNvPicPr>
-            <a:picLocks noChangeAspect="1"/>
-          </p:cNvPicPr>
-          <p:nvPr/>
-        </p:nvPicPr>
-        <p:blipFill>
-          <a:blip r:embed="rId5">
-            <a:extLst>
-              <a:ext uri="{28A0092B-C50C-407E-A947-70E740481C1C}">
-                <a14:useLocalDpi xmlns:a14="http://schemas.microsoft.com/office/drawing/2010/main" val="0"/>
-              </a:ext>
-            </a:extLst>
-          </a:blip>
-          <a:stretch>
-            <a:fillRect/>
-          </a:stretch>
-        </p:blipFill>
-        <p:spPr>
-          <a:xfrm>
-            <a:off x="4644008" y="3781249"/>
-            <a:ext cx="4240619" cy="583639"/>
-          </a:xfrm>
-          <a:prstGeom prst="rect">
-            <a:avLst/>
-          </a:prstGeom>
-        </p:spPr>
-      </p:pic>
-    </p:spTree>
-    <p:extLst>
-      <p:ext uri="{BB962C8B-B14F-4D97-AF65-F5344CB8AC3E}">
-        <p14:creationId xmlns:p14="http://schemas.microsoft.com/office/powerpoint/2010/main" val="4247937202"/>
-      </p:ext>
-    </p:extLst>
-  </p:cSld>
-  <p:clrMapOvr>
-    <a:masterClrMapping/>
-  </p:clrMapOvr>
-  <p:timing>
-    <p:tnLst>
-      <p:par>
-        <p:cTn id="1" dur="indefinite" restart="never" nodeType="tmRoot">
-          <p:childTnLst>
-            <p:seq concurrent="1" nextAc="seek">
-              <p:cTn id="2" dur="indefinite" nodeType="mainSeq">
-                <p:childTnLst>
-                  <p:par>
-                    <p:cTn id="3" fill="hold">
-                      <p:stCondLst>
-                        <p:cond delay="indefinite"/>
-                      </p:stCondLst>
-                      <p:childTnLst>
-                        <p:par>
-                          <p:cTn id="4" fill="hold">
-                            <p:stCondLst>
-                              <p:cond delay="0"/>
-                            </p:stCondLst>
-                            <p:childTnLst>
-                              <p:par>
-                                <p:cTn id="5" presetID="10" presetClass="entr" presetSubtype="0" fill="hold" nodeType="clickEffect">
-                                  <p:stCondLst>
-                                    <p:cond delay="0"/>
-                                  </p:stCondLst>
-                                  <p:childTnLst>
-                                    <p:set>
-                                      <p:cBhvr>
-                                        <p:cTn id="6" dur="1" fill="hold">
-                                          <p:stCondLst>
-                                            <p:cond delay="0"/>
-                                          </p:stCondLst>
-                                        </p:cTn>
-                                        <p:tgtEl>
-                                          <p:spTgt spid="5"/>
-                                        </p:tgtEl>
-                                        <p:attrNameLst>
-                                          <p:attrName>style.visibility</p:attrName>
-                                        </p:attrNameLst>
-                                      </p:cBhvr>
-                                      <p:to>
-                                        <p:strVal val="visible"/>
-                                      </p:to>
-                                    </p:set>
-                                    <p:animEffect transition="in" filter="fade">
-                                      <p:cBhvr>
-                                        <p:cTn id="7" dur="500"/>
-                                        <p:tgtEl>
-                                          <p:spTgt spid="5"/>
-                                        </p:tgtEl>
-                                      </p:cBhvr>
-                                    </p:animEffect>
-                                  </p:childTnLst>
-                                </p:cTn>
-                              </p:par>
-                            </p:childTnLst>
-                          </p:cTn>
-                        </p:par>
-                      </p:childTnLst>
-                    </p:cTn>
-                  </p:par>
-                  <p:par>
-                    <p:cTn id="8" fill="hold">
-                      <p:stCondLst>
-                        <p:cond delay="indefinite"/>
-                      </p:stCondLst>
-                      <p:childTnLst>
-                        <p:par>
-                          <p:cTn id="9" fill="hold">
-                            <p:stCondLst>
-                              <p:cond delay="0"/>
-                            </p:stCondLst>
-                            <p:childTnLst>
-                              <p:par>
-                                <p:cTn id="10" presetID="10" presetClass="exit" presetSubtype="0" fill="hold" nodeType="clickEffect">
-                                  <p:stCondLst>
-                                    <p:cond delay="0"/>
-                                  </p:stCondLst>
-                                  <p:childTnLst>
-                                    <p:animEffect transition="out" filter="fade">
-                                      <p:cBhvr>
-                                        <p:cTn id="11" dur="500"/>
-                                        <p:tgtEl>
-                                          <p:spTgt spid="5"/>
-                                        </p:tgtEl>
-                                      </p:cBhvr>
-                                    </p:animEffect>
-                                    <p:set>
-                                      <p:cBhvr>
-                                        <p:cTn id="12" dur="1" fill="hold">
-                                          <p:stCondLst>
-                                            <p:cond delay="499"/>
-                                          </p:stCondLst>
-                                        </p:cTn>
-                                        <p:tgtEl>
-                                          <p:spTgt spid="5"/>
-                                        </p:tgtEl>
-                                        <p:attrNameLst>
-                                          <p:attrName>style.visibility</p:attrName>
-                                        </p:attrNameLst>
-                                      </p:cBhvr>
-                                      <p:to>
-                                        <p:strVal val="hidden"/>
-                                      </p:to>
-                                    </p:set>
-                                  </p:childTnLst>
-                                </p:cTn>
-                              </p:par>
-                            </p:childTnLst>
-                          </p:cTn>
-                        </p:par>
-                      </p:childTnLst>
-                    </p:cTn>
-                  </p:par>
-                  <p:par>
-                    <p:cTn id="13" fill="hold">
-                      <p:stCondLst>
-                        <p:cond delay="indefinite"/>
-                      </p:stCondLst>
-                      <p:childTnLst>
-                        <p:par>
-                          <p:cTn id="14" fill="hold">
-                            <p:stCondLst>
-                              <p:cond delay="0"/>
-                            </p:stCondLst>
-                            <p:childTnLst>
-                              <p:par>
-                                <p:cTn id="15" presetID="10" presetClass="entr" presetSubtype="0" fill="hold" nodeType="clickEffect">
-                                  <p:stCondLst>
-                                    <p:cond delay="0"/>
-                                  </p:stCondLst>
-                                  <p:childTnLst>
-                                    <p:set>
-                                      <p:cBhvr>
-                                        <p:cTn id="16" dur="1" fill="hold">
-                                          <p:stCondLst>
-                                            <p:cond delay="0"/>
-                                          </p:stCondLst>
-                                        </p:cTn>
-                                        <p:tgtEl>
-                                          <p:spTgt spid="6"/>
-                                        </p:tgtEl>
-                                        <p:attrNameLst>
-                                          <p:attrName>style.visibility</p:attrName>
-                                        </p:attrNameLst>
-                                      </p:cBhvr>
-                                      <p:to>
-                                        <p:strVal val="visible"/>
-                                      </p:to>
-                                    </p:set>
-                                    <p:animEffect transition="in" filter="fade">
-                                      <p:cBhvr>
-                                        <p:cTn id="17" dur="500"/>
-                                        <p:tgtEl>
-                                          <p:spTgt spid="6"/>
-                                        </p:tgtEl>
-                                      </p:cBhvr>
-                                    </p:animEffect>
-                                  </p:childTnLst>
-                                </p:cTn>
-                              </p:par>
-                            </p:childTnLst>
-                          </p:cTn>
-                        </p:par>
-                      </p:childTnLst>
-                    </p:cTn>
-                  </p:par>
-                  <p:par>
-                    <p:cTn id="18" fill="hold">
-                      <p:stCondLst>
-                        <p:cond delay="indefinite"/>
-                      </p:stCondLst>
-                      <p:childTnLst>
-                        <p:par>
-                          <p:cTn id="19" fill="hold">
-                            <p:stCondLst>
-                              <p:cond delay="0"/>
-                            </p:stCondLst>
-                            <p:childTnLst>
-                              <p:par>
-                                <p:cTn id="20" presetID="10" presetClass="exit" presetSubtype="0" fill="hold" nodeType="clickEffect">
-                                  <p:stCondLst>
-                                    <p:cond delay="0"/>
-                                  </p:stCondLst>
-                                  <p:childTnLst>
-                                    <p:animEffect transition="out" filter="fade">
-                                      <p:cBhvr>
-                                        <p:cTn id="21" dur="500"/>
-                                        <p:tgtEl>
-                                          <p:spTgt spid="6"/>
-                                        </p:tgtEl>
-                                      </p:cBhvr>
-                                    </p:animEffect>
-                                    <p:set>
-                                      <p:cBhvr>
-                                        <p:cTn id="22" dur="1" fill="hold">
-                                          <p:stCondLst>
-                                            <p:cond delay="499"/>
-                                          </p:stCondLst>
-                                        </p:cTn>
-                                        <p:tgtEl>
-                                          <p:spTgt spid="6"/>
-                                        </p:tgtEl>
-                                        <p:attrNameLst>
-                                          <p:attrName>style.visibility</p:attrName>
-                                        </p:attrNameLst>
-                                      </p:cBhvr>
-                                      <p:to>
-                                        <p:strVal val="hidden"/>
-                                      </p:to>
-                                    </p:set>
-                                  </p:childTnLst>
-                                </p:cTn>
-                              </p:par>
-                            </p:childTnLst>
-                          </p:cTn>
-                        </p:par>
-                      </p:childTnLst>
-                    </p:cTn>
-                  </p:par>
-                  <p:par>
-                    <p:cTn id="23" fill="hold">
-                      <p:stCondLst>
-                        <p:cond delay="indefinite"/>
-                      </p:stCondLst>
-                      <p:childTnLst>
-                        <p:par>
-                          <p:cTn id="24" fill="hold">
-                            <p:stCondLst>
-                              <p:cond delay="0"/>
-                            </p:stCondLst>
-                            <p:childTnLst>
-                              <p:par>
-                                <p:cTn id="25" presetID="10" presetClass="entr" presetSubtype="0" fill="hold" nodeType="clickEffect">
-                                  <p:stCondLst>
-                                    <p:cond delay="0"/>
-                                  </p:stCondLst>
-                                  <p:childTnLst>
-                                    <p:set>
-                                      <p:cBhvr>
-                                        <p:cTn id="26" dur="1" fill="hold">
-                                          <p:stCondLst>
-                                            <p:cond delay="0"/>
-                                          </p:stCondLst>
-                                        </p:cTn>
-                                        <p:tgtEl>
-                                          <p:spTgt spid="12"/>
-                                        </p:tgtEl>
-                                        <p:attrNameLst>
-                                          <p:attrName>style.visibility</p:attrName>
-                                        </p:attrNameLst>
-                                      </p:cBhvr>
-                                      <p:to>
-                                        <p:strVal val="visible"/>
-                                      </p:to>
-                                    </p:set>
-                                    <p:animEffect transition="in" filter="fade">
-                                      <p:cBhvr>
-                                        <p:cTn id="27" dur="500"/>
-                                        <p:tgtEl>
-                                          <p:spTgt spid="12"/>
-                                        </p:tgtEl>
-                                      </p:cBhvr>
-                                    </p:animEffect>
-                                  </p:childTnLst>
-                                </p:cTn>
-                              </p:par>
-                            </p:childTnLst>
-                          </p:cTn>
-                        </p:par>
-                      </p:childTnLst>
-                    </p:cTn>
-                  </p:par>
-                </p:childTnLst>
-              </p:cTn>
-              <p:prevCondLst>
-                <p:cond evt="onPrev" delay="0">
-                  <p:tgtEl>
-                    <p:sldTgt/>
-                  </p:tgtEl>
-                </p:cond>
-              </p:prevCondLst>
-              <p:nextCondLst>
-                <p:cond evt="onNext" delay="0">
-                  <p:tgtEl>
-                    <p:sldTgt/>
-                  </p:tgtEl>
-                </p:cond>
-              </p:nextCondLst>
-            </p:seq>
-          </p:childTnLst>
-        </p:cTn>
-      </p:par>
-    </p:tnLst>
-  </p:timing>
-</p:sld>
-</file>
-
-<file path=ppt/slides/slide18.xml><?xml version="1.0" encoding="utf-8"?>
-<p:sld xmlns:a="http://schemas.openxmlformats.org/drawingml/2006/main" xmlns:r="http://schemas.openxmlformats.org/officeDocument/2006/relationships" xmlns:p="http://schemas.openxmlformats.org/presentationml/2006/main">
-  <p:cSld>
-    <p:spTree>
-      <p:nvGrpSpPr>
-        <p:cNvPr id="1" name=""/>
-        <p:cNvGrpSpPr/>
-        <p:nvPr/>
-      </p:nvGrpSpPr>
-      <p:grpSpPr>
-        <a:xfrm>
-          <a:off x="0" y="0"/>
-          <a:ext cx="0" cy="0"/>
-          <a:chOff x="0" y="0"/>
-          <a:chExt cx="0" cy="0"/>
-        </a:xfrm>
-      </p:grpSpPr>
-      <p:sp>
-        <p:nvSpPr>
-          <p:cNvPr id="6" name="副標題 5"/>
-          <p:cNvSpPr>
-            <a:spLocks noGrp="1"/>
-          </p:cNvSpPr>
-          <p:nvPr>
-            <p:ph type="subTitle" idx="1"/>
-          </p:nvPr>
-        </p:nvSpPr>
-        <p:spPr/>
-        <p:txBody>
-          <a:bodyPr>
-            <a:normAutofit/>
-          </a:bodyPr>
-          <a:lstStyle/>
-          <a:p>
-            <a:r>
-              <a:rPr lang="zh-TW" altLang="en-US" sz="2800" dirty="0" smtClean="0">
-                <a:hlinkClick r:id="rId2"/>
-              </a:rPr>
-              <a:t>沅淯駿營造有限公司</a:t>
-            </a:r>
-            <a:endParaRPr lang="zh-TW" altLang="en-US" sz="2800" dirty="0"/>
-          </a:p>
-        </p:txBody>
-      </p:sp>
-      <p:sp>
-        <p:nvSpPr>
-          <p:cNvPr id="5" name="標題 4"/>
-          <p:cNvSpPr>
-            <a:spLocks noGrp="1"/>
-          </p:cNvSpPr>
-          <p:nvPr>
-            <p:ph type="ctrTitle"/>
-          </p:nvPr>
-        </p:nvSpPr>
-        <p:spPr/>
-        <p:txBody>
-          <a:bodyPr/>
-          <a:lstStyle/>
-          <a:p>
-            <a:r>
-              <a:rPr lang="en-US" altLang="zh-TW" dirty="0" smtClean="0"/>
-              <a:t>DEMO</a:t>
-            </a:r>
-            <a:endParaRPr lang="zh-TW" altLang="en-US" dirty="0"/>
-          </a:p>
-        </p:txBody>
-      </p:sp>
-    </p:spTree>
-    <p:extLst>
-      <p:ext uri="{BB962C8B-B14F-4D97-AF65-F5344CB8AC3E}">
-        <p14:creationId xmlns:p14="http://schemas.microsoft.com/office/powerpoint/2010/main" val="3333159354"/>
-      </p:ext>
-    </p:extLst>
-  </p:cSld>
-  <p:clrMapOvr>
-    <a:masterClrMapping/>
-  </p:clrMapOvr>
-  <p:timing>
-    <p:tnLst>
-      <p:par>
-        <p:cTn id="1" dur="indefinite" restart="never" nodeType="tmRoot"/>
-      </p:par>
-    </p:tnLst>
-  </p:timing>
-</p:sld>
-</file>
-
 <file path=ppt/slides/slide2.xml><?xml version="1.0" encoding="utf-8"?>
 <p:sld xmlns:a="http://schemas.openxmlformats.org/drawingml/2006/main" xmlns:r="http://schemas.openxmlformats.org/officeDocument/2006/relationships" xmlns:p="http://schemas.openxmlformats.org/presentationml/2006/main">
   <p:cSld>
@@ -10238,243 +7218,58 @@
       </p:grpSpPr>
       <p:sp>
         <p:nvSpPr>
-          <p:cNvPr id="2" name="標題 1"/>
-          <p:cNvSpPr>
-            <a:spLocks noGrp="1"/>
-          </p:cNvSpPr>
-          <p:nvPr>
-            <p:ph type="title"/>
+          <p:cNvPr id="6" name="副標題 5"/>
+          <p:cNvSpPr>
+            <a:spLocks noGrp="1"/>
+          </p:cNvSpPr>
+          <p:nvPr>
+            <p:ph type="subTitle" idx="1"/>
           </p:nvPr>
         </p:nvSpPr>
         <p:spPr/>
         <p:txBody>
+          <a:bodyPr>
+            <a:normAutofit/>
+          </a:bodyPr>
+          <a:lstStyle/>
+          <a:p>
+            <a:r>
+              <a:rPr lang="zh-TW" altLang="en-US" sz="2800" dirty="0" smtClean="0">
+                <a:hlinkClick r:id="rId2"/>
+              </a:rPr>
+              <a:t>沅淯駿營造有限公司</a:t>
+            </a:r>
+            <a:endParaRPr lang="zh-TW" altLang="en-US" sz="2800" dirty="0"/>
+          </a:p>
+        </p:txBody>
+      </p:sp>
+      <p:sp>
+        <p:nvSpPr>
+          <p:cNvPr id="5" name="標題 4"/>
+          <p:cNvSpPr>
+            <a:spLocks noGrp="1"/>
+          </p:cNvSpPr>
+          <p:nvPr>
+            <p:ph type="ctrTitle"/>
+          </p:nvPr>
+        </p:nvSpPr>
+        <p:spPr/>
+        <p:txBody>
           <a:bodyPr/>
           <a:lstStyle/>
           <a:p>
             <a:r>
-              <a:rPr lang="zh-TW" altLang="en-US" b="1" dirty="0"/>
-              <a:t>功能介紹</a:t>
-            </a:r>
-            <a:r>
-              <a:rPr lang="zh-TW" altLang="en-US" b="1" dirty="0" smtClean="0"/>
-              <a:t> </a:t>
-            </a:r>
-            <a:r>
-              <a:rPr lang="en-US" altLang="zh-TW" b="1" dirty="0" smtClean="0"/>
-              <a:t>–</a:t>
-            </a:r>
-            <a:r>
-              <a:rPr lang="zh-TW" altLang="en-US" b="1" dirty="0" smtClean="0"/>
-              <a:t> 登入及登出帳號</a:t>
-            </a:r>
-            <a:endParaRPr lang="zh-TW" altLang="en-US" b="1" dirty="0"/>
-          </a:p>
-        </p:txBody>
-      </p:sp>
-      <p:pic>
-        <p:nvPicPr>
-          <p:cNvPr id="12" name="圖片 11"/>
-          <p:cNvPicPr>
-            <a:picLocks noChangeAspect="1"/>
-          </p:cNvPicPr>
-          <p:nvPr/>
-        </p:nvPicPr>
-        <p:blipFill>
-          <a:blip r:embed="rId2">
-            <a:extLst>
-              <a:ext uri="{28A0092B-C50C-407E-A947-70E740481C1C}">
-                <a14:useLocalDpi xmlns:a14="http://schemas.microsoft.com/office/drawing/2010/main" val="0"/>
-              </a:ext>
-            </a:extLst>
-          </a:blip>
-          <a:stretch>
-            <a:fillRect/>
-          </a:stretch>
-        </p:blipFill>
-        <p:spPr>
-          <a:xfrm>
-            <a:off x="4637517" y="3284984"/>
-            <a:ext cx="4320480" cy="823462"/>
-          </a:xfrm>
-          <a:prstGeom prst="rect">
-            <a:avLst/>
-          </a:prstGeom>
-        </p:spPr>
-      </p:pic>
-      <p:pic>
-        <p:nvPicPr>
-          <p:cNvPr id="13" name="圖片 12"/>
-          <p:cNvPicPr>
-            <a:picLocks noChangeAspect="1"/>
-          </p:cNvPicPr>
-          <p:nvPr/>
-        </p:nvPicPr>
-        <p:blipFill>
-          <a:blip r:embed="rId3">
-            <a:extLst>
-              <a:ext uri="{28A0092B-C50C-407E-A947-70E740481C1C}">
-                <a14:useLocalDpi xmlns:a14="http://schemas.microsoft.com/office/drawing/2010/main" val="0"/>
-              </a:ext>
-            </a:extLst>
-          </a:blip>
-          <a:stretch>
-            <a:fillRect/>
-          </a:stretch>
-        </p:blipFill>
-        <p:spPr>
-          <a:xfrm>
-            <a:off x="5292080" y="3370314"/>
-            <a:ext cx="2648320" cy="720080"/>
-          </a:xfrm>
-          <a:prstGeom prst="rect">
-            <a:avLst/>
-          </a:prstGeom>
-        </p:spPr>
-      </p:pic>
-      <p:sp>
-        <p:nvSpPr>
-          <p:cNvPr id="8" name="矩形 7"/>
-          <p:cNvSpPr/>
-          <p:nvPr/>
-        </p:nvSpPr>
-        <p:spPr>
-          <a:xfrm>
-            <a:off x="1691680" y="1268760"/>
-            <a:ext cx="1261884" cy="461665"/>
-          </a:xfrm>
-          <a:prstGeom prst="rect">
-            <a:avLst/>
-          </a:prstGeom>
-        </p:spPr>
-        <p:txBody>
-          <a:bodyPr wrap="none">
-            <a:spAutoFit/>
-          </a:bodyPr>
-          <a:lstStyle/>
-          <a:p>
-            <a:r>
-              <a:rPr lang="en-US" altLang="zh-TW" sz="2400" b="1" dirty="0" smtClean="0">
-                <a:solidFill>
-                  <a:schemeClr val="accent2">
-                    <a:lumMod val="75000"/>
-                  </a:schemeClr>
-                </a:solidFill>
-              </a:rPr>
-              <a:t>models</a:t>
-            </a:r>
-            <a:endParaRPr lang="zh-TW" altLang="en-US" sz="2400" b="1" dirty="0">
-              <a:solidFill>
-                <a:schemeClr val="accent2">
-                  <a:lumMod val="75000"/>
-                </a:schemeClr>
-              </a:solidFill>
-            </a:endParaRPr>
-          </a:p>
-        </p:txBody>
-      </p:sp>
-      <p:sp>
-        <p:nvSpPr>
-          <p:cNvPr id="9" name="矩形 8"/>
-          <p:cNvSpPr/>
-          <p:nvPr/>
-        </p:nvSpPr>
-        <p:spPr>
-          <a:xfrm>
-            <a:off x="6084168" y="1268760"/>
-            <a:ext cx="1774845" cy="461665"/>
-          </a:xfrm>
-          <a:prstGeom prst="rect">
-            <a:avLst/>
-          </a:prstGeom>
-        </p:spPr>
-        <p:txBody>
-          <a:bodyPr wrap="none">
-            <a:spAutoFit/>
-          </a:bodyPr>
-          <a:lstStyle/>
-          <a:p>
-            <a:r>
-              <a:rPr lang="en-US" altLang="zh-TW" sz="2400" b="1" dirty="0" smtClean="0">
-                <a:solidFill>
-                  <a:schemeClr val="accent2">
-                    <a:lumMod val="75000"/>
-                  </a:schemeClr>
-                </a:solidFill>
-              </a:rPr>
-              <a:t>controllers</a:t>
-            </a:r>
-            <a:endParaRPr lang="zh-TW" altLang="en-US" sz="2400" b="1" dirty="0">
-              <a:solidFill>
-                <a:schemeClr val="accent2">
-                  <a:lumMod val="75000"/>
-                </a:schemeClr>
-              </a:solidFill>
-            </a:endParaRPr>
-          </a:p>
-        </p:txBody>
-      </p:sp>
-      <p:pic>
-        <p:nvPicPr>
-          <p:cNvPr id="4" name="內容版面配置區 3"/>
-          <p:cNvPicPr>
-            <a:picLocks noGrp="1" noChangeAspect="1"/>
-          </p:cNvPicPr>
-          <p:nvPr>
-            <p:ph sz="half" idx="1"/>
-          </p:nvPr>
-        </p:nvPicPr>
-        <p:blipFill>
-          <a:blip r:embed="rId4">
-            <a:extLst>
-              <a:ext uri="{28A0092B-C50C-407E-A947-70E740481C1C}">
-                <a14:useLocalDpi xmlns:a14="http://schemas.microsoft.com/office/drawing/2010/main" val="0"/>
-              </a:ext>
-            </a:extLst>
-          </a:blip>
-          <a:stretch>
-            <a:fillRect/>
-          </a:stretch>
-        </p:blipFill>
-        <p:spPr>
-          <a:xfrm>
-            <a:off x="301625" y="2067785"/>
-            <a:ext cx="4038600" cy="3289168"/>
-          </a:xfrm>
-        </p:spPr>
-      </p:pic>
-      <p:pic>
-        <p:nvPicPr>
-          <p:cNvPr id="5" name="內容版面配置區 4"/>
-          <p:cNvPicPr>
-            <a:picLocks noGrp="1" noChangeAspect="1"/>
-          </p:cNvPicPr>
-          <p:nvPr>
-            <p:ph sz="half" idx="2"/>
-          </p:nvPr>
-        </p:nvPicPr>
-        <p:blipFill>
-          <a:blip r:embed="rId5">
-            <a:extLst>
-              <a:ext uri="{28A0092B-C50C-407E-A947-70E740481C1C}">
-                <a14:useLocalDpi xmlns:a14="http://schemas.microsoft.com/office/drawing/2010/main" val="0"/>
-              </a:ext>
-            </a:extLst>
-          </a:blip>
-          <a:stretch>
-            <a:fillRect/>
-          </a:stretch>
-        </p:blipFill>
-        <p:spPr>
-          <a:xfrm>
-            <a:off x="4789005" y="1704330"/>
-            <a:ext cx="4038600" cy="3596878"/>
-          </a:xfrm>
-        </p:spPr>
-      </p:pic>
+              <a:rPr lang="en-US" altLang="zh-TW" dirty="0" smtClean="0"/>
+              <a:t>DEMO</a:t>
+            </a:r>
+            <a:endParaRPr lang="zh-TW" altLang="en-US" dirty="0"/>
+          </a:p>
+        </p:txBody>
+      </p:sp>
     </p:spTree>
     <p:extLst>
       <p:ext uri="{BB962C8B-B14F-4D97-AF65-F5344CB8AC3E}">
-        <p14:creationId xmlns:p14="http://schemas.microsoft.com/office/powerpoint/2010/main" val="1373299378"/>
+        <p14:creationId xmlns:p14="http://schemas.microsoft.com/office/powerpoint/2010/main" val="3333159354"/>
       </p:ext>
     </p:extLst>
   </p:cSld>
@@ -10484,279 +7279,7 @@
   <p:timing>
     <p:tnLst>
       <p:par>
-        <p:cTn id="1" dur="indefinite" restart="never" nodeType="tmRoot">
-          <p:childTnLst>
-            <p:seq concurrent="1" nextAc="seek">
-              <p:cTn id="2" dur="indefinite" nodeType="mainSeq">
-                <p:childTnLst>
-                  <p:par>
-                    <p:cTn id="3" fill="hold">
-                      <p:stCondLst>
-                        <p:cond delay="indefinite"/>
-                      </p:stCondLst>
-                      <p:childTnLst>
-                        <p:par>
-                          <p:cTn id="4" fill="hold">
-                            <p:stCondLst>
-                              <p:cond delay="0"/>
-                            </p:stCondLst>
-                            <p:childTnLst>
-                              <p:par>
-                                <p:cTn id="5" presetID="1" presetClass="entr" presetSubtype="0" fill="hold" nodeType="clickEffect">
-                                  <p:stCondLst>
-                                    <p:cond delay="0"/>
-                                  </p:stCondLst>
-                                  <p:childTnLst>
-                                    <p:set>
-                                      <p:cBhvr>
-                                        <p:cTn id="6" dur="1" fill="hold">
-                                          <p:stCondLst>
-                                            <p:cond delay="0"/>
-                                          </p:stCondLst>
-                                        </p:cTn>
-                                        <p:tgtEl>
-                                          <p:spTgt spid="5"/>
-                                        </p:tgtEl>
-                                        <p:attrNameLst>
-                                          <p:attrName>style.visibility</p:attrName>
-                                        </p:attrNameLst>
-                                      </p:cBhvr>
-                                      <p:to>
-                                        <p:strVal val="visible"/>
-                                      </p:to>
-                                    </p:set>
-                                  </p:childTnLst>
-                                </p:cTn>
-                              </p:par>
-                            </p:childTnLst>
-                          </p:cTn>
-                        </p:par>
-                      </p:childTnLst>
-                    </p:cTn>
-                  </p:par>
-                  <p:par>
-                    <p:cTn id="7" fill="hold">
-                      <p:stCondLst>
-                        <p:cond delay="indefinite"/>
-                      </p:stCondLst>
-                      <p:childTnLst>
-                        <p:par>
-                          <p:cTn id="8" fill="hold">
-                            <p:stCondLst>
-                              <p:cond delay="0"/>
-                            </p:stCondLst>
-                            <p:childTnLst>
-                              <p:par>
-                                <p:cTn id="9" presetID="1" presetClass="exit" presetSubtype="0" fill="hold" nodeType="clickEffect">
-                                  <p:stCondLst>
-                                    <p:cond delay="0"/>
-                                  </p:stCondLst>
-                                  <p:childTnLst>
-                                    <p:set>
-                                      <p:cBhvr>
-                                        <p:cTn id="10" dur="1" fill="hold">
-                                          <p:stCondLst>
-                                            <p:cond delay="0"/>
-                                          </p:stCondLst>
-                                        </p:cTn>
-                                        <p:tgtEl>
-                                          <p:spTgt spid="5"/>
-                                        </p:tgtEl>
-                                        <p:attrNameLst>
-                                          <p:attrName>style.visibility</p:attrName>
-                                        </p:attrNameLst>
-                                      </p:cBhvr>
-                                      <p:to>
-                                        <p:strVal val="hidden"/>
-                                      </p:to>
-                                    </p:set>
-                                  </p:childTnLst>
-                                </p:cTn>
-                              </p:par>
-                            </p:childTnLst>
-                          </p:cTn>
-                        </p:par>
-                      </p:childTnLst>
-                    </p:cTn>
-                  </p:par>
-                  <p:par>
-                    <p:cTn id="11" fill="hold">
-                      <p:stCondLst>
-                        <p:cond delay="indefinite"/>
-                      </p:stCondLst>
-                      <p:childTnLst>
-                        <p:par>
-                          <p:cTn id="12" fill="hold">
-                            <p:stCondLst>
-                              <p:cond delay="0"/>
-                            </p:stCondLst>
-                            <p:childTnLst>
-                              <p:par>
-                                <p:cTn id="13" presetID="10" presetClass="entr" presetSubtype="0" fill="hold" nodeType="clickEffect">
-                                  <p:stCondLst>
-                                    <p:cond delay="0"/>
-                                  </p:stCondLst>
-                                  <p:childTnLst>
-                                    <p:set>
-                                      <p:cBhvr>
-                                        <p:cTn id="14" dur="1" fill="hold">
-                                          <p:stCondLst>
-                                            <p:cond delay="0"/>
-                                          </p:stCondLst>
-                                        </p:cTn>
-                                        <p:tgtEl>
-                                          <p:spTgt spid="12"/>
-                                        </p:tgtEl>
-                                        <p:attrNameLst>
-                                          <p:attrName>style.visibility</p:attrName>
-                                        </p:attrNameLst>
-                                      </p:cBhvr>
-                                      <p:to>
-                                        <p:strVal val="visible"/>
-                                      </p:to>
-                                    </p:set>
-                                    <p:animEffect transition="in" filter="fade">
-                                      <p:cBhvr>
-                                        <p:cTn id="15" dur="500"/>
-                                        <p:tgtEl>
-                                          <p:spTgt spid="12"/>
-                                        </p:tgtEl>
-                                      </p:cBhvr>
-                                    </p:animEffect>
-                                  </p:childTnLst>
-                                </p:cTn>
-                              </p:par>
-                            </p:childTnLst>
-                          </p:cTn>
-                        </p:par>
-                      </p:childTnLst>
-                    </p:cTn>
-                  </p:par>
-                  <p:par>
-                    <p:cTn id="16" fill="hold">
-                      <p:stCondLst>
-                        <p:cond delay="indefinite"/>
-                      </p:stCondLst>
-                      <p:childTnLst>
-                        <p:par>
-                          <p:cTn id="17" fill="hold">
-                            <p:stCondLst>
-                              <p:cond delay="0"/>
-                            </p:stCondLst>
-                            <p:childTnLst>
-                              <p:par>
-                                <p:cTn id="18" presetID="10" presetClass="exit" presetSubtype="0" fill="hold" nodeType="clickEffect">
-                                  <p:stCondLst>
-                                    <p:cond delay="0"/>
-                                  </p:stCondLst>
-                                  <p:childTnLst>
-                                    <p:animEffect transition="out" filter="fade">
-                                      <p:cBhvr>
-                                        <p:cTn id="19" dur="500"/>
-                                        <p:tgtEl>
-                                          <p:spTgt spid="12"/>
-                                        </p:tgtEl>
-                                      </p:cBhvr>
-                                    </p:animEffect>
-                                    <p:set>
-                                      <p:cBhvr>
-                                        <p:cTn id="20" dur="1" fill="hold">
-                                          <p:stCondLst>
-                                            <p:cond delay="499"/>
-                                          </p:stCondLst>
-                                        </p:cTn>
-                                        <p:tgtEl>
-                                          <p:spTgt spid="12"/>
-                                        </p:tgtEl>
-                                        <p:attrNameLst>
-                                          <p:attrName>style.visibility</p:attrName>
-                                        </p:attrNameLst>
-                                      </p:cBhvr>
-                                      <p:to>
-                                        <p:strVal val="hidden"/>
-                                      </p:to>
-                                    </p:set>
-                                  </p:childTnLst>
-                                </p:cTn>
-                              </p:par>
-                            </p:childTnLst>
-                          </p:cTn>
-                        </p:par>
-                      </p:childTnLst>
-                    </p:cTn>
-                  </p:par>
-                  <p:par>
-                    <p:cTn id="21" fill="hold">
-                      <p:stCondLst>
-                        <p:cond delay="indefinite"/>
-                      </p:stCondLst>
-                      <p:childTnLst>
-                        <p:par>
-                          <p:cTn id="22" fill="hold">
-                            <p:stCondLst>
-                              <p:cond delay="0"/>
-                            </p:stCondLst>
-                            <p:childTnLst>
-                              <p:par>
-                                <p:cTn id="23" presetID="10" presetClass="entr" presetSubtype="0" fill="hold" nodeType="clickEffect">
-                                  <p:stCondLst>
-                                    <p:cond delay="0"/>
-                                  </p:stCondLst>
-                                  <p:childTnLst>
-                                    <p:set>
-                                      <p:cBhvr>
-                                        <p:cTn id="24" dur="1" fill="hold">
-                                          <p:stCondLst>
-                                            <p:cond delay="0"/>
-                                          </p:stCondLst>
-                                        </p:cTn>
-                                        <p:tgtEl>
-                                          <p:spTgt spid="13"/>
-                                        </p:tgtEl>
-                                        <p:attrNameLst>
-                                          <p:attrName>style.visibility</p:attrName>
-                                        </p:attrNameLst>
-                                      </p:cBhvr>
-                                      <p:to>
-                                        <p:strVal val="visible"/>
-                                      </p:to>
-                                    </p:set>
-                                    <p:animEffect transition="in" filter="fade">
-                                      <p:cBhvr>
-                                        <p:cTn id="25" dur="500"/>
-                                        <p:tgtEl>
-                                          <p:spTgt spid="13"/>
-                                        </p:tgtEl>
-                                      </p:cBhvr>
-                                    </p:animEffect>
-                                  </p:childTnLst>
-                                </p:cTn>
-                              </p:par>
-                            </p:childTnLst>
-                          </p:cTn>
-                        </p:par>
-                      </p:childTnLst>
-                    </p:cTn>
-                  </p:par>
-                </p:childTnLst>
-              </p:cTn>
-              <p:prevCondLst>
-                <p:cond evt="onPrev" delay="0">
-                  <p:tgtEl>
-                    <p:sldTgt/>
-                  </p:tgtEl>
-                </p:cond>
-              </p:prevCondLst>
-              <p:nextCondLst>
-                <p:cond evt="onNext" delay="0">
-                  <p:tgtEl>
-                    <p:sldTgt/>
-                  </p:tgtEl>
-                </p:cond>
-              </p:nextCondLst>
-            </p:seq>
-          </p:childTnLst>
-        </p:cTn>
+        <p:cTn id="1" dur="indefinite" restart="never" nodeType="tmRoot"/>
       </p:par>
     </p:tnLst>
   </p:timing>

--- a/small_project/data_project/沅淯駿營造有限公司.pptx
+++ b/small_project/data_project/沅淯駿營造有限公司.pptx
@@ -390,7 +390,7 @@
           <a:p>
             <a:fld id="{5727369B-E44C-4082-BCE3-F0D9374C2D85}" type="datetimeFigureOut">
               <a:rPr lang="zh-TW" altLang="en-US" smtClean="0"/>
-              <a:t>2016/7/20</a:t>
+              <a:t>2016/7/21</a:t>
             </a:fld>
             <a:endParaRPr lang="zh-TW" altLang="en-US"/>
           </a:p>
@@ -778,7 +778,7 @@
           <a:p>
             <a:fld id="{5727369B-E44C-4082-BCE3-F0D9374C2D85}" type="datetimeFigureOut">
               <a:rPr lang="zh-TW" altLang="en-US" smtClean="0"/>
-              <a:t>2016/7/20</a:t>
+              <a:t>2016/7/21</a:t>
             </a:fld>
             <a:endParaRPr lang="zh-TW" altLang="en-US"/>
           </a:p>
@@ -1305,7 +1305,7 @@
           <a:p>
             <a:fld id="{5727369B-E44C-4082-BCE3-F0D9374C2D85}" type="datetimeFigureOut">
               <a:rPr lang="zh-TW" altLang="en-US" smtClean="0"/>
-              <a:t>2016/7/20</a:t>
+              <a:t>2016/7/21</a:t>
             </a:fld>
             <a:endParaRPr lang="zh-TW" altLang="en-US"/>
           </a:p>
@@ -1433,7 +1433,7 @@
           <a:p>
             <a:fld id="{5727369B-E44C-4082-BCE3-F0D9374C2D85}" type="datetimeFigureOut">
               <a:rPr lang="zh-TW" altLang="en-US" smtClean="0"/>
-              <a:t>2016/7/20</a:t>
+              <a:t>2016/7/21</a:t>
             </a:fld>
             <a:endParaRPr lang="zh-TW" altLang="en-US"/>
           </a:p>
@@ -1971,7 +1971,7 @@
           <a:p>
             <a:fld id="{5727369B-E44C-4082-BCE3-F0D9374C2D85}" type="datetimeFigureOut">
               <a:rPr lang="zh-TW" altLang="en-US" smtClean="0"/>
-              <a:t>2016/7/20</a:t>
+              <a:t>2016/7/21</a:t>
             </a:fld>
             <a:endParaRPr lang="zh-TW" altLang="en-US"/>
           </a:p>
@@ -2261,7 +2261,7 @@
           <a:p>
             <a:fld id="{5727369B-E44C-4082-BCE3-F0D9374C2D85}" type="datetimeFigureOut">
               <a:rPr lang="zh-TW" altLang="en-US" smtClean="0"/>
-              <a:t>2016/7/20</a:t>
+              <a:t>2016/7/21</a:t>
             </a:fld>
             <a:endParaRPr lang="zh-TW" altLang="en-US"/>
           </a:p>
@@ -2915,7 +2915,7 @@
           <a:p>
             <a:fld id="{5727369B-E44C-4082-BCE3-F0D9374C2D85}" type="datetimeFigureOut">
               <a:rPr lang="zh-TW" altLang="en-US" smtClean="0"/>
-              <a:t>2016/7/20</a:t>
+              <a:t>2016/7/21</a:t>
             </a:fld>
             <a:endParaRPr lang="zh-TW" altLang="en-US"/>
           </a:p>
@@ -3351,7 +3351,7 @@
           <a:p>
             <a:fld id="{5727369B-E44C-4082-BCE3-F0D9374C2D85}" type="datetimeFigureOut">
               <a:rPr lang="zh-TW" altLang="en-US" smtClean="0"/>
-              <a:t>2016/7/20</a:t>
+              <a:t>2016/7/21</a:t>
             </a:fld>
             <a:endParaRPr lang="zh-TW" altLang="en-US"/>
           </a:p>
@@ -3664,7 +3664,7 @@
           <a:p>
             <a:fld id="{5727369B-E44C-4082-BCE3-F0D9374C2D85}" type="datetimeFigureOut">
               <a:rPr lang="zh-TW" altLang="en-US" smtClean="0"/>
-              <a:t>2016/7/20</a:t>
+              <a:t>2016/7/21</a:t>
             </a:fld>
             <a:endParaRPr lang="zh-TW" altLang="en-US"/>
           </a:p>
@@ -4391,7 +4391,7 @@
           <a:p>
             <a:fld id="{5727369B-E44C-4082-BCE3-F0D9374C2D85}" type="datetimeFigureOut">
               <a:rPr lang="zh-TW" altLang="en-US" smtClean="0"/>
-              <a:t>2016/7/20</a:t>
+              <a:t>2016/7/21</a:t>
             </a:fld>
             <a:endParaRPr lang="zh-TW" altLang="en-US"/>
           </a:p>
@@ -5055,7 +5055,7 @@
           <a:p>
             <a:fld id="{5727369B-E44C-4082-BCE3-F0D9374C2D85}" type="datetimeFigureOut">
               <a:rPr lang="zh-TW" altLang="en-US" smtClean="0"/>
-              <a:t>2016/7/20</a:t>
+              <a:t>2016/7/21</a:t>
             </a:fld>
             <a:endParaRPr lang="zh-TW" altLang="en-US"/>
           </a:p>
@@ -5328,7 +5328,7 @@
           <a:p>
             <a:fld id="{5727369B-E44C-4082-BCE3-F0D9374C2D85}" type="datetimeFigureOut">
               <a:rPr lang="zh-TW" altLang="en-US" smtClean="0"/>
-              <a:t>2016/7/20</a:t>
+              <a:t>2016/7/21</a:t>
             </a:fld>
             <a:endParaRPr lang="zh-TW" altLang="en-US"/>
           </a:p>
@@ -7101,9 +7101,77 @@
           </a:p>
         </p:txBody>
       </p:sp>
+      <p:sp>
+        <p:nvSpPr>
+          <p:cNvPr id="5" name="內容版面配置區 4"/>
+          <p:cNvSpPr>
+            <a:spLocks noGrp="1"/>
+          </p:cNvSpPr>
+          <p:nvPr>
+            <p:ph sz="half" idx="2"/>
+          </p:nvPr>
+        </p:nvSpPr>
+        <p:spPr/>
+        <p:txBody>
+          <a:bodyPr/>
+          <a:lstStyle/>
+          <a:p>
+            <a:r>
+              <a:rPr lang="en-US" altLang="zh-TW" dirty="0" smtClean="0"/>
+              <a:t>Core:</a:t>
+            </a:r>
+            <a:r>
+              <a:rPr lang="zh-TW" altLang="en-US" dirty="0" smtClean="0"/>
+              <a:t>將導頁面到最外面的</a:t>
+            </a:r>
+            <a:r>
+              <a:rPr lang="en-US" altLang="zh-TW" dirty="0" smtClean="0"/>
+              <a:t>index</a:t>
+            </a:r>
+            <a:r>
+              <a:rPr lang="zh-TW" altLang="en-US" dirty="0" smtClean="0"/>
+              <a:t>展示</a:t>
+            </a:r>
+            <a:endParaRPr lang="en-US" altLang="zh-TW" dirty="0" smtClean="0"/>
+          </a:p>
+          <a:p>
+            <a:r>
+              <a:rPr lang="en-US" altLang="zh-TW" dirty="0" smtClean="0"/>
+              <a:t>Controllers:</a:t>
+            </a:r>
+            <a:r>
+              <a:rPr lang="zh-TW" altLang="en-US" dirty="0" smtClean="0"/>
+              <a:t>放置功能相關的程式碼</a:t>
+            </a:r>
+            <a:endParaRPr lang="en-US" altLang="zh-TW" dirty="0" smtClean="0"/>
+          </a:p>
+          <a:p>
+            <a:r>
+              <a:rPr lang="en-US" altLang="zh-TW" dirty="0" smtClean="0"/>
+              <a:t>Models:</a:t>
+            </a:r>
+            <a:r>
+              <a:rPr lang="zh-TW" altLang="en-US" dirty="0" smtClean="0"/>
+              <a:t>放置資料庫相關的程式碼</a:t>
+            </a:r>
+            <a:endParaRPr lang="en-US" altLang="zh-TW" dirty="0" smtClean="0"/>
+          </a:p>
+          <a:p>
+            <a:r>
+              <a:rPr lang="en-US" altLang="zh-TW" dirty="0" smtClean="0"/>
+              <a:t>Views:</a:t>
+            </a:r>
+            <a:r>
+              <a:rPr lang="zh-TW" altLang="en-US" dirty="0" smtClean="0"/>
+              <a:t>放置介面相關的程式碼</a:t>
+            </a:r>
+            <a:endParaRPr lang="zh-TW" altLang="en-US" dirty="0"/>
+          </a:p>
+        </p:txBody>
+      </p:sp>
       <p:pic>
         <p:nvPicPr>
-          <p:cNvPr id="4" name="內容版面配置區 3"/>
+          <p:cNvPr id="6" name="內容版面配置區 5"/>
           <p:cNvPicPr>
             <a:picLocks noGrp="1" noChangeAspect="1"/>
           </p:cNvPicPr>
@@ -7125,60 +7193,11 @@
         </p:blipFill>
         <p:spPr>
           <a:xfrm>
-            <a:off x="1691680" y="1324415"/>
-            <a:ext cx="1367678" cy="5056913"/>
+            <a:off x="1639575" y="1555774"/>
+            <a:ext cx="1362700" cy="4681538"/>
           </a:xfrm>
         </p:spPr>
       </p:pic>
-      <p:sp>
-        <p:nvSpPr>
-          <p:cNvPr id="5" name="內容版面配置區 4"/>
-          <p:cNvSpPr>
-            <a:spLocks noGrp="1"/>
-          </p:cNvSpPr>
-          <p:nvPr>
-            <p:ph sz="half" idx="2"/>
-          </p:nvPr>
-        </p:nvSpPr>
-        <p:spPr/>
-        <p:txBody>
-          <a:bodyPr/>
-          <a:lstStyle/>
-          <a:p>
-            <a:r>
-              <a:rPr lang="en-US" altLang="zh-TW" dirty="0" smtClean="0"/>
-              <a:t>Controllers:</a:t>
-            </a:r>
-            <a:r>
-              <a:rPr lang="zh-TW" altLang="en-US" dirty="0" smtClean="0"/>
-              <a:t>放置功能相關的程式碼</a:t>
-            </a:r>
-            <a:endParaRPr lang="en-US" altLang="zh-TW" dirty="0" smtClean="0"/>
-          </a:p>
-          <a:p>
-            <a:r>
-              <a:rPr lang="en-US" altLang="zh-TW" dirty="0" smtClean="0"/>
-              <a:t>Models:</a:t>
-            </a:r>
-            <a:r>
-              <a:rPr lang="zh-TW" altLang="en-US" dirty="0" smtClean="0"/>
-              <a:t>放置資料庫相關的程式碼</a:t>
-            </a:r>
-            <a:endParaRPr lang="en-US" altLang="zh-TW" dirty="0" smtClean="0"/>
-          </a:p>
-          <a:p>
-            <a:r>
-              <a:rPr lang="en-US" altLang="zh-TW" dirty="0" smtClean="0"/>
-              <a:t>Views:</a:t>
-            </a:r>
-            <a:r>
-              <a:rPr lang="zh-TW" altLang="en-US" dirty="0" smtClean="0"/>
-              <a:t>放置介面相關的程式碼</a:t>
-            </a:r>
-            <a:endParaRPr lang="zh-TW" altLang="en-US" dirty="0"/>
-          </a:p>
-        </p:txBody>
-      </p:sp>
     </p:spTree>
     <p:extLst>
       <p:ext uri="{BB962C8B-B14F-4D97-AF65-F5344CB8AC3E}">
@@ -7226,7 +7245,12 @@
             <p:ph type="subTitle" idx="1"/>
           </p:nvPr>
         </p:nvSpPr>
-        <p:spPr/>
+        <p:spPr>
+          <a:xfrm>
+            <a:off x="1331640" y="1616596"/>
+            <a:ext cx="6400800" cy="1752600"/>
+          </a:xfrm>
+        </p:spPr>
         <p:txBody>
           <a:bodyPr>
             <a:normAutofit/>
@@ -7237,9 +7261,15 @@
               <a:rPr lang="zh-TW" altLang="en-US" sz="2800" dirty="0" smtClean="0">
                 <a:hlinkClick r:id="rId2"/>
               </a:rPr>
-              <a:t>沅淯駿營造有限公司</a:t>
-            </a:r>
-            <a:endParaRPr lang="zh-TW" altLang="en-US" sz="2800" dirty="0"/>
+              <a:t>沅淯駿營造</a:t>
+            </a:r>
+            <a:r>
+              <a:rPr lang="zh-TW" altLang="en-US" sz="2800" dirty="0" smtClean="0">
+                <a:hlinkClick r:id="rId2"/>
+              </a:rPr>
+              <a:t>有限公司</a:t>
+            </a:r>
+            <a:endParaRPr lang="en-US" altLang="zh-TW" sz="2800" dirty="0" smtClean="0"/>
           </a:p>
         </p:txBody>
       </p:sp>
@@ -7253,7 +7283,12 @@
             <p:ph type="ctrTitle"/>
           </p:nvPr>
         </p:nvSpPr>
-        <p:spPr/>
+        <p:spPr>
+          <a:xfrm>
+            <a:off x="683568" y="260648"/>
+            <a:ext cx="7772400" cy="1752600"/>
+          </a:xfrm>
+        </p:spPr>
         <p:txBody>
           <a:bodyPr/>
           <a:lstStyle/>
@@ -7262,7 +7297,681 @@
               <a:rPr lang="en-US" altLang="zh-TW" dirty="0" smtClean="0"/>
               <a:t>DEMO</a:t>
             </a:r>
+            <a:br>
+              <a:rPr lang="en-US" altLang="zh-TW" dirty="0" smtClean="0"/>
+            </a:br>
             <a:endParaRPr lang="zh-TW" altLang="en-US" dirty="0"/>
+          </a:p>
+        </p:txBody>
+      </p:sp>
+      <p:sp>
+        <p:nvSpPr>
+          <p:cNvPr id="8" name="內容版面配置區 3"/>
+          <p:cNvSpPr txBox="1">
+            <a:spLocks/>
+          </p:cNvSpPr>
+          <p:nvPr/>
+        </p:nvSpPr>
+        <p:spPr>
+          <a:xfrm>
+            <a:off x="251520" y="2564904"/>
+            <a:ext cx="4038600" cy="3816424"/>
+          </a:xfrm>
+          <a:prstGeom prst="rect">
+            <a:avLst/>
+          </a:prstGeom>
+        </p:spPr>
+        <p:txBody>
+          <a:bodyPr/>
+          <a:lstStyle>
+            <a:lvl1pPr marL="274320" indent="-274320" algn="l" rtl="0" eaLnBrk="1" latinLnBrk="0" hangingPunct="1">
+              <a:spcBef>
+                <a:spcPct val="20000"/>
+              </a:spcBef>
+              <a:buClr>
+                <a:schemeClr val="accent1"/>
+              </a:buClr>
+              <a:buSzPct val="85000"/>
+              <a:buFont typeface="Wingdings 2"/>
+              <a:buChar char=""/>
+              <a:defRPr kumimoji="0" sz="2700" kern="1200">
+                <a:solidFill>
+                  <a:schemeClr val="tx1"/>
+                </a:solidFill>
+                <a:latin typeface="+mn-lt"/>
+                <a:ea typeface="+mn-ea"/>
+                <a:cs typeface="+mn-cs"/>
+              </a:defRPr>
+            </a:lvl1pPr>
+            <a:lvl2pPr marL="548640" indent="-274320" algn="l" rtl="0" eaLnBrk="1" latinLnBrk="0" hangingPunct="1">
+              <a:spcBef>
+                <a:spcPct val="20000"/>
+              </a:spcBef>
+              <a:buClr>
+                <a:schemeClr val="accent2"/>
+              </a:buClr>
+              <a:buSzPct val="70000"/>
+              <a:buFont typeface="Wingdings"/>
+              <a:buChar char=""/>
+              <a:defRPr kumimoji="0" sz="2200" kern="1200">
+                <a:solidFill>
+                  <a:schemeClr val="tx2"/>
+                </a:solidFill>
+                <a:latin typeface="+mn-lt"/>
+                <a:ea typeface="+mn-ea"/>
+                <a:cs typeface="+mn-cs"/>
+              </a:defRPr>
+            </a:lvl2pPr>
+            <a:lvl3pPr marL="822960" indent="-228600" algn="l" rtl="0" eaLnBrk="1" latinLnBrk="0" hangingPunct="1">
+              <a:spcBef>
+                <a:spcPct val="20000"/>
+              </a:spcBef>
+              <a:buClr>
+                <a:schemeClr val="accent3"/>
+              </a:buClr>
+              <a:buSzPct val="75000"/>
+              <a:buFont typeface="Wingdings 2"/>
+              <a:buChar char=""/>
+              <a:defRPr kumimoji="0" sz="2000" kern="1200">
+                <a:solidFill>
+                  <a:schemeClr val="tx1"/>
+                </a:solidFill>
+                <a:latin typeface="+mn-lt"/>
+                <a:ea typeface="+mn-ea"/>
+                <a:cs typeface="+mn-cs"/>
+              </a:defRPr>
+            </a:lvl3pPr>
+            <a:lvl4pPr marL="1097280" indent="-228600" algn="l" rtl="0" eaLnBrk="1" latinLnBrk="0" hangingPunct="1">
+              <a:spcBef>
+                <a:spcPct val="20000"/>
+              </a:spcBef>
+              <a:buClr>
+                <a:schemeClr val="accent4"/>
+              </a:buClr>
+              <a:buSzPct val="70000"/>
+              <a:buFont typeface="Wingdings"/>
+              <a:buChar char=""/>
+              <a:defRPr kumimoji="0" sz="2000" kern="1200">
+                <a:solidFill>
+                  <a:schemeClr val="tx2"/>
+                </a:solidFill>
+                <a:latin typeface="+mn-lt"/>
+                <a:ea typeface="+mn-ea"/>
+                <a:cs typeface="+mn-cs"/>
+              </a:defRPr>
+            </a:lvl4pPr>
+            <a:lvl5pPr marL="1371600" indent="-228600" algn="l" rtl="0" eaLnBrk="1" latinLnBrk="0" hangingPunct="1">
+              <a:spcBef>
+                <a:spcPct val="20000"/>
+              </a:spcBef>
+              <a:buClr>
+                <a:schemeClr val="accent5"/>
+              </a:buClr>
+              <a:buFontTx/>
+              <a:buChar char="•"/>
+              <a:defRPr kumimoji="0" sz="1800" kern="1200">
+                <a:solidFill>
+                  <a:schemeClr val="tx1"/>
+                </a:solidFill>
+                <a:latin typeface="+mn-lt"/>
+                <a:ea typeface="+mn-ea"/>
+                <a:cs typeface="+mn-cs"/>
+              </a:defRPr>
+            </a:lvl5pPr>
+            <a:lvl6pPr marL="1645920" indent="-182880" algn="l" rtl="0" eaLnBrk="1" latinLnBrk="0" hangingPunct="1">
+              <a:spcBef>
+                <a:spcPct val="20000"/>
+              </a:spcBef>
+              <a:buClr>
+                <a:schemeClr val="accent6"/>
+              </a:buClr>
+              <a:buSzPct val="80000"/>
+              <a:buFont typeface="Wingdings 2"/>
+              <a:buChar char=""/>
+              <a:defRPr kumimoji="0" sz="1800" kern="1200">
+                <a:solidFill>
+                  <a:schemeClr val="tx1"/>
+                </a:solidFill>
+                <a:latin typeface="+mn-lt"/>
+                <a:ea typeface="+mn-ea"/>
+                <a:cs typeface="+mn-cs"/>
+              </a:defRPr>
+            </a:lvl6pPr>
+            <a:lvl7pPr marL="1920240" indent="-182880" algn="l" rtl="0" eaLnBrk="1" latinLnBrk="0" hangingPunct="1">
+              <a:spcBef>
+                <a:spcPct val="20000"/>
+              </a:spcBef>
+              <a:buClr>
+                <a:schemeClr val="accent1">
+                  <a:shade val="75000"/>
+                </a:schemeClr>
+              </a:buClr>
+              <a:buSzPct val="90000"/>
+              <a:buChar char="•"/>
+              <a:defRPr kumimoji="0" sz="1600" kern="1200" baseline="0">
+                <a:solidFill>
+                  <a:schemeClr val="tx1"/>
+                </a:solidFill>
+                <a:latin typeface="+mn-lt"/>
+                <a:ea typeface="+mn-ea"/>
+                <a:cs typeface="+mn-cs"/>
+              </a:defRPr>
+            </a:lvl7pPr>
+            <a:lvl8pPr marL="2103120" indent="-182880" algn="l" rtl="0" eaLnBrk="1" latinLnBrk="0" hangingPunct="1">
+              <a:spcBef>
+                <a:spcPct val="20000"/>
+              </a:spcBef>
+              <a:buClr>
+                <a:schemeClr val="accent4">
+                  <a:shade val="75000"/>
+                </a:schemeClr>
+              </a:buClr>
+              <a:buChar char="•"/>
+              <a:defRPr kumimoji="0" sz="1600" kern="1200">
+                <a:solidFill>
+                  <a:schemeClr val="tx1"/>
+                </a:solidFill>
+                <a:latin typeface="+mn-lt"/>
+                <a:ea typeface="+mn-ea"/>
+                <a:cs typeface="+mn-cs"/>
+              </a:defRPr>
+            </a:lvl8pPr>
+            <a:lvl9pPr marL="2377440" indent="-182880" algn="l" rtl="0" eaLnBrk="1" latinLnBrk="0" hangingPunct="1">
+              <a:spcBef>
+                <a:spcPct val="20000"/>
+              </a:spcBef>
+              <a:buClr>
+                <a:schemeClr val="accent2">
+                  <a:shade val="75000"/>
+                </a:schemeClr>
+              </a:buClr>
+              <a:buSzPct val="90000"/>
+              <a:buChar char="•"/>
+              <a:defRPr kumimoji="0" sz="1400" kern="1200" cap="all" baseline="0">
+                <a:solidFill>
+                  <a:schemeClr val="tx1"/>
+                </a:solidFill>
+                <a:latin typeface="+mn-lt"/>
+                <a:ea typeface="+mn-ea"/>
+                <a:cs typeface="+mn-cs"/>
+              </a:defRPr>
+            </a:lvl9pPr>
+          </a:lstStyle>
+          <a:p>
+            <a:r>
+              <a:rPr lang="zh-TW" altLang="en-US" sz="2400" b="1" dirty="0" smtClean="0">
+                <a:solidFill>
+                  <a:schemeClr val="accent4">
+                    <a:lumMod val="75000"/>
+                  </a:schemeClr>
+                </a:solidFill>
+              </a:rPr>
+              <a:t>廠商招募</a:t>
+            </a:r>
+            <a:endParaRPr lang="en-US" altLang="zh-TW" sz="2400" b="1" dirty="0" smtClean="0">
+              <a:solidFill>
+                <a:schemeClr val="accent4">
+                  <a:lumMod val="75000"/>
+                </a:schemeClr>
+              </a:solidFill>
+            </a:endParaRPr>
+          </a:p>
+          <a:p>
+            <a:r>
+              <a:rPr lang="zh-TW" altLang="en-US" sz="2000" b="1" dirty="0" smtClean="0">
+                <a:solidFill>
+                  <a:schemeClr val="tx2"/>
+                </a:solidFill>
+              </a:rPr>
+              <a:t>里程水泥</a:t>
+            </a:r>
+            <a:endParaRPr lang="en-US" altLang="zh-TW" sz="2000" b="1" dirty="0" smtClean="0">
+              <a:solidFill>
+                <a:schemeClr val="tx2"/>
+              </a:solidFill>
+            </a:endParaRPr>
+          </a:p>
+          <a:p>
+            <a:r>
+              <a:rPr lang="en-US" altLang="zh-TW" sz="2000" b="1" dirty="0" smtClean="0">
+                <a:solidFill>
+                  <a:schemeClr val="tx2"/>
+                </a:solidFill>
+              </a:rPr>
+              <a:t>A4567@gmail.com</a:t>
+            </a:r>
+          </a:p>
+          <a:p>
+            <a:r>
+              <a:rPr lang="en-US" altLang="zh-TW" sz="2000" b="1" dirty="0">
+                <a:solidFill>
+                  <a:schemeClr val="tx2"/>
+                </a:solidFill>
+              </a:rPr>
+              <a:t>02-45678912</a:t>
+            </a:r>
+          </a:p>
+          <a:p>
+            <a:r>
+              <a:rPr lang="en-US" altLang="zh-TW" sz="2000" b="1" dirty="0" smtClean="0">
+                <a:solidFill>
+                  <a:schemeClr val="tx2"/>
+                </a:solidFill>
+              </a:rPr>
+              <a:t>02-98765432</a:t>
+            </a:r>
+          </a:p>
+          <a:p>
+            <a:r>
+              <a:rPr lang="zh-TW" altLang="en-US" sz="2000" b="1" dirty="0" smtClean="0">
+                <a:solidFill>
+                  <a:schemeClr val="tx2"/>
+                </a:solidFill>
+              </a:rPr>
+              <a:t>陳小心</a:t>
+            </a:r>
+            <a:endParaRPr lang="en-US" altLang="zh-TW" sz="2000" b="1" dirty="0" smtClean="0">
+              <a:solidFill>
+                <a:schemeClr val="tx2"/>
+              </a:solidFill>
+            </a:endParaRPr>
+          </a:p>
+          <a:p>
+            <a:r>
+              <a:rPr lang="en-US" altLang="zh-TW" sz="2000" b="1" dirty="0" smtClean="0">
+                <a:solidFill>
+                  <a:schemeClr val="tx2"/>
+                </a:solidFill>
+              </a:rPr>
+              <a:t>09456789123</a:t>
+            </a:r>
+          </a:p>
+          <a:p>
+            <a:r>
+              <a:rPr lang="zh-TW" altLang="en-US" sz="2000" b="1" dirty="0" smtClean="0">
+                <a:solidFill>
+                  <a:schemeClr val="tx2"/>
+                </a:solidFill>
+              </a:rPr>
+              <a:t>台中市西屯區河南路二段</a:t>
+            </a:r>
+            <a:r>
+              <a:rPr lang="en-US" altLang="zh-TW" sz="2000" b="1" dirty="0" smtClean="0">
+                <a:solidFill>
+                  <a:schemeClr val="tx2"/>
+                </a:solidFill>
+              </a:rPr>
+              <a:t>500</a:t>
+            </a:r>
+            <a:r>
+              <a:rPr lang="zh-TW" altLang="en-US" sz="2000" b="1" dirty="0" smtClean="0">
+                <a:solidFill>
+                  <a:schemeClr val="tx2"/>
+                </a:solidFill>
+              </a:rPr>
+              <a:t>號</a:t>
+            </a:r>
+            <a:endParaRPr lang="en-US" altLang="zh-TW" sz="2000" b="1" dirty="0" smtClean="0">
+              <a:solidFill>
+                <a:schemeClr val="tx2"/>
+              </a:solidFill>
+            </a:endParaRPr>
+          </a:p>
+          <a:p>
+            <a:r>
+              <a:rPr lang="zh-TW" altLang="en-US" sz="2000" b="1" dirty="0" smtClean="0">
+                <a:solidFill>
+                  <a:schemeClr val="tx2"/>
+                </a:solidFill>
+              </a:rPr>
+              <a:t>水泥料、灌漿叫車</a:t>
+            </a:r>
+            <a:endParaRPr lang="en-US" altLang="zh-TW" sz="2000" b="1" dirty="0" smtClean="0">
+              <a:solidFill>
+                <a:schemeClr val="tx2"/>
+              </a:solidFill>
+            </a:endParaRPr>
+          </a:p>
+          <a:p>
+            <a:endParaRPr lang="en-US" altLang="zh-TW" b="1" u="sng" dirty="0" smtClean="0">
+              <a:solidFill>
+                <a:srgbClr val="FFC000"/>
+              </a:solidFill>
+            </a:endParaRPr>
+          </a:p>
+          <a:p>
+            <a:endParaRPr lang="en-US" altLang="zh-TW" b="1" u="sng" dirty="0" smtClean="0">
+              <a:solidFill>
+                <a:srgbClr val="FFC000"/>
+              </a:solidFill>
+            </a:endParaRPr>
+          </a:p>
+          <a:p>
+            <a:endParaRPr lang="zh-TW" altLang="en-US" b="1" u="sng" dirty="0">
+              <a:solidFill>
+                <a:srgbClr val="FFC000"/>
+              </a:solidFill>
+            </a:endParaRPr>
+          </a:p>
+        </p:txBody>
+      </p:sp>
+      <p:sp>
+        <p:nvSpPr>
+          <p:cNvPr id="9" name="內容版面配置區 3"/>
+          <p:cNvSpPr txBox="1">
+            <a:spLocks/>
+          </p:cNvSpPr>
+          <p:nvPr/>
+        </p:nvSpPr>
+        <p:spPr>
+          <a:xfrm>
+            <a:off x="4788024" y="2492896"/>
+            <a:ext cx="4038600" cy="3888432"/>
+          </a:xfrm>
+          <a:prstGeom prst="rect">
+            <a:avLst/>
+          </a:prstGeom>
+        </p:spPr>
+        <p:txBody>
+          <a:bodyPr/>
+          <a:lstStyle>
+            <a:lvl1pPr marL="274320" indent="-274320" algn="l" rtl="0" eaLnBrk="1" latinLnBrk="0" hangingPunct="1">
+              <a:spcBef>
+                <a:spcPct val="20000"/>
+              </a:spcBef>
+              <a:buClr>
+                <a:schemeClr val="accent1"/>
+              </a:buClr>
+              <a:buSzPct val="85000"/>
+              <a:buFont typeface="Wingdings 2"/>
+              <a:buChar char=""/>
+              <a:defRPr kumimoji="0" sz="2700" kern="1200">
+                <a:solidFill>
+                  <a:schemeClr val="tx1"/>
+                </a:solidFill>
+                <a:latin typeface="+mn-lt"/>
+                <a:ea typeface="+mn-ea"/>
+                <a:cs typeface="+mn-cs"/>
+              </a:defRPr>
+            </a:lvl1pPr>
+            <a:lvl2pPr marL="548640" indent="-274320" algn="l" rtl="0" eaLnBrk="1" latinLnBrk="0" hangingPunct="1">
+              <a:spcBef>
+                <a:spcPct val="20000"/>
+              </a:spcBef>
+              <a:buClr>
+                <a:schemeClr val="accent2"/>
+              </a:buClr>
+              <a:buSzPct val="70000"/>
+              <a:buFont typeface="Wingdings"/>
+              <a:buChar char=""/>
+              <a:defRPr kumimoji="0" sz="2200" kern="1200">
+                <a:solidFill>
+                  <a:schemeClr val="tx2"/>
+                </a:solidFill>
+                <a:latin typeface="+mn-lt"/>
+                <a:ea typeface="+mn-ea"/>
+                <a:cs typeface="+mn-cs"/>
+              </a:defRPr>
+            </a:lvl2pPr>
+            <a:lvl3pPr marL="822960" indent="-228600" algn="l" rtl="0" eaLnBrk="1" latinLnBrk="0" hangingPunct="1">
+              <a:spcBef>
+                <a:spcPct val="20000"/>
+              </a:spcBef>
+              <a:buClr>
+                <a:schemeClr val="accent3"/>
+              </a:buClr>
+              <a:buSzPct val="75000"/>
+              <a:buFont typeface="Wingdings 2"/>
+              <a:buChar char=""/>
+              <a:defRPr kumimoji="0" sz="2000" kern="1200">
+                <a:solidFill>
+                  <a:schemeClr val="tx1"/>
+                </a:solidFill>
+                <a:latin typeface="+mn-lt"/>
+                <a:ea typeface="+mn-ea"/>
+                <a:cs typeface="+mn-cs"/>
+              </a:defRPr>
+            </a:lvl3pPr>
+            <a:lvl4pPr marL="1097280" indent="-228600" algn="l" rtl="0" eaLnBrk="1" latinLnBrk="0" hangingPunct="1">
+              <a:spcBef>
+                <a:spcPct val="20000"/>
+              </a:spcBef>
+              <a:buClr>
+                <a:schemeClr val="accent4"/>
+              </a:buClr>
+              <a:buSzPct val="70000"/>
+              <a:buFont typeface="Wingdings"/>
+              <a:buChar char=""/>
+              <a:defRPr kumimoji="0" sz="2000" kern="1200">
+                <a:solidFill>
+                  <a:schemeClr val="tx2"/>
+                </a:solidFill>
+                <a:latin typeface="+mn-lt"/>
+                <a:ea typeface="+mn-ea"/>
+                <a:cs typeface="+mn-cs"/>
+              </a:defRPr>
+            </a:lvl4pPr>
+            <a:lvl5pPr marL="1371600" indent="-228600" algn="l" rtl="0" eaLnBrk="1" latinLnBrk="0" hangingPunct="1">
+              <a:spcBef>
+                <a:spcPct val="20000"/>
+              </a:spcBef>
+              <a:buClr>
+                <a:schemeClr val="accent5"/>
+              </a:buClr>
+              <a:buFontTx/>
+              <a:buChar char="•"/>
+              <a:defRPr kumimoji="0" sz="1800" kern="1200">
+                <a:solidFill>
+                  <a:schemeClr val="tx1"/>
+                </a:solidFill>
+                <a:latin typeface="+mn-lt"/>
+                <a:ea typeface="+mn-ea"/>
+                <a:cs typeface="+mn-cs"/>
+              </a:defRPr>
+            </a:lvl5pPr>
+            <a:lvl6pPr marL="1645920" indent="-182880" algn="l" rtl="0" eaLnBrk="1" latinLnBrk="0" hangingPunct="1">
+              <a:spcBef>
+                <a:spcPct val="20000"/>
+              </a:spcBef>
+              <a:buClr>
+                <a:schemeClr val="accent6"/>
+              </a:buClr>
+              <a:buSzPct val="80000"/>
+              <a:buFont typeface="Wingdings 2"/>
+              <a:buChar char=""/>
+              <a:defRPr kumimoji="0" sz="1800" kern="1200">
+                <a:solidFill>
+                  <a:schemeClr val="tx1"/>
+                </a:solidFill>
+                <a:latin typeface="+mn-lt"/>
+                <a:ea typeface="+mn-ea"/>
+                <a:cs typeface="+mn-cs"/>
+              </a:defRPr>
+            </a:lvl6pPr>
+            <a:lvl7pPr marL="1920240" indent="-182880" algn="l" rtl="0" eaLnBrk="1" latinLnBrk="0" hangingPunct="1">
+              <a:spcBef>
+                <a:spcPct val="20000"/>
+              </a:spcBef>
+              <a:buClr>
+                <a:schemeClr val="accent1">
+                  <a:shade val="75000"/>
+                </a:schemeClr>
+              </a:buClr>
+              <a:buSzPct val="90000"/>
+              <a:buChar char="•"/>
+              <a:defRPr kumimoji="0" sz="1600" kern="1200" baseline="0">
+                <a:solidFill>
+                  <a:schemeClr val="tx1"/>
+                </a:solidFill>
+                <a:latin typeface="+mn-lt"/>
+                <a:ea typeface="+mn-ea"/>
+                <a:cs typeface="+mn-cs"/>
+              </a:defRPr>
+            </a:lvl7pPr>
+            <a:lvl8pPr marL="2103120" indent="-182880" algn="l" rtl="0" eaLnBrk="1" latinLnBrk="0" hangingPunct="1">
+              <a:spcBef>
+                <a:spcPct val="20000"/>
+              </a:spcBef>
+              <a:buClr>
+                <a:schemeClr val="accent4">
+                  <a:shade val="75000"/>
+                </a:schemeClr>
+              </a:buClr>
+              <a:buChar char="•"/>
+              <a:defRPr kumimoji="0" sz="1600" kern="1200">
+                <a:solidFill>
+                  <a:schemeClr val="tx1"/>
+                </a:solidFill>
+                <a:latin typeface="+mn-lt"/>
+                <a:ea typeface="+mn-ea"/>
+                <a:cs typeface="+mn-cs"/>
+              </a:defRPr>
+            </a:lvl8pPr>
+            <a:lvl9pPr marL="2377440" indent="-182880" algn="l" rtl="0" eaLnBrk="1" latinLnBrk="0" hangingPunct="1">
+              <a:spcBef>
+                <a:spcPct val="20000"/>
+              </a:spcBef>
+              <a:buClr>
+                <a:schemeClr val="accent2">
+                  <a:shade val="75000"/>
+                </a:schemeClr>
+              </a:buClr>
+              <a:buSzPct val="90000"/>
+              <a:buChar char="•"/>
+              <a:defRPr kumimoji="0" sz="1400" kern="1200" cap="all" baseline="0">
+                <a:solidFill>
+                  <a:schemeClr val="tx1"/>
+                </a:solidFill>
+                <a:latin typeface="+mn-lt"/>
+                <a:ea typeface="+mn-ea"/>
+                <a:cs typeface="+mn-cs"/>
+              </a:defRPr>
+            </a:lvl9pPr>
+          </a:lstStyle>
+          <a:p>
+            <a:r>
+              <a:rPr lang="zh-TW" altLang="en-US" sz="2400" b="1" dirty="0" smtClean="0">
+                <a:solidFill>
+                  <a:schemeClr val="accent4">
+                    <a:lumMod val="75000"/>
+                  </a:schemeClr>
+                </a:solidFill>
+              </a:rPr>
+              <a:t>加入我們</a:t>
+            </a:r>
+            <a:endParaRPr lang="en-US" altLang="zh-TW" sz="2400" b="1" dirty="0" smtClean="0">
+              <a:solidFill>
+                <a:schemeClr val="accent4">
+                  <a:lumMod val="75000"/>
+                </a:schemeClr>
+              </a:solidFill>
+            </a:endParaRPr>
+          </a:p>
+          <a:p>
+            <a:r>
+              <a:rPr lang="zh-TW" altLang="en-US" sz="2000" b="1" dirty="0" smtClean="0">
+                <a:solidFill>
+                  <a:schemeClr val="tx2"/>
+                </a:solidFill>
+              </a:rPr>
+              <a:t>陳小心</a:t>
+            </a:r>
+            <a:endParaRPr lang="en-US" altLang="zh-TW" sz="2000" b="1" dirty="0" smtClean="0">
+              <a:solidFill>
+                <a:schemeClr val="tx2"/>
+              </a:solidFill>
+            </a:endParaRPr>
+          </a:p>
+          <a:p>
+            <a:r>
+              <a:rPr lang="en-US" altLang="zh-TW" sz="2000" b="1" dirty="0" smtClean="0">
+                <a:solidFill>
+                  <a:schemeClr val="tx2"/>
+                </a:solidFill>
+              </a:rPr>
+              <a:t>09456789123</a:t>
+            </a:r>
+          </a:p>
+          <a:p>
+            <a:r>
+              <a:rPr lang="en-US" altLang="zh-TW" sz="2000" b="1" dirty="0" smtClean="0">
+                <a:solidFill>
+                  <a:schemeClr val="tx2"/>
+                </a:solidFill>
+              </a:rPr>
+              <a:t>A4567@gmail.com</a:t>
+            </a:r>
+          </a:p>
+          <a:p>
+            <a:endParaRPr lang="en-US" altLang="zh-TW" sz="2000" b="1" dirty="0">
+              <a:solidFill>
+                <a:schemeClr val="tx2"/>
+              </a:solidFill>
+            </a:endParaRPr>
+          </a:p>
+          <a:p>
+            <a:r>
+              <a:rPr lang="zh-TW" altLang="en-US" sz="2400" b="1" dirty="0" smtClean="0">
+                <a:solidFill>
+                  <a:schemeClr val="accent4">
+                    <a:lumMod val="75000"/>
+                  </a:schemeClr>
+                </a:solidFill>
+              </a:rPr>
+              <a:t>實績展示</a:t>
+            </a:r>
+            <a:endParaRPr lang="en-US" altLang="zh-TW" sz="2400" b="1" dirty="0" smtClean="0">
+              <a:solidFill>
+                <a:schemeClr val="accent4">
+                  <a:lumMod val="75000"/>
+                </a:schemeClr>
+              </a:solidFill>
+            </a:endParaRPr>
+          </a:p>
+          <a:p>
+            <a:r>
+              <a:rPr lang="zh-TW" altLang="en-US" sz="2400" b="1" dirty="0" smtClean="0">
+                <a:solidFill>
+                  <a:schemeClr val="tx2"/>
+                </a:solidFill>
+              </a:rPr>
+              <a:t>新竹縣關西鎮小溪路</a:t>
+            </a:r>
+            <a:r>
+              <a:rPr lang="en-US" altLang="zh-TW" sz="2400" b="1" dirty="0" smtClean="0">
+                <a:solidFill>
+                  <a:schemeClr val="tx2"/>
+                </a:solidFill>
+              </a:rPr>
+              <a:t>12</a:t>
+            </a:r>
+            <a:r>
+              <a:rPr lang="zh-TW" altLang="en-US" sz="2400" b="1" dirty="0" smtClean="0">
+                <a:solidFill>
+                  <a:schemeClr val="tx2"/>
+                </a:solidFill>
+              </a:rPr>
+              <a:t>號</a:t>
+            </a:r>
+            <a:endParaRPr lang="en-US" altLang="zh-TW" sz="2400" b="1" dirty="0" smtClean="0">
+              <a:solidFill>
+                <a:schemeClr val="tx2"/>
+              </a:solidFill>
+            </a:endParaRPr>
+          </a:p>
+          <a:p>
+            <a:endParaRPr lang="en-US" altLang="zh-TW" b="1" u="sng" dirty="0" smtClean="0">
+              <a:solidFill>
+                <a:srgbClr val="FFC000"/>
+              </a:solidFill>
+            </a:endParaRPr>
+          </a:p>
+          <a:p>
+            <a:endParaRPr lang="zh-TW" altLang="en-US" b="1" u="sng" dirty="0">
+              <a:solidFill>
+                <a:srgbClr val="FFC000"/>
+              </a:solidFill>
+            </a:endParaRPr>
           </a:p>
         </p:txBody>
       </p:sp>

--- a/small_project/data_project/沅淯駿營造有限公司.pptx
+++ b/small_project/data_project/沅淯駿營造有限公司.pptx
@@ -7,13 +7,12 @@
   <p:sldIdLst>
     <p:sldId id="256" r:id="rId2"/>
     <p:sldId id="272" r:id="rId3"/>
-    <p:sldId id="257" r:id="rId4"/>
-    <p:sldId id="258" r:id="rId5"/>
-    <p:sldId id="259" r:id="rId6"/>
-    <p:sldId id="260" r:id="rId7"/>
-    <p:sldId id="261" r:id="rId8"/>
-    <p:sldId id="262" r:id="rId9"/>
-    <p:sldId id="273" r:id="rId10"/>
+    <p:sldId id="262" r:id="rId4"/>
+    <p:sldId id="257" r:id="rId5"/>
+    <p:sldId id="258" r:id="rId6"/>
+    <p:sldId id="259" r:id="rId7"/>
+    <p:sldId id="260" r:id="rId8"/>
+    <p:sldId id="273" r:id="rId9"/>
   </p:sldIdLst>
   <p:sldSz cx="9144000" cy="6858000" type="screen4x3"/>
   <p:notesSz cx="6858000" cy="9144000"/>
@@ -6228,18 +6227,82 @@
           <a:lstStyle/>
           <a:p>
             <a:r>
+              <a:rPr lang="en-US" altLang="zh-TW" b="1" dirty="0" smtClean="0"/>
+              <a:t>MVC</a:t>
+            </a:r>
+            <a:r>
               <a:rPr lang="zh-TW" altLang="en-US" b="1" dirty="0" smtClean="0"/>
-              <a:t>流程圖介紹 </a:t>
-            </a:r>
-            <a:r>
-              <a:rPr lang="en-US" altLang="zh-TW" b="1" dirty="0" smtClean="0"/>
-              <a:t>–</a:t>
-            </a:r>
-            <a:r>
-              <a:rPr lang="zh-TW" altLang="en-US" b="1" dirty="0" smtClean="0"/>
-              <a:t> 首頁</a:t>
+              <a:t>架構</a:t>
             </a:r>
             <a:endParaRPr lang="zh-TW" altLang="en-US" b="1" dirty="0"/>
+          </a:p>
+        </p:txBody>
+      </p:sp>
+      <p:sp>
+        <p:nvSpPr>
+          <p:cNvPr id="5" name="內容版面配置區 4"/>
+          <p:cNvSpPr>
+            <a:spLocks noGrp="1"/>
+          </p:cNvSpPr>
+          <p:nvPr>
+            <p:ph sz="half" idx="2"/>
+          </p:nvPr>
+        </p:nvSpPr>
+        <p:spPr/>
+        <p:txBody>
+          <a:bodyPr/>
+          <a:lstStyle/>
+          <a:p>
+            <a:r>
+              <a:rPr lang="en-US" altLang="zh-TW" dirty="0" smtClean="0"/>
+              <a:t>Core:</a:t>
+            </a:r>
+            <a:r>
+              <a:rPr lang="zh-TW" altLang="en-US" dirty="0" smtClean="0"/>
+              <a:t>將導頁面到最外面的</a:t>
+            </a:r>
+            <a:r>
+              <a:rPr lang="en-US" altLang="zh-TW" dirty="0" smtClean="0"/>
+              <a:t>index</a:t>
+            </a:r>
+            <a:r>
+              <a:rPr lang="zh-TW" altLang="en-US" dirty="0" smtClean="0"/>
+              <a:t>展示</a:t>
+            </a:r>
+            <a:endParaRPr lang="en-US" altLang="zh-TW" dirty="0" smtClean="0"/>
+          </a:p>
+          <a:p>
+            <a:r>
+              <a:rPr lang="en-US" altLang="zh-TW" dirty="0" smtClean="0"/>
+              <a:t>Controllers:</a:t>
+            </a:r>
+            <a:r>
+              <a:rPr lang="zh-TW" altLang="en-US" dirty="0" smtClean="0"/>
+              <a:t>放置功能相關的程式碼</a:t>
+            </a:r>
+            <a:endParaRPr lang="en-US" altLang="zh-TW" dirty="0" smtClean="0"/>
+          </a:p>
+          <a:p>
+            <a:r>
+              <a:rPr lang="en-US" altLang="zh-TW" dirty="0" smtClean="0"/>
+              <a:t>Models:</a:t>
+            </a:r>
+            <a:r>
+              <a:rPr lang="zh-TW" altLang="en-US" dirty="0" smtClean="0"/>
+              <a:t>放置資料庫相關的程式碼</a:t>
+            </a:r>
+            <a:endParaRPr lang="en-US" altLang="zh-TW" dirty="0" smtClean="0"/>
+          </a:p>
+          <a:p>
+            <a:r>
+              <a:rPr lang="en-US" altLang="zh-TW" dirty="0" smtClean="0"/>
+              <a:t>Views:</a:t>
+            </a:r>
+            <a:r>
+              <a:rPr lang="zh-TW" altLang="en-US" dirty="0" smtClean="0"/>
+              <a:t>放置介面相關的程式碼</a:t>
+            </a:r>
+            <a:endParaRPr lang="zh-TW" altLang="en-US" dirty="0"/>
           </a:p>
         </p:txBody>
       </p:sp>
@@ -6267,122 +6330,15 @@
         </p:blipFill>
         <p:spPr>
           <a:xfrm>
-            <a:off x="179513" y="2132856"/>
-            <a:ext cx="4392488" cy="4032448"/>
+            <a:off x="1639575" y="1555774"/>
+            <a:ext cx="1362700" cy="4681538"/>
           </a:xfrm>
         </p:spPr>
       </p:pic>
-      <p:sp>
-        <p:nvSpPr>
-          <p:cNvPr id="8" name="內容版面配置區 7"/>
-          <p:cNvSpPr>
-            <a:spLocks noGrp="1"/>
-          </p:cNvSpPr>
-          <p:nvPr>
-            <p:ph sz="half" idx="2"/>
-          </p:nvPr>
-        </p:nvSpPr>
-        <p:spPr/>
-        <p:txBody>
-          <a:bodyPr/>
-          <a:lstStyle/>
-          <a:p>
-            <a:r>
-              <a:rPr lang="zh-TW" altLang="en-US" b="1" dirty="0">
-                <a:solidFill>
-                  <a:srgbClr val="00B0F0"/>
-                </a:solidFill>
-              </a:rPr>
-              <a:t>一般</a:t>
-            </a:r>
-            <a:r>
-              <a:rPr lang="zh-TW" altLang="en-US" b="1" dirty="0" smtClean="0">
-                <a:solidFill>
-                  <a:srgbClr val="00B0F0"/>
-                </a:solidFill>
-              </a:rPr>
-              <a:t>訪客</a:t>
-            </a:r>
-            <a:r>
-              <a:rPr lang="en-US" altLang="zh-TW" dirty="0" smtClean="0"/>
-              <a:t>:</a:t>
-            </a:r>
-          </a:p>
-          <a:p>
-            <a:r>
-              <a:rPr lang="zh-TW" altLang="en-US" dirty="0" smtClean="0"/>
-              <a:t>瀏覽網頁</a:t>
-            </a:r>
-            <a:endParaRPr lang="en-US" altLang="zh-TW" dirty="0" smtClean="0"/>
-          </a:p>
-          <a:p>
-            <a:r>
-              <a:rPr lang="zh-TW" altLang="en-US" b="1" dirty="0" smtClean="0">
-                <a:solidFill>
-                  <a:srgbClr val="7030A0"/>
-                </a:solidFill>
-              </a:rPr>
-              <a:t>管理員</a:t>
-            </a:r>
-            <a:r>
-              <a:rPr lang="en-US" altLang="zh-TW" dirty="0" smtClean="0"/>
-              <a:t>:</a:t>
-            </a:r>
-          </a:p>
-          <a:p>
-            <a:r>
-              <a:rPr lang="zh-TW" altLang="en-US" dirty="0"/>
-              <a:t>瀏覽</a:t>
-            </a:r>
-            <a:r>
-              <a:rPr lang="zh-TW" altLang="en-US" dirty="0" smtClean="0"/>
-              <a:t>網頁</a:t>
-            </a:r>
-            <a:endParaRPr lang="en-US" altLang="zh-TW" dirty="0" smtClean="0"/>
-          </a:p>
-          <a:p>
-            <a:r>
-              <a:rPr lang="zh-TW" altLang="en-US" b="1" u="sng" dirty="0" smtClean="0">
-                <a:solidFill>
-                  <a:srgbClr val="FFC000"/>
-                </a:solidFill>
-              </a:rPr>
-              <a:t>編輯</a:t>
-            </a:r>
-            <a:r>
-              <a:rPr lang="zh-TW" altLang="en-US" dirty="0" smtClean="0"/>
-              <a:t>公司簡介的內容</a:t>
-            </a:r>
-            <a:endParaRPr lang="en-US" altLang="zh-TW" dirty="0" smtClean="0"/>
-          </a:p>
-          <a:p>
-            <a:r>
-              <a:rPr lang="zh-TW" altLang="en-US" b="1" u="sng" dirty="0">
-                <a:solidFill>
-                  <a:srgbClr val="FFC000"/>
-                </a:solidFill>
-              </a:rPr>
-              <a:t>編輯</a:t>
-            </a:r>
-            <a:r>
-              <a:rPr lang="zh-TW" altLang="en-US" dirty="0"/>
-              <a:t>聯絡</a:t>
-            </a:r>
-            <a:r>
-              <a:rPr lang="zh-TW" altLang="en-US" dirty="0" smtClean="0"/>
-              <a:t>我們的內容</a:t>
-            </a:r>
-            <a:endParaRPr lang="en-US" altLang="zh-TW" dirty="0" smtClean="0"/>
-          </a:p>
-          <a:p>
-            <a:endParaRPr lang="zh-TW" altLang="en-US" dirty="0"/>
-          </a:p>
-        </p:txBody>
-      </p:sp>
     </p:spTree>
     <p:extLst>
       <p:ext uri="{BB962C8B-B14F-4D97-AF65-F5344CB8AC3E}">
-        <p14:creationId xmlns:p14="http://schemas.microsoft.com/office/powerpoint/2010/main" val="1733248928"/>
+        <p14:creationId xmlns:p14="http://schemas.microsoft.com/office/powerpoint/2010/main" val="3412768333"/>
       </p:ext>
     </p:extLst>
   </p:cSld>
@@ -6441,7 +6397,7 @@
             </a:r>
             <a:r>
               <a:rPr lang="zh-TW" altLang="en-US" b="1" dirty="0" smtClean="0"/>
-              <a:t> 實績展示</a:t>
+              <a:t> 首頁</a:t>
             </a:r>
             <a:endParaRPr lang="zh-TW" altLang="en-US" b="1" dirty="0"/>
           </a:p>
@@ -6449,7 +6405,7 @@
       </p:sp>
       <p:pic>
         <p:nvPicPr>
-          <p:cNvPr id="5" name="內容版面配置區 4"/>
+          <p:cNvPr id="6" name="內容版面配置區 5"/>
           <p:cNvPicPr>
             <a:picLocks noGrp="1" noChangeAspect="1"/>
           </p:cNvPicPr>
@@ -6478,7 +6434,7 @@
       </p:pic>
       <p:sp>
         <p:nvSpPr>
-          <p:cNvPr id="4" name="內容版面配置區 3"/>
+          <p:cNvPr id="8" name="內容版面配置區 7"/>
           <p:cNvSpPr>
             <a:spLocks noGrp="1"/>
           </p:cNvSpPr>
@@ -6491,13 +6447,21 @@
           <a:bodyPr/>
           <a:lstStyle/>
           <a:p>
+            <a:r>
+              <a:rPr lang="zh-TW" altLang="en-US" b="1" dirty="0">
+                <a:solidFill>
+                  <a:srgbClr val="00B0F0"/>
+                </a:solidFill>
+              </a:rPr>
+              <a:t>一般</a:t>
+            </a:r>
             <a:r>
               <a:rPr lang="zh-TW" altLang="en-US" b="1" dirty="0" smtClean="0">
                 <a:solidFill>
                   <a:srgbClr val="00B0F0"/>
                 </a:solidFill>
               </a:rPr>
-              <a:t>一般訪客</a:t>
+              <a:t>訪客</a:t>
             </a:r>
             <a:r>
               <a:rPr lang="en-US" altLang="zh-TW" dirty="0" smtClean="0"/>
@@ -6506,14 +6470,10 @@
           </a:p>
           <a:p>
             <a:r>
-              <a:rPr lang="zh-TW" altLang="en-US" dirty="0"/>
-              <a:t>瀏覽</a:t>
-            </a:r>
-            <a:r>
               <a:rPr lang="zh-TW" altLang="en-US" dirty="0" smtClean="0"/>
-              <a:t>網頁</a:t>
-            </a:r>
-            <a:endParaRPr lang="en-US" altLang="zh-TW" dirty="0"/>
+              <a:t>瀏覽網頁</a:t>
+            </a:r>
+            <a:endParaRPr lang="en-US" altLang="zh-TW" dirty="0" smtClean="0"/>
           </a:p>
           <a:p>
             <a:r>
@@ -6531,16 +6491,12 @@
           </a:p>
           <a:p>
             <a:r>
-              <a:rPr lang="zh-TW" altLang="en-US" b="1" u="sng" dirty="0" smtClean="0">
-                <a:solidFill>
-                  <a:srgbClr val="FFC000"/>
-                </a:solidFill>
-              </a:rPr>
-              <a:t>新增、刪除或修改</a:t>
+              <a:rPr lang="zh-TW" altLang="en-US" dirty="0"/>
+              <a:t>瀏覽</a:t>
             </a:r>
             <a:r>
               <a:rPr lang="zh-TW" altLang="en-US" dirty="0" smtClean="0"/>
-              <a:t>圖片及專案內容</a:t>
+              <a:t>網頁</a:t>
             </a:r>
             <a:endParaRPr lang="en-US" altLang="zh-TW" dirty="0" smtClean="0"/>
           </a:p>
@@ -6555,8 +6511,49 @@
             </a:r>
             <a:r>
               <a:rPr lang="zh-TW" altLang="en-US" dirty="0" smtClean="0"/>
-              <a:t>聯絡我們的內容</a:t>
-            </a:r>
+              <a:t>公司簡介的內容</a:t>
+            </a:r>
+            <a:endParaRPr lang="en-US" altLang="zh-TW" dirty="0" smtClean="0"/>
+          </a:p>
+          <a:p>
+            <a:r>
+              <a:rPr lang="zh-TW" altLang="en-US" b="1" u="sng" dirty="0">
+                <a:solidFill>
+                  <a:srgbClr val="FFC000"/>
+                </a:solidFill>
+              </a:rPr>
+              <a:t>編輯</a:t>
+            </a:r>
+            <a:r>
+              <a:rPr lang="zh-TW" altLang="en-US" dirty="0"/>
+              <a:t>聯絡</a:t>
+            </a:r>
+            <a:r>
+              <a:rPr lang="zh-TW" altLang="en-US" dirty="0" smtClean="0"/>
+              <a:t>我們的</a:t>
+            </a:r>
+            <a:r>
+              <a:rPr lang="zh-TW" altLang="en-US" dirty="0" smtClean="0"/>
+              <a:t>內容</a:t>
+            </a:r>
+            <a:endParaRPr lang="en-US" altLang="zh-TW" dirty="0" smtClean="0"/>
+          </a:p>
+          <a:p>
+            <a:r>
+              <a:rPr lang="en-US" altLang="zh-TW" dirty="0">
+                <a:hlinkClick r:id="rId3"/>
+              </a:rPr>
+              <a:t>https://</a:t>
+            </a:r>
+            <a:r>
+              <a:rPr lang="en-US" altLang="zh-TW" dirty="0" smtClean="0">
+                <a:hlinkClick r:id="rId3"/>
+              </a:rPr>
+              <a:t>www.codepile.net/pile/QojvQdoR</a:t>
+            </a:r>
+            <a:endParaRPr lang="en-US" altLang="zh-TW" dirty="0" smtClean="0"/>
+          </a:p>
+          <a:p>
             <a:endParaRPr lang="en-US" altLang="zh-TW" dirty="0" smtClean="0"/>
           </a:p>
           <a:p>
@@ -6567,7 +6564,7 @@
     </p:spTree>
     <p:extLst>
       <p:ext uri="{BB962C8B-B14F-4D97-AF65-F5344CB8AC3E}">
-        <p14:creationId xmlns:p14="http://schemas.microsoft.com/office/powerpoint/2010/main" val="2592586096"/>
+        <p14:creationId xmlns:p14="http://schemas.microsoft.com/office/powerpoint/2010/main" val="1733248928"/>
       </p:ext>
     </p:extLst>
   </p:cSld>
@@ -6626,7 +6623,7 @@
             </a:r>
             <a:r>
               <a:rPr lang="zh-TW" altLang="en-US" b="1" dirty="0" smtClean="0"/>
-              <a:t> 廠商招募</a:t>
+              <a:t> 實績展示</a:t>
             </a:r>
             <a:endParaRPr lang="zh-TW" altLang="en-US" b="1" dirty="0"/>
           </a:p>
@@ -6656,8 +6653,8 @@
         </p:blipFill>
         <p:spPr>
           <a:xfrm>
-            <a:off x="179511" y="2132856"/>
-            <a:ext cx="4392489" cy="4032448"/>
+            <a:off x="179513" y="2132856"/>
+            <a:ext cx="4392488" cy="4032448"/>
           </a:xfrm>
         </p:spPr>
       </p:pic>
@@ -6671,16 +6668,9 @@
             <p:ph sz="half" idx="2"/>
           </p:nvPr>
         </p:nvSpPr>
-        <p:spPr>
-          <a:xfrm>
-            <a:off x="4648200" y="1673352"/>
-            <a:ext cx="4038600" cy="4131912"/>
-          </a:xfrm>
-        </p:spPr>
-        <p:txBody>
-          <a:bodyPr>
-            <a:normAutofit/>
-          </a:bodyPr>
+        <p:spPr/>
+        <p:txBody>
+          <a:bodyPr/>
           <a:lstStyle/>
           <a:p>
             <a:r>
@@ -6698,20 +6688,12 @@
           </a:p>
           <a:p>
             <a:r>
+              <a:rPr lang="zh-TW" altLang="en-US" dirty="0"/>
+              <a:t>瀏覽</a:t>
+            </a:r>
+            <a:r>
               <a:rPr lang="zh-TW" altLang="en-US" dirty="0" smtClean="0"/>
-              <a:t>如果要包攬工程，可以</a:t>
-            </a:r>
-            <a:r>
-              <a:rPr lang="zh-TW" altLang="en-US" b="1" u="sng" dirty="0" smtClean="0">
-                <a:solidFill>
-                  <a:srgbClr val="FFC000"/>
-                </a:solidFill>
-              </a:rPr>
-              <a:t>留下資料</a:t>
-            </a:r>
-            <a:r>
-              <a:rPr lang="zh-TW" altLang="en-US" dirty="0" smtClean="0"/>
-              <a:t>方便連絡</a:t>
+              <a:t>網頁</a:t>
             </a:r>
             <a:endParaRPr lang="en-US" altLang="zh-TW" dirty="0"/>
           </a:p>
@@ -6731,20 +6713,40 @@
           </a:p>
           <a:p>
             <a:r>
-              <a:rPr lang="zh-TW" altLang="en-US" dirty="0" smtClean="0"/>
-              <a:t>查看相關資料，看過後不需要的話可以</a:t>
-            </a:r>
-            <a:r>
               <a:rPr lang="zh-TW" altLang="en-US" b="1" u="sng" dirty="0" smtClean="0">
                 <a:solidFill>
                   <a:srgbClr val="FFC000"/>
                 </a:solidFill>
               </a:rPr>
-              <a:t>刪除</a:t>
+              <a:t>新增、</a:t>
+            </a:r>
+            <a:r>
+              <a:rPr lang="zh-TW" altLang="en-US" b="1" u="sng" dirty="0" smtClean="0">
+                <a:solidFill>
+                  <a:srgbClr val="FFC000"/>
+                </a:solidFill>
+              </a:rPr>
+              <a:t>刪除或</a:t>
+            </a:r>
+            <a:r>
+              <a:rPr lang="zh-TW" altLang="en-US" b="1" u="sng" dirty="0" smtClean="0">
+                <a:solidFill>
+                  <a:srgbClr val="FFC000"/>
+                </a:solidFill>
+              </a:rPr>
+              <a:t>修改</a:t>
             </a:r>
             <a:r>
               <a:rPr lang="zh-TW" altLang="en-US" dirty="0" smtClean="0"/>
-              <a:t>資料</a:t>
+              <a:t>圖片</a:t>
+            </a:r>
+            <a:r>
+              <a:rPr lang="zh-TW" altLang="en-US" dirty="0" smtClean="0"/>
+              <a:t>及專案</a:t>
+            </a:r>
+            <a:r>
+              <a:rPr lang="zh-TW" altLang="en-US" dirty="0" smtClean="0"/>
+              <a:t>內容</a:t>
             </a:r>
             <a:endParaRPr lang="en-US" altLang="zh-TW" dirty="0" smtClean="0"/>
           </a:p>
@@ -6759,8 +6761,45 @@
             </a:r>
             <a:r>
               <a:rPr lang="zh-TW" altLang="en-US" dirty="0" smtClean="0"/>
-              <a:t>聯絡我們的內容</a:t>
-            </a:r>
+              <a:t>聯絡我們的</a:t>
+            </a:r>
+            <a:r>
+              <a:rPr lang="zh-TW" altLang="en-US" dirty="0" smtClean="0"/>
+              <a:t>內容</a:t>
+            </a:r>
+            <a:endParaRPr lang="en-US" altLang="zh-TW" dirty="0" smtClean="0"/>
+          </a:p>
+          <a:p>
+            <a:r>
+              <a:rPr lang="en-US" altLang="zh-TW" dirty="0">
+                <a:hlinkClick r:id="rId3"/>
+              </a:rPr>
+              <a:t>https://</a:t>
+            </a:r>
+            <a:r>
+              <a:rPr lang="en-US" altLang="zh-TW" dirty="0" smtClean="0">
+                <a:hlinkClick r:id="rId3"/>
+              </a:rPr>
+              <a:t>www.codepile.net/pile/QojvQdoR</a:t>
+            </a:r>
+            <a:endParaRPr lang="en-US" altLang="zh-TW" dirty="0" smtClean="0"/>
+          </a:p>
+          <a:p>
+            <a:r>
+              <a:rPr lang="en-US" altLang="zh-TW" dirty="0">
+                <a:hlinkClick r:id="rId3"/>
+              </a:rPr>
+              <a:t>https://www.codepile.net/pile/QojvQdoR</a:t>
+            </a:r>
+            <a:endParaRPr lang="en-US" altLang="zh-TW" dirty="0"/>
+          </a:p>
+          <a:p>
+            <a:endParaRPr lang="en-US" altLang="zh-TW" dirty="0" smtClean="0"/>
+          </a:p>
+          <a:p>
+            <a:endParaRPr lang="en-US" altLang="zh-TW" dirty="0" smtClean="0"/>
+          </a:p>
+          <a:p>
             <a:endParaRPr lang="zh-TW" altLang="en-US" dirty="0"/>
           </a:p>
         </p:txBody>
@@ -6768,7 +6807,7 @@
     </p:spTree>
     <p:extLst>
       <p:ext uri="{BB962C8B-B14F-4D97-AF65-F5344CB8AC3E}">
-        <p14:creationId xmlns:p14="http://schemas.microsoft.com/office/powerpoint/2010/main" val="4041476322"/>
+        <p14:creationId xmlns:p14="http://schemas.microsoft.com/office/powerpoint/2010/main" val="2592586096"/>
       </p:ext>
     </p:extLst>
   </p:cSld>
@@ -6827,7 +6866,7 @@
             </a:r>
             <a:r>
               <a:rPr lang="zh-TW" altLang="en-US" b="1" dirty="0" smtClean="0"/>
-              <a:t> 加入我們</a:t>
+              <a:t> 廠商招募</a:t>
             </a:r>
             <a:endParaRPr lang="zh-TW" altLang="en-US" b="1" dirty="0"/>
           </a:p>
@@ -6857,8 +6896,8 @@
         </p:blipFill>
         <p:spPr>
           <a:xfrm>
-            <a:off x="179512" y="2132856"/>
-            <a:ext cx="4392488" cy="4032448"/>
+            <a:off x="179511" y="2132856"/>
+            <a:ext cx="4392489" cy="4032448"/>
           </a:xfrm>
         </p:spPr>
       </p:pic>
@@ -6872,9 +6911,16 @@
             <p:ph sz="half" idx="2"/>
           </p:nvPr>
         </p:nvSpPr>
-        <p:spPr/>
-        <p:txBody>
-          <a:bodyPr/>
+        <p:spPr>
+          <a:xfrm>
+            <a:off x="4648200" y="1673352"/>
+            <a:ext cx="4038600" cy="4131912"/>
+          </a:xfrm>
+        </p:spPr>
+        <p:txBody>
+          <a:bodyPr>
+            <a:normAutofit/>
+          </a:bodyPr>
           <a:lstStyle/>
           <a:p>
             <a:r>
@@ -6893,7 +6939,7 @@
           <a:p>
             <a:r>
               <a:rPr lang="zh-TW" altLang="en-US" dirty="0" smtClean="0"/>
-              <a:t>如果要加入公司可以</a:t>
+              <a:t>如果要包攬工程，可以</a:t>
             </a:r>
             <a:r>
               <a:rPr lang="zh-TW" altLang="en-US" b="1" u="sng" dirty="0" smtClean="0">
@@ -6901,13 +6947,13 @@
                   <a:srgbClr val="FFC000"/>
                 </a:solidFill>
               </a:rPr>
-              <a:t>留下聯絡資訊</a:t>
-            </a:r>
-            <a:endParaRPr lang="en-US" altLang="zh-TW" b="1" u="sng" dirty="0" smtClean="0">
-              <a:solidFill>
-                <a:srgbClr val="FFC000"/>
-              </a:solidFill>
-            </a:endParaRPr>
+              <a:t>留下資料</a:t>
+            </a:r>
+            <a:r>
+              <a:rPr lang="zh-TW" altLang="en-US" dirty="0" smtClean="0"/>
+              <a:t>方便連絡</a:t>
+            </a:r>
+            <a:endParaRPr lang="en-US" altLang="zh-TW" dirty="0"/>
           </a:p>
           <a:p>
             <a:r>
@@ -6925,12 +6971,8 @@
           </a:p>
           <a:p>
             <a:r>
-              <a:rPr lang="zh-TW" altLang="en-US" dirty="0"/>
-              <a:t>查看相關</a:t>
-            </a:r>
-            <a:r>
               <a:rPr lang="zh-TW" altLang="en-US" dirty="0" smtClean="0"/>
-              <a:t>資料，看過後不需要的話可以</a:t>
+              <a:t>查看相關資料，看過後不需要的話可以</a:t>
             </a:r>
             <a:r>
               <a:rPr lang="zh-TW" altLang="en-US" b="1" u="sng" dirty="0" smtClean="0">
@@ -6940,18 +6982,52 @@
               </a:rPr>
               <a:t>刪除</a:t>
             </a:r>
-            <a:endParaRPr lang="zh-TW" altLang="en-US" b="1" u="sng" dirty="0">
-              <a:solidFill>
-                <a:srgbClr val="FFC000"/>
-              </a:solidFill>
-            </a:endParaRPr>
+            <a:r>
+              <a:rPr lang="zh-TW" altLang="en-US" dirty="0" smtClean="0"/>
+              <a:t>資料</a:t>
+            </a:r>
+            <a:endParaRPr lang="en-US" altLang="zh-TW" dirty="0" smtClean="0"/>
+          </a:p>
+          <a:p>
+            <a:r>
+              <a:rPr lang="zh-TW" altLang="en-US" b="1" u="sng" dirty="0" smtClean="0">
+                <a:solidFill>
+                  <a:srgbClr val="FFC000"/>
+                </a:solidFill>
+              </a:rPr>
+              <a:t>編輯</a:t>
+            </a:r>
+            <a:r>
+              <a:rPr lang="zh-TW" altLang="en-US" dirty="0" smtClean="0"/>
+              <a:t>聯絡我們的</a:t>
+            </a:r>
+            <a:r>
+              <a:rPr lang="zh-TW" altLang="en-US" dirty="0" smtClean="0"/>
+              <a:t>內容</a:t>
+            </a:r>
+            <a:endParaRPr lang="en-US" altLang="zh-TW" dirty="0" smtClean="0"/>
+          </a:p>
+          <a:p>
+            <a:r>
+              <a:rPr lang="en-US" altLang="zh-TW" dirty="0">
+                <a:hlinkClick r:id="rId3"/>
+              </a:rPr>
+              <a:t>https://</a:t>
+            </a:r>
+            <a:r>
+              <a:rPr lang="en-US" altLang="zh-TW" dirty="0" smtClean="0">
+                <a:hlinkClick r:id="rId3"/>
+              </a:rPr>
+              <a:t>www.codepile.net/pile/Dn24JqPv</a:t>
+            </a:r>
+            <a:endParaRPr lang="en-US" altLang="zh-TW" dirty="0" smtClean="0"/>
           </a:p>
         </p:txBody>
       </p:sp>
     </p:spTree>
     <p:extLst>
       <p:ext uri="{BB962C8B-B14F-4D97-AF65-F5344CB8AC3E}">
-        <p14:creationId xmlns:p14="http://schemas.microsoft.com/office/powerpoint/2010/main" val="963927445"/>
+        <p14:creationId xmlns:p14="http://schemas.microsoft.com/office/powerpoint/2010/main" val="4041476322"/>
       </p:ext>
     </p:extLst>
   </p:cSld>
@@ -6987,7 +7063,7 @@
       </p:grpSpPr>
       <p:sp>
         <p:nvSpPr>
-          <p:cNvPr id="5" name="標題 4"/>
+          <p:cNvPr id="2" name="標題 1"/>
           <p:cNvSpPr>
             <a:spLocks noGrp="1"/>
           </p:cNvSpPr>
@@ -7002,7 +7078,15 @@
           <a:p>
             <a:r>
               <a:rPr lang="zh-TW" altLang="en-US" b="1" dirty="0" smtClean="0"/>
-              <a:t>資料庫介紹</a:t>
+              <a:t>流程圖介紹 </a:t>
+            </a:r>
+            <a:r>
+              <a:rPr lang="en-US" altLang="zh-TW" b="1" dirty="0" smtClean="0"/>
+              <a:t>–</a:t>
+            </a:r>
+            <a:r>
+              <a:rPr lang="zh-TW" altLang="en-US" b="1" dirty="0" smtClean="0"/>
+              <a:t> 加入我們</a:t>
             </a:r>
             <a:endParaRPr lang="zh-TW" altLang="en-US" b="1" dirty="0"/>
           </a:p>
@@ -7010,12 +7094,12 @@
       </p:sp>
       <p:pic>
         <p:nvPicPr>
-          <p:cNvPr id="10" name="內容版面配置區 9"/>
+          <p:cNvPr id="5" name="內容版面配置區 4"/>
           <p:cNvPicPr>
             <a:picLocks noGrp="1" noChangeAspect="1"/>
           </p:cNvPicPr>
           <p:nvPr>
-            <p:ph sz="quarter" idx="1"/>
+            <p:ph sz="half" idx="1"/>
           </p:nvPr>
         </p:nvPicPr>
         <p:blipFill>
@@ -7032,15 +7116,126 @@
         </p:blipFill>
         <p:spPr>
           <a:xfrm>
-            <a:off x="179512" y="2300348"/>
-            <a:ext cx="8784976" cy="3038282"/>
+            <a:off x="179512" y="2132856"/>
+            <a:ext cx="4392488" cy="4032448"/>
           </a:xfrm>
         </p:spPr>
       </p:pic>
+      <p:sp>
+        <p:nvSpPr>
+          <p:cNvPr id="4" name="內容版面配置區 3"/>
+          <p:cNvSpPr>
+            <a:spLocks noGrp="1"/>
+          </p:cNvSpPr>
+          <p:nvPr>
+            <p:ph sz="half" idx="2"/>
+          </p:nvPr>
+        </p:nvSpPr>
+        <p:spPr/>
+        <p:txBody>
+          <a:bodyPr/>
+          <a:lstStyle/>
+          <a:p>
+            <a:r>
+              <a:rPr lang="zh-TW" altLang="en-US" b="1" dirty="0" smtClean="0">
+                <a:solidFill>
+                  <a:srgbClr val="00B0F0"/>
+                </a:solidFill>
+              </a:rPr>
+              <a:t>一般訪客</a:t>
+            </a:r>
+            <a:r>
+              <a:rPr lang="en-US" altLang="zh-TW" dirty="0" smtClean="0"/>
+              <a:t>:</a:t>
+            </a:r>
+          </a:p>
+          <a:p>
+            <a:r>
+              <a:rPr lang="zh-TW" altLang="en-US" dirty="0" smtClean="0"/>
+              <a:t>如果要加入公司可以</a:t>
+            </a:r>
+            <a:r>
+              <a:rPr lang="zh-TW" altLang="en-US" b="1" u="sng" dirty="0" smtClean="0">
+                <a:solidFill>
+                  <a:srgbClr val="FFC000"/>
+                </a:solidFill>
+              </a:rPr>
+              <a:t>留下聯絡資訊</a:t>
+            </a:r>
+            <a:endParaRPr lang="en-US" altLang="zh-TW" b="1" u="sng" dirty="0" smtClean="0">
+              <a:solidFill>
+                <a:srgbClr val="FFC000"/>
+              </a:solidFill>
+            </a:endParaRPr>
+          </a:p>
+          <a:p>
+            <a:r>
+              <a:rPr lang="zh-TW" altLang="en-US" b="1" dirty="0" smtClean="0">
+                <a:solidFill>
+                  <a:srgbClr val="7030A0"/>
+                </a:solidFill>
+              </a:rPr>
+              <a:t>管理員</a:t>
+            </a:r>
+            <a:r>
+              <a:rPr lang="en-US" altLang="zh-TW" dirty="0" smtClean="0"/>
+              <a:t>:</a:t>
+            </a:r>
+          </a:p>
+          <a:p>
+            <a:r>
+              <a:rPr lang="zh-TW" altLang="en-US" dirty="0"/>
+              <a:t>查看相關</a:t>
+            </a:r>
+            <a:r>
+              <a:rPr lang="zh-TW" altLang="en-US" dirty="0" smtClean="0"/>
+              <a:t>資料，看過後不需要的話可以</a:t>
+            </a:r>
+            <a:r>
+              <a:rPr lang="zh-TW" altLang="en-US" b="1" u="sng" dirty="0" smtClean="0">
+                <a:solidFill>
+                  <a:srgbClr val="FFC000"/>
+                </a:solidFill>
+              </a:rPr>
+              <a:t>刪除</a:t>
+            </a:r>
+            <a:endParaRPr lang="en-US" altLang="zh-TW" b="1" u="sng" dirty="0" smtClean="0">
+              <a:solidFill>
+                <a:srgbClr val="FFC000"/>
+              </a:solidFill>
+            </a:endParaRPr>
+          </a:p>
+          <a:p>
+            <a:r>
+              <a:rPr lang="en-US" altLang="zh-TW" b="1" u="sng" dirty="0">
+                <a:solidFill>
+                  <a:srgbClr val="FFC000"/>
+                </a:solidFill>
+                <a:hlinkClick r:id="rId3"/>
+              </a:rPr>
+              <a:t>https://</a:t>
+            </a:r>
+            <a:r>
+              <a:rPr lang="en-US" altLang="zh-TW" b="1" u="sng" dirty="0" smtClean="0">
+                <a:solidFill>
+                  <a:srgbClr val="FFC000"/>
+                </a:solidFill>
+                <a:hlinkClick r:id="rId3"/>
+              </a:rPr>
+              <a:t>www.codepile.net/pile/Dw2bn6wy</a:t>
+            </a:r>
+            <a:endParaRPr lang="en-US" altLang="zh-TW" b="1" u="sng" dirty="0" smtClean="0">
+              <a:solidFill>
+                <a:srgbClr val="FFC000"/>
+              </a:solidFill>
+            </a:endParaRPr>
+          </a:p>
+        </p:txBody>
+      </p:sp>
     </p:spTree>
     <p:extLst>
       <p:ext uri="{BB962C8B-B14F-4D97-AF65-F5344CB8AC3E}">
-        <p14:creationId xmlns:p14="http://schemas.microsoft.com/office/powerpoint/2010/main" val="3636004679"/>
+        <p14:creationId xmlns:p14="http://schemas.microsoft.com/office/powerpoint/2010/main" val="963927445"/>
       </p:ext>
     </p:extLst>
   </p:cSld>
@@ -7076,167 +7271,6 @@
       </p:grpSpPr>
       <p:sp>
         <p:nvSpPr>
-          <p:cNvPr id="2" name="標題 1"/>
-          <p:cNvSpPr>
-            <a:spLocks noGrp="1"/>
-          </p:cNvSpPr>
-          <p:nvPr>
-            <p:ph type="title"/>
-          </p:nvPr>
-        </p:nvSpPr>
-        <p:spPr/>
-        <p:txBody>
-          <a:bodyPr/>
-          <a:lstStyle/>
-          <a:p>
-            <a:r>
-              <a:rPr lang="en-US" altLang="zh-TW" b="1" dirty="0" smtClean="0"/>
-              <a:t>MVC</a:t>
-            </a:r>
-            <a:r>
-              <a:rPr lang="zh-TW" altLang="en-US" b="1" dirty="0" smtClean="0"/>
-              <a:t>架構</a:t>
-            </a:r>
-            <a:endParaRPr lang="zh-TW" altLang="en-US" b="1" dirty="0"/>
-          </a:p>
-        </p:txBody>
-      </p:sp>
-      <p:sp>
-        <p:nvSpPr>
-          <p:cNvPr id="5" name="內容版面配置區 4"/>
-          <p:cNvSpPr>
-            <a:spLocks noGrp="1"/>
-          </p:cNvSpPr>
-          <p:nvPr>
-            <p:ph sz="half" idx="2"/>
-          </p:nvPr>
-        </p:nvSpPr>
-        <p:spPr/>
-        <p:txBody>
-          <a:bodyPr/>
-          <a:lstStyle/>
-          <a:p>
-            <a:r>
-              <a:rPr lang="en-US" altLang="zh-TW" dirty="0" smtClean="0"/>
-              <a:t>Core:</a:t>
-            </a:r>
-            <a:r>
-              <a:rPr lang="zh-TW" altLang="en-US" dirty="0" smtClean="0"/>
-              <a:t>將導頁面到最外面的</a:t>
-            </a:r>
-            <a:r>
-              <a:rPr lang="en-US" altLang="zh-TW" dirty="0" smtClean="0"/>
-              <a:t>index</a:t>
-            </a:r>
-            <a:r>
-              <a:rPr lang="zh-TW" altLang="en-US" dirty="0" smtClean="0"/>
-              <a:t>展示</a:t>
-            </a:r>
-            <a:endParaRPr lang="en-US" altLang="zh-TW" dirty="0" smtClean="0"/>
-          </a:p>
-          <a:p>
-            <a:r>
-              <a:rPr lang="en-US" altLang="zh-TW" dirty="0" smtClean="0"/>
-              <a:t>Controllers:</a:t>
-            </a:r>
-            <a:r>
-              <a:rPr lang="zh-TW" altLang="en-US" dirty="0" smtClean="0"/>
-              <a:t>放置功能相關的程式碼</a:t>
-            </a:r>
-            <a:endParaRPr lang="en-US" altLang="zh-TW" dirty="0" smtClean="0"/>
-          </a:p>
-          <a:p>
-            <a:r>
-              <a:rPr lang="en-US" altLang="zh-TW" dirty="0" smtClean="0"/>
-              <a:t>Models:</a:t>
-            </a:r>
-            <a:r>
-              <a:rPr lang="zh-TW" altLang="en-US" dirty="0" smtClean="0"/>
-              <a:t>放置資料庫相關的程式碼</a:t>
-            </a:r>
-            <a:endParaRPr lang="en-US" altLang="zh-TW" dirty="0" smtClean="0"/>
-          </a:p>
-          <a:p>
-            <a:r>
-              <a:rPr lang="en-US" altLang="zh-TW" dirty="0" smtClean="0"/>
-              <a:t>Views:</a:t>
-            </a:r>
-            <a:r>
-              <a:rPr lang="zh-TW" altLang="en-US" dirty="0" smtClean="0"/>
-              <a:t>放置介面相關的程式碼</a:t>
-            </a:r>
-            <a:endParaRPr lang="zh-TW" altLang="en-US" dirty="0"/>
-          </a:p>
-        </p:txBody>
-      </p:sp>
-      <p:pic>
-        <p:nvPicPr>
-          <p:cNvPr id="6" name="內容版面配置區 5"/>
-          <p:cNvPicPr>
-            <a:picLocks noGrp="1" noChangeAspect="1"/>
-          </p:cNvPicPr>
-          <p:nvPr>
-            <p:ph sz="half" idx="1"/>
-          </p:nvPr>
-        </p:nvPicPr>
-        <p:blipFill>
-          <a:blip r:embed="rId2">
-            <a:extLst>
-              <a:ext uri="{28A0092B-C50C-407E-A947-70E740481C1C}">
-                <a14:useLocalDpi xmlns:a14="http://schemas.microsoft.com/office/drawing/2010/main" val="0"/>
-              </a:ext>
-            </a:extLst>
-          </a:blip>
-          <a:stretch>
-            <a:fillRect/>
-          </a:stretch>
-        </p:blipFill>
-        <p:spPr>
-          <a:xfrm>
-            <a:off x="1639575" y="1555774"/>
-            <a:ext cx="1362700" cy="4681538"/>
-          </a:xfrm>
-        </p:spPr>
-      </p:pic>
-    </p:spTree>
-    <p:extLst>
-      <p:ext uri="{BB962C8B-B14F-4D97-AF65-F5344CB8AC3E}">
-        <p14:creationId xmlns:p14="http://schemas.microsoft.com/office/powerpoint/2010/main" val="3412768333"/>
-      </p:ext>
-    </p:extLst>
-  </p:cSld>
-  <p:clrMapOvr>
-    <a:masterClrMapping/>
-  </p:clrMapOvr>
-  <p:timing>
-    <p:tnLst>
-      <p:par>
-        <p:cTn id="1" dur="indefinite" restart="never" nodeType="tmRoot"/>
-      </p:par>
-    </p:tnLst>
-  </p:timing>
-</p:sld>
-</file>
-
-<file path=ppt/slides/slide9.xml><?xml version="1.0" encoding="utf-8"?>
-<p:sld xmlns:a="http://schemas.openxmlformats.org/drawingml/2006/main" xmlns:r="http://schemas.openxmlformats.org/officeDocument/2006/relationships" xmlns:p="http://schemas.openxmlformats.org/presentationml/2006/main">
-  <p:cSld>
-    <p:spTree>
-      <p:nvGrpSpPr>
-        <p:cNvPr id="1" name=""/>
-        <p:cNvGrpSpPr/>
-        <p:nvPr/>
-      </p:nvGrpSpPr>
-      <p:grpSpPr>
-        <a:xfrm>
-          <a:off x="0" y="0"/>
-          <a:ext cx="0" cy="0"/>
-          <a:chOff x="0" y="0"/>
-          <a:chExt cx="0" cy="0"/>
-        </a:xfrm>
-      </p:grpSpPr>
-      <p:sp>
-        <p:nvSpPr>
           <p:cNvPr id="6" name="副標題 5"/>
           <p:cNvSpPr>
             <a:spLocks noGrp="1"/>
@@ -7261,13 +7295,7 @@
               <a:rPr lang="zh-TW" altLang="en-US" sz="2800" dirty="0" smtClean="0">
                 <a:hlinkClick r:id="rId2"/>
               </a:rPr>
-              <a:t>沅淯駿營造</a:t>
-            </a:r>
-            <a:r>
-              <a:rPr lang="zh-TW" altLang="en-US" sz="2800" dirty="0" smtClean="0">
-                <a:hlinkClick r:id="rId2"/>
-              </a:rPr>
-              <a:t>有限公司</a:t>
+              <a:t>沅淯駿營造有限公司</a:t>
             </a:r>
             <a:endParaRPr lang="en-US" altLang="zh-TW" sz="2800" dirty="0" smtClean="0"/>
           </a:p>

--- a/small_project/data_project/沅淯駿營造有限公司.pptx
+++ b/small_project/data_project/沅淯駿營造有限公司.pptx
@@ -389,7 +389,7 @@
           <a:p>
             <a:fld id="{5727369B-E44C-4082-BCE3-F0D9374C2D85}" type="datetimeFigureOut">
               <a:rPr lang="zh-TW" altLang="en-US" smtClean="0"/>
-              <a:t>2016/7/21</a:t>
+              <a:t>2016/7/22</a:t>
             </a:fld>
             <a:endParaRPr lang="zh-TW" altLang="en-US"/>
           </a:p>
@@ -777,7 +777,7 @@
           <a:p>
             <a:fld id="{5727369B-E44C-4082-BCE3-F0D9374C2D85}" type="datetimeFigureOut">
               <a:rPr lang="zh-TW" altLang="en-US" smtClean="0"/>
-              <a:t>2016/7/21</a:t>
+              <a:t>2016/7/22</a:t>
             </a:fld>
             <a:endParaRPr lang="zh-TW" altLang="en-US"/>
           </a:p>
@@ -1304,7 +1304,7 @@
           <a:p>
             <a:fld id="{5727369B-E44C-4082-BCE3-F0D9374C2D85}" type="datetimeFigureOut">
               <a:rPr lang="zh-TW" altLang="en-US" smtClean="0"/>
-              <a:t>2016/7/21</a:t>
+              <a:t>2016/7/22</a:t>
             </a:fld>
             <a:endParaRPr lang="zh-TW" altLang="en-US"/>
           </a:p>
@@ -1432,7 +1432,7 @@
           <a:p>
             <a:fld id="{5727369B-E44C-4082-BCE3-F0D9374C2D85}" type="datetimeFigureOut">
               <a:rPr lang="zh-TW" altLang="en-US" smtClean="0"/>
-              <a:t>2016/7/21</a:t>
+              <a:t>2016/7/22</a:t>
             </a:fld>
             <a:endParaRPr lang="zh-TW" altLang="en-US"/>
           </a:p>
@@ -1970,7 +1970,7 @@
           <a:p>
             <a:fld id="{5727369B-E44C-4082-BCE3-F0D9374C2D85}" type="datetimeFigureOut">
               <a:rPr lang="zh-TW" altLang="en-US" smtClean="0"/>
-              <a:t>2016/7/21</a:t>
+              <a:t>2016/7/22</a:t>
             </a:fld>
             <a:endParaRPr lang="zh-TW" altLang="en-US"/>
           </a:p>
@@ -2260,7 +2260,7 @@
           <a:p>
             <a:fld id="{5727369B-E44C-4082-BCE3-F0D9374C2D85}" type="datetimeFigureOut">
               <a:rPr lang="zh-TW" altLang="en-US" smtClean="0"/>
-              <a:t>2016/7/21</a:t>
+              <a:t>2016/7/22</a:t>
             </a:fld>
             <a:endParaRPr lang="zh-TW" altLang="en-US"/>
           </a:p>
@@ -2914,7 +2914,7 @@
           <a:p>
             <a:fld id="{5727369B-E44C-4082-BCE3-F0D9374C2D85}" type="datetimeFigureOut">
               <a:rPr lang="zh-TW" altLang="en-US" smtClean="0"/>
-              <a:t>2016/7/21</a:t>
+              <a:t>2016/7/22</a:t>
             </a:fld>
             <a:endParaRPr lang="zh-TW" altLang="en-US"/>
           </a:p>
@@ -3350,7 +3350,7 @@
           <a:p>
             <a:fld id="{5727369B-E44C-4082-BCE3-F0D9374C2D85}" type="datetimeFigureOut">
               <a:rPr lang="zh-TW" altLang="en-US" smtClean="0"/>
-              <a:t>2016/7/21</a:t>
+              <a:t>2016/7/22</a:t>
             </a:fld>
             <a:endParaRPr lang="zh-TW" altLang="en-US"/>
           </a:p>
@@ -3663,7 +3663,7 @@
           <a:p>
             <a:fld id="{5727369B-E44C-4082-BCE3-F0D9374C2D85}" type="datetimeFigureOut">
               <a:rPr lang="zh-TW" altLang="en-US" smtClean="0"/>
-              <a:t>2016/7/21</a:t>
+              <a:t>2016/7/22</a:t>
             </a:fld>
             <a:endParaRPr lang="zh-TW" altLang="en-US"/>
           </a:p>
@@ -4390,7 +4390,7 @@
           <a:p>
             <a:fld id="{5727369B-E44C-4082-BCE3-F0D9374C2D85}" type="datetimeFigureOut">
               <a:rPr lang="zh-TW" altLang="en-US" smtClean="0"/>
-              <a:t>2016/7/21</a:t>
+              <a:t>2016/7/22</a:t>
             </a:fld>
             <a:endParaRPr lang="zh-TW" altLang="en-US"/>
           </a:p>
@@ -5054,7 +5054,7 @@
           <a:p>
             <a:fld id="{5727369B-E44C-4082-BCE3-F0D9374C2D85}" type="datetimeFigureOut">
               <a:rPr lang="zh-TW" altLang="en-US" smtClean="0"/>
-              <a:t>2016/7/21</a:t>
+              <a:t>2016/7/22</a:t>
             </a:fld>
             <a:endParaRPr lang="zh-TW" altLang="en-US"/>
           </a:p>
@@ -5327,7 +5327,7 @@
           <a:p>
             <a:fld id="{5727369B-E44C-4082-BCE3-F0D9374C2D85}" type="datetimeFigureOut">
               <a:rPr lang="zh-TW" altLang="en-US" smtClean="0"/>
-              <a:t>2016/7/21</a:t>
+              <a:t>2016/7/22</a:t>
             </a:fld>
             <a:endParaRPr lang="zh-TW" altLang="en-US"/>
           </a:p>
@@ -6530,11 +6530,7 @@
             </a:r>
             <a:r>
               <a:rPr lang="zh-TW" altLang="en-US" dirty="0" smtClean="0"/>
-              <a:t>我們的</a:t>
-            </a:r>
-            <a:r>
-              <a:rPr lang="zh-TW" altLang="en-US" dirty="0" smtClean="0"/>
-              <a:t>內容</a:t>
+              <a:t>我們的內容</a:t>
             </a:r>
             <a:endParaRPr lang="en-US" altLang="zh-TW" dirty="0" smtClean="0"/>
           </a:p>
@@ -6549,7 +6545,7 @@
               <a:rPr lang="en-US" altLang="zh-TW" dirty="0" smtClean="0">
                 <a:hlinkClick r:id="rId3"/>
               </a:rPr>
-              <a:t>www.codepile.net/pile/QojvQdoR</a:t>
+              <a:t>www.codepile.net/pile/XrDQlxgq</a:t>
             </a:r>
             <a:endParaRPr lang="en-US" altLang="zh-TW" dirty="0" smtClean="0"/>
           </a:p>
@@ -6718,35 +6714,11 @@
                   <a:srgbClr val="FFC000"/>
                 </a:solidFill>
               </a:rPr>
-              <a:t>新增、</a:t>
-            </a:r>
-            <a:r>
-              <a:rPr lang="zh-TW" altLang="en-US" b="1" u="sng" dirty="0" smtClean="0">
-                <a:solidFill>
-                  <a:srgbClr val="FFC000"/>
-                </a:solidFill>
-              </a:rPr>
-              <a:t>刪除或</a:t>
-            </a:r>
-            <a:r>
-              <a:rPr lang="zh-TW" altLang="en-US" b="1" u="sng" dirty="0" smtClean="0">
-                <a:solidFill>
-                  <a:srgbClr val="FFC000"/>
-                </a:solidFill>
-              </a:rPr>
-              <a:t>修改</a:t>
+              <a:t>新增、刪除或修改</a:t>
             </a:r>
             <a:r>
               <a:rPr lang="zh-TW" altLang="en-US" dirty="0" smtClean="0"/>
-              <a:t>圖片</a:t>
-            </a:r>
-            <a:r>
-              <a:rPr lang="zh-TW" altLang="en-US" dirty="0" smtClean="0"/>
-              <a:t>及專案</a:t>
-            </a:r>
-            <a:r>
-              <a:rPr lang="zh-TW" altLang="en-US" dirty="0" smtClean="0"/>
-              <a:t>內容</a:t>
+              <a:t>圖片及專案內容</a:t>
             </a:r>
             <a:endParaRPr lang="en-US" altLang="zh-TW" dirty="0" smtClean="0"/>
           </a:p>
@@ -6761,11 +6733,7 @@
             </a:r>
             <a:r>
               <a:rPr lang="zh-TW" altLang="en-US" dirty="0" smtClean="0"/>
-              <a:t>聯絡我們的</a:t>
-            </a:r>
-            <a:r>
-              <a:rPr lang="zh-TW" altLang="en-US" dirty="0" smtClean="0"/>
-              <a:t>內容</a:t>
+              <a:t>聯絡我們的內容</a:t>
             </a:r>
             <a:endParaRPr lang="en-US" altLang="zh-TW" dirty="0" smtClean="0"/>
           </a:p>
@@ -6780,16 +6748,21 @@
               <a:rPr lang="en-US" altLang="zh-TW" dirty="0" smtClean="0">
                 <a:hlinkClick r:id="rId3"/>
               </a:rPr>
-              <a:t>www.codepile.net/pile/QojvQdoR</a:t>
-            </a:r>
-            <a:endParaRPr lang="en-US" altLang="zh-TW" dirty="0" smtClean="0"/>
-          </a:p>
-          <a:p>
+              <a:t>www.codepile.net/pile/bQOpRDMY</a:t>
+            </a:r>
+          </a:p>
+          <a:p>
+            <a:r>
+              <a:rPr lang="en-US" altLang="zh-TW" dirty="0" smtClean="0">
+                <a:hlinkClick r:id="rId3"/>
+              </a:rPr>
+              <a:t>https</a:t>
+            </a:r>
             <a:r>
               <a:rPr lang="en-US" altLang="zh-TW" dirty="0">
                 <a:hlinkClick r:id="rId3"/>
               </a:rPr>
-              <a:t>https://www.codepile.net/pile/QojvQdoR</a:t>
+              <a:t>://www.codepile.net/pile/QojvQdoR</a:t>
             </a:r>
             <a:endParaRPr lang="en-US" altLang="zh-TW" dirty="0"/>
           </a:p>
@@ -6999,11 +6972,7 @@
             </a:r>
             <a:r>
               <a:rPr lang="zh-TW" altLang="en-US" dirty="0" smtClean="0"/>
-              <a:t>聯絡我們的</a:t>
-            </a:r>
-            <a:r>
-              <a:rPr lang="zh-TW" altLang="en-US" dirty="0" smtClean="0"/>
-              <a:t>內容</a:t>
+              <a:t>聯絡我們的內容</a:t>
             </a:r>
             <a:endParaRPr lang="en-US" altLang="zh-TW" dirty="0" smtClean="0"/>
           </a:p>
@@ -7207,7 +7176,7 @@
           </a:p>
           <a:p>
             <a:r>
-              <a:rPr lang="en-US" altLang="zh-TW" b="1" u="sng" dirty="0">
+              <a:rPr lang="en-US" altLang="zh-TW" u="sng" dirty="0">
                 <a:solidFill>
                   <a:srgbClr val="FFC000"/>
                 </a:solidFill>
@@ -7216,7 +7185,7 @@
               <a:t>https://</a:t>
             </a:r>
             <a:r>
-              <a:rPr lang="en-US" altLang="zh-TW" b="1" u="sng" dirty="0" smtClean="0">
+              <a:rPr lang="en-US" altLang="zh-TW" u="sng" dirty="0" smtClean="0">
                 <a:solidFill>
                   <a:srgbClr val="FFC000"/>
                 </a:solidFill>
@@ -7224,7 +7193,7 @@
               </a:rPr>
               <a:t>www.codepile.net/pile/Dw2bn6wy</a:t>
             </a:r>
-            <a:endParaRPr lang="en-US" altLang="zh-TW" b="1" u="sng" dirty="0" smtClean="0">
+            <a:endParaRPr lang="en-US" altLang="zh-TW" u="sng" dirty="0" smtClean="0">
               <a:solidFill>
                 <a:srgbClr val="FFC000"/>
               </a:solidFill>

--- a/small_project/data_project/沅淯駿營造有限公司.pptx
+++ b/small_project/data_project/沅淯駿營造有限公司.pptx
@@ -8,11 +8,12 @@
     <p:sldId id="256" r:id="rId2"/>
     <p:sldId id="272" r:id="rId3"/>
     <p:sldId id="262" r:id="rId4"/>
-    <p:sldId id="257" r:id="rId5"/>
-    <p:sldId id="258" r:id="rId6"/>
-    <p:sldId id="259" r:id="rId7"/>
-    <p:sldId id="260" r:id="rId8"/>
-    <p:sldId id="273" r:id="rId9"/>
+    <p:sldId id="274" r:id="rId5"/>
+    <p:sldId id="257" r:id="rId6"/>
+    <p:sldId id="258" r:id="rId7"/>
+    <p:sldId id="259" r:id="rId8"/>
+    <p:sldId id="260" r:id="rId9"/>
+    <p:sldId id="273" r:id="rId10"/>
   </p:sldIdLst>
   <p:sldSz cx="9144000" cy="6858000" type="screen4x3"/>
   <p:notesSz cx="6858000" cy="9144000"/>
@@ -6389,6 +6390,261 @@
           <a:p>
             <a:r>
               <a:rPr lang="zh-TW" altLang="en-US" b="1" dirty="0" smtClean="0"/>
+              <a:t>連資料庫</a:t>
+            </a:r>
+            <a:r>
+              <a:rPr lang="en-US" altLang="zh-TW" b="1" dirty="0" smtClean="0"/>
+              <a:t>MODEL</a:t>
+            </a:r>
+            <a:endParaRPr lang="zh-TW" altLang="en-US" b="1" dirty="0"/>
+          </a:p>
+        </p:txBody>
+      </p:sp>
+      <p:sp>
+        <p:nvSpPr>
+          <p:cNvPr id="5" name="內容版面配置區 4"/>
+          <p:cNvSpPr>
+            <a:spLocks noGrp="1"/>
+          </p:cNvSpPr>
+          <p:nvPr>
+            <p:ph sz="quarter" idx="1"/>
+          </p:nvPr>
+        </p:nvSpPr>
+        <p:spPr/>
+        <p:txBody>
+          <a:bodyPr/>
+          <a:lstStyle/>
+          <a:p>
+            <a:r>
+              <a:rPr lang="zh-TW" altLang="en-US" dirty="0" smtClean="0"/>
+              <a:t>把資料丟到陣列裡面存</a:t>
+            </a:r>
+            <a:endParaRPr lang="en-US" altLang="zh-TW" dirty="0" smtClean="0"/>
+          </a:p>
+          <a:p>
+            <a:r>
+              <a:rPr lang="en-US" altLang="zh-TW" dirty="0" smtClean="0"/>
+              <a:t>Views</a:t>
+            </a:r>
+            <a:r>
+              <a:rPr lang="zh-TW" altLang="en-US" dirty="0" smtClean="0"/>
+              <a:t>裡面都用迴圈跑</a:t>
+            </a:r>
+            <a:endParaRPr lang="en-US" altLang="zh-TW" dirty="0" smtClean="0"/>
+          </a:p>
+          <a:p>
+            <a:r>
+              <a:rPr lang="zh-TW" altLang="en-US" dirty="0"/>
+              <a:t>法</a:t>
+            </a:r>
+            <a:r>
+              <a:rPr lang="zh-TW" altLang="en-US" dirty="0" smtClean="0"/>
+              <a:t>一用</a:t>
+            </a:r>
+            <a:r>
+              <a:rPr lang="en-US" altLang="zh-TW" dirty="0" smtClean="0"/>
+              <a:t>PDO</a:t>
+            </a:r>
+            <a:r>
+              <a:rPr lang="zh-TW" altLang="en-US" dirty="0" smtClean="0"/>
+              <a:t>去做處理</a:t>
+            </a:r>
+            <a:endParaRPr lang="en-US" altLang="zh-TW" dirty="0" smtClean="0"/>
+          </a:p>
+          <a:p>
+            <a:r>
+              <a:rPr lang="zh-TW" altLang="en-US" dirty="0"/>
+              <a:t>法</a:t>
+            </a:r>
+            <a:r>
+              <a:rPr lang="zh-TW" altLang="en-US" dirty="0" smtClean="0"/>
+              <a:t>二傳統方式處理</a:t>
+            </a:r>
+            <a:endParaRPr lang="en-US" altLang="zh-TW" dirty="0" smtClean="0"/>
+          </a:p>
+          <a:p>
+            <a:r>
+              <a:rPr lang="en-US" altLang="zh-TW" b="1" dirty="0" smtClean="0">
+                <a:solidFill>
+                  <a:schemeClr val="accent4">
+                    <a:lumMod val="75000"/>
+                  </a:schemeClr>
+                </a:solidFill>
+              </a:rPr>
+              <a:t>Insert</a:t>
+            </a:r>
+            <a:r>
+              <a:rPr lang="zh-TW" altLang="en-US" b="1" dirty="0" smtClean="0">
+                <a:solidFill>
+                  <a:schemeClr val="accent4">
+                    <a:lumMod val="75000"/>
+                  </a:schemeClr>
+                </a:solidFill>
+              </a:rPr>
+              <a:t>、</a:t>
+            </a:r>
+            <a:r>
+              <a:rPr lang="en-US" altLang="zh-TW" b="1" dirty="0" smtClean="0">
+                <a:solidFill>
+                  <a:schemeClr val="accent4">
+                    <a:lumMod val="75000"/>
+                  </a:schemeClr>
+                </a:solidFill>
+              </a:rPr>
+              <a:t>update</a:t>
+            </a:r>
+            <a:r>
+              <a:rPr lang="zh-TW" altLang="en-US" b="1" dirty="0" smtClean="0">
+                <a:solidFill>
+                  <a:schemeClr val="accent4">
+                    <a:lumMod val="75000"/>
+                  </a:schemeClr>
+                </a:solidFill>
+              </a:rPr>
+              <a:t>、</a:t>
+            </a:r>
+            <a:r>
+              <a:rPr lang="en-US" altLang="zh-TW" b="1" dirty="0" smtClean="0">
+                <a:solidFill>
+                  <a:schemeClr val="accent4">
+                    <a:lumMod val="75000"/>
+                  </a:schemeClr>
+                </a:solidFill>
+              </a:rPr>
+              <a:t>delete</a:t>
+            </a:r>
+            <a:r>
+              <a:rPr lang="zh-TW" altLang="en-US" b="1" dirty="0" smtClean="0">
+                <a:solidFill>
+                  <a:schemeClr val="accent4">
+                    <a:lumMod val="75000"/>
+                  </a:schemeClr>
+                </a:solidFill>
+              </a:rPr>
+              <a:t>用</a:t>
+            </a:r>
+            <a:endParaRPr lang="en-US" altLang="zh-TW" b="1" dirty="0" smtClean="0">
+              <a:solidFill>
+                <a:schemeClr val="accent4">
+                  <a:lumMod val="75000"/>
+                </a:schemeClr>
+              </a:solidFill>
+            </a:endParaRPr>
+          </a:p>
+          <a:p>
+            <a:r>
+              <a:rPr lang="en-US" altLang="zh-TW" dirty="0">
+                <a:hlinkClick r:id="rId2"/>
+              </a:rPr>
+              <a:t>https://</a:t>
+            </a:r>
+            <a:r>
+              <a:rPr lang="en-US" altLang="zh-TW" dirty="0" smtClean="0">
+                <a:hlinkClick r:id="rId2"/>
+              </a:rPr>
+              <a:t>www.codepile.net/pile/8X89AjNY</a:t>
+            </a:r>
+            <a:endParaRPr lang="en-US" altLang="zh-TW" dirty="0" smtClean="0"/>
+          </a:p>
+          <a:p>
+            <a:r>
+              <a:rPr lang="en-US" altLang="zh-TW" b="1" dirty="0" smtClean="0">
+                <a:solidFill>
+                  <a:schemeClr val="accent4">
+                    <a:lumMod val="75000"/>
+                  </a:schemeClr>
+                </a:solidFill>
+              </a:rPr>
+              <a:t>Select</a:t>
+            </a:r>
+            <a:r>
+              <a:rPr lang="zh-TW" altLang="en-US" b="1" dirty="0" smtClean="0">
+                <a:solidFill>
+                  <a:schemeClr val="accent4">
+                    <a:lumMod val="75000"/>
+                  </a:schemeClr>
+                </a:solidFill>
+              </a:rPr>
+              <a:t>用</a:t>
+            </a:r>
+            <a:endParaRPr lang="en-US" altLang="zh-TW" b="1" dirty="0" smtClean="0">
+              <a:solidFill>
+                <a:schemeClr val="accent4">
+                  <a:lumMod val="75000"/>
+                </a:schemeClr>
+              </a:solidFill>
+            </a:endParaRPr>
+          </a:p>
+          <a:p>
+            <a:r>
+              <a:rPr lang="en-US" altLang="zh-TW" dirty="0">
+                <a:hlinkClick r:id="rId3"/>
+              </a:rPr>
+              <a:t>https://</a:t>
+            </a:r>
+            <a:r>
+              <a:rPr lang="en-US" altLang="zh-TW" dirty="0" smtClean="0">
+                <a:hlinkClick r:id="rId3"/>
+              </a:rPr>
+              <a:t>www.codepile.net/pile/A5Xj6dNG</a:t>
+            </a:r>
+            <a:endParaRPr lang="en-US" altLang="zh-TW" dirty="0" smtClean="0"/>
+          </a:p>
+          <a:p>
+            <a:endParaRPr lang="en-US" altLang="zh-TW" dirty="0" smtClean="0"/>
+          </a:p>
+          <a:p>
+            <a:endParaRPr lang="zh-TW" altLang="en-US" dirty="0"/>
+          </a:p>
+        </p:txBody>
+      </p:sp>
+    </p:spTree>
+    <p:extLst>
+      <p:ext uri="{BB962C8B-B14F-4D97-AF65-F5344CB8AC3E}">
+        <p14:creationId xmlns:p14="http://schemas.microsoft.com/office/powerpoint/2010/main" val="117646919"/>
+      </p:ext>
+    </p:extLst>
+  </p:cSld>
+  <p:clrMapOvr>
+    <a:masterClrMapping/>
+  </p:clrMapOvr>
+</p:sld>
+</file>
+
+<file path=ppt/slides/slide5.xml><?xml version="1.0" encoding="utf-8"?>
+<p:sld xmlns:a="http://schemas.openxmlformats.org/drawingml/2006/main" xmlns:r="http://schemas.openxmlformats.org/officeDocument/2006/relationships" xmlns:p="http://schemas.openxmlformats.org/presentationml/2006/main">
+  <p:cSld>
+    <p:spTree>
+      <p:nvGrpSpPr>
+        <p:cNvPr id="1" name=""/>
+        <p:cNvGrpSpPr/>
+        <p:nvPr/>
+      </p:nvGrpSpPr>
+      <p:grpSpPr>
+        <a:xfrm>
+          <a:off x="0" y="0"/>
+          <a:ext cx="0" cy="0"/>
+          <a:chOff x="0" y="0"/>
+          <a:chExt cx="0" cy="0"/>
+        </a:xfrm>
+      </p:grpSpPr>
+      <p:sp>
+        <p:nvSpPr>
+          <p:cNvPr id="2" name="標題 1"/>
+          <p:cNvSpPr>
+            <a:spLocks noGrp="1"/>
+          </p:cNvSpPr>
+          <p:nvPr>
+            <p:ph type="title"/>
+          </p:nvPr>
+        </p:nvSpPr>
+        <p:spPr/>
+        <p:txBody>
+          <a:bodyPr/>
+          <a:lstStyle/>
+          <a:p>
+            <a:r>
+              <a:rPr lang="zh-TW" altLang="en-US" b="1" dirty="0" smtClean="0"/>
               <a:t>流程圖介紹 </a:t>
             </a:r>
             <a:r>
@@ -6561,226 +6817,6 @@
     <p:extLst>
       <p:ext uri="{BB962C8B-B14F-4D97-AF65-F5344CB8AC3E}">
         <p14:creationId xmlns:p14="http://schemas.microsoft.com/office/powerpoint/2010/main" val="1733248928"/>
-      </p:ext>
-    </p:extLst>
-  </p:cSld>
-  <p:clrMapOvr>
-    <a:masterClrMapping/>
-  </p:clrMapOvr>
-  <p:timing>
-    <p:tnLst>
-      <p:par>
-        <p:cTn id="1" dur="indefinite" restart="never" nodeType="tmRoot"/>
-      </p:par>
-    </p:tnLst>
-  </p:timing>
-</p:sld>
-</file>
-
-<file path=ppt/slides/slide5.xml><?xml version="1.0" encoding="utf-8"?>
-<p:sld xmlns:a="http://schemas.openxmlformats.org/drawingml/2006/main" xmlns:r="http://schemas.openxmlformats.org/officeDocument/2006/relationships" xmlns:p="http://schemas.openxmlformats.org/presentationml/2006/main">
-  <p:cSld>
-    <p:spTree>
-      <p:nvGrpSpPr>
-        <p:cNvPr id="1" name=""/>
-        <p:cNvGrpSpPr/>
-        <p:nvPr/>
-      </p:nvGrpSpPr>
-      <p:grpSpPr>
-        <a:xfrm>
-          <a:off x="0" y="0"/>
-          <a:ext cx="0" cy="0"/>
-          <a:chOff x="0" y="0"/>
-          <a:chExt cx="0" cy="0"/>
-        </a:xfrm>
-      </p:grpSpPr>
-      <p:sp>
-        <p:nvSpPr>
-          <p:cNvPr id="2" name="標題 1"/>
-          <p:cNvSpPr>
-            <a:spLocks noGrp="1"/>
-          </p:cNvSpPr>
-          <p:nvPr>
-            <p:ph type="title"/>
-          </p:nvPr>
-        </p:nvSpPr>
-        <p:spPr/>
-        <p:txBody>
-          <a:bodyPr/>
-          <a:lstStyle/>
-          <a:p>
-            <a:r>
-              <a:rPr lang="zh-TW" altLang="en-US" b="1" dirty="0" smtClean="0"/>
-              <a:t>流程圖介紹 </a:t>
-            </a:r>
-            <a:r>
-              <a:rPr lang="en-US" altLang="zh-TW" b="1" dirty="0" smtClean="0"/>
-              <a:t>–</a:t>
-            </a:r>
-            <a:r>
-              <a:rPr lang="zh-TW" altLang="en-US" b="1" dirty="0" smtClean="0"/>
-              <a:t> 實績展示</a:t>
-            </a:r>
-            <a:endParaRPr lang="zh-TW" altLang="en-US" b="1" dirty="0"/>
-          </a:p>
-        </p:txBody>
-      </p:sp>
-      <p:pic>
-        <p:nvPicPr>
-          <p:cNvPr id="5" name="內容版面配置區 4"/>
-          <p:cNvPicPr>
-            <a:picLocks noGrp="1" noChangeAspect="1"/>
-          </p:cNvPicPr>
-          <p:nvPr>
-            <p:ph sz="half" idx="1"/>
-          </p:nvPr>
-        </p:nvPicPr>
-        <p:blipFill>
-          <a:blip r:embed="rId2">
-            <a:extLst>
-              <a:ext uri="{28A0092B-C50C-407E-A947-70E740481C1C}">
-                <a14:useLocalDpi xmlns:a14="http://schemas.microsoft.com/office/drawing/2010/main" val="0"/>
-              </a:ext>
-            </a:extLst>
-          </a:blip>
-          <a:stretch>
-            <a:fillRect/>
-          </a:stretch>
-        </p:blipFill>
-        <p:spPr>
-          <a:xfrm>
-            <a:off x="179513" y="2132856"/>
-            <a:ext cx="4392488" cy="4032448"/>
-          </a:xfrm>
-        </p:spPr>
-      </p:pic>
-      <p:sp>
-        <p:nvSpPr>
-          <p:cNvPr id="4" name="內容版面配置區 3"/>
-          <p:cNvSpPr>
-            <a:spLocks noGrp="1"/>
-          </p:cNvSpPr>
-          <p:nvPr>
-            <p:ph sz="half" idx="2"/>
-          </p:nvPr>
-        </p:nvSpPr>
-        <p:spPr/>
-        <p:txBody>
-          <a:bodyPr/>
-          <a:lstStyle/>
-          <a:p>
-            <a:r>
-              <a:rPr lang="zh-TW" altLang="en-US" b="1" dirty="0" smtClean="0">
-                <a:solidFill>
-                  <a:srgbClr val="00B0F0"/>
-                </a:solidFill>
-              </a:rPr>
-              <a:t>一般訪客</a:t>
-            </a:r>
-            <a:r>
-              <a:rPr lang="en-US" altLang="zh-TW" dirty="0" smtClean="0"/>
-              <a:t>:</a:t>
-            </a:r>
-          </a:p>
-          <a:p>
-            <a:r>
-              <a:rPr lang="zh-TW" altLang="en-US" dirty="0"/>
-              <a:t>瀏覽</a:t>
-            </a:r>
-            <a:r>
-              <a:rPr lang="zh-TW" altLang="en-US" dirty="0" smtClean="0"/>
-              <a:t>網頁</a:t>
-            </a:r>
-            <a:endParaRPr lang="en-US" altLang="zh-TW" dirty="0"/>
-          </a:p>
-          <a:p>
-            <a:r>
-              <a:rPr lang="zh-TW" altLang="en-US" b="1" dirty="0" smtClean="0">
-                <a:solidFill>
-                  <a:srgbClr val="7030A0"/>
-                </a:solidFill>
-              </a:rPr>
-              <a:t>管理員</a:t>
-            </a:r>
-            <a:r>
-              <a:rPr lang="en-US" altLang="zh-TW" dirty="0" smtClean="0"/>
-              <a:t>:</a:t>
-            </a:r>
-          </a:p>
-          <a:p>
-            <a:r>
-              <a:rPr lang="zh-TW" altLang="en-US" b="1" u="sng" dirty="0" smtClean="0">
-                <a:solidFill>
-                  <a:srgbClr val="FFC000"/>
-                </a:solidFill>
-              </a:rPr>
-              <a:t>新增、刪除或修改</a:t>
-            </a:r>
-            <a:r>
-              <a:rPr lang="zh-TW" altLang="en-US" dirty="0" smtClean="0"/>
-              <a:t>圖片及專案內容</a:t>
-            </a:r>
-            <a:endParaRPr lang="en-US" altLang="zh-TW" dirty="0" smtClean="0"/>
-          </a:p>
-          <a:p>
-            <a:r>
-              <a:rPr lang="zh-TW" altLang="en-US" b="1" u="sng" dirty="0" smtClean="0">
-                <a:solidFill>
-                  <a:srgbClr val="FFC000"/>
-                </a:solidFill>
-              </a:rPr>
-              <a:t>編輯</a:t>
-            </a:r>
-            <a:r>
-              <a:rPr lang="zh-TW" altLang="en-US" dirty="0" smtClean="0"/>
-              <a:t>聯絡我們的內容</a:t>
-            </a:r>
-            <a:endParaRPr lang="en-US" altLang="zh-TW" dirty="0" smtClean="0"/>
-          </a:p>
-          <a:p>
-            <a:r>
-              <a:rPr lang="en-US" altLang="zh-TW" dirty="0">
-                <a:hlinkClick r:id="rId3"/>
-              </a:rPr>
-              <a:t>https://</a:t>
-            </a:r>
-            <a:r>
-              <a:rPr lang="en-US" altLang="zh-TW" dirty="0" smtClean="0">
-                <a:hlinkClick r:id="rId3"/>
-              </a:rPr>
-              <a:t>www.codepile.net/pile/bQOpRDMY</a:t>
-            </a:r>
-          </a:p>
-          <a:p>
-            <a:r>
-              <a:rPr lang="en-US" altLang="zh-TW" dirty="0" smtClean="0">
-                <a:hlinkClick r:id="rId3"/>
-              </a:rPr>
-              <a:t>https</a:t>
-            </a:r>
-            <a:r>
-              <a:rPr lang="en-US" altLang="zh-TW" dirty="0">
-                <a:hlinkClick r:id="rId3"/>
-              </a:rPr>
-              <a:t>://www.codepile.net/pile/QojvQdoR</a:t>
-            </a:r>
-            <a:endParaRPr lang="en-US" altLang="zh-TW" dirty="0"/>
-          </a:p>
-          <a:p>
-            <a:endParaRPr lang="en-US" altLang="zh-TW" dirty="0" smtClean="0"/>
-          </a:p>
-          <a:p>
-            <a:endParaRPr lang="en-US" altLang="zh-TW" dirty="0" smtClean="0"/>
-          </a:p>
-          <a:p>
-            <a:endParaRPr lang="zh-TW" altLang="en-US" dirty="0"/>
-          </a:p>
-        </p:txBody>
-      </p:sp>
-    </p:spTree>
-    <p:extLst>
-      <p:ext uri="{BB962C8B-B14F-4D97-AF65-F5344CB8AC3E}">
-        <p14:creationId xmlns:p14="http://schemas.microsoft.com/office/powerpoint/2010/main" val="2592586096"/>
       </p:ext>
     </p:extLst>
   </p:cSld>
@@ -6839,7 +6875,7 @@
             </a:r>
             <a:r>
               <a:rPr lang="zh-TW" altLang="en-US" b="1" dirty="0" smtClean="0"/>
-              <a:t> 廠商招募</a:t>
+              <a:t> 實績展示</a:t>
             </a:r>
             <a:endParaRPr lang="zh-TW" altLang="en-US" b="1" dirty="0"/>
           </a:p>
@@ -6869,8 +6905,8 @@
         </p:blipFill>
         <p:spPr>
           <a:xfrm>
-            <a:off x="179511" y="2132856"/>
-            <a:ext cx="4392489" cy="4032448"/>
+            <a:off x="179513" y="2132856"/>
+            <a:ext cx="4392488" cy="4032448"/>
           </a:xfrm>
         </p:spPr>
       </p:pic>
@@ -6884,16 +6920,9 @@
             <p:ph sz="half" idx="2"/>
           </p:nvPr>
         </p:nvSpPr>
-        <p:spPr>
-          <a:xfrm>
-            <a:off x="4648200" y="1673352"/>
-            <a:ext cx="4038600" cy="4131912"/>
-          </a:xfrm>
-        </p:spPr>
-        <p:txBody>
-          <a:bodyPr>
-            <a:normAutofit/>
-          </a:bodyPr>
+        <p:spPr/>
+        <p:txBody>
+          <a:bodyPr/>
           <a:lstStyle/>
           <a:p>
             <a:r>
@@ -6911,20 +6940,12 @@
           </a:p>
           <a:p>
             <a:r>
+              <a:rPr lang="zh-TW" altLang="en-US" dirty="0"/>
+              <a:t>瀏覽</a:t>
+            </a:r>
+            <a:r>
               <a:rPr lang="zh-TW" altLang="en-US" dirty="0" smtClean="0"/>
-              <a:t>如果要包攬工程，可以</a:t>
-            </a:r>
-            <a:r>
-              <a:rPr lang="zh-TW" altLang="en-US" b="1" u="sng" dirty="0" smtClean="0">
-                <a:solidFill>
-                  <a:srgbClr val="FFC000"/>
-                </a:solidFill>
-              </a:rPr>
-              <a:t>留下資料</a:t>
-            </a:r>
-            <a:r>
-              <a:rPr lang="zh-TW" altLang="en-US" dirty="0" smtClean="0"/>
-              <a:t>方便連絡</a:t>
+              <a:t>網頁</a:t>
             </a:r>
             <a:endParaRPr lang="en-US" altLang="zh-TW" dirty="0"/>
           </a:p>
@@ -6944,20 +6965,16 @@
           </a:p>
           <a:p>
             <a:r>
+              <a:rPr lang="zh-TW" altLang="en-US" b="1" u="sng" dirty="0" smtClean="0">
+                <a:solidFill>
+                  <a:srgbClr val="FFC000"/>
+                </a:solidFill>
+              </a:rPr>
+              <a:t>新增、刪除或修改</a:t>
+            </a:r>
+            <a:r>
               <a:rPr lang="zh-TW" altLang="en-US" dirty="0" smtClean="0"/>
-              <a:t>查看相關資料，看過後不需要的話可以</a:t>
-            </a:r>
-            <a:r>
-              <a:rPr lang="zh-TW" altLang="en-US" b="1" u="sng" dirty="0" smtClean="0">
-                <a:solidFill>
-                  <a:srgbClr val="FFC000"/>
-                </a:solidFill>
-              </a:rPr>
-              <a:t>刪除</a:t>
-            </a:r>
-            <a:r>
-              <a:rPr lang="zh-TW" altLang="en-US" dirty="0" smtClean="0"/>
-              <a:t>資料</a:t>
+              <a:t>圖片及專案內容</a:t>
             </a:r>
             <a:endParaRPr lang="en-US" altLang="zh-TW" dirty="0" smtClean="0"/>
           </a:p>
@@ -6987,16 +7004,39 @@
               <a:rPr lang="en-US" altLang="zh-TW" dirty="0" smtClean="0">
                 <a:hlinkClick r:id="rId3"/>
               </a:rPr>
-              <a:t>www.codepile.net/pile/Dn24JqPv</a:t>
-            </a:r>
+              <a:t>www.codepile.net/pile/bQOpRDMY</a:t>
+            </a:r>
+          </a:p>
+          <a:p>
+            <a:r>
+              <a:rPr lang="en-US" altLang="zh-TW" dirty="0" smtClean="0">
+                <a:hlinkClick r:id="rId3"/>
+              </a:rPr>
+              <a:t>https</a:t>
+            </a:r>
+            <a:r>
+              <a:rPr lang="en-US" altLang="zh-TW" dirty="0">
+                <a:hlinkClick r:id="rId3"/>
+              </a:rPr>
+              <a:t>://www.codepile.net/pile/QojvQdoR</a:t>
+            </a:r>
+            <a:endParaRPr lang="en-US" altLang="zh-TW" dirty="0"/>
+          </a:p>
+          <a:p>
             <a:endParaRPr lang="en-US" altLang="zh-TW" dirty="0" smtClean="0"/>
+          </a:p>
+          <a:p>
+            <a:endParaRPr lang="en-US" altLang="zh-TW" dirty="0" smtClean="0"/>
+          </a:p>
+          <a:p>
+            <a:endParaRPr lang="zh-TW" altLang="en-US" dirty="0"/>
           </a:p>
         </p:txBody>
       </p:sp>
     </p:spTree>
     <p:extLst>
       <p:ext uri="{BB962C8B-B14F-4D97-AF65-F5344CB8AC3E}">
-        <p14:creationId xmlns:p14="http://schemas.microsoft.com/office/powerpoint/2010/main" val="4041476322"/>
+        <p14:creationId xmlns:p14="http://schemas.microsoft.com/office/powerpoint/2010/main" val="2592586096"/>
       </p:ext>
     </p:extLst>
   </p:cSld>
@@ -7055,7 +7095,7 @@
             </a:r>
             <a:r>
               <a:rPr lang="zh-TW" altLang="en-US" b="1" dirty="0" smtClean="0"/>
-              <a:t> 加入我們</a:t>
+              <a:t> 廠商招募</a:t>
             </a:r>
             <a:endParaRPr lang="zh-TW" altLang="en-US" b="1" dirty="0"/>
           </a:p>
@@ -7085,6 +7125,222 @@
         </p:blipFill>
         <p:spPr>
           <a:xfrm>
+            <a:off x="179511" y="2132856"/>
+            <a:ext cx="4392489" cy="4032448"/>
+          </a:xfrm>
+        </p:spPr>
+      </p:pic>
+      <p:sp>
+        <p:nvSpPr>
+          <p:cNvPr id="4" name="內容版面配置區 3"/>
+          <p:cNvSpPr>
+            <a:spLocks noGrp="1"/>
+          </p:cNvSpPr>
+          <p:nvPr>
+            <p:ph sz="half" idx="2"/>
+          </p:nvPr>
+        </p:nvSpPr>
+        <p:spPr>
+          <a:xfrm>
+            <a:off x="4648200" y="1673352"/>
+            <a:ext cx="4038600" cy="4131912"/>
+          </a:xfrm>
+        </p:spPr>
+        <p:txBody>
+          <a:bodyPr>
+            <a:normAutofit/>
+          </a:bodyPr>
+          <a:lstStyle/>
+          <a:p>
+            <a:r>
+              <a:rPr lang="zh-TW" altLang="en-US" b="1" dirty="0" smtClean="0">
+                <a:solidFill>
+                  <a:srgbClr val="00B0F0"/>
+                </a:solidFill>
+              </a:rPr>
+              <a:t>一般訪客</a:t>
+            </a:r>
+            <a:r>
+              <a:rPr lang="en-US" altLang="zh-TW" dirty="0" smtClean="0"/>
+              <a:t>:</a:t>
+            </a:r>
+          </a:p>
+          <a:p>
+            <a:r>
+              <a:rPr lang="zh-TW" altLang="en-US" dirty="0" smtClean="0"/>
+              <a:t>如果要包攬工程，可以</a:t>
+            </a:r>
+            <a:r>
+              <a:rPr lang="zh-TW" altLang="en-US" b="1" u="sng" dirty="0" smtClean="0">
+                <a:solidFill>
+                  <a:srgbClr val="FFC000"/>
+                </a:solidFill>
+              </a:rPr>
+              <a:t>留下資料</a:t>
+            </a:r>
+            <a:r>
+              <a:rPr lang="zh-TW" altLang="en-US" dirty="0" smtClean="0"/>
+              <a:t>方便連絡</a:t>
+            </a:r>
+            <a:endParaRPr lang="en-US" altLang="zh-TW" dirty="0"/>
+          </a:p>
+          <a:p>
+            <a:r>
+              <a:rPr lang="zh-TW" altLang="en-US" b="1" dirty="0" smtClean="0">
+                <a:solidFill>
+                  <a:srgbClr val="7030A0"/>
+                </a:solidFill>
+              </a:rPr>
+              <a:t>管理員</a:t>
+            </a:r>
+            <a:r>
+              <a:rPr lang="en-US" altLang="zh-TW" dirty="0" smtClean="0"/>
+              <a:t>:</a:t>
+            </a:r>
+          </a:p>
+          <a:p>
+            <a:r>
+              <a:rPr lang="zh-TW" altLang="en-US" dirty="0" smtClean="0"/>
+              <a:t>查看相關資料，看過後不需要的話可以</a:t>
+            </a:r>
+            <a:r>
+              <a:rPr lang="zh-TW" altLang="en-US" b="1" u="sng" dirty="0" smtClean="0">
+                <a:solidFill>
+                  <a:srgbClr val="FFC000"/>
+                </a:solidFill>
+              </a:rPr>
+              <a:t>刪除</a:t>
+            </a:r>
+            <a:r>
+              <a:rPr lang="zh-TW" altLang="en-US" dirty="0" smtClean="0"/>
+              <a:t>資料</a:t>
+            </a:r>
+            <a:endParaRPr lang="en-US" altLang="zh-TW" dirty="0" smtClean="0"/>
+          </a:p>
+          <a:p>
+            <a:r>
+              <a:rPr lang="zh-TW" altLang="en-US" b="1" u="sng" dirty="0" smtClean="0">
+                <a:solidFill>
+                  <a:srgbClr val="FFC000"/>
+                </a:solidFill>
+              </a:rPr>
+              <a:t>編輯</a:t>
+            </a:r>
+            <a:r>
+              <a:rPr lang="zh-TW" altLang="en-US" dirty="0" smtClean="0"/>
+              <a:t>聯絡我們的內容</a:t>
+            </a:r>
+            <a:endParaRPr lang="en-US" altLang="zh-TW" dirty="0" smtClean="0"/>
+          </a:p>
+          <a:p>
+            <a:r>
+              <a:rPr lang="en-US" altLang="zh-TW" dirty="0">
+                <a:hlinkClick r:id="rId3"/>
+              </a:rPr>
+              <a:t>https://</a:t>
+            </a:r>
+            <a:r>
+              <a:rPr lang="en-US" altLang="zh-TW" dirty="0" smtClean="0">
+                <a:hlinkClick r:id="rId3"/>
+              </a:rPr>
+              <a:t>www.codepile.net/pile/Dn24JqPv</a:t>
+            </a:r>
+            <a:endParaRPr lang="en-US" altLang="zh-TW" dirty="0" smtClean="0"/>
+          </a:p>
+        </p:txBody>
+      </p:sp>
+    </p:spTree>
+    <p:extLst>
+      <p:ext uri="{BB962C8B-B14F-4D97-AF65-F5344CB8AC3E}">
+        <p14:creationId xmlns:p14="http://schemas.microsoft.com/office/powerpoint/2010/main" val="4041476322"/>
+      </p:ext>
+    </p:extLst>
+  </p:cSld>
+  <p:clrMapOvr>
+    <a:masterClrMapping/>
+  </p:clrMapOvr>
+  <p:timing>
+    <p:tnLst>
+      <p:par>
+        <p:cTn id="1" dur="indefinite" restart="never" nodeType="tmRoot"/>
+      </p:par>
+    </p:tnLst>
+  </p:timing>
+</p:sld>
+</file>
+
+<file path=ppt/slides/slide8.xml><?xml version="1.0" encoding="utf-8"?>
+<p:sld xmlns:a="http://schemas.openxmlformats.org/drawingml/2006/main" xmlns:r="http://schemas.openxmlformats.org/officeDocument/2006/relationships" xmlns:p="http://schemas.openxmlformats.org/presentationml/2006/main">
+  <p:cSld>
+    <p:spTree>
+      <p:nvGrpSpPr>
+        <p:cNvPr id="1" name=""/>
+        <p:cNvGrpSpPr/>
+        <p:nvPr/>
+      </p:nvGrpSpPr>
+      <p:grpSpPr>
+        <a:xfrm>
+          <a:off x="0" y="0"/>
+          <a:ext cx="0" cy="0"/>
+          <a:chOff x="0" y="0"/>
+          <a:chExt cx="0" cy="0"/>
+        </a:xfrm>
+      </p:grpSpPr>
+      <p:sp>
+        <p:nvSpPr>
+          <p:cNvPr id="2" name="標題 1"/>
+          <p:cNvSpPr>
+            <a:spLocks noGrp="1"/>
+          </p:cNvSpPr>
+          <p:nvPr>
+            <p:ph type="title"/>
+          </p:nvPr>
+        </p:nvSpPr>
+        <p:spPr/>
+        <p:txBody>
+          <a:bodyPr/>
+          <a:lstStyle/>
+          <a:p>
+            <a:r>
+              <a:rPr lang="zh-TW" altLang="en-US" b="1" dirty="0" smtClean="0"/>
+              <a:t>流程圖介紹 </a:t>
+            </a:r>
+            <a:r>
+              <a:rPr lang="en-US" altLang="zh-TW" b="1" dirty="0" smtClean="0"/>
+              <a:t>–</a:t>
+            </a:r>
+            <a:r>
+              <a:rPr lang="zh-TW" altLang="en-US" b="1" dirty="0" smtClean="0"/>
+              <a:t> 加入我們</a:t>
+            </a:r>
+            <a:endParaRPr lang="zh-TW" altLang="en-US" b="1" dirty="0"/>
+          </a:p>
+        </p:txBody>
+      </p:sp>
+      <p:pic>
+        <p:nvPicPr>
+          <p:cNvPr id="5" name="內容版面配置區 4"/>
+          <p:cNvPicPr>
+            <a:picLocks noGrp="1" noChangeAspect="1"/>
+          </p:cNvPicPr>
+          <p:nvPr>
+            <p:ph sz="half" idx="1"/>
+          </p:nvPr>
+        </p:nvPicPr>
+        <p:blipFill>
+          <a:blip r:embed="rId2">
+            <a:extLst>
+              <a:ext uri="{28A0092B-C50C-407E-A947-70E740481C1C}">
+                <a14:useLocalDpi xmlns:a14="http://schemas.microsoft.com/office/drawing/2010/main" val="0"/>
+              </a:ext>
+            </a:extLst>
+          </a:blip>
+          <a:stretch>
+            <a:fillRect/>
+          </a:stretch>
+        </p:blipFill>
+        <p:spPr>
+          <a:xfrm>
             <a:off x="179512" y="2132856"/>
             <a:ext cx="4392488" cy="4032448"/>
           </a:xfrm>
@@ -7221,7 +7477,7 @@
 </p:sld>
 </file>
 
-<file path=ppt/slides/slide8.xml><?xml version="1.0" encoding="utf-8"?>
+<file path=ppt/slides/slide9.xml><?xml version="1.0" encoding="utf-8"?>
 <p:sld xmlns:a="http://schemas.openxmlformats.org/drawingml/2006/main" xmlns:r="http://schemas.openxmlformats.org/officeDocument/2006/relationships" xmlns:p="http://schemas.openxmlformats.org/presentationml/2006/main">
   <p:cSld>
     <p:spTree>

--- a/small_project/data_project/沅淯駿營造有限公司.pptx
+++ b/small_project/data_project/沅淯駿營造有限公司.pptx
@@ -4,6 +4,9 @@
   <p:sldMasterIdLst>
     <p:sldMasterId id="2147483828" r:id="rId1"/>
   </p:sldMasterIdLst>
+  <p:notesMasterIdLst>
+    <p:notesMasterId r:id="rId11"/>
+  </p:notesMasterIdLst>
   <p:sldIdLst>
     <p:sldId id="256" r:id="rId2"/>
     <p:sldId id="272" r:id="rId3"/>
@@ -115,6 +118,472 @@
 </p:presentation>
 </file>
 
+<file path=ppt/notesMasters/notesMaster1.xml><?xml version="1.0" encoding="utf-8"?>
+<p:notesMaster xmlns:a="http://schemas.openxmlformats.org/drawingml/2006/main" xmlns:r="http://schemas.openxmlformats.org/officeDocument/2006/relationships" xmlns:p="http://schemas.openxmlformats.org/presentationml/2006/main">
+  <p:cSld>
+    <p:bg>
+      <p:bgRef idx="1001">
+        <a:schemeClr val="bg1"/>
+      </p:bgRef>
+    </p:bg>
+    <p:spTree>
+      <p:nvGrpSpPr>
+        <p:cNvPr id="1" name=""/>
+        <p:cNvGrpSpPr/>
+        <p:nvPr/>
+      </p:nvGrpSpPr>
+      <p:grpSpPr>
+        <a:xfrm>
+          <a:off x="0" y="0"/>
+          <a:ext cx="0" cy="0"/>
+          <a:chOff x="0" y="0"/>
+          <a:chExt cx="0" cy="0"/>
+        </a:xfrm>
+      </p:grpSpPr>
+      <p:sp>
+        <p:nvSpPr>
+          <p:cNvPr id="2" name="頁首版面配置區 1"/>
+          <p:cNvSpPr>
+            <a:spLocks noGrp="1"/>
+          </p:cNvSpPr>
+          <p:nvPr>
+            <p:ph type="hdr" sz="quarter"/>
+          </p:nvPr>
+        </p:nvSpPr>
+        <p:spPr>
+          <a:xfrm>
+            <a:off x="0" y="0"/>
+            <a:ext cx="2971800" cy="457200"/>
+          </a:xfrm>
+          <a:prstGeom prst="rect">
+            <a:avLst/>
+          </a:prstGeom>
+        </p:spPr>
+        <p:txBody>
+          <a:bodyPr vert="horz" lIns="91440" tIns="45720" rIns="91440" bIns="45720" rtlCol="0"/>
+          <a:lstStyle>
+            <a:lvl1pPr algn="l">
+              <a:defRPr sz="1200"/>
+            </a:lvl1pPr>
+          </a:lstStyle>
+          <a:p>
+            <a:endParaRPr lang="zh-TW" altLang="en-US"/>
+          </a:p>
+        </p:txBody>
+      </p:sp>
+      <p:sp>
+        <p:nvSpPr>
+          <p:cNvPr id="3" name="日期版面配置區 2"/>
+          <p:cNvSpPr>
+            <a:spLocks noGrp="1"/>
+          </p:cNvSpPr>
+          <p:nvPr>
+            <p:ph type="dt" idx="1"/>
+          </p:nvPr>
+        </p:nvSpPr>
+        <p:spPr>
+          <a:xfrm>
+            <a:off x="3884613" y="0"/>
+            <a:ext cx="2971800" cy="457200"/>
+          </a:xfrm>
+          <a:prstGeom prst="rect">
+            <a:avLst/>
+          </a:prstGeom>
+        </p:spPr>
+        <p:txBody>
+          <a:bodyPr vert="horz" lIns="91440" tIns="45720" rIns="91440" bIns="45720" rtlCol="0"/>
+          <a:lstStyle>
+            <a:lvl1pPr algn="r">
+              <a:defRPr sz="1200"/>
+            </a:lvl1pPr>
+          </a:lstStyle>
+          <a:p>
+            <a:fld id="{0AC6F45D-E680-4058-A10F-BE047449F081}" type="datetimeFigureOut">
+              <a:rPr lang="zh-TW" altLang="en-US" smtClean="0"/>
+              <a:t>2016/7/25</a:t>
+            </a:fld>
+            <a:endParaRPr lang="zh-TW" altLang="en-US"/>
+          </a:p>
+        </p:txBody>
+      </p:sp>
+      <p:sp>
+        <p:nvSpPr>
+          <p:cNvPr id="4" name="投影片圖像版面配置區 3"/>
+          <p:cNvSpPr>
+            <a:spLocks noGrp="1" noRot="1" noChangeAspect="1"/>
+          </p:cNvSpPr>
+          <p:nvPr>
+            <p:ph type="sldImg" idx="2"/>
+          </p:nvPr>
+        </p:nvSpPr>
+        <p:spPr>
+          <a:xfrm>
+            <a:off x="1143000" y="685800"/>
+            <a:ext cx="4572000" cy="3429000"/>
+          </a:xfrm>
+          <a:prstGeom prst="rect">
+            <a:avLst/>
+          </a:prstGeom>
+          <a:noFill/>
+          <a:ln w="12700">
+            <a:solidFill>
+              <a:prstClr val="black"/>
+            </a:solidFill>
+          </a:ln>
+        </p:spPr>
+        <p:txBody>
+          <a:bodyPr vert="horz" lIns="91440" tIns="45720" rIns="91440" bIns="45720" rtlCol="0" anchor="ctr"/>
+          <a:lstStyle/>
+          <a:p>
+            <a:endParaRPr lang="zh-TW" altLang="en-US"/>
+          </a:p>
+        </p:txBody>
+      </p:sp>
+      <p:sp>
+        <p:nvSpPr>
+          <p:cNvPr id="5" name="備忘稿版面配置區 4"/>
+          <p:cNvSpPr>
+            <a:spLocks noGrp="1"/>
+          </p:cNvSpPr>
+          <p:nvPr>
+            <p:ph type="body" sz="quarter" idx="3"/>
+          </p:nvPr>
+        </p:nvSpPr>
+        <p:spPr>
+          <a:xfrm>
+            <a:off x="685800" y="4343400"/>
+            <a:ext cx="5486400" cy="4114800"/>
+          </a:xfrm>
+          <a:prstGeom prst="rect">
+            <a:avLst/>
+          </a:prstGeom>
+        </p:spPr>
+        <p:txBody>
+          <a:bodyPr vert="horz" lIns="91440" tIns="45720" rIns="91440" bIns="45720" rtlCol="0"/>
+          <a:lstStyle/>
+          <a:p>
+            <a:pPr lvl="0"/>
+            <a:r>
+              <a:rPr lang="zh-TW" altLang="en-US" smtClean="0"/>
+              <a:t>按一下以編輯母片文字樣式</a:t>
+            </a:r>
+          </a:p>
+          <a:p>
+            <a:pPr lvl="1"/>
+            <a:r>
+              <a:rPr lang="zh-TW" altLang="en-US" smtClean="0"/>
+              <a:t>第二層</a:t>
+            </a:r>
+          </a:p>
+          <a:p>
+            <a:pPr lvl="2"/>
+            <a:r>
+              <a:rPr lang="zh-TW" altLang="en-US" smtClean="0"/>
+              <a:t>第三層</a:t>
+            </a:r>
+          </a:p>
+          <a:p>
+            <a:pPr lvl="3"/>
+            <a:r>
+              <a:rPr lang="zh-TW" altLang="en-US" smtClean="0"/>
+              <a:t>第四層</a:t>
+            </a:r>
+          </a:p>
+          <a:p>
+            <a:pPr lvl="4"/>
+            <a:r>
+              <a:rPr lang="zh-TW" altLang="en-US" smtClean="0"/>
+              <a:t>第五層</a:t>
+            </a:r>
+            <a:endParaRPr lang="zh-TW" altLang="en-US"/>
+          </a:p>
+        </p:txBody>
+      </p:sp>
+      <p:sp>
+        <p:nvSpPr>
+          <p:cNvPr id="6" name="頁尾版面配置區 5"/>
+          <p:cNvSpPr>
+            <a:spLocks noGrp="1"/>
+          </p:cNvSpPr>
+          <p:nvPr>
+            <p:ph type="ftr" sz="quarter" idx="4"/>
+          </p:nvPr>
+        </p:nvSpPr>
+        <p:spPr>
+          <a:xfrm>
+            <a:off x="0" y="8685213"/>
+            <a:ext cx="2971800" cy="457200"/>
+          </a:xfrm>
+          <a:prstGeom prst="rect">
+            <a:avLst/>
+          </a:prstGeom>
+        </p:spPr>
+        <p:txBody>
+          <a:bodyPr vert="horz" lIns="91440" tIns="45720" rIns="91440" bIns="45720" rtlCol="0" anchor="b"/>
+          <a:lstStyle>
+            <a:lvl1pPr algn="l">
+              <a:defRPr sz="1200"/>
+            </a:lvl1pPr>
+          </a:lstStyle>
+          <a:p>
+            <a:endParaRPr lang="zh-TW" altLang="en-US"/>
+          </a:p>
+        </p:txBody>
+      </p:sp>
+      <p:sp>
+        <p:nvSpPr>
+          <p:cNvPr id="7" name="投影片編號版面配置區 6"/>
+          <p:cNvSpPr>
+            <a:spLocks noGrp="1"/>
+          </p:cNvSpPr>
+          <p:nvPr>
+            <p:ph type="sldNum" sz="quarter" idx="5"/>
+          </p:nvPr>
+        </p:nvSpPr>
+        <p:spPr>
+          <a:xfrm>
+            <a:off x="3884613" y="8685213"/>
+            <a:ext cx="2971800" cy="457200"/>
+          </a:xfrm>
+          <a:prstGeom prst="rect">
+            <a:avLst/>
+          </a:prstGeom>
+        </p:spPr>
+        <p:txBody>
+          <a:bodyPr vert="horz" lIns="91440" tIns="45720" rIns="91440" bIns="45720" rtlCol="0" anchor="b"/>
+          <a:lstStyle>
+            <a:lvl1pPr algn="r">
+              <a:defRPr sz="1200"/>
+            </a:lvl1pPr>
+          </a:lstStyle>
+          <a:p>
+            <a:fld id="{98708D32-8E1A-443D-BA0F-8F009ADC8E79}" type="slidenum">
+              <a:rPr lang="zh-TW" altLang="en-US" smtClean="0"/>
+              <a:t>‹#›</a:t>
+            </a:fld>
+            <a:endParaRPr lang="zh-TW" altLang="en-US"/>
+          </a:p>
+        </p:txBody>
+      </p:sp>
+    </p:spTree>
+    <p:extLst>
+      <p:ext uri="{BB962C8B-B14F-4D97-AF65-F5344CB8AC3E}">
+        <p14:creationId xmlns:p14="http://schemas.microsoft.com/office/powerpoint/2010/main" val="3455494077"/>
+      </p:ext>
+    </p:extLst>
+  </p:cSld>
+  <p:clrMap bg1="lt1" tx1="dk1" bg2="lt2" tx2="dk2" accent1="accent1" accent2="accent2" accent3="accent3" accent4="accent4" accent5="accent5" accent6="accent6" hlink="hlink" folHlink="folHlink"/>
+  <p:notesStyle>
+    <a:lvl1pPr marL="0" algn="l" defTabSz="914400" rtl="0" eaLnBrk="1" latinLnBrk="0" hangingPunct="1">
+      <a:defRPr sz="1200" kern="1200">
+        <a:solidFill>
+          <a:schemeClr val="tx1"/>
+        </a:solidFill>
+        <a:latin typeface="+mn-lt"/>
+        <a:ea typeface="+mn-ea"/>
+        <a:cs typeface="+mn-cs"/>
+      </a:defRPr>
+    </a:lvl1pPr>
+    <a:lvl2pPr marL="457200" algn="l" defTabSz="914400" rtl="0" eaLnBrk="1" latinLnBrk="0" hangingPunct="1">
+      <a:defRPr sz="1200" kern="1200">
+        <a:solidFill>
+          <a:schemeClr val="tx1"/>
+        </a:solidFill>
+        <a:latin typeface="+mn-lt"/>
+        <a:ea typeface="+mn-ea"/>
+        <a:cs typeface="+mn-cs"/>
+      </a:defRPr>
+    </a:lvl2pPr>
+    <a:lvl3pPr marL="914400" algn="l" defTabSz="914400" rtl="0" eaLnBrk="1" latinLnBrk="0" hangingPunct="1">
+      <a:defRPr sz="1200" kern="1200">
+        <a:solidFill>
+          <a:schemeClr val="tx1"/>
+        </a:solidFill>
+        <a:latin typeface="+mn-lt"/>
+        <a:ea typeface="+mn-ea"/>
+        <a:cs typeface="+mn-cs"/>
+      </a:defRPr>
+    </a:lvl3pPr>
+    <a:lvl4pPr marL="1371600" algn="l" defTabSz="914400" rtl="0" eaLnBrk="1" latinLnBrk="0" hangingPunct="1">
+      <a:defRPr sz="1200" kern="1200">
+        <a:solidFill>
+          <a:schemeClr val="tx1"/>
+        </a:solidFill>
+        <a:latin typeface="+mn-lt"/>
+        <a:ea typeface="+mn-ea"/>
+        <a:cs typeface="+mn-cs"/>
+      </a:defRPr>
+    </a:lvl4pPr>
+    <a:lvl5pPr marL="1828800" algn="l" defTabSz="914400" rtl="0" eaLnBrk="1" latinLnBrk="0" hangingPunct="1">
+      <a:defRPr sz="1200" kern="1200">
+        <a:solidFill>
+          <a:schemeClr val="tx1"/>
+        </a:solidFill>
+        <a:latin typeface="+mn-lt"/>
+        <a:ea typeface="+mn-ea"/>
+        <a:cs typeface="+mn-cs"/>
+      </a:defRPr>
+    </a:lvl5pPr>
+    <a:lvl6pPr marL="2286000" algn="l" defTabSz="914400" rtl="0" eaLnBrk="1" latinLnBrk="0" hangingPunct="1">
+      <a:defRPr sz="1200" kern="1200">
+        <a:solidFill>
+          <a:schemeClr val="tx1"/>
+        </a:solidFill>
+        <a:latin typeface="+mn-lt"/>
+        <a:ea typeface="+mn-ea"/>
+        <a:cs typeface="+mn-cs"/>
+      </a:defRPr>
+    </a:lvl6pPr>
+    <a:lvl7pPr marL="2743200" algn="l" defTabSz="914400" rtl="0" eaLnBrk="1" latinLnBrk="0" hangingPunct="1">
+      <a:defRPr sz="1200" kern="1200">
+        <a:solidFill>
+          <a:schemeClr val="tx1"/>
+        </a:solidFill>
+        <a:latin typeface="+mn-lt"/>
+        <a:ea typeface="+mn-ea"/>
+        <a:cs typeface="+mn-cs"/>
+      </a:defRPr>
+    </a:lvl7pPr>
+    <a:lvl8pPr marL="3200400" algn="l" defTabSz="914400" rtl="0" eaLnBrk="1" latinLnBrk="0" hangingPunct="1">
+      <a:defRPr sz="1200" kern="1200">
+        <a:solidFill>
+          <a:schemeClr val="tx1"/>
+        </a:solidFill>
+        <a:latin typeface="+mn-lt"/>
+        <a:ea typeface="+mn-ea"/>
+        <a:cs typeface="+mn-cs"/>
+      </a:defRPr>
+    </a:lvl8pPr>
+    <a:lvl9pPr marL="3657600" algn="l" defTabSz="914400" rtl="0" eaLnBrk="1" latinLnBrk="0" hangingPunct="1">
+      <a:defRPr sz="1200" kern="1200">
+        <a:solidFill>
+          <a:schemeClr val="tx1"/>
+        </a:solidFill>
+        <a:latin typeface="+mn-lt"/>
+        <a:ea typeface="+mn-ea"/>
+        <a:cs typeface="+mn-cs"/>
+      </a:defRPr>
+    </a:lvl9pPr>
+  </p:notesStyle>
+</p:notesMaster>
+</file>
+
+<file path=ppt/notesSlides/notesSlide1.xml><?xml version="1.0" encoding="utf-8"?>
+<p:notes xmlns:a="http://schemas.openxmlformats.org/drawingml/2006/main" xmlns:r="http://schemas.openxmlformats.org/officeDocument/2006/relationships" xmlns:p="http://schemas.openxmlformats.org/presentationml/2006/main">
+  <p:cSld>
+    <p:spTree>
+      <p:nvGrpSpPr>
+        <p:cNvPr id="1" name=""/>
+        <p:cNvGrpSpPr/>
+        <p:nvPr/>
+      </p:nvGrpSpPr>
+      <p:grpSpPr>
+        <a:xfrm>
+          <a:off x="0" y="0"/>
+          <a:ext cx="0" cy="0"/>
+          <a:chOff x="0" y="0"/>
+          <a:chExt cx="0" cy="0"/>
+        </a:xfrm>
+      </p:grpSpPr>
+      <p:sp>
+        <p:nvSpPr>
+          <p:cNvPr id="2" name="投影片圖像版面配置區 1"/>
+          <p:cNvSpPr>
+            <a:spLocks noGrp="1" noRot="1" noChangeAspect="1"/>
+          </p:cNvSpPr>
+          <p:nvPr>
+            <p:ph type="sldImg"/>
+          </p:nvPr>
+        </p:nvSpPr>
+        <p:spPr/>
+      </p:sp>
+      <p:sp>
+        <p:nvSpPr>
+          <p:cNvPr id="3" name="備忘稿版面配置區 2"/>
+          <p:cNvSpPr>
+            <a:spLocks noGrp="1"/>
+          </p:cNvSpPr>
+          <p:nvPr>
+            <p:ph type="body" idx="1"/>
+          </p:nvPr>
+        </p:nvSpPr>
+        <p:spPr/>
+        <p:txBody>
+          <a:bodyPr/>
+          <a:lstStyle/>
+          <a:p>
+            <a:pPr marL="0" marR="0" indent="0" algn="l" defTabSz="914400" rtl="0" eaLnBrk="1" fontAlgn="auto" latinLnBrk="0" hangingPunct="1">
+              <a:lnSpc>
+                <a:spcPct val="100000"/>
+              </a:lnSpc>
+              <a:spcBef>
+                <a:spcPts val="0"/>
+              </a:spcBef>
+              <a:spcAft>
+                <a:spcPts val="0"/>
+              </a:spcAft>
+              <a:buClrTx/>
+              <a:buSzTx/>
+              <a:buFontTx/>
+              <a:buNone/>
+              <a:tabLst/>
+              <a:defRPr/>
+            </a:pPr>
+            <a:r>
+              <a:rPr lang="zh-TW" altLang="en-US" b="1" dirty="0" smtClean="0">
+                <a:solidFill>
+                  <a:srgbClr val="FF0000"/>
+                </a:solidFill>
+              </a:rPr>
+              <a:t>錯誤訊息顯示與比對特殊字元</a:t>
+            </a:r>
+            <a:endParaRPr lang="en-US" altLang="zh-TW" b="1" dirty="0" smtClean="0">
+              <a:solidFill>
+                <a:srgbClr val="FF0000"/>
+              </a:solidFill>
+            </a:endParaRPr>
+          </a:p>
+          <a:p>
+            <a:endParaRPr lang="zh-TW" altLang="en-US" dirty="0"/>
+          </a:p>
+        </p:txBody>
+      </p:sp>
+      <p:sp>
+        <p:nvSpPr>
+          <p:cNvPr id="4" name="投影片編號版面配置區 3"/>
+          <p:cNvSpPr>
+            <a:spLocks noGrp="1"/>
+          </p:cNvSpPr>
+          <p:nvPr>
+            <p:ph type="sldNum" sz="quarter" idx="10"/>
+          </p:nvPr>
+        </p:nvSpPr>
+        <p:spPr/>
+        <p:txBody>
+          <a:bodyPr/>
+          <a:lstStyle/>
+          <a:p>
+            <a:fld id="{98708D32-8E1A-443D-BA0F-8F009ADC8E79}" type="slidenum">
+              <a:rPr lang="zh-TW" altLang="en-US" smtClean="0"/>
+              <a:t>5</a:t>
+            </a:fld>
+            <a:endParaRPr lang="zh-TW" altLang="en-US"/>
+          </a:p>
+        </p:txBody>
+      </p:sp>
+    </p:spTree>
+    <p:extLst>
+      <p:ext uri="{BB962C8B-B14F-4D97-AF65-F5344CB8AC3E}">
+        <p14:creationId xmlns:p14="http://schemas.microsoft.com/office/powerpoint/2010/main" val="2180284889"/>
+      </p:ext>
+    </p:extLst>
+  </p:cSld>
+  <p:clrMapOvr>
+    <a:masterClrMapping/>
+  </p:clrMapOvr>
+</p:notes>
+</file>
+
 <file path=ppt/slideLayouts/slideLayout1.xml><?xml version="1.0" encoding="utf-8"?>
 <p:sldLayout xmlns:a="http://schemas.openxmlformats.org/drawingml/2006/main" xmlns:r="http://schemas.openxmlformats.org/officeDocument/2006/relationships" xmlns:p="http://schemas.openxmlformats.org/presentationml/2006/main" showMasterSp="0" type="title" preserve="1">
   <p:cSld name="標題投影片">
@@ -390,7 +859,7 @@
           <a:p>
             <a:fld id="{5727369B-E44C-4082-BCE3-F0D9374C2D85}" type="datetimeFigureOut">
               <a:rPr lang="zh-TW" altLang="en-US" smtClean="0"/>
-              <a:t>2016/7/22</a:t>
+              <a:t>2016/7/25</a:t>
             </a:fld>
             <a:endParaRPr lang="zh-TW" altLang="en-US"/>
           </a:p>
@@ -778,7 +1247,7 @@
           <a:p>
             <a:fld id="{5727369B-E44C-4082-BCE3-F0D9374C2D85}" type="datetimeFigureOut">
               <a:rPr lang="zh-TW" altLang="en-US" smtClean="0"/>
-              <a:t>2016/7/22</a:t>
+              <a:t>2016/7/25</a:t>
             </a:fld>
             <a:endParaRPr lang="zh-TW" altLang="en-US"/>
           </a:p>
@@ -1305,7 +1774,7 @@
           <a:p>
             <a:fld id="{5727369B-E44C-4082-BCE3-F0D9374C2D85}" type="datetimeFigureOut">
               <a:rPr lang="zh-TW" altLang="en-US" smtClean="0"/>
-              <a:t>2016/7/22</a:t>
+              <a:t>2016/7/25</a:t>
             </a:fld>
             <a:endParaRPr lang="zh-TW" altLang="en-US"/>
           </a:p>
@@ -1433,7 +1902,7 @@
           <a:p>
             <a:fld id="{5727369B-E44C-4082-BCE3-F0D9374C2D85}" type="datetimeFigureOut">
               <a:rPr lang="zh-TW" altLang="en-US" smtClean="0"/>
-              <a:t>2016/7/22</a:t>
+              <a:t>2016/7/25</a:t>
             </a:fld>
             <a:endParaRPr lang="zh-TW" altLang="en-US"/>
           </a:p>
@@ -1971,7 +2440,7 @@
           <a:p>
             <a:fld id="{5727369B-E44C-4082-BCE3-F0D9374C2D85}" type="datetimeFigureOut">
               <a:rPr lang="zh-TW" altLang="en-US" smtClean="0"/>
-              <a:t>2016/7/22</a:t>
+              <a:t>2016/7/25</a:t>
             </a:fld>
             <a:endParaRPr lang="zh-TW" altLang="en-US"/>
           </a:p>
@@ -2261,7 +2730,7 @@
           <a:p>
             <a:fld id="{5727369B-E44C-4082-BCE3-F0D9374C2D85}" type="datetimeFigureOut">
               <a:rPr lang="zh-TW" altLang="en-US" smtClean="0"/>
-              <a:t>2016/7/22</a:t>
+              <a:t>2016/7/25</a:t>
             </a:fld>
             <a:endParaRPr lang="zh-TW" altLang="en-US"/>
           </a:p>
@@ -2915,7 +3384,7 @@
           <a:p>
             <a:fld id="{5727369B-E44C-4082-BCE3-F0D9374C2D85}" type="datetimeFigureOut">
               <a:rPr lang="zh-TW" altLang="en-US" smtClean="0"/>
-              <a:t>2016/7/22</a:t>
+              <a:t>2016/7/25</a:t>
             </a:fld>
             <a:endParaRPr lang="zh-TW" altLang="en-US"/>
           </a:p>
@@ -3351,7 +3820,7 @@
           <a:p>
             <a:fld id="{5727369B-E44C-4082-BCE3-F0D9374C2D85}" type="datetimeFigureOut">
               <a:rPr lang="zh-TW" altLang="en-US" smtClean="0"/>
-              <a:t>2016/7/22</a:t>
+              <a:t>2016/7/25</a:t>
             </a:fld>
             <a:endParaRPr lang="zh-TW" altLang="en-US"/>
           </a:p>
@@ -3664,7 +4133,7 @@
           <a:p>
             <a:fld id="{5727369B-E44C-4082-BCE3-F0D9374C2D85}" type="datetimeFigureOut">
               <a:rPr lang="zh-TW" altLang="en-US" smtClean="0"/>
-              <a:t>2016/7/22</a:t>
+              <a:t>2016/7/25</a:t>
             </a:fld>
             <a:endParaRPr lang="zh-TW" altLang="en-US"/>
           </a:p>
@@ -4391,7 +4860,7 @@
           <a:p>
             <a:fld id="{5727369B-E44C-4082-BCE3-F0D9374C2D85}" type="datetimeFigureOut">
               <a:rPr lang="zh-TW" altLang="en-US" smtClean="0"/>
-              <a:t>2016/7/22</a:t>
+              <a:t>2016/7/25</a:t>
             </a:fld>
             <a:endParaRPr lang="zh-TW" altLang="en-US"/>
           </a:p>
@@ -5055,7 +5524,7 @@
           <a:p>
             <a:fld id="{5727369B-E44C-4082-BCE3-F0D9374C2D85}" type="datetimeFigureOut">
               <a:rPr lang="zh-TW" altLang="en-US" smtClean="0"/>
-              <a:t>2016/7/22</a:t>
+              <a:t>2016/7/25</a:t>
             </a:fld>
             <a:endParaRPr lang="zh-TW" altLang="en-US"/>
           </a:p>
@@ -5328,7 +5797,7 @@
           <a:p>
             <a:fld id="{5727369B-E44C-4082-BCE3-F0D9374C2D85}" type="datetimeFigureOut">
               <a:rPr lang="zh-TW" altLang="en-US" smtClean="0"/>
-              <a:t>2016/7/22</a:t>
+              <a:t>2016/7/25</a:t>
             </a:fld>
             <a:endParaRPr lang="zh-TW" altLang="en-US"/>
           </a:p>
@@ -6256,11 +6725,19 @@
           <a:p>
             <a:r>
               <a:rPr lang="en-US" altLang="zh-TW" dirty="0" smtClean="0"/>
-              <a:t>Core:</a:t>
+              <a:t>Core</a:t>
+            </a:r>
+            <a:r>
+              <a:rPr lang="en-US" altLang="zh-TW" dirty="0" smtClean="0"/>
+              <a:t>:</a:t>
             </a:r>
             <a:r>
               <a:rPr lang="zh-TW" altLang="en-US" dirty="0" smtClean="0"/>
-              <a:t>將導頁面到最外面的</a:t>
+              <a:t>導</a:t>
+            </a:r>
+            <a:r>
+              <a:rPr lang="zh-TW" altLang="en-US" dirty="0" smtClean="0"/>
+              <a:t>頁面到最外面的</a:t>
             </a:r>
             <a:r>
               <a:rPr lang="en-US" altLang="zh-TW" dirty="0" smtClean="0"/>
@@ -6412,7 +6889,9 @@
         </p:nvSpPr>
         <p:spPr/>
         <p:txBody>
-          <a:bodyPr/>
+          <a:bodyPr>
+            <a:normAutofit/>
+          </a:bodyPr>
           <a:lstStyle/>
           <a:p>
             <a:r>
@@ -6598,6 +7077,65 @@
           </a:p>
         </p:txBody>
       </p:sp>
+      <p:pic>
+        <p:nvPicPr>
+          <p:cNvPr id="8" name="內容版面配置區 7"/>
+          <p:cNvPicPr>
+            <a:picLocks noGrp="1" noChangeAspect="1"/>
+          </p:cNvPicPr>
+          <p:nvPr>
+            <p:ph sz="half" idx="4294967295"/>
+          </p:nvPr>
+        </p:nvPicPr>
+        <p:blipFill>
+          <a:blip r:embed="rId4">
+            <a:extLst>
+              <a:ext uri="{28A0092B-C50C-407E-A947-70E740481C1C}">
+                <a14:useLocalDpi xmlns:a14="http://schemas.microsoft.com/office/drawing/2010/main" val="0"/>
+              </a:ext>
+            </a:extLst>
+          </a:blip>
+          <a:stretch>
+            <a:fillRect/>
+          </a:stretch>
+        </p:blipFill>
+        <p:spPr>
+          <a:xfrm>
+            <a:off x="2132326" y="1412775"/>
+            <a:ext cx="4591316" cy="4879561"/>
+          </a:xfrm>
+        </p:spPr>
+      </p:pic>
+      <p:pic>
+        <p:nvPicPr>
+          <p:cNvPr id="9" name="圖片 8"/>
+          <p:cNvPicPr>
+            <a:picLocks noChangeAspect="1"/>
+          </p:cNvPicPr>
+          <p:nvPr/>
+        </p:nvPicPr>
+        <p:blipFill>
+          <a:blip r:embed="rId5">
+            <a:extLst>
+              <a:ext uri="{28A0092B-C50C-407E-A947-70E740481C1C}">
+                <a14:useLocalDpi xmlns:a14="http://schemas.microsoft.com/office/drawing/2010/main" val="0"/>
+              </a:ext>
+            </a:extLst>
+          </a:blip>
+          <a:stretch>
+            <a:fillRect/>
+          </a:stretch>
+        </p:blipFill>
+        <p:spPr>
+          <a:xfrm>
+            <a:off x="624290" y="2132856"/>
+            <a:ext cx="7103331" cy="3946296"/>
+          </a:xfrm>
+          <a:prstGeom prst="rect">
+            <a:avLst/>
+          </a:prstGeom>
+        </p:spPr>
+      </p:pic>
     </p:spTree>
     <p:extLst>
       <p:ext uri="{BB962C8B-B14F-4D97-AF65-F5344CB8AC3E}">
@@ -6608,6 +7146,195 @@
   <p:clrMapOvr>
     <a:masterClrMapping/>
   </p:clrMapOvr>
+  <p:timing>
+    <p:tnLst>
+      <p:par>
+        <p:cTn id="1" dur="indefinite" restart="never" nodeType="tmRoot">
+          <p:childTnLst>
+            <p:seq concurrent="1" nextAc="seek">
+              <p:cTn id="2" dur="indefinite" nodeType="mainSeq">
+                <p:childTnLst>
+                  <p:par>
+                    <p:cTn id="3" fill="hold">
+                      <p:stCondLst>
+                        <p:cond delay="indefinite"/>
+                      </p:stCondLst>
+                      <p:childTnLst>
+                        <p:par>
+                          <p:cTn id="4" fill="hold">
+                            <p:stCondLst>
+                              <p:cond delay="0"/>
+                            </p:stCondLst>
+                            <p:childTnLst>
+                              <p:par>
+                                <p:cTn id="5" presetID="10" presetClass="entr" presetSubtype="0" fill="hold" nodeType="clickEffect">
+                                  <p:stCondLst>
+                                    <p:cond delay="0"/>
+                                  </p:stCondLst>
+                                  <p:childTnLst>
+                                    <p:set>
+                                      <p:cBhvr>
+                                        <p:cTn id="6" dur="1" fill="hold">
+                                          <p:stCondLst>
+                                            <p:cond delay="0"/>
+                                          </p:stCondLst>
+                                        </p:cTn>
+                                        <p:tgtEl>
+                                          <p:spTgt spid="9"/>
+                                        </p:tgtEl>
+                                        <p:attrNameLst>
+                                          <p:attrName>style.visibility</p:attrName>
+                                        </p:attrNameLst>
+                                      </p:cBhvr>
+                                      <p:to>
+                                        <p:strVal val="visible"/>
+                                      </p:to>
+                                    </p:set>
+                                    <p:animEffect transition="in" filter="fade">
+                                      <p:cBhvr>
+                                        <p:cTn id="7" dur="500"/>
+                                        <p:tgtEl>
+                                          <p:spTgt spid="9"/>
+                                        </p:tgtEl>
+                                      </p:cBhvr>
+                                    </p:animEffect>
+                                  </p:childTnLst>
+                                </p:cTn>
+                              </p:par>
+                            </p:childTnLst>
+                          </p:cTn>
+                        </p:par>
+                      </p:childTnLst>
+                    </p:cTn>
+                  </p:par>
+                  <p:par>
+                    <p:cTn id="8" fill="hold">
+                      <p:stCondLst>
+                        <p:cond delay="indefinite"/>
+                      </p:stCondLst>
+                      <p:childTnLst>
+                        <p:par>
+                          <p:cTn id="9" fill="hold">
+                            <p:stCondLst>
+                              <p:cond delay="0"/>
+                            </p:stCondLst>
+                            <p:childTnLst>
+                              <p:par>
+                                <p:cTn id="10" presetID="10" presetClass="exit" presetSubtype="0" fill="hold" nodeType="clickEffect">
+                                  <p:stCondLst>
+                                    <p:cond delay="0"/>
+                                  </p:stCondLst>
+                                  <p:childTnLst>
+                                    <p:animEffect transition="out" filter="fade">
+                                      <p:cBhvr>
+                                        <p:cTn id="11" dur="500"/>
+                                        <p:tgtEl>
+                                          <p:spTgt spid="9"/>
+                                        </p:tgtEl>
+                                      </p:cBhvr>
+                                    </p:animEffect>
+                                    <p:set>
+                                      <p:cBhvr>
+                                        <p:cTn id="12" dur="1" fill="hold">
+                                          <p:stCondLst>
+                                            <p:cond delay="499"/>
+                                          </p:stCondLst>
+                                        </p:cTn>
+                                        <p:tgtEl>
+                                          <p:spTgt spid="9"/>
+                                        </p:tgtEl>
+                                        <p:attrNameLst>
+                                          <p:attrName>style.visibility</p:attrName>
+                                        </p:attrNameLst>
+                                      </p:cBhvr>
+                                      <p:to>
+                                        <p:strVal val="hidden"/>
+                                      </p:to>
+                                    </p:set>
+                                  </p:childTnLst>
+                                </p:cTn>
+                              </p:par>
+                            </p:childTnLst>
+                          </p:cTn>
+                        </p:par>
+                      </p:childTnLst>
+                    </p:cTn>
+                  </p:par>
+                  <p:par>
+                    <p:cTn id="13" fill="hold">
+                      <p:stCondLst>
+                        <p:cond delay="indefinite"/>
+                      </p:stCondLst>
+                      <p:childTnLst>
+                        <p:par>
+                          <p:cTn id="14" fill="hold">
+                            <p:stCondLst>
+                              <p:cond delay="0"/>
+                            </p:stCondLst>
+                            <p:childTnLst>
+                              <p:par>
+                                <p:cTn id="15" presetID="10" presetClass="entr" presetSubtype="0" fill="hold" nodeType="clickEffect">
+                                  <p:stCondLst>
+                                    <p:cond delay="0"/>
+                                  </p:stCondLst>
+                                  <p:childTnLst>
+                                    <p:set>
+                                      <p:cBhvr>
+                                        <p:cTn id="16" dur="1" fill="hold">
+                                          <p:stCondLst>
+                                            <p:cond delay="0"/>
+                                          </p:stCondLst>
+                                        </p:cTn>
+                                        <p:tgtEl>
+                                          <p:spTgt spid="8"/>
+                                        </p:tgtEl>
+                                        <p:attrNameLst>
+                                          <p:attrName>style.visibility</p:attrName>
+                                        </p:attrNameLst>
+                                      </p:cBhvr>
+                                      <p:to>
+                                        <p:strVal val="visible"/>
+                                      </p:to>
+                                    </p:set>
+                                    <p:animEffect transition="in" filter="fade">
+                                      <p:cBhvr>
+                                        <p:cTn id="17" dur="500"/>
+                                        <p:tgtEl>
+                                          <p:spTgt spid="8"/>
+                                        </p:tgtEl>
+                                      </p:cBhvr>
+                                    </p:animEffect>
+                                  </p:childTnLst>
+                                </p:cTn>
+                              </p:par>
+                            </p:childTnLst>
+                          </p:cTn>
+                        </p:par>
+                      </p:childTnLst>
+                    </p:cTn>
+                  </p:par>
+                </p:childTnLst>
+              </p:cTn>
+              <p:prevCondLst>
+                <p:cond evt="onPrev" delay="0">
+                  <p:tgtEl>
+                    <p:sldTgt/>
+                  </p:tgtEl>
+                </p:cond>
+              </p:prevCondLst>
+              <p:nextCondLst>
+                <p:cond evt="onNext" delay="0">
+                  <p:tgtEl>
+                    <p:sldTgt/>
+                  </p:tgtEl>
+                </p:cond>
+              </p:nextCondLst>
+            </p:seq>
+          </p:childTnLst>
+        </p:cTn>
+      </p:par>
+    </p:tnLst>
+  </p:timing>
 </p:sld>
 </file>
 
@@ -6670,7 +7397,7 @@
           </p:nvPr>
         </p:nvPicPr>
         <p:blipFill>
-          <a:blip r:embed="rId2">
+          <a:blip r:embed="rId3">
             <a:extLst>
               <a:ext uri="{28A0092B-C50C-407E-A947-70E740481C1C}">
                 <a14:useLocalDpi xmlns:a14="http://schemas.microsoft.com/office/drawing/2010/main" val="0"/>
@@ -6793,26 +7520,53 @@
           <a:p>
             <a:r>
               <a:rPr lang="en-US" altLang="zh-TW" dirty="0">
-                <a:hlinkClick r:id="rId3"/>
+                <a:hlinkClick r:id="rId4"/>
               </a:rPr>
               <a:t>https://</a:t>
             </a:r>
             <a:r>
               <a:rPr lang="en-US" altLang="zh-TW" dirty="0" smtClean="0">
-                <a:hlinkClick r:id="rId3"/>
+                <a:hlinkClick r:id="rId4"/>
               </a:rPr>
               <a:t>www.codepile.net/pile/XrDQlxgq</a:t>
             </a:r>
             <a:endParaRPr lang="en-US" altLang="zh-TW" dirty="0" smtClean="0"/>
           </a:p>
           <a:p>
-            <a:endParaRPr lang="en-US" altLang="zh-TW" dirty="0" smtClean="0"/>
-          </a:p>
-          <a:p>
             <a:endParaRPr lang="zh-TW" altLang="en-US" dirty="0"/>
           </a:p>
         </p:txBody>
       </p:sp>
+      <p:pic>
+        <p:nvPicPr>
+          <p:cNvPr id="3" name="圖片 2"/>
+          <p:cNvPicPr>
+            <a:picLocks noChangeAspect="1"/>
+          </p:cNvPicPr>
+          <p:nvPr/>
+        </p:nvPicPr>
+        <p:blipFill>
+          <a:blip r:embed="rId5">
+            <a:extLst>
+              <a:ext uri="{28A0092B-C50C-407E-A947-70E740481C1C}">
+                <a14:useLocalDpi xmlns:a14="http://schemas.microsoft.com/office/drawing/2010/main" val="0"/>
+              </a:ext>
+            </a:extLst>
+          </a:blip>
+          <a:stretch>
+            <a:fillRect/>
+          </a:stretch>
+        </p:blipFill>
+        <p:spPr>
+          <a:xfrm>
+            <a:off x="1187624" y="2132856"/>
+            <a:ext cx="6917488" cy="2880320"/>
+          </a:xfrm>
+          <a:prstGeom prst="rect">
+            <a:avLst/>
+          </a:prstGeom>
+        </p:spPr>
+      </p:pic>
     </p:spTree>
     <p:extLst>
       <p:ext uri="{BB962C8B-B14F-4D97-AF65-F5344CB8AC3E}">
@@ -6826,7 +7580,83 @@
   <p:timing>
     <p:tnLst>
       <p:par>
-        <p:cTn id="1" dur="indefinite" restart="never" nodeType="tmRoot"/>
+        <p:cTn id="1" dur="indefinite" restart="never" nodeType="tmRoot">
+          <p:childTnLst>
+            <p:seq concurrent="1" nextAc="seek">
+              <p:cTn id="2" dur="indefinite" nodeType="mainSeq">
+                <p:childTnLst>
+                  <p:par>
+                    <p:cTn id="3" fill="hold">
+                      <p:stCondLst>
+                        <p:cond delay="indefinite"/>
+                      </p:stCondLst>
+                      <p:childTnLst>
+                        <p:par>
+                          <p:cTn id="4" fill="hold">
+                            <p:stCondLst>
+                              <p:cond delay="0"/>
+                            </p:stCondLst>
+                            <p:childTnLst>
+                              <p:par>
+                                <p:cTn id="5" presetID="10" presetClass="entr" presetSubtype="0" fill="hold" nodeType="clickEffect">
+                                  <p:stCondLst>
+                                    <p:cond delay="0"/>
+                                  </p:stCondLst>
+                                  <p:childTnLst>
+                                    <p:set>
+                                      <p:cBhvr>
+                                        <p:cTn id="6" dur="1" fill="hold">
+                                          <p:stCondLst>
+                                            <p:cond delay="0"/>
+                                          </p:stCondLst>
+                                        </p:cTn>
+                                        <p:tgtEl>
+                                          <p:spTgt spid="3"/>
+                                        </p:tgtEl>
+                                        <p:attrNameLst>
+                                          <p:attrName>style.visibility</p:attrName>
+                                        </p:attrNameLst>
+                                      </p:cBhvr>
+                                      <p:to>
+                                        <p:strVal val="visible"/>
+                                      </p:to>
+                                    </p:set>
+                                    <p:animEffect transition="in" filter="fade">
+                                      <p:cBhvr>
+                                        <p:cTn id="7" dur="500"/>
+                                        <p:tgtEl>
+                                          <p:spTgt spid="3"/>
+                                        </p:tgtEl>
+                                      </p:cBhvr>
+                                    </p:animEffect>
+                                  </p:childTnLst>
+                                </p:cTn>
+                              </p:par>
+                            </p:childTnLst>
+                          </p:cTn>
+                        </p:par>
+                      </p:childTnLst>
+                    </p:cTn>
+                  </p:par>
+                </p:childTnLst>
+              </p:cTn>
+              <p:prevCondLst>
+                <p:cond evt="onPrev" delay="0">
+                  <p:tgtEl>
+                    <p:sldTgt/>
+                  </p:tgtEl>
+                </p:cond>
+              </p:prevCondLst>
+              <p:nextCondLst>
+                <p:cond evt="onNext" delay="0">
+                  <p:tgtEl>
+                    <p:sldTgt/>
+                  </p:tgtEl>
+                </p:cond>
+              </p:nextCondLst>
+            </p:seq>
+          </p:childTnLst>
+        </p:cTn>
       </p:par>
     </p:tnLst>
   </p:timing>
@@ -6967,14 +7797,30 @@
             <a:r>
               <a:rPr lang="zh-TW" altLang="en-US" b="1" u="sng" dirty="0" smtClean="0">
                 <a:solidFill>
+                  <a:srgbClr val="FF0000"/>
+                </a:solidFill>
+              </a:rPr>
+              <a:t>新增</a:t>
+            </a:r>
+            <a:r>
+              <a:rPr lang="zh-TW" altLang="en-US" b="1" u="sng" dirty="0" smtClean="0">
+                <a:solidFill>
                   <a:srgbClr val="FFC000"/>
                 </a:solidFill>
               </a:rPr>
-              <a:t>新增、刪除或修改</a:t>
+              <a:t>、刪除或修改</a:t>
+            </a:r>
+            <a:r>
+              <a:rPr lang="zh-TW" altLang="en-US" b="1" dirty="0" smtClean="0">
+                <a:solidFill>
+                  <a:srgbClr val="FF0000"/>
+                </a:solidFill>
+              </a:rPr>
+              <a:t>圖片</a:t>
             </a:r>
             <a:r>
               <a:rPr lang="zh-TW" altLang="en-US" dirty="0" smtClean="0"/>
-              <a:t>圖片及專案內容</a:t>
+              <a:t>及專案內容</a:t>
             </a:r>
             <a:endParaRPr lang="en-US" altLang="zh-TW" dirty="0" smtClean="0"/>
           </a:p>
@@ -7033,6 +7879,96 @@
           </a:p>
         </p:txBody>
       </p:sp>
+      <p:pic>
+        <p:nvPicPr>
+          <p:cNvPr id="3" name="圖片 2"/>
+          <p:cNvPicPr>
+            <a:picLocks noChangeAspect="1"/>
+          </p:cNvPicPr>
+          <p:nvPr/>
+        </p:nvPicPr>
+        <p:blipFill>
+          <a:blip r:embed="rId4">
+            <a:extLst>
+              <a:ext uri="{28A0092B-C50C-407E-A947-70E740481C1C}">
+                <a14:useLocalDpi xmlns:a14="http://schemas.microsoft.com/office/drawing/2010/main" val="0"/>
+              </a:ext>
+            </a:extLst>
+          </a:blip>
+          <a:stretch>
+            <a:fillRect/>
+          </a:stretch>
+        </p:blipFill>
+        <p:spPr>
+          <a:xfrm>
+            <a:off x="881906" y="1645541"/>
+            <a:ext cx="7434510" cy="4267959"/>
+          </a:xfrm>
+          <a:prstGeom prst="rect">
+            <a:avLst/>
+          </a:prstGeom>
+        </p:spPr>
+      </p:pic>
+      <p:pic>
+        <p:nvPicPr>
+          <p:cNvPr id="6" name="圖片 5"/>
+          <p:cNvPicPr>
+            <a:picLocks noChangeAspect="1"/>
+          </p:cNvPicPr>
+          <p:nvPr/>
+        </p:nvPicPr>
+        <p:blipFill>
+          <a:blip r:embed="rId5">
+            <a:extLst>
+              <a:ext uri="{28A0092B-C50C-407E-A947-70E740481C1C}">
+                <a14:useLocalDpi xmlns:a14="http://schemas.microsoft.com/office/drawing/2010/main" val="0"/>
+              </a:ext>
+            </a:extLst>
+          </a:blip>
+          <a:stretch>
+            <a:fillRect/>
+          </a:stretch>
+        </p:blipFill>
+        <p:spPr>
+          <a:xfrm>
+            <a:off x="881906" y="1645539"/>
+            <a:ext cx="7434510" cy="4454983"/>
+          </a:xfrm>
+          <a:prstGeom prst="rect">
+            <a:avLst/>
+          </a:prstGeom>
+        </p:spPr>
+      </p:pic>
+      <p:pic>
+        <p:nvPicPr>
+          <p:cNvPr id="7" name="圖片 6"/>
+          <p:cNvPicPr>
+            <a:picLocks noChangeAspect="1"/>
+          </p:cNvPicPr>
+          <p:nvPr/>
+        </p:nvPicPr>
+        <p:blipFill>
+          <a:blip r:embed="rId6">
+            <a:extLst>
+              <a:ext uri="{28A0092B-C50C-407E-A947-70E740481C1C}">
+                <a14:useLocalDpi xmlns:a14="http://schemas.microsoft.com/office/drawing/2010/main" val="0"/>
+              </a:ext>
+            </a:extLst>
+          </a:blip>
+          <a:stretch>
+            <a:fillRect/>
+          </a:stretch>
+        </p:blipFill>
+        <p:spPr>
+          <a:xfrm>
+            <a:off x="881906" y="1988840"/>
+            <a:ext cx="7434510" cy="3528392"/>
+          </a:xfrm>
+          <a:prstGeom prst="rect">
+            <a:avLst/>
+          </a:prstGeom>
+        </p:spPr>
+      </p:pic>
     </p:spTree>
     <p:extLst>
       <p:ext uri="{BB962C8B-B14F-4D97-AF65-F5344CB8AC3E}">
@@ -7046,7 +7982,295 @@
   <p:timing>
     <p:tnLst>
       <p:par>
-        <p:cTn id="1" dur="indefinite" restart="never" nodeType="tmRoot"/>
+        <p:cTn id="1" dur="indefinite" restart="never" nodeType="tmRoot">
+          <p:childTnLst>
+            <p:seq concurrent="1" nextAc="seek">
+              <p:cTn id="2" dur="indefinite" nodeType="mainSeq">
+                <p:childTnLst>
+                  <p:par>
+                    <p:cTn id="3" fill="hold">
+                      <p:stCondLst>
+                        <p:cond delay="indefinite"/>
+                      </p:stCondLst>
+                      <p:childTnLst>
+                        <p:par>
+                          <p:cTn id="4" fill="hold">
+                            <p:stCondLst>
+                              <p:cond delay="0"/>
+                            </p:stCondLst>
+                            <p:childTnLst>
+                              <p:par>
+                                <p:cTn id="5" presetID="10" presetClass="entr" presetSubtype="0" fill="hold" nodeType="clickEffect">
+                                  <p:stCondLst>
+                                    <p:cond delay="0"/>
+                                  </p:stCondLst>
+                                  <p:childTnLst>
+                                    <p:set>
+                                      <p:cBhvr>
+                                        <p:cTn id="6" dur="1" fill="hold">
+                                          <p:stCondLst>
+                                            <p:cond delay="0"/>
+                                          </p:stCondLst>
+                                        </p:cTn>
+                                        <p:tgtEl>
+                                          <p:spTgt spid="3"/>
+                                        </p:tgtEl>
+                                        <p:attrNameLst>
+                                          <p:attrName>style.visibility</p:attrName>
+                                        </p:attrNameLst>
+                                      </p:cBhvr>
+                                      <p:to>
+                                        <p:strVal val="visible"/>
+                                      </p:to>
+                                    </p:set>
+                                    <p:animEffect transition="in" filter="fade">
+                                      <p:cBhvr>
+                                        <p:cTn id="7" dur="500"/>
+                                        <p:tgtEl>
+                                          <p:spTgt spid="3"/>
+                                        </p:tgtEl>
+                                      </p:cBhvr>
+                                    </p:animEffect>
+                                  </p:childTnLst>
+                                </p:cTn>
+                              </p:par>
+                            </p:childTnLst>
+                          </p:cTn>
+                        </p:par>
+                      </p:childTnLst>
+                    </p:cTn>
+                  </p:par>
+                  <p:par>
+                    <p:cTn id="8" fill="hold">
+                      <p:stCondLst>
+                        <p:cond delay="indefinite"/>
+                      </p:stCondLst>
+                      <p:childTnLst>
+                        <p:par>
+                          <p:cTn id="9" fill="hold">
+                            <p:stCondLst>
+                              <p:cond delay="0"/>
+                            </p:stCondLst>
+                            <p:childTnLst>
+                              <p:par>
+                                <p:cTn id="10" presetID="10" presetClass="exit" presetSubtype="0" fill="hold" nodeType="clickEffect">
+                                  <p:stCondLst>
+                                    <p:cond delay="0"/>
+                                  </p:stCondLst>
+                                  <p:childTnLst>
+                                    <p:animEffect transition="out" filter="fade">
+                                      <p:cBhvr>
+                                        <p:cTn id="11" dur="500"/>
+                                        <p:tgtEl>
+                                          <p:spTgt spid="3"/>
+                                        </p:tgtEl>
+                                      </p:cBhvr>
+                                    </p:animEffect>
+                                    <p:set>
+                                      <p:cBhvr>
+                                        <p:cTn id="12" dur="1" fill="hold">
+                                          <p:stCondLst>
+                                            <p:cond delay="499"/>
+                                          </p:stCondLst>
+                                        </p:cTn>
+                                        <p:tgtEl>
+                                          <p:spTgt spid="3"/>
+                                        </p:tgtEl>
+                                        <p:attrNameLst>
+                                          <p:attrName>style.visibility</p:attrName>
+                                        </p:attrNameLst>
+                                      </p:cBhvr>
+                                      <p:to>
+                                        <p:strVal val="hidden"/>
+                                      </p:to>
+                                    </p:set>
+                                  </p:childTnLst>
+                                </p:cTn>
+                              </p:par>
+                            </p:childTnLst>
+                          </p:cTn>
+                        </p:par>
+                      </p:childTnLst>
+                    </p:cTn>
+                  </p:par>
+                  <p:par>
+                    <p:cTn id="13" fill="hold">
+                      <p:stCondLst>
+                        <p:cond delay="indefinite"/>
+                      </p:stCondLst>
+                      <p:childTnLst>
+                        <p:par>
+                          <p:cTn id="14" fill="hold">
+                            <p:stCondLst>
+                              <p:cond delay="0"/>
+                            </p:stCondLst>
+                            <p:childTnLst>
+                              <p:par>
+                                <p:cTn id="15" presetID="10" presetClass="entr" presetSubtype="0" fill="hold" nodeType="clickEffect">
+                                  <p:stCondLst>
+                                    <p:cond delay="0"/>
+                                  </p:stCondLst>
+                                  <p:childTnLst>
+                                    <p:set>
+                                      <p:cBhvr>
+                                        <p:cTn id="16" dur="1" fill="hold">
+                                          <p:stCondLst>
+                                            <p:cond delay="0"/>
+                                          </p:stCondLst>
+                                        </p:cTn>
+                                        <p:tgtEl>
+                                          <p:spTgt spid="6"/>
+                                        </p:tgtEl>
+                                        <p:attrNameLst>
+                                          <p:attrName>style.visibility</p:attrName>
+                                        </p:attrNameLst>
+                                      </p:cBhvr>
+                                      <p:to>
+                                        <p:strVal val="visible"/>
+                                      </p:to>
+                                    </p:set>
+                                    <p:animEffect transition="in" filter="fade">
+                                      <p:cBhvr>
+                                        <p:cTn id="17" dur="500"/>
+                                        <p:tgtEl>
+                                          <p:spTgt spid="6"/>
+                                        </p:tgtEl>
+                                      </p:cBhvr>
+                                    </p:animEffect>
+                                  </p:childTnLst>
+                                </p:cTn>
+                              </p:par>
+                            </p:childTnLst>
+                          </p:cTn>
+                        </p:par>
+                      </p:childTnLst>
+                    </p:cTn>
+                  </p:par>
+                  <p:par>
+                    <p:cTn id="18" fill="hold">
+                      <p:stCondLst>
+                        <p:cond delay="indefinite"/>
+                      </p:stCondLst>
+                      <p:childTnLst>
+                        <p:par>
+                          <p:cTn id="19" fill="hold">
+                            <p:stCondLst>
+                              <p:cond delay="0"/>
+                            </p:stCondLst>
+                            <p:childTnLst>
+                              <p:par>
+                                <p:cTn id="20" presetID="10" presetClass="exit" presetSubtype="0" fill="hold" nodeType="clickEffect">
+                                  <p:stCondLst>
+                                    <p:cond delay="0"/>
+                                  </p:stCondLst>
+                                  <p:childTnLst>
+                                    <p:animEffect transition="out" filter="fade">
+                                      <p:cBhvr>
+                                        <p:cTn id="21" dur="500"/>
+                                        <p:tgtEl>
+                                          <p:spTgt spid="6"/>
+                                        </p:tgtEl>
+                                      </p:cBhvr>
+                                    </p:animEffect>
+                                    <p:set>
+                                      <p:cBhvr>
+                                        <p:cTn id="22" dur="1" fill="hold">
+                                          <p:stCondLst>
+                                            <p:cond delay="499"/>
+                                          </p:stCondLst>
+                                        </p:cTn>
+                                        <p:tgtEl>
+                                          <p:spTgt spid="6"/>
+                                        </p:tgtEl>
+                                        <p:attrNameLst>
+                                          <p:attrName>style.visibility</p:attrName>
+                                        </p:attrNameLst>
+                                      </p:cBhvr>
+                                      <p:to>
+                                        <p:strVal val="hidden"/>
+                                      </p:to>
+                                    </p:set>
+                                  </p:childTnLst>
+                                </p:cTn>
+                              </p:par>
+                            </p:childTnLst>
+                          </p:cTn>
+                        </p:par>
+                      </p:childTnLst>
+                    </p:cTn>
+                  </p:par>
+                  <p:par>
+                    <p:cTn id="23" fill="hold">
+                      <p:stCondLst>
+                        <p:cond delay="indefinite"/>
+                      </p:stCondLst>
+                      <p:childTnLst>
+                        <p:par>
+                          <p:cTn id="24" fill="hold">
+                            <p:stCondLst>
+                              <p:cond delay="0"/>
+                            </p:stCondLst>
+                            <p:childTnLst>
+                              <p:par>
+                                <p:cTn id="25" presetID="10" presetClass="entr" presetSubtype="0" fill="hold" nodeType="clickEffect">
+                                  <p:stCondLst>
+                                    <p:cond delay="0"/>
+                                  </p:stCondLst>
+                                  <p:childTnLst>
+                                    <p:set>
+                                      <p:cBhvr>
+                                        <p:cTn id="26" dur="1" fill="hold">
+                                          <p:stCondLst>
+                                            <p:cond delay="0"/>
+                                          </p:stCondLst>
+                                        </p:cTn>
+                                        <p:tgtEl>
+                                          <p:spTgt spid="7"/>
+                                        </p:tgtEl>
+                                        <p:attrNameLst>
+                                          <p:attrName>style.visibility</p:attrName>
+                                        </p:attrNameLst>
+                                      </p:cBhvr>
+                                      <p:to>
+                                        <p:strVal val="visible"/>
+                                      </p:to>
+                                    </p:set>
+                                    <p:animEffect transition="in" filter="fade">
+                                      <p:cBhvr>
+                                        <p:cTn id="27" dur="500"/>
+                                        <p:tgtEl>
+                                          <p:spTgt spid="7"/>
+                                        </p:tgtEl>
+                                      </p:cBhvr>
+                                    </p:animEffect>
+                                  </p:childTnLst>
+                                </p:cTn>
+                              </p:par>
+                            </p:childTnLst>
+                          </p:cTn>
+                        </p:par>
+                      </p:childTnLst>
+                    </p:cTn>
+                  </p:par>
+                </p:childTnLst>
+              </p:cTn>
+              <p:prevCondLst>
+                <p:cond evt="onPrev" delay="0">
+                  <p:tgtEl>
+                    <p:sldTgt/>
+                  </p:tgtEl>
+                </p:cond>
+              </p:prevCondLst>
+              <p:nextCondLst>
+                <p:cond evt="onNext" delay="0">
+                  <p:tgtEl>
+                    <p:sldTgt/>
+                  </p:tgtEl>
+                </p:cond>
+              </p:nextCondLst>
+            </p:seq>
+          </p:childTnLst>
+        </p:cTn>
       </p:par>
     </p:tnLst>
   </p:timing>
@@ -7228,22 +8452,11 @@
             </a:r>
             <a:r>
               <a:rPr lang="zh-TW" altLang="en-US" dirty="0" smtClean="0"/>
-              <a:t>聯絡我們的內容</a:t>
-            </a:r>
-            <a:endParaRPr lang="en-US" altLang="zh-TW" dirty="0" smtClean="0"/>
-          </a:p>
-          <a:p>
-            <a:r>
-              <a:rPr lang="en-US" altLang="zh-TW" dirty="0">
-                <a:hlinkClick r:id="rId3"/>
-              </a:rPr>
-              <a:t>https://</a:t>
-            </a:r>
-            <a:r>
-              <a:rPr lang="en-US" altLang="zh-TW" dirty="0" smtClean="0">
-                <a:hlinkClick r:id="rId3"/>
-              </a:rPr>
-              <a:t>www.codepile.net/pile/Dn24JqPv</a:t>
+              <a:t>聯絡我們的</a:t>
+            </a:r>
+            <a:r>
+              <a:rPr lang="zh-TW" altLang="en-US" dirty="0" smtClean="0"/>
+              <a:t>內容</a:t>
             </a:r>
             <a:endParaRPr lang="en-US" altLang="zh-TW" dirty="0" smtClean="0"/>
           </a:p>
@@ -7432,28 +8645,22 @@
           </a:p>
           <a:p>
             <a:r>
-              <a:rPr lang="en-US" altLang="zh-TW" u="sng" dirty="0">
+              <a:rPr lang="zh-TW" altLang="en-US" b="1" u="sng" dirty="0">
                 <a:solidFill>
                   <a:srgbClr val="FFC000"/>
                 </a:solidFill>
-                <a:hlinkClick r:id="rId3"/>
               </a:rPr>
-              <a:t>https://</a:t>
-            </a:r>
-            <a:r>
-              <a:rPr lang="en-US" altLang="zh-TW" u="sng" dirty="0" smtClean="0">
-                <a:solidFill>
-                  <a:srgbClr val="FFC000"/>
-                </a:solidFill>
-                <a:hlinkClick r:id="rId3"/>
-              </a:rPr>
-              <a:t>www.codepile.net/pile/Dw2bn6wy</a:t>
-            </a:r>
-            <a:endParaRPr lang="en-US" altLang="zh-TW" u="sng" dirty="0" smtClean="0">
-              <a:solidFill>
-                <a:srgbClr val="FFC000"/>
-              </a:solidFill>
-            </a:endParaRPr>
+              <a:t>編輯</a:t>
+            </a:r>
+            <a:r>
+              <a:rPr lang="zh-TW" altLang="en-US" dirty="0"/>
+              <a:t>聯絡我們的</a:t>
+            </a:r>
+            <a:r>
+              <a:rPr lang="zh-TW" altLang="en-US" dirty="0" smtClean="0"/>
+              <a:t>內容</a:t>
+            </a:r>
+            <a:endParaRPr lang="en-US" altLang="zh-TW" dirty="0"/>
           </a:p>
         </p:txBody>
       </p:sp>
@@ -8532,4 +9739,289 @@
   <a:objectDefaults/>
   <a:extraClrSchemeLst/>
 </a:theme>
+</file>
+
+<file path=ppt/theme/theme2.xml><?xml version="1.0" encoding="utf-8"?>
+<a:theme xmlns:a="http://schemas.openxmlformats.org/drawingml/2006/main" name="Office 佈景主題">
+  <a:themeElements>
+    <a:clrScheme name="Office">
+      <a:dk1>
+        <a:sysClr val="windowText" lastClr="000000"/>
+      </a:dk1>
+      <a:lt1>
+        <a:sysClr val="window" lastClr="FFFFFF"/>
+      </a:lt1>
+      <a:dk2>
+        <a:srgbClr val="1F497D"/>
+      </a:dk2>
+      <a:lt2>
+        <a:srgbClr val="EEECE1"/>
+      </a:lt2>
+      <a:accent1>
+        <a:srgbClr val="4F81BD"/>
+      </a:accent1>
+      <a:accent2>
+        <a:srgbClr val="C0504D"/>
+      </a:accent2>
+      <a:accent3>
+        <a:srgbClr val="9BBB59"/>
+      </a:accent3>
+      <a:accent4>
+        <a:srgbClr val="8064A2"/>
+      </a:accent4>
+      <a:accent5>
+        <a:srgbClr val="4BACC6"/>
+      </a:accent5>
+      <a:accent6>
+        <a:srgbClr val="F79646"/>
+      </a:accent6>
+      <a:hlink>
+        <a:srgbClr val="0000FF"/>
+      </a:hlink>
+      <a:folHlink>
+        <a:srgbClr val="800080"/>
+      </a:folHlink>
+    </a:clrScheme>
+    <a:fontScheme name="Office">
+      <a:majorFont>
+        <a:latin typeface="Calibri"/>
+        <a:ea typeface=""/>
+        <a:cs typeface=""/>
+        <a:font script="Jpan" typeface="ＭＳ Ｐゴシック"/>
+        <a:font script="Hang" typeface="맑은 고딕"/>
+        <a:font script="Hans" typeface="宋体"/>
+        <a:font script="Hant" typeface="新細明體"/>
+        <a:font script="Arab" typeface="Times New Roman"/>
+        <a:font script="Hebr" typeface="Times New Roman"/>
+        <a:font script="Thai" typeface="Angsana New"/>
+        <a:font script="Ethi" typeface="Nyala"/>
+        <a:font script="Beng" typeface="Vrinda"/>
+        <a:font script="Gujr" typeface="Shruti"/>
+        <a:font script="Khmr" typeface="MoolBoran"/>
+        <a:font script="Knda" typeface="Tunga"/>
+        <a:font script="Guru" typeface="Raavi"/>
+        <a:font script="Cans" typeface="Euphemia"/>
+        <a:font script="Cher" typeface="Plantagenet Cherokee"/>
+        <a:font script="Yiii" typeface="Microsoft Yi Baiti"/>
+        <a:font script="Tibt" typeface="Microsoft Himalaya"/>
+        <a:font script="Thaa" typeface="MV Boli"/>
+        <a:font script="Deva" typeface="Mangal"/>
+        <a:font script="Telu" typeface="Gautami"/>
+        <a:font script="Taml" typeface="Latha"/>
+        <a:font script="Syrc" typeface="Estrangelo Edessa"/>
+        <a:font script="Orya" typeface="Kalinga"/>
+        <a:font script="Mlym" typeface="Kartika"/>
+        <a:font script="Laoo" typeface="DokChampa"/>
+        <a:font script="Sinh" typeface="Iskoola Pota"/>
+        <a:font script="Mong" typeface="Mongolian Baiti"/>
+        <a:font script="Viet" typeface="Times New Roman"/>
+        <a:font script="Uigh" typeface="Microsoft Uighur"/>
+        <a:font script="Geor" typeface="Sylfaen"/>
+      </a:majorFont>
+      <a:minorFont>
+        <a:latin typeface="Calibri"/>
+        <a:ea typeface=""/>
+        <a:cs typeface=""/>
+        <a:font script="Jpan" typeface="ＭＳ Ｐゴシック"/>
+        <a:font script="Hang" typeface="맑은 고딕"/>
+        <a:font script="Hans" typeface="宋体"/>
+        <a:font script="Hant" typeface="新細明體"/>
+        <a:font script="Arab" typeface="Arial"/>
+        <a:font script="Hebr" typeface="Arial"/>
+        <a:font script="Thai" typeface="Cordia New"/>
+        <a:font script="Ethi" typeface="Nyala"/>
+        <a:font script="Beng" typeface="Vrinda"/>
+        <a:font script="Gujr" typeface="Shruti"/>
+        <a:font script="Khmr" typeface="DaunPenh"/>
+        <a:font script="Knda" typeface="Tunga"/>
+        <a:font script="Guru" typeface="Raavi"/>
+        <a:font script="Cans" typeface="Euphemia"/>
+        <a:font script="Cher" typeface="Plantagenet Cherokee"/>
+        <a:font script="Yiii" typeface="Microsoft Yi Baiti"/>
+        <a:font script="Tibt" typeface="Microsoft Himalaya"/>
+        <a:font script="Thaa" typeface="MV Boli"/>
+        <a:font script="Deva" typeface="Mangal"/>
+        <a:font script="Telu" typeface="Gautami"/>
+        <a:font script="Taml" typeface="Latha"/>
+        <a:font script="Syrc" typeface="Estrangelo Edessa"/>
+        <a:font script="Orya" typeface="Kalinga"/>
+        <a:font script="Mlym" typeface="Kartika"/>
+        <a:font script="Laoo" typeface="DokChampa"/>
+        <a:font script="Sinh" typeface="Iskoola Pota"/>
+        <a:font script="Mong" typeface="Mongolian Baiti"/>
+        <a:font script="Viet" typeface="Arial"/>
+        <a:font script="Uigh" typeface="Microsoft Uighur"/>
+        <a:font script="Geor" typeface="Sylfaen"/>
+      </a:minorFont>
+    </a:fontScheme>
+    <a:fmtScheme name="Office">
+      <a:fillStyleLst>
+        <a:solidFill>
+          <a:schemeClr val="phClr"/>
+        </a:solidFill>
+        <a:gradFill rotWithShape="1">
+          <a:gsLst>
+            <a:gs pos="0">
+              <a:schemeClr val="phClr">
+                <a:tint val="50000"/>
+                <a:satMod val="300000"/>
+              </a:schemeClr>
+            </a:gs>
+            <a:gs pos="35000">
+              <a:schemeClr val="phClr">
+                <a:tint val="37000"/>
+                <a:satMod val="300000"/>
+              </a:schemeClr>
+            </a:gs>
+            <a:gs pos="100000">
+              <a:schemeClr val="phClr">
+                <a:tint val="15000"/>
+                <a:satMod val="350000"/>
+              </a:schemeClr>
+            </a:gs>
+          </a:gsLst>
+          <a:lin ang="16200000" scaled="1"/>
+        </a:gradFill>
+        <a:gradFill rotWithShape="1">
+          <a:gsLst>
+            <a:gs pos="0">
+              <a:schemeClr val="phClr">
+                <a:shade val="51000"/>
+                <a:satMod val="130000"/>
+              </a:schemeClr>
+            </a:gs>
+            <a:gs pos="80000">
+              <a:schemeClr val="phClr">
+                <a:shade val="93000"/>
+                <a:satMod val="130000"/>
+              </a:schemeClr>
+            </a:gs>
+            <a:gs pos="100000">
+              <a:schemeClr val="phClr">
+                <a:shade val="94000"/>
+                <a:satMod val="135000"/>
+              </a:schemeClr>
+            </a:gs>
+          </a:gsLst>
+          <a:lin ang="16200000" scaled="0"/>
+        </a:gradFill>
+      </a:fillStyleLst>
+      <a:lnStyleLst>
+        <a:ln w="9525" cap="flat" cmpd="sng" algn="ctr">
+          <a:solidFill>
+            <a:schemeClr val="phClr">
+              <a:shade val="95000"/>
+              <a:satMod val="105000"/>
+            </a:schemeClr>
+          </a:solidFill>
+          <a:prstDash val="solid"/>
+        </a:ln>
+        <a:ln w="25400" cap="flat" cmpd="sng" algn="ctr">
+          <a:solidFill>
+            <a:schemeClr val="phClr"/>
+          </a:solidFill>
+          <a:prstDash val="solid"/>
+        </a:ln>
+        <a:ln w="38100" cap="flat" cmpd="sng" algn="ctr">
+          <a:solidFill>
+            <a:schemeClr val="phClr"/>
+          </a:solidFill>
+          <a:prstDash val="solid"/>
+        </a:ln>
+      </a:lnStyleLst>
+      <a:effectStyleLst>
+        <a:effectStyle>
+          <a:effectLst>
+            <a:outerShdw blurRad="40000" dist="20000" dir="5400000" rotWithShape="0">
+              <a:srgbClr val="000000">
+                <a:alpha val="38000"/>
+              </a:srgbClr>
+            </a:outerShdw>
+          </a:effectLst>
+        </a:effectStyle>
+        <a:effectStyle>
+          <a:effectLst>
+            <a:outerShdw blurRad="40000" dist="23000" dir="5400000" rotWithShape="0">
+              <a:srgbClr val="000000">
+                <a:alpha val="35000"/>
+              </a:srgbClr>
+            </a:outerShdw>
+          </a:effectLst>
+        </a:effectStyle>
+        <a:effectStyle>
+          <a:effectLst>
+            <a:outerShdw blurRad="40000" dist="23000" dir="5400000" rotWithShape="0">
+              <a:srgbClr val="000000">
+                <a:alpha val="35000"/>
+              </a:srgbClr>
+            </a:outerShdw>
+          </a:effectLst>
+          <a:scene3d>
+            <a:camera prst="orthographicFront">
+              <a:rot lat="0" lon="0" rev="0"/>
+            </a:camera>
+            <a:lightRig rig="threePt" dir="t">
+              <a:rot lat="0" lon="0" rev="1200000"/>
+            </a:lightRig>
+          </a:scene3d>
+          <a:sp3d>
+            <a:bevelT w="63500" h="25400"/>
+          </a:sp3d>
+        </a:effectStyle>
+      </a:effectStyleLst>
+      <a:bgFillStyleLst>
+        <a:solidFill>
+          <a:schemeClr val="phClr"/>
+        </a:solidFill>
+        <a:gradFill rotWithShape="1">
+          <a:gsLst>
+            <a:gs pos="0">
+              <a:schemeClr val="phClr">
+                <a:tint val="40000"/>
+                <a:satMod val="350000"/>
+              </a:schemeClr>
+            </a:gs>
+            <a:gs pos="40000">
+              <a:schemeClr val="phClr">
+                <a:tint val="45000"/>
+                <a:shade val="99000"/>
+                <a:satMod val="350000"/>
+              </a:schemeClr>
+            </a:gs>
+            <a:gs pos="100000">
+              <a:schemeClr val="phClr">
+                <a:shade val="20000"/>
+                <a:satMod val="255000"/>
+              </a:schemeClr>
+            </a:gs>
+          </a:gsLst>
+          <a:path path="circle">
+            <a:fillToRect l="50000" t="-80000" r="50000" b="180000"/>
+          </a:path>
+        </a:gradFill>
+        <a:gradFill rotWithShape="1">
+          <a:gsLst>
+            <a:gs pos="0">
+              <a:schemeClr val="phClr">
+                <a:tint val="80000"/>
+                <a:satMod val="300000"/>
+              </a:schemeClr>
+            </a:gs>
+            <a:gs pos="100000">
+              <a:schemeClr val="phClr">
+                <a:shade val="30000"/>
+                <a:satMod val="200000"/>
+              </a:schemeClr>
+            </a:gs>
+          </a:gsLst>
+          <a:path path="circle">
+            <a:fillToRect l="50000" t="50000" r="50000" b="50000"/>
+          </a:path>
+        </a:gradFill>
+      </a:bgFillStyleLst>
+    </a:fmtScheme>
+  </a:themeElements>
+  <a:objectDefaults/>
+  <a:extraClrSchemeLst/>
+</a:theme>
 </file>
--- a/small_project/data_project/沅淯駿營造有限公司.pptx
+++ b/small_project/data_project/沅淯駿營造有限公司.pptx
@@ -6725,19 +6725,11 @@
           <a:p>
             <a:r>
               <a:rPr lang="en-US" altLang="zh-TW" dirty="0" smtClean="0"/>
-              <a:t>Core</a:t>
-            </a:r>
-            <a:r>
-              <a:rPr lang="en-US" altLang="zh-TW" dirty="0" smtClean="0"/>
-              <a:t>:</a:t>
+              <a:t>Core:</a:t>
             </a:r>
             <a:r>
               <a:rPr lang="zh-TW" altLang="en-US" dirty="0" smtClean="0"/>
-              <a:t>導</a:t>
-            </a:r>
-            <a:r>
-              <a:rPr lang="zh-TW" altLang="en-US" dirty="0" smtClean="0"/>
-              <a:t>頁面到最外面的</a:t>
+              <a:t>導頁面到最外面的</a:t>
             </a:r>
             <a:r>
               <a:rPr lang="en-US" altLang="zh-TW" dirty="0" smtClean="0"/>
@@ -6746,6 +6738,10 @@
             <a:r>
               <a:rPr lang="zh-TW" altLang="en-US" dirty="0" smtClean="0"/>
               <a:t>展示</a:t>
+            </a:r>
+            <a:r>
+              <a:rPr lang="zh-TW" altLang="en-US" dirty="0" smtClean="0"/>
+              <a:t>，不顯示網頁檔案的名稱</a:t>
             </a:r>
             <a:endParaRPr lang="en-US" altLang="zh-TW" dirty="0" smtClean="0"/>
           </a:p>
@@ -8452,11 +8448,7 @@
             </a:r>
             <a:r>
               <a:rPr lang="zh-TW" altLang="en-US" dirty="0" smtClean="0"/>
-              <a:t>聯絡我們的</a:t>
-            </a:r>
-            <a:r>
-              <a:rPr lang="zh-TW" altLang="en-US" dirty="0" smtClean="0"/>
-              <a:t>內容</a:t>
+              <a:t>聯絡我們的內容</a:t>
             </a:r>
             <a:endParaRPr lang="en-US" altLang="zh-TW" dirty="0" smtClean="0"/>
           </a:p>

--- a/small_project/data_project/沅淯駿營造有限公司.pptx
+++ b/small_project/data_project/沅淯駿營造有限公司.pptx
@@ -6489,8 +6489,8 @@
           <a:p>
             <a:pPr algn="r"/>
             <a:r>
-              <a:rPr lang="zh-TW" altLang="en-US" sz="2400" dirty="0" smtClean="0"/>
-              <a:t>鄒羽宣</a:t>
+              <a:rPr lang="en-US" altLang="zh-TW" sz="2400" dirty="0" smtClean="0"/>
+              <a:t>Leona</a:t>
             </a:r>
             <a:endParaRPr lang="en-US" altLang="zh-TW" sz="2400" dirty="0" smtClean="0"/>
           </a:p>
@@ -6737,11 +6737,7 @@
             </a:r>
             <a:r>
               <a:rPr lang="zh-TW" altLang="en-US" dirty="0" smtClean="0"/>
-              <a:t>展示</a:t>
-            </a:r>
-            <a:r>
-              <a:rPr lang="zh-TW" altLang="en-US" dirty="0" smtClean="0"/>
-              <a:t>，不顯示網頁檔案的名稱</a:t>
+              <a:t>展示，不顯示網頁檔案的名稱</a:t>
             </a:r>
             <a:endParaRPr lang="en-US" altLang="zh-TW" dirty="0" smtClean="0"/>
           </a:p>
@@ -9404,6 +9400,29 @@
                 </a:solidFill>
               </a:rPr>
               <a:t>號</a:t>
+            </a:r>
+            <a:endParaRPr lang="en-US" altLang="zh-TW" sz="2400" b="1" dirty="0" smtClean="0">
+              <a:solidFill>
+                <a:schemeClr val="tx2"/>
+              </a:solidFill>
+            </a:endParaRPr>
+          </a:p>
+          <a:p>
+            <a:r>
+              <a:rPr lang="zh-TW" altLang="en-US" sz="2400" b="1" dirty="0">
+                <a:solidFill>
+                  <a:schemeClr val="tx2"/>
+                </a:solidFill>
+              </a:rPr>
+              <a:t>上傳</a:t>
+            </a:r>
+            <a:r>
+              <a:rPr lang="en-US" altLang="zh-TW" sz="2400" b="1" dirty="0">
+                <a:solidFill>
+                  <a:schemeClr val="tx2"/>
+                </a:solidFill>
+              </a:rPr>
+              <a:t>sample</a:t>
             </a:r>
             <a:endParaRPr lang="en-US" altLang="zh-TW" sz="2400" b="1" dirty="0" smtClean="0">
               <a:solidFill>

--- a/small_project/data_project/沅淯駿營造有限公司.pptx
+++ b/small_project/data_project/沅淯駿營造有限公司.pptx
@@ -115,6 +115,22 @@
       </a:defRPr>
     </a:lvl9pPr>
   </p:defaultTextStyle>
+  <p:extLst>
+    <p:ext uri="{EFAFB233-063F-42B5-8137-9DF3F51BA10A}">
+      <p15:sldGuideLst xmlns:p15="http://schemas.microsoft.com/office/powerpoint/2012/main">
+        <p15:guide id="1" orient="horz" pos="2160">
+          <p15:clr>
+            <a:srgbClr val="A4A3A4"/>
+          </p15:clr>
+        </p15:guide>
+        <p15:guide id="2" pos="2880">
+          <p15:clr>
+            <a:srgbClr val="A4A3A4"/>
+          </p15:clr>
+        </p15:guide>
+      </p15:sldGuideLst>
+    </p:ext>
+  </p:extLst>
 </p:presentation>
 </file>
 
@@ -575,6 +591,94 @@
     <p:extLst>
       <p:ext uri="{BB962C8B-B14F-4D97-AF65-F5344CB8AC3E}">
         <p14:creationId xmlns:p14="http://schemas.microsoft.com/office/powerpoint/2010/main" val="2180284889"/>
+      </p:ext>
+    </p:extLst>
+  </p:cSld>
+  <p:clrMapOvr>
+    <a:masterClrMapping/>
+  </p:clrMapOvr>
+</p:notes>
+</file>
+
+<file path=ppt/notesSlides/notesSlide2.xml><?xml version="1.0" encoding="utf-8"?>
+<p:notes xmlns:a="http://schemas.openxmlformats.org/drawingml/2006/main" xmlns:r="http://schemas.openxmlformats.org/officeDocument/2006/relationships" xmlns:p="http://schemas.openxmlformats.org/presentationml/2006/main">
+  <p:cSld>
+    <p:spTree>
+      <p:nvGrpSpPr>
+        <p:cNvPr id="1" name=""/>
+        <p:cNvGrpSpPr/>
+        <p:nvPr/>
+      </p:nvGrpSpPr>
+      <p:grpSpPr>
+        <a:xfrm>
+          <a:off x="0" y="0"/>
+          <a:ext cx="0" cy="0"/>
+          <a:chOff x="0" y="0"/>
+          <a:chExt cx="0" cy="0"/>
+        </a:xfrm>
+      </p:grpSpPr>
+      <p:sp>
+        <p:nvSpPr>
+          <p:cNvPr id="2" name="投影片圖像版面配置區 1"/>
+          <p:cNvSpPr>
+            <a:spLocks noGrp="1" noRot="1" noChangeAspect="1"/>
+          </p:cNvSpPr>
+          <p:nvPr>
+            <p:ph type="sldImg"/>
+          </p:nvPr>
+        </p:nvSpPr>
+        <p:spPr/>
+      </p:sp>
+      <p:sp>
+        <p:nvSpPr>
+          <p:cNvPr id="3" name="備忘稿版面配置區 2"/>
+          <p:cNvSpPr>
+            <a:spLocks noGrp="1"/>
+          </p:cNvSpPr>
+          <p:nvPr>
+            <p:ph type="body" idx="1"/>
+          </p:nvPr>
+        </p:nvSpPr>
+        <p:spPr/>
+        <p:txBody>
+          <a:bodyPr/>
+          <a:lstStyle/>
+          <a:p>
+            <a:r>
+              <a:rPr lang="en-US" altLang="zh-TW" dirty="0" smtClean="0"/>
+              <a:t>https://lab1-srt459vn.c9users.io/gitlab/small_project/project_MVC/index</a:t>
+            </a:r>
+            <a:endParaRPr lang="zh-TW" altLang="en-US" dirty="0"/>
+          </a:p>
+        </p:txBody>
+      </p:sp>
+      <p:sp>
+        <p:nvSpPr>
+          <p:cNvPr id="4" name="投影片編號版面配置區 3"/>
+          <p:cNvSpPr>
+            <a:spLocks noGrp="1"/>
+          </p:cNvSpPr>
+          <p:nvPr>
+            <p:ph type="sldNum" sz="quarter" idx="10"/>
+          </p:nvPr>
+        </p:nvSpPr>
+        <p:spPr/>
+        <p:txBody>
+          <a:bodyPr/>
+          <a:lstStyle/>
+          <a:p>
+            <a:fld id="{98708D32-8E1A-443D-BA0F-8F009ADC8E79}" type="slidenum">
+              <a:rPr lang="zh-TW" altLang="en-US" smtClean="0"/>
+              <a:t>9</a:t>
+            </a:fld>
+            <a:endParaRPr lang="zh-TW" altLang="en-US"/>
+          </a:p>
+        </p:txBody>
+      </p:sp>
+    </p:spTree>
+    <p:extLst>
+      <p:ext uri="{BB962C8B-B14F-4D97-AF65-F5344CB8AC3E}">
+        <p14:creationId xmlns:p14="http://schemas.microsoft.com/office/powerpoint/2010/main" val="3797229167"/>
       </p:ext>
     </p:extLst>
   </p:cSld>
@@ -6492,7 +6596,6 @@
               <a:rPr lang="en-US" altLang="zh-TW" sz="2400" dirty="0" smtClean="0"/>
               <a:t>Leona</a:t>
             </a:r>
-            <a:endParaRPr lang="en-US" altLang="zh-TW" sz="2400" dirty="0" smtClean="0"/>
           </a:p>
           <a:p>
             <a:pPr algn="r"/>
@@ -7925,36 +8028,6 @@
           <a:xfrm>
             <a:off x="881906" y="1645539"/>
             <a:ext cx="7434510" cy="4454983"/>
-          </a:xfrm>
-          <a:prstGeom prst="rect">
-            <a:avLst/>
-          </a:prstGeom>
-        </p:spPr>
-      </p:pic>
-      <p:pic>
-        <p:nvPicPr>
-          <p:cNvPr id="7" name="圖片 6"/>
-          <p:cNvPicPr>
-            <a:picLocks noChangeAspect="1"/>
-          </p:cNvPicPr>
-          <p:nvPr/>
-        </p:nvPicPr>
-        <p:blipFill>
-          <a:blip r:embed="rId6">
-            <a:extLst>
-              <a:ext uri="{28A0092B-C50C-407E-A947-70E740481C1C}">
-                <a14:useLocalDpi xmlns:a14="http://schemas.microsoft.com/office/drawing/2010/main" val="0"/>
-              </a:ext>
-            </a:extLst>
-          </a:blip>
-          <a:stretch>
-            <a:fillRect/>
-          </a:stretch>
-        </p:blipFill>
-        <p:spPr>
-          <a:xfrm>
-            <a:off x="881906" y="1988840"/>
-            <a:ext cx="7434510" cy="3528392"/>
           </a:xfrm>
           <a:prstGeom prst="rect">
             <a:avLst/>
@@ -8191,59 +8264,6 @@
                       </p:childTnLst>
                     </p:cTn>
                   </p:par>
-                  <p:par>
-                    <p:cTn id="23" fill="hold">
-                      <p:stCondLst>
-                        <p:cond delay="indefinite"/>
-                      </p:stCondLst>
-                      <p:childTnLst>
-                        <p:par>
-                          <p:cTn id="24" fill="hold">
-                            <p:stCondLst>
-                              <p:cond delay="0"/>
-                            </p:stCondLst>
-                            <p:childTnLst>
-                              <p:par>
-                                <p:cTn id="25" presetID="10" presetClass="entr" presetSubtype="0" fill="hold" nodeType="clickEffect">
-                                  <p:stCondLst>
-                                    <p:cond delay="0"/>
-                                  </p:stCondLst>
-                                  <p:childTnLst>
-                                    <p:set>
-                                      <p:cBhvr>
-                                        <p:cTn id="26" dur="1" fill="hold">
-                                          <p:stCondLst>
-                                            <p:cond delay="0"/>
-                                          </p:stCondLst>
-                                        </p:cTn>
-                                        <p:tgtEl>
-                                          <p:spTgt spid="7"/>
-                                        </p:tgtEl>
-                                        <p:attrNameLst>
-                                          <p:attrName>style.visibility</p:attrName>
-                                        </p:attrNameLst>
-                                      </p:cBhvr>
-                                      <p:to>
-                                        <p:strVal val="visible"/>
-                                      </p:to>
-                                    </p:set>
-                                    <p:animEffect transition="in" filter="fade">
-                                      <p:cBhvr>
-                                        <p:cTn id="27" dur="500"/>
-                                        <p:tgtEl>
-                                          <p:spTgt spid="7"/>
-                                        </p:tgtEl>
-                                      </p:cBhvr>
-                                    </p:animEffect>
-                                  </p:childTnLst>
-                                </p:cTn>
-                              </p:par>
-                            </p:childTnLst>
-                          </p:cTn>
-                        </p:par>
-                      </p:childTnLst>
-                    </p:cTn>
-                  </p:par>
                 </p:childTnLst>
               </p:cTn>
               <p:prevCondLst>
@@ -8713,7 +8733,7 @@
           <a:p>
             <a:r>
               <a:rPr lang="zh-TW" altLang="en-US" sz="2800" dirty="0" smtClean="0">
-                <a:hlinkClick r:id="rId2"/>
+                <a:hlinkClick r:id="rId3"/>
               </a:rPr>
               <a:t>沅淯駿營造有限公司</a:t>
             </a:r>

--- a/small_project/data_project/沅淯駿營造有限公司.pptx
+++ b/small_project/data_project/沅淯駿營造有限公司.pptx
@@ -646,9 +646,19 @@
           <a:p>
             <a:r>
               <a:rPr lang="en-US" altLang="zh-TW" dirty="0" smtClean="0"/>
-              <a:t>https://lab1-srt459vn.c9users.io/gitlab/small_project/project_MVC/index</a:t>
-            </a:r>
-            <a:endParaRPr lang="zh-TW" altLang="en-US" dirty="0"/>
+              <a:t>https://</a:t>
+            </a:r>
+            <a:r>
+              <a:rPr lang="en-US" altLang="zh-TW" dirty="0" smtClean="0"/>
+              <a:t>lab1-srt459vn.c9users.io/gitlab/small_project/project_MVC/index</a:t>
+            </a:r>
+          </a:p>
+          <a:p>
+            <a:r>
+              <a:rPr lang="en-US" altLang="zh-TW" smtClean="0"/>
+              <a:t>https://www.codepile.net/login</a:t>
+            </a:r>
+            <a:endParaRPr lang="en-US" altLang="zh-TW" dirty="0" smtClean="0"/>
           </a:p>
         </p:txBody>
       </p:sp>
@@ -7037,134 +7047,6 @@
             <a:endParaRPr lang="en-US" altLang="zh-TW" dirty="0" smtClean="0"/>
           </a:p>
           <a:p>
-            <a:r>
-              <a:rPr lang="en-US" altLang="zh-TW" b="1" dirty="0" smtClean="0">
-                <a:solidFill>
-                  <a:schemeClr val="accent4">
-                    <a:lumMod val="75000"/>
-                  </a:schemeClr>
-                </a:solidFill>
-              </a:rPr>
-              <a:t>Insert</a:t>
-            </a:r>
-            <a:r>
-              <a:rPr lang="zh-TW" altLang="en-US" b="1" dirty="0" smtClean="0">
-                <a:solidFill>
-                  <a:schemeClr val="accent4">
-                    <a:lumMod val="75000"/>
-                  </a:schemeClr>
-                </a:solidFill>
-              </a:rPr>
-              <a:t>、</a:t>
-            </a:r>
-            <a:r>
-              <a:rPr lang="en-US" altLang="zh-TW" b="1" dirty="0" smtClean="0">
-                <a:solidFill>
-                  <a:schemeClr val="accent4">
-                    <a:lumMod val="75000"/>
-                  </a:schemeClr>
-                </a:solidFill>
-              </a:rPr>
-              <a:t>update</a:t>
-            </a:r>
-            <a:r>
-              <a:rPr lang="zh-TW" altLang="en-US" b="1" dirty="0" smtClean="0">
-                <a:solidFill>
-                  <a:schemeClr val="accent4">
-                    <a:lumMod val="75000"/>
-                  </a:schemeClr>
-                </a:solidFill>
-              </a:rPr>
-              <a:t>、</a:t>
-            </a:r>
-            <a:r>
-              <a:rPr lang="en-US" altLang="zh-TW" b="1" dirty="0" smtClean="0">
-                <a:solidFill>
-                  <a:schemeClr val="accent4">
-                    <a:lumMod val="75000"/>
-                  </a:schemeClr>
-                </a:solidFill>
-              </a:rPr>
-              <a:t>delete</a:t>
-            </a:r>
-            <a:r>
-              <a:rPr lang="zh-TW" altLang="en-US" b="1" dirty="0" smtClean="0">
-                <a:solidFill>
-                  <a:schemeClr val="accent4">
-                    <a:lumMod val="75000"/>
-                  </a:schemeClr>
-                </a:solidFill>
-              </a:rPr>
-              <a:t>用</a:t>
-            </a:r>
-            <a:endParaRPr lang="en-US" altLang="zh-TW" b="1" dirty="0" smtClean="0">
-              <a:solidFill>
-                <a:schemeClr val="accent4">
-                  <a:lumMod val="75000"/>
-                </a:schemeClr>
-              </a:solidFill>
-            </a:endParaRPr>
-          </a:p>
-          <a:p>
-            <a:r>
-              <a:rPr lang="en-US" altLang="zh-TW" dirty="0">
-                <a:hlinkClick r:id="rId2"/>
-              </a:rPr>
-              <a:t>https://</a:t>
-            </a:r>
-            <a:r>
-              <a:rPr lang="en-US" altLang="zh-TW" dirty="0" smtClean="0">
-                <a:hlinkClick r:id="rId2"/>
-              </a:rPr>
-              <a:t>www.codepile.net/pile/8X89AjNY</a:t>
-            </a:r>
-            <a:endParaRPr lang="en-US" altLang="zh-TW" dirty="0" smtClean="0"/>
-          </a:p>
-          <a:p>
-            <a:r>
-              <a:rPr lang="en-US" altLang="zh-TW" b="1" dirty="0" smtClean="0">
-                <a:solidFill>
-                  <a:schemeClr val="accent4">
-                    <a:lumMod val="75000"/>
-                  </a:schemeClr>
-                </a:solidFill>
-              </a:rPr>
-              <a:t>Select</a:t>
-            </a:r>
-            <a:r>
-              <a:rPr lang="zh-TW" altLang="en-US" b="1" dirty="0" smtClean="0">
-                <a:solidFill>
-                  <a:schemeClr val="accent4">
-                    <a:lumMod val="75000"/>
-                  </a:schemeClr>
-                </a:solidFill>
-              </a:rPr>
-              <a:t>用</a:t>
-            </a:r>
-            <a:endParaRPr lang="en-US" altLang="zh-TW" b="1" dirty="0" smtClean="0">
-              <a:solidFill>
-                <a:schemeClr val="accent4">
-                  <a:lumMod val="75000"/>
-                </a:schemeClr>
-              </a:solidFill>
-            </a:endParaRPr>
-          </a:p>
-          <a:p>
-            <a:r>
-              <a:rPr lang="en-US" altLang="zh-TW" dirty="0">
-                <a:hlinkClick r:id="rId3"/>
-              </a:rPr>
-              <a:t>https://</a:t>
-            </a:r>
-            <a:r>
-              <a:rPr lang="en-US" altLang="zh-TW" dirty="0" smtClean="0">
-                <a:hlinkClick r:id="rId3"/>
-              </a:rPr>
-              <a:t>www.codepile.net/pile/A5Xj6dNG</a:t>
-            </a:r>
-            <a:endParaRPr lang="en-US" altLang="zh-TW" dirty="0" smtClean="0"/>
-          </a:p>
-          <a:p>
             <a:endParaRPr lang="en-US" altLang="zh-TW" dirty="0" smtClean="0"/>
           </a:p>
           <a:p>
@@ -7183,7 +7065,7 @@
           </p:nvPr>
         </p:nvPicPr>
         <p:blipFill>
-          <a:blip r:embed="rId4">
+          <a:blip r:embed="rId2">
             <a:extLst>
               <a:ext uri="{28A0092B-C50C-407E-A947-70E740481C1C}">
                 <a14:useLocalDpi xmlns:a14="http://schemas.microsoft.com/office/drawing/2010/main" val="0"/>
@@ -7210,7 +7092,7 @@
           <p:nvPr/>
         </p:nvPicPr>
         <p:blipFill>
-          <a:blip r:embed="rId5">
+          <a:blip r:embed="rId3">
             <a:extLst>
               <a:ext uri="{28A0092B-C50C-407E-A947-70E740481C1C}">
                 <a14:useLocalDpi xmlns:a14="http://schemas.microsoft.com/office/drawing/2010/main" val="0"/>
@@ -7223,7 +7105,7 @@
         </p:blipFill>
         <p:spPr>
           <a:xfrm>
-            <a:off x="624290" y="2132856"/>
+            <a:off x="1187624" y="1916832"/>
             <a:ext cx="7103331" cy="3946296"/>
           </a:xfrm>
           <a:prstGeom prst="rect">
@@ -7520,7 +7402,12 @@
             <p:ph sz="half" idx="2"/>
           </p:nvPr>
         </p:nvSpPr>
-        <p:spPr/>
+        <p:spPr>
+          <a:xfrm>
+            <a:off x="4788024" y="1699600"/>
+            <a:ext cx="4038600" cy="4681728"/>
+          </a:xfrm>
+        </p:spPr>
         <p:txBody>
           <a:bodyPr/>
           <a:lstStyle/>
@@ -7608,27 +7495,13 @@
             </a:r>
             <a:r>
               <a:rPr lang="zh-TW" altLang="en-US" dirty="0" smtClean="0"/>
-              <a:t>我們的內容</a:t>
+              <a:t>我們的</a:t>
+            </a:r>
+            <a:r>
+              <a:rPr lang="zh-TW" altLang="en-US" dirty="0" smtClean="0"/>
+              <a:t>內容</a:t>
             </a:r>
             <a:endParaRPr lang="en-US" altLang="zh-TW" dirty="0" smtClean="0"/>
-          </a:p>
-          <a:p>
-            <a:r>
-              <a:rPr lang="en-US" altLang="zh-TW" dirty="0">
-                <a:hlinkClick r:id="rId4"/>
-              </a:rPr>
-              <a:t>https://</a:t>
-            </a:r>
-            <a:r>
-              <a:rPr lang="en-US" altLang="zh-TW" dirty="0" smtClean="0">
-                <a:hlinkClick r:id="rId4"/>
-              </a:rPr>
-              <a:t>www.codepile.net/pile/XrDQlxgq</a:t>
-            </a:r>
-            <a:endParaRPr lang="en-US" altLang="zh-TW" dirty="0" smtClean="0"/>
-          </a:p>
-          <a:p>
-            <a:endParaRPr lang="zh-TW" altLang="en-US" dirty="0"/>
           </a:p>
         </p:txBody>
       </p:sp>
@@ -7641,7 +7514,7 @@
           <p:nvPr/>
         </p:nvPicPr>
         <p:blipFill>
-          <a:blip r:embed="rId5">
+          <a:blip r:embed="rId4">
             <a:extLst>
               <a:ext uri="{28A0092B-C50C-407E-A947-70E740481C1C}">
                 <a14:useLocalDpi xmlns:a14="http://schemas.microsoft.com/office/drawing/2010/main" val="0"/>
@@ -7654,7 +7527,7 @@
         </p:blipFill>
         <p:spPr>
           <a:xfrm>
-            <a:off x="1187624" y="2132856"/>
+            <a:off x="1110208" y="2272304"/>
             <a:ext cx="6917488" cy="2880320"/>
           </a:xfrm>
           <a:prstGeom prst="rect">
@@ -7845,7 +7718,12 @@
             <p:ph sz="half" idx="2"/>
           </p:nvPr>
         </p:nvSpPr>
-        <p:spPr/>
+        <p:spPr>
+          <a:xfrm>
+            <a:off x="4716016" y="1555584"/>
+            <a:ext cx="4038600" cy="4681728"/>
+          </a:xfrm>
+        </p:spPr>
         <p:txBody>
           <a:bodyPr/>
           <a:lstStyle/>
@@ -7930,40 +7808,12 @@
             </a:r>
             <a:r>
               <a:rPr lang="zh-TW" altLang="en-US" dirty="0" smtClean="0"/>
-              <a:t>聯絡我們的內容</a:t>
-            </a:r>
-            <a:endParaRPr lang="en-US" altLang="zh-TW" dirty="0" smtClean="0"/>
-          </a:p>
-          <a:p>
-            <a:r>
-              <a:rPr lang="en-US" altLang="zh-TW" dirty="0">
-                <a:hlinkClick r:id="rId3"/>
-              </a:rPr>
-              <a:t>https://</a:t>
-            </a:r>
-            <a:r>
-              <a:rPr lang="en-US" altLang="zh-TW" dirty="0" smtClean="0">
-                <a:hlinkClick r:id="rId3"/>
-              </a:rPr>
-              <a:t>www.codepile.net/pile/bQOpRDMY</a:t>
-            </a:r>
-          </a:p>
-          <a:p>
-            <a:r>
-              <a:rPr lang="en-US" altLang="zh-TW" dirty="0" smtClean="0">
-                <a:hlinkClick r:id="rId3"/>
-              </a:rPr>
-              <a:t>https</a:t>
-            </a:r>
-            <a:r>
-              <a:rPr lang="en-US" altLang="zh-TW" dirty="0">
-                <a:hlinkClick r:id="rId3"/>
-              </a:rPr>
-              <a:t>://www.codepile.net/pile/QojvQdoR</a:t>
-            </a:r>
-            <a:endParaRPr lang="en-US" altLang="zh-TW" dirty="0"/>
-          </a:p>
-          <a:p>
+              <a:t>聯絡我們的</a:t>
+            </a:r>
+            <a:r>
+              <a:rPr lang="zh-TW" altLang="en-US" dirty="0" smtClean="0"/>
+              <a:t>內容</a:t>
+            </a:r>
             <a:endParaRPr lang="en-US" altLang="zh-TW" dirty="0" smtClean="0"/>
           </a:p>
           <a:p>
@@ -7977,6 +7827,36 @@
       <p:pic>
         <p:nvPicPr>
           <p:cNvPr id="3" name="圖片 2"/>
+          <p:cNvPicPr>
+            <a:picLocks noChangeAspect="1"/>
+          </p:cNvPicPr>
+          <p:nvPr/>
+        </p:nvPicPr>
+        <p:blipFill>
+          <a:blip r:embed="rId3">
+            <a:extLst>
+              <a:ext uri="{28A0092B-C50C-407E-A947-70E740481C1C}">
+                <a14:useLocalDpi xmlns:a14="http://schemas.microsoft.com/office/drawing/2010/main" val="0"/>
+              </a:ext>
+            </a:extLst>
+          </a:blip>
+          <a:stretch>
+            <a:fillRect/>
+          </a:stretch>
+        </p:blipFill>
+        <p:spPr>
+          <a:xfrm>
+            <a:off x="881906" y="1645541"/>
+            <a:ext cx="7434510" cy="4267959"/>
+          </a:xfrm>
+          <a:prstGeom prst="rect">
+            <a:avLst/>
+          </a:prstGeom>
+        </p:spPr>
+      </p:pic>
+      <p:pic>
+        <p:nvPicPr>
+          <p:cNvPr id="6" name="圖片 5"/>
           <p:cNvPicPr>
             <a:picLocks noChangeAspect="1"/>
           </p:cNvPicPr>
@@ -7996,8 +7876,8 @@
         </p:blipFill>
         <p:spPr>
           <a:xfrm>
-            <a:off x="881906" y="1645541"/>
-            <a:ext cx="7434510" cy="4267959"/>
+            <a:off x="881906" y="1645539"/>
+            <a:ext cx="7434510" cy="4454983"/>
           </a:xfrm>
           <a:prstGeom prst="rect">
             <a:avLst/>
@@ -8006,7 +7886,7 @@
       </p:pic>
       <p:pic>
         <p:nvPicPr>
-          <p:cNvPr id="6" name="圖片 5"/>
+          <p:cNvPr id="7" name="圖片 6"/>
           <p:cNvPicPr>
             <a:picLocks noChangeAspect="1"/>
           </p:cNvPicPr>
@@ -8026,8 +7906,8 @@
         </p:blipFill>
         <p:spPr>
           <a:xfrm>
-            <a:off x="881906" y="1645539"/>
-            <a:ext cx="7434510" cy="4454983"/>
+            <a:off x="851697" y="2420888"/>
+            <a:ext cx="7434510" cy="3249927"/>
           </a:xfrm>
           <a:prstGeom prst="rect">
             <a:avLst/>
@@ -8264,6 +8144,59 @@
                       </p:childTnLst>
                     </p:cTn>
                   </p:par>
+                  <p:par>
+                    <p:cTn id="23" fill="hold">
+                      <p:stCondLst>
+                        <p:cond delay="indefinite"/>
+                      </p:stCondLst>
+                      <p:childTnLst>
+                        <p:par>
+                          <p:cTn id="24" fill="hold">
+                            <p:stCondLst>
+                              <p:cond delay="0"/>
+                            </p:stCondLst>
+                            <p:childTnLst>
+                              <p:par>
+                                <p:cTn id="25" presetID="10" presetClass="entr" presetSubtype="0" fill="hold" nodeType="clickEffect">
+                                  <p:stCondLst>
+                                    <p:cond delay="0"/>
+                                  </p:stCondLst>
+                                  <p:childTnLst>
+                                    <p:set>
+                                      <p:cBhvr>
+                                        <p:cTn id="26" dur="1" fill="hold">
+                                          <p:stCondLst>
+                                            <p:cond delay="0"/>
+                                          </p:stCondLst>
+                                        </p:cTn>
+                                        <p:tgtEl>
+                                          <p:spTgt spid="7"/>
+                                        </p:tgtEl>
+                                        <p:attrNameLst>
+                                          <p:attrName>style.visibility</p:attrName>
+                                        </p:attrNameLst>
+                                      </p:cBhvr>
+                                      <p:to>
+                                        <p:strVal val="visible"/>
+                                      </p:to>
+                                    </p:set>
+                                    <p:animEffect transition="in" filter="fade">
+                                      <p:cBhvr>
+                                        <p:cTn id="27" dur="500"/>
+                                        <p:tgtEl>
+                                          <p:spTgt spid="7"/>
+                                        </p:tgtEl>
+                                      </p:cBhvr>
+                                    </p:animEffect>
+                                  </p:childTnLst>
+                                </p:cTn>
+                              </p:par>
+                            </p:childTnLst>
+                          </p:cTn>
+                        </p:par>
+                      </p:childTnLst>
+                    </p:cTn>
+                  </p:par>
                 </p:childTnLst>
               </p:cTn>
               <p:prevCondLst>
@@ -8378,7 +8311,7 @@
         </p:nvSpPr>
         <p:spPr>
           <a:xfrm>
-            <a:off x="4648200" y="1673352"/>
+            <a:off x="4648200" y="1745360"/>
             <a:ext cx="4038600" cy="4131912"/>
           </a:xfrm>
         </p:spPr>
@@ -8577,7 +8510,12 @@
             <p:ph sz="half" idx="2"/>
           </p:nvPr>
         </p:nvSpPr>
-        <p:spPr/>
+        <p:spPr>
+          <a:xfrm>
+            <a:off x="4644008" y="1628800"/>
+            <a:ext cx="4038600" cy="4681728"/>
+          </a:xfrm>
+        </p:spPr>
         <p:txBody>
           <a:bodyPr/>
           <a:lstStyle/>
